--- a/source/docs/まとめサイト管理ソフトウェア要件定義.pptx
+++ b/source/docs/まとめサイト管理ソフトウェア要件定義.pptx
@@ -269,7 +269,7 @@
           <a:p>
             <a:fld id="{260B2DE4-4C89-464B-BA5F-760EFF51B16B}" type="datetimeFigureOut">
               <a:rPr kumimoji="1" lang="ja-JP" altLang="en-US" smtClean="0"/>
-              <a:t>2025/7/12</a:t>
+              <a:t>2025/7/21</a:t>
             </a:fld>
             <a:endParaRPr kumimoji="1" lang="ja-JP" altLang="en-US"/>
           </a:p>
@@ -499,7 +499,7 @@
           <a:p>
             <a:fld id="{260B2DE4-4C89-464B-BA5F-760EFF51B16B}" type="datetimeFigureOut">
               <a:rPr kumimoji="1" lang="ja-JP" altLang="en-US" smtClean="0"/>
-              <a:t>2025/7/12</a:t>
+              <a:t>2025/7/21</a:t>
             </a:fld>
             <a:endParaRPr kumimoji="1" lang="ja-JP" altLang="en-US"/>
           </a:p>
@@ -739,7 +739,7 @@
           <a:p>
             <a:fld id="{260B2DE4-4C89-464B-BA5F-760EFF51B16B}" type="datetimeFigureOut">
               <a:rPr kumimoji="1" lang="ja-JP" altLang="en-US" smtClean="0"/>
-              <a:t>2025/7/12</a:t>
+              <a:t>2025/7/21</a:t>
             </a:fld>
             <a:endParaRPr kumimoji="1" lang="ja-JP" altLang="en-US"/>
           </a:p>
@@ -969,7 +969,7 @@
           <a:p>
             <a:fld id="{260B2DE4-4C89-464B-BA5F-760EFF51B16B}" type="datetimeFigureOut">
               <a:rPr kumimoji="1" lang="ja-JP" altLang="en-US" smtClean="0"/>
-              <a:t>2025/7/12</a:t>
+              <a:t>2025/7/21</a:t>
             </a:fld>
             <a:endParaRPr kumimoji="1" lang="ja-JP" altLang="en-US"/>
           </a:p>
@@ -1244,7 +1244,7 @@
           <a:p>
             <a:fld id="{260B2DE4-4C89-464B-BA5F-760EFF51B16B}" type="datetimeFigureOut">
               <a:rPr kumimoji="1" lang="ja-JP" altLang="en-US" smtClean="0"/>
-              <a:t>2025/7/12</a:t>
+              <a:t>2025/7/21</a:t>
             </a:fld>
             <a:endParaRPr kumimoji="1" lang="ja-JP" altLang="en-US"/>
           </a:p>
@@ -1573,7 +1573,7 @@
           <a:p>
             <a:fld id="{260B2DE4-4C89-464B-BA5F-760EFF51B16B}" type="datetimeFigureOut">
               <a:rPr kumimoji="1" lang="ja-JP" altLang="en-US" smtClean="0"/>
-              <a:t>2025/7/12</a:t>
+              <a:t>2025/7/21</a:t>
             </a:fld>
             <a:endParaRPr kumimoji="1" lang="ja-JP" altLang="en-US"/>
           </a:p>
@@ -2049,7 +2049,7 @@
           <a:p>
             <a:fld id="{260B2DE4-4C89-464B-BA5F-760EFF51B16B}" type="datetimeFigureOut">
               <a:rPr kumimoji="1" lang="ja-JP" altLang="en-US" smtClean="0"/>
-              <a:t>2025/7/12</a:t>
+              <a:t>2025/7/21</a:t>
             </a:fld>
             <a:endParaRPr kumimoji="1" lang="ja-JP" altLang="en-US"/>
           </a:p>
@@ -2190,7 +2190,7 @@
           <a:p>
             <a:fld id="{260B2DE4-4C89-464B-BA5F-760EFF51B16B}" type="datetimeFigureOut">
               <a:rPr kumimoji="1" lang="ja-JP" altLang="en-US" smtClean="0"/>
-              <a:t>2025/7/12</a:t>
+              <a:t>2025/7/21</a:t>
             </a:fld>
             <a:endParaRPr kumimoji="1" lang="ja-JP" altLang="en-US"/>
           </a:p>
@@ -2303,7 +2303,7 @@
           <a:p>
             <a:fld id="{260B2DE4-4C89-464B-BA5F-760EFF51B16B}" type="datetimeFigureOut">
               <a:rPr kumimoji="1" lang="ja-JP" altLang="en-US" smtClean="0"/>
-              <a:t>2025/7/12</a:t>
+              <a:t>2025/7/21</a:t>
             </a:fld>
             <a:endParaRPr kumimoji="1" lang="ja-JP" altLang="en-US"/>
           </a:p>
@@ -2646,7 +2646,7 @@
           <a:p>
             <a:fld id="{260B2DE4-4C89-464B-BA5F-760EFF51B16B}" type="datetimeFigureOut">
               <a:rPr kumimoji="1" lang="ja-JP" altLang="en-US" smtClean="0"/>
-              <a:t>2025/7/12</a:t>
+              <a:t>2025/7/21</a:t>
             </a:fld>
             <a:endParaRPr kumimoji="1" lang="ja-JP" altLang="en-US"/>
           </a:p>
@@ -2934,7 +2934,7 @@
           <a:p>
             <a:fld id="{260B2DE4-4C89-464B-BA5F-760EFF51B16B}" type="datetimeFigureOut">
               <a:rPr kumimoji="1" lang="ja-JP" altLang="en-US" smtClean="0"/>
-              <a:t>2025/7/12</a:t>
+              <a:t>2025/7/21</a:t>
             </a:fld>
             <a:endParaRPr kumimoji="1" lang="ja-JP" altLang="en-US"/>
           </a:p>
@@ -3207,7 +3207,7 @@
           <a:p>
             <a:fld id="{260B2DE4-4C89-464B-BA5F-760EFF51B16B}" type="datetimeFigureOut">
               <a:rPr kumimoji="1" lang="ja-JP" altLang="en-US" smtClean="0"/>
-              <a:t>2025/7/12</a:t>
+              <a:t>2025/7/21</a:t>
             </a:fld>
             <a:endParaRPr kumimoji="1" lang="ja-JP" altLang="en-US"/>
           </a:p>
@@ -7365,8 +7365,8 @@
         </p:nvSpPr>
         <p:spPr>
           <a:xfrm>
-            <a:off x="1016001" y="2697019"/>
-            <a:ext cx="2881745" cy="1277273"/>
+            <a:off x="1025237" y="1810358"/>
+            <a:ext cx="2881745" cy="1138773"/>
           </a:xfrm>
           <a:prstGeom prst="rect">
             <a:avLst/>
@@ -7387,59 +7387,58 @@
           </a:p>
           <a:p>
             <a:r>
-              <a:rPr lang="en-US" altLang="ja-JP" sz="1100" dirty="0"/>
-              <a:t>+ List&lt;Object&gt; </a:t>
-            </a:r>
-            <a:r>
-              <a:rPr lang="en-US" altLang="ja-JP" sz="1100" dirty="0" err="1"/>
+              <a:rPr lang="en-US" altLang="ja-JP" sz="1000" dirty="0"/>
+              <a:t>- URL : string</a:t>
+            </a:r>
+          </a:p>
+          <a:p>
+            <a:r>
+              <a:rPr lang="en-US" altLang="ja-JP" sz="1000" dirty="0"/>
+              <a:t>- SITE_NAME : string</a:t>
+            </a:r>
+          </a:p>
+          <a:p>
+            <a:r>
+              <a:rPr lang="en-US" altLang="ja-JP" sz="1000" dirty="0"/>
+              <a:t>- LOGIC : string</a:t>
+            </a:r>
+          </a:p>
+          <a:p>
+            <a:r>
+              <a:rPr lang="en-US" altLang="ja-JP" sz="1000" dirty="0"/>
+              <a:t>+ </a:t>
+            </a:r>
+            <a:r>
+              <a:rPr lang="en-US" altLang="ja-JP" sz="1000" dirty="0" err="1"/>
+              <a:t>GetHtml</a:t>
+            </a:r>
+            <a:r>
+              <a:rPr lang="en-US" altLang="ja-JP" sz="1000" dirty="0"/>
+              <a:t>(</a:t>
+            </a:r>
+            <a:r>
+              <a:rPr lang="en-US" altLang="ja-JP" sz="1000" dirty="0" err="1"/>
+              <a:t>url</a:t>
+            </a:r>
+            <a:r>
+              <a:rPr lang="en-US" altLang="ja-JP" sz="1000" dirty="0"/>
+              <a:t> : string) : string</a:t>
+            </a:r>
+          </a:p>
+          <a:p>
+            <a:r>
+              <a:rPr lang="en-US" altLang="ja-JP" sz="1000" dirty="0"/>
+              <a:t>+ </a:t>
+            </a:r>
+            <a:r>
+              <a:rPr lang="en-US" altLang="ja-JP" sz="1000" dirty="0" err="1"/>
               <a:t>GetItems</a:t>
             </a:r>
             <a:r>
-              <a:rPr lang="en-US" altLang="ja-JP" sz="1100" dirty="0"/>
-              <a:t>()</a:t>
-            </a:r>
-            <a:endParaRPr kumimoji="1" lang="en-US" altLang="ja-JP" sz="1100" dirty="0"/>
-          </a:p>
-          <a:p>
-            <a:r>
-              <a:rPr lang="en-US" altLang="ja-JP" sz="1200" dirty="0"/>
-              <a:t>+ string </a:t>
-            </a:r>
-            <a:r>
-              <a:rPr lang="en-US" altLang="ja-JP" sz="1200" dirty="0" err="1"/>
-              <a:t>GetHtml</a:t>
-            </a:r>
-            <a:r>
-              <a:rPr lang="en-US" altLang="ja-JP" sz="1200" dirty="0"/>
-              <a:t>(string </a:t>
-            </a:r>
-            <a:r>
-              <a:rPr lang="en-US" altLang="ja-JP" sz="1200" dirty="0" err="1"/>
-              <a:t>url</a:t>
-            </a:r>
-            <a:r>
-              <a:rPr lang="en-US" altLang="ja-JP" sz="1200" dirty="0"/>
-              <a:t>)</a:t>
-            </a:r>
-          </a:p>
-          <a:p>
-            <a:r>
-              <a:rPr lang="en-US" altLang="ja-JP" sz="1200" dirty="0"/>
-              <a:t>- string URL </a:t>
-            </a:r>
-          </a:p>
-          <a:p>
-            <a:r>
-              <a:rPr lang="en-US" altLang="ja-JP" sz="1200" dirty="0"/>
-              <a:t>- string SITE_NAME</a:t>
-            </a:r>
-          </a:p>
-          <a:p>
-            <a:r>
-              <a:rPr lang="en-US" altLang="ja-JP" sz="1200" dirty="0"/>
-              <a:t>- string LOGIC</a:t>
-            </a:r>
-            <a:endParaRPr kumimoji="1" lang="ja-JP" altLang="en-US" sz="1200" dirty="0"/>
+              <a:rPr lang="en-US" altLang="ja-JP" sz="1000" dirty="0"/>
+              <a:t>() : List&lt;Object&gt;</a:t>
+            </a:r>
+            <a:endParaRPr kumimoji="1" lang="ja-JP" altLang="en-US" sz="1000" dirty="0"/>
           </a:p>
         </p:txBody>
       </p:sp>
@@ -7512,8 +7511,8 @@
         </p:nvSpPr>
         <p:spPr>
           <a:xfrm>
-            <a:off x="6761020" y="2697019"/>
-            <a:ext cx="4488871" cy="2062103"/>
+            <a:off x="5929747" y="1810358"/>
+            <a:ext cx="4488871" cy="2523768"/>
           </a:xfrm>
           <a:prstGeom prst="rect">
             <a:avLst/>
@@ -7535,7 +7534,103 @@
           <a:p>
             <a:r>
               <a:rPr lang="en-US" altLang="ja-JP" sz="1000" dirty="0"/>
-              <a:t>+ List&lt;Object&gt; </a:t>
+              <a:t>- URL : string</a:t>
+            </a:r>
+          </a:p>
+          <a:p>
+            <a:r>
+              <a:rPr lang="en-US" altLang="ja-JP" sz="1000" dirty="0"/>
+              <a:t>- SITE_NAME : string</a:t>
+            </a:r>
+          </a:p>
+          <a:p>
+            <a:r>
+              <a:rPr lang="en-US" altLang="ja-JP" sz="1000" dirty="0"/>
+              <a:t>- LOGIC : string</a:t>
+            </a:r>
+          </a:p>
+          <a:p>
+            <a:r>
+              <a:rPr lang="en-US" altLang="ja-JP" sz="1000" dirty="0"/>
+              <a:t>- LIST_NODE : string</a:t>
+            </a:r>
+          </a:p>
+          <a:p>
+            <a:r>
+              <a:rPr lang="en-US" altLang="ja-JP" sz="1000" dirty="0"/>
+              <a:t>- POST_NODE : string</a:t>
+            </a:r>
+          </a:p>
+          <a:p>
+            <a:r>
+              <a:rPr lang="en-US" altLang="ja-JP" sz="1000" dirty="0"/>
+              <a:t>- USER_ID : </a:t>
+            </a:r>
+            <a:r>
+              <a:rPr lang="en-US" altLang="ja-JP" sz="1000" dirty="0" err="1"/>
+              <a:t>NodeSelector</a:t>
+            </a:r>
+            <a:endParaRPr lang="en-US" altLang="ja-JP" sz="1000" dirty="0"/>
+          </a:p>
+          <a:p>
+            <a:r>
+              <a:rPr lang="en-US" altLang="ja-JP" sz="1000" dirty="0"/>
+              <a:t>- TEXT : </a:t>
+            </a:r>
+            <a:r>
+              <a:rPr lang="en-US" altLang="ja-JP" sz="1000" dirty="0" err="1"/>
+              <a:t>NodeSelector</a:t>
+            </a:r>
+            <a:endParaRPr lang="en-US" altLang="ja-JP" sz="1000" dirty="0"/>
+          </a:p>
+          <a:p>
+            <a:r>
+              <a:rPr lang="en-US" altLang="ja-JP" sz="1000" dirty="0"/>
+              <a:t>- DATE : </a:t>
+            </a:r>
+            <a:r>
+              <a:rPr lang="en-US" altLang="ja-JP" sz="1000" dirty="0" err="1"/>
+              <a:t>NodeSelector</a:t>
+            </a:r>
+            <a:endParaRPr lang="en-US" altLang="ja-JP" sz="1000" dirty="0"/>
+          </a:p>
+          <a:p>
+            <a:r>
+              <a:rPr lang="en-US" altLang="ja-JP" sz="1000" dirty="0"/>
+              <a:t>- REPLY : </a:t>
+            </a:r>
+            <a:r>
+              <a:rPr lang="en-US" altLang="ja-JP" sz="1000" dirty="0" err="1"/>
+              <a:t>NodeSelector</a:t>
+            </a:r>
+            <a:endParaRPr lang="en-US" altLang="ja-JP" sz="1000" dirty="0"/>
+          </a:p>
+          <a:p>
+            <a:r>
+              <a:rPr lang="en-US" altLang="ja-JP" sz="1000" dirty="0"/>
+              <a:t>- IMAGE : </a:t>
+            </a:r>
+            <a:r>
+              <a:rPr lang="en-US" altLang="ja-JP" sz="1000" dirty="0" err="1"/>
+              <a:t>NodeSelector</a:t>
+            </a:r>
+            <a:endParaRPr lang="en-US" altLang="ja-JP" sz="1000" dirty="0"/>
+          </a:p>
+          <a:p>
+            <a:r>
+              <a:rPr lang="en-US" altLang="ja-JP" sz="1000" dirty="0"/>
+              <a:t>- POST_ID : </a:t>
+            </a:r>
+            <a:r>
+              <a:rPr lang="en-US" altLang="ja-JP" sz="1000" dirty="0" err="1"/>
+              <a:t>NodeSelector</a:t>
+            </a:r>
+            <a:endParaRPr lang="en-US" altLang="ja-JP" sz="1000" dirty="0"/>
+          </a:p>
+          <a:p>
+            <a:r>
+              <a:rPr lang="en-US" altLang="ja-JP" sz="1000" dirty="0"/>
+              <a:t>+ </a:t>
             </a:r>
             <a:r>
               <a:rPr lang="en-US" altLang="ja-JP" sz="1000" dirty="0" err="1"/>
@@ -7543,13 +7638,13 @@
             </a:r>
             <a:r>
               <a:rPr lang="en-US" altLang="ja-JP" sz="1000" dirty="0"/>
-              <a:t>()</a:t>
+              <a:t>() : List&lt;Object&gt;</a:t>
             </a:r>
           </a:p>
           <a:p>
             <a:r>
               <a:rPr lang="en-US" altLang="ja-JP" sz="1000" dirty="0"/>
-              <a:t>+ string </a:t>
+              <a:t>+ </a:t>
             </a:r>
             <a:r>
               <a:rPr lang="en-US" altLang="ja-JP" sz="1000" dirty="0" err="1"/>
@@ -7557,7 +7652,15 @@
             </a:r>
             <a:r>
               <a:rPr lang="en-US" altLang="ja-JP" sz="1000" dirty="0"/>
-              <a:t> (</a:t>
+              <a:t>(</a:t>
+            </a:r>
+            <a:r>
+              <a:rPr lang="en-US" altLang="ja-JP" sz="1000" dirty="0" err="1"/>
+              <a:t>postNode</a:t>
+            </a:r>
+            <a:r>
+              <a:rPr lang="en-US" altLang="ja-JP" sz="1000" dirty="0"/>
+              <a:t> : </a:t>
             </a:r>
             <a:r>
               <a:rPr lang="en-US" altLang="ja-JP" sz="1000" dirty="0" err="1"/>
@@ -7565,7 +7668,7 @@
             </a:r>
             <a:r>
               <a:rPr lang="en-US" altLang="ja-JP" sz="1000" dirty="0"/>
-              <a:t>, </a:t>
+              <a:t>, selector : </a:t>
             </a:r>
             <a:r>
               <a:rPr lang="en-US" altLang="ja-JP" sz="1000" dirty="0" err="1"/>
@@ -7573,110 +7676,13 @@
             </a:r>
             <a:r>
               <a:rPr lang="en-US" altLang="ja-JP" sz="1000" dirty="0"/>
-              <a:t>)</a:t>
+              <a:t>) : string</a:t>
             </a:r>
           </a:p>
           <a:p>
             <a:r>
               <a:rPr lang="fr-FR" altLang="ja-JP" sz="1000" dirty="0"/>
-              <a:t>+ List&lt;Object&gt; DocParsePosts(HtmlDocument)</a:t>
-            </a:r>
-            <a:endParaRPr lang="en-US" altLang="ja-JP" sz="1000" dirty="0"/>
-          </a:p>
-          <a:p>
-            <a:r>
-              <a:rPr lang="en-US" altLang="ja-JP" sz="1000" dirty="0"/>
-              <a:t>- string LIST_NODE;</a:t>
-            </a:r>
-          </a:p>
-          <a:p>
-            <a:r>
-              <a:rPr lang="en-US" altLang="ja-JP" sz="1000" dirty="0"/>
-              <a:t>- string POST_NODE;</a:t>
-            </a:r>
-          </a:p>
-          <a:p>
-            <a:r>
-              <a:rPr lang="en-US" altLang="ja-JP" sz="1000" dirty="0"/>
-              <a:t>- </a:t>
-            </a:r>
-            <a:r>
-              <a:rPr lang="en-US" altLang="ja-JP" sz="1000" dirty="0" err="1"/>
-              <a:t>NodeSelector</a:t>
-            </a:r>
-            <a:r>
-              <a:rPr lang="en-US" altLang="ja-JP" sz="1000" dirty="0"/>
-              <a:t> USER_ID;</a:t>
-            </a:r>
-          </a:p>
-          <a:p>
-            <a:r>
-              <a:rPr lang="en-US" altLang="ja-JP" sz="1000" dirty="0"/>
-              <a:t>- </a:t>
-            </a:r>
-            <a:r>
-              <a:rPr lang="en-US" altLang="ja-JP" sz="1000" dirty="0" err="1"/>
-              <a:t>NodeSelector</a:t>
-            </a:r>
-            <a:r>
-              <a:rPr lang="en-US" altLang="ja-JP" sz="1000" dirty="0"/>
-              <a:t> TEXT;</a:t>
-            </a:r>
-          </a:p>
-          <a:p>
-            <a:r>
-              <a:rPr lang="en-US" altLang="ja-JP" sz="1000" dirty="0"/>
-              <a:t>- </a:t>
-            </a:r>
-            <a:r>
-              <a:rPr lang="en-US" altLang="ja-JP" sz="1000" dirty="0" err="1"/>
-              <a:t>NodeSelector</a:t>
-            </a:r>
-            <a:r>
-              <a:rPr lang="en-US" altLang="ja-JP" sz="1000" dirty="0"/>
-              <a:t> DATE;</a:t>
-            </a:r>
-          </a:p>
-          <a:p>
-            <a:r>
-              <a:rPr lang="en-US" altLang="ja-JP" sz="1000" dirty="0"/>
-              <a:t>- </a:t>
-            </a:r>
-            <a:r>
-              <a:rPr lang="en-US" altLang="ja-JP" sz="1000" dirty="0" err="1"/>
-              <a:t>NodeSelector</a:t>
-            </a:r>
-            <a:r>
-              <a:rPr lang="en-US" altLang="ja-JP" sz="1000" dirty="0"/>
-              <a:t> REPLY;</a:t>
-            </a:r>
-          </a:p>
-          <a:p>
-            <a:r>
-              <a:rPr lang="en-US" altLang="ja-JP" sz="1000" dirty="0"/>
-              <a:t>- </a:t>
-            </a:r>
-            <a:r>
-              <a:rPr lang="en-US" altLang="ja-JP" sz="1000" dirty="0" err="1"/>
-              <a:t>NodeSelector</a:t>
-            </a:r>
-            <a:r>
-              <a:rPr lang="en-US" altLang="ja-JP" sz="1000" dirty="0"/>
-              <a:t> IMAGE;</a:t>
-            </a:r>
-          </a:p>
-          <a:p>
-            <a:r>
-              <a:rPr lang="en-US" altLang="ja-JP" sz="1000" dirty="0"/>
-              <a:t>- </a:t>
-            </a:r>
-            <a:r>
-              <a:rPr lang="en-US" altLang="ja-JP" sz="1000" dirty="0" err="1"/>
-              <a:t>NodeSelector</a:t>
-            </a:r>
-            <a:r>
-              <a:rPr lang="en-US" altLang="ja-JP" sz="1000" dirty="0"/>
-              <a:t> POST_ID;</a:t>
+              <a:t>+ DocParsePosts(doc : HtmlDocument) : List&lt;Object&gt;</a:t>
             </a:r>
             <a:endParaRPr kumimoji="1" lang="ja-JP" altLang="en-US" sz="1000" dirty="0"/>
           </a:p>
@@ -7696,7 +7702,7 @@
         </p:nvCxnSpPr>
         <p:spPr>
           <a:xfrm>
-            <a:off x="4710546" y="3232728"/>
+            <a:off x="4064001" y="2379744"/>
             <a:ext cx="1514764" cy="0"/>
           </a:xfrm>
           <a:prstGeom prst="straightConnector1">

--- a/source/docs/まとめサイト管理ソフトウェア要件定義.pptx
+++ b/source/docs/まとめサイト管理ソフトウェア要件定義.pptx
@@ -160,6 +160,9 @@
             <a:off x="1524000" y="1122363"/>
             <a:ext cx="9144000" cy="2387600"/>
           </a:xfrm>
+          <a:prstGeom prst="rect">
+            <a:avLst/>
+          </a:prstGeom>
         </p:spPr>
         <p:txBody>
           <a:bodyPr anchor="b"/>
@@ -197,6 +200,9 @@
             <a:off x="1524000" y="3602038"/>
             <a:ext cx="9144000" cy="1655762"/>
           </a:xfrm>
+          <a:prstGeom prst="rect">
+            <a:avLst/>
+          </a:prstGeom>
         </p:spPr>
         <p:txBody>
           <a:bodyPr/>
@@ -269,7 +275,7 @@
           <a:p>
             <a:fld id="{260B2DE4-4C89-464B-BA5F-760EFF51B16B}" type="datetimeFigureOut">
               <a:rPr kumimoji="1" lang="ja-JP" altLang="en-US" smtClean="0"/>
-              <a:t>2025/7/21</a:t>
+              <a:t>2025/7/22</a:t>
             </a:fld>
             <a:endParaRPr kumimoji="1" lang="ja-JP" altLang="en-US"/>
           </a:p>
@@ -375,7 +381,15 @@
             <p:ph type="title"/>
           </p:nvPr>
         </p:nvSpPr>
-        <p:spPr/>
+        <p:spPr>
+          <a:xfrm>
+            <a:off x="838200" y="365125"/>
+            <a:ext cx="10515600" cy="1325563"/>
+          </a:xfrm>
+          <a:prstGeom prst="rect">
+            <a:avLst/>
+          </a:prstGeom>
+        </p:spPr>
         <p:txBody>
           <a:bodyPr/>
           <a:lstStyle/>
@@ -403,7 +417,15 @@
             <p:ph type="body" orient="vert" idx="1"/>
           </p:nvPr>
         </p:nvSpPr>
-        <p:spPr/>
+        <p:spPr>
+          <a:xfrm>
+            <a:off x="838200" y="1825625"/>
+            <a:ext cx="10515600" cy="4351338"/>
+          </a:xfrm>
+          <a:prstGeom prst="rect">
+            <a:avLst/>
+          </a:prstGeom>
+        </p:spPr>
         <p:txBody>
           <a:bodyPr vert="eaVert"/>
           <a:lstStyle/>
@@ -499,7 +521,7 @@
           <a:p>
             <a:fld id="{260B2DE4-4C89-464B-BA5F-760EFF51B16B}" type="datetimeFigureOut">
               <a:rPr kumimoji="1" lang="ja-JP" altLang="en-US" smtClean="0"/>
-              <a:t>2025/7/21</a:t>
+              <a:t>2025/7/22</a:t>
             </a:fld>
             <a:endParaRPr kumimoji="1" lang="ja-JP" altLang="en-US"/>
           </a:p>
@@ -610,6 +632,9 @@
             <a:off x="8724900" y="365125"/>
             <a:ext cx="2628900" cy="5811838"/>
           </a:xfrm>
+          <a:prstGeom prst="rect">
+            <a:avLst/>
+          </a:prstGeom>
         </p:spPr>
         <p:txBody>
           <a:bodyPr vert="eaVert"/>
@@ -643,6 +668,9 @@
             <a:off x="838200" y="365125"/>
             <a:ext cx="7734300" cy="5811838"/>
           </a:xfrm>
+          <a:prstGeom prst="rect">
+            <a:avLst/>
+          </a:prstGeom>
         </p:spPr>
         <p:txBody>
           <a:bodyPr vert="eaVert"/>
@@ -739,7 +767,7 @@
           <a:p>
             <a:fld id="{260B2DE4-4C89-464B-BA5F-760EFF51B16B}" type="datetimeFigureOut">
               <a:rPr kumimoji="1" lang="ja-JP" altLang="en-US" smtClean="0"/>
-              <a:t>2025/7/21</a:t>
+              <a:t>2025/7/22</a:t>
             </a:fld>
             <a:endParaRPr kumimoji="1" lang="ja-JP" altLang="en-US"/>
           </a:p>
@@ -813,7 +841,7 @@
 </file>
 
 <file path=ppt/slideLayouts/slideLayout2.xml><?xml version="1.0" encoding="utf-8"?>
-<p:sldLayout xmlns:a="http://schemas.openxmlformats.org/drawingml/2006/main" xmlns:r="http://schemas.openxmlformats.org/officeDocument/2006/relationships" xmlns:p="http://schemas.openxmlformats.org/presentationml/2006/main" type="obj" preserve="1">
+<p:sldLayout xmlns:a="http://schemas.openxmlformats.org/drawingml/2006/main" xmlns:r="http://schemas.openxmlformats.org/officeDocument/2006/relationships" xmlns:p="http://schemas.openxmlformats.org/presentationml/2006/main" preserve="1" userDrawn="1">
   <p:cSld name="タイトルとコンテンツ">
     <p:spTree>
       <p:nvGrpSpPr>
@@ -831,123 +859,6 @@
       </p:grpSpPr>
       <p:sp>
         <p:nvSpPr>
-          <p:cNvPr id="2" name="タイトル 1">
-            <a:extLst>
-              <a:ext uri="{FF2B5EF4-FFF2-40B4-BE49-F238E27FC236}">
-                <a16:creationId xmlns:a16="http://schemas.microsoft.com/office/drawing/2014/main" id="{B957F58B-FBA3-379D-929A-B3BCB1B5CA35}"/>
-              </a:ext>
-            </a:extLst>
-          </p:cNvPr>
-          <p:cNvSpPr>
-            <a:spLocks noGrp="1"/>
-          </p:cNvSpPr>
-          <p:nvPr>
-            <p:ph type="title"/>
-          </p:nvPr>
-        </p:nvSpPr>
-        <p:spPr/>
-        <p:txBody>
-          <a:bodyPr/>
-          <a:lstStyle/>
-          <a:p>
-            <a:r>
-              <a:rPr kumimoji="1" lang="ja-JP" altLang="en-US"/>
-              <a:t>マスター タイトルの書式設定</a:t>
-            </a:r>
-          </a:p>
-        </p:txBody>
-      </p:sp>
-      <p:sp>
-        <p:nvSpPr>
-          <p:cNvPr id="3" name="コンテンツ プレースホルダー 2">
-            <a:extLst>
-              <a:ext uri="{FF2B5EF4-FFF2-40B4-BE49-F238E27FC236}">
-                <a16:creationId xmlns:a16="http://schemas.microsoft.com/office/drawing/2014/main" id="{732FA6B4-6A2C-A1A3-9677-0FAA4FBF5C1A}"/>
-              </a:ext>
-            </a:extLst>
-          </p:cNvPr>
-          <p:cNvSpPr>
-            <a:spLocks noGrp="1"/>
-          </p:cNvSpPr>
-          <p:nvPr>
-            <p:ph idx="1"/>
-          </p:nvPr>
-        </p:nvSpPr>
-        <p:spPr/>
-        <p:txBody>
-          <a:bodyPr/>
-          <a:lstStyle/>
-          <a:p>
-            <a:pPr lvl="0"/>
-            <a:r>
-              <a:rPr kumimoji="1" lang="ja-JP" altLang="en-US"/>
-              <a:t>マスター テキストの書式設定</a:t>
-            </a:r>
-          </a:p>
-          <a:p>
-            <a:pPr lvl="1"/>
-            <a:r>
-              <a:rPr kumimoji="1" lang="ja-JP" altLang="en-US"/>
-              <a:t>第 </a:t>
-            </a:r>
-            <a:r>
-              <a:rPr kumimoji="1" lang="en-US" altLang="ja-JP"/>
-              <a:t>2 </a:t>
-            </a:r>
-            <a:r>
-              <a:rPr kumimoji="1" lang="ja-JP" altLang="en-US"/>
-              <a:t>レベル</a:t>
-            </a:r>
-          </a:p>
-          <a:p>
-            <a:pPr lvl="2"/>
-            <a:r>
-              <a:rPr kumimoji="1" lang="ja-JP" altLang="en-US"/>
-              <a:t>第 </a:t>
-            </a:r>
-            <a:r>
-              <a:rPr kumimoji="1" lang="en-US" altLang="ja-JP"/>
-              <a:t>3 </a:t>
-            </a:r>
-            <a:r>
-              <a:rPr kumimoji="1" lang="ja-JP" altLang="en-US"/>
-              <a:t>レベル</a:t>
-            </a:r>
-          </a:p>
-          <a:p>
-            <a:pPr lvl="3"/>
-            <a:r>
-              <a:rPr kumimoji="1" lang="ja-JP" altLang="en-US"/>
-              <a:t>第 </a:t>
-            </a:r>
-            <a:r>
-              <a:rPr kumimoji="1" lang="en-US" altLang="ja-JP"/>
-              <a:t>4 </a:t>
-            </a:r>
-            <a:r>
-              <a:rPr kumimoji="1" lang="ja-JP" altLang="en-US"/>
-              <a:t>レベル</a:t>
-            </a:r>
-          </a:p>
-          <a:p>
-            <a:pPr lvl="4"/>
-            <a:r>
-              <a:rPr kumimoji="1" lang="ja-JP" altLang="en-US"/>
-              <a:t>第 </a:t>
-            </a:r>
-            <a:r>
-              <a:rPr kumimoji="1" lang="en-US" altLang="ja-JP"/>
-              <a:t>5 </a:t>
-            </a:r>
-            <a:r>
-              <a:rPr kumimoji="1" lang="ja-JP" altLang="en-US"/>
-              <a:t>レベル</a:t>
-            </a:r>
-          </a:p>
-        </p:txBody>
-      </p:sp>
-      <p:sp>
-        <p:nvSpPr>
           <p:cNvPr id="4" name="日付プレースホルダー 3">
             <a:extLst>
               <a:ext uri="{FF2B5EF4-FFF2-40B4-BE49-F238E27FC236}">
@@ -969,7 +880,7 @@
           <a:p>
             <a:fld id="{260B2DE4-4C89-464B-BA5F-760EFF51B16B}" type="datetimeFigureOut">
               <a:rPr kumimoji="1" lang="ja-JP" altLang="en-US" smtClean="0"/>
-              <a:t>2025/7/21</a:t>
+              <a:t>2025/7/22</a:t>
             </a:fld>
             <a:endParaRPr kumimoji="1" lang="ja-JP" altLang="en-US"/>
           </a:p>
@@ -1080,6 +991,9 @@
             <a:off x="831850" y="1709738"/>
             <a:ext cx="10515600" cy="2852737"/>
           </a:xfrm>
+          <a:prstGeom prst="rect">
+            <a:avLst/>
+          </a:prstGeom>
         </p:spPr>
         <p:txBody>
           <a:bodyPr anchor="b"/>
@@ -1117,6 +1031,9 @@
             <a:off x="831850" y="4589463"/>
             <a:ext cx="10515600" cy="1500187"/>
           </a:xfrm>
+          <a:prstGeom prst="rect">
+            <a:avLst/>
+          </a:prstGeom>
         </p:spPr>
         <p:txBody>
           <a:bodyPr/>
@@ -1244,7 +1161,7 @@
           <a:p>
             <a:fld id="{260B2DE4-4C89-464B-BA5F-760EFF51B16B}" type="datetimeFigureOut">
               <a:rPr kumimoji="1" lang="ja-JP" altLang="en-US" smtClean="0"/>
-              <a:t>2025/7/21</a:t>
+              <a:t>2025/7/22</a:t>
             </a:fld>
             <a:endParaRPr kumimoji="1" lang="ja-JP" altLang="en-US"/>
           </a:p>
@@ -1350,7 +1267,15 @@
             <p:ph type="title"/>
           </p:nvPr>
         </p:nvSpPr>
-        <p:spPr/>
+        <p:spPr>
+          <a:xfrm>
+            <a:off x="838200" y="365125"/>
+            <a:ext cx="10515600" cy="1325563"/>
+          </a:xfrm>
+          <a:prstGeom prst="rect">
+            <a:avLst/>
+          </a:prstGeom>
+        </p:spPr>
         <p:txBody>
           <a:bodyPr/>
           <a:lstStyle/>
@@ -1383,6 +1308,9 @@
             <a:off x="838200" y="1825625"/>
             <a:ext cx="5181600" cy="4351338"/>
           </a:xfrm>
+          <a:prstGeom prst="rect">
+            <a:avLst/>
+          </a:prstGeom>
         </p:spPr>
         <p:txBody>
           <a:bodyPr/>
@@ -1477,6 +1405,9 @@
             <a:off x="6172200" y="1825625"/>
             <a:ext cx="5181600" cy="4351338"/>
           </a:xfrm>
+          <a:prstGeom prst="rect">
+            <a:avLst/>
+          </a:prstGeom>
         </p:spPr>
         <p:txBody>
           <a:bodyPr/>
@@ -1573,7 +1504,7 @@
           <a:p>
             <a:fld id="{260B2DE4-4C89-464B-BA5F-760EFF51B16B}" type="datetimeFigureOut">
               <a:rPr kumimoji="1" lang="ja-JP" altLang="en-US" smtClean="0"/>
-              <a:t>2025/7/21</a:t>
+              <a:t>2025/7/22</a:t>
             </a:fld>
             <a:endParaRPr kumimoji="1" lang="ja-JP" altLang="en-US"/>
           </a:p>
@@ -1684,6 +1615,9 @@
             <a:off x="839788" y="365125"/>
             <a:ext cx="10515600" cy="1325563"/>
           </a:xfrm>
+          <a:prstGeom prst="rect">
+            <a:avLst/>
+          </a:prstGeom>
         </p:spPr>
         <p:txBody>
           <a:bodyPr/>
@@ -1717,6 +1651,9 @@
             <a:off x="839788" y="1681163"/>
             <a:ext cx="5157787" cy="823912"/>
           </a:xfrm>
+          <a:prstGeom prst="rect">
+            <a:avLst/>
+          </a:prstGeom>
         </p:spPr>
         <p:txBody>
           <a:bodyPr anchor="b"/>
@@ -1788,6 +1725,9 @@
             <a:off x="839788" y="2505075"/>
             <a:ext cx="5157787" cy="3684588"/>
           </a:xfrm>
+          <a:prstGeom prst="rect">
+            <a:avLst/>
+          </a:prstGeom>
         </p:spPr>
         <p:txBody>
           <a:bodyPr/>
@@ -1882,6 +1822,9 @@
             <a:off x="6172200" y="1681163"/>
             <a:ext cx="5183188" cy="823912"/>
           </a:xfrm>
+          <a:prstGeom prst="rect">
+            <a:avLst/>
+          </a:prstGeom>
         </p:spPr>
         <p:txBody>
           <a:bodyPr anchor="b"/>
@@ -1953,6 +1896,9 @@
             <a:off x="6172200" y="2505075"/>
             <a:ext cx="5183188" cy="3684588"/>
           </a:xfrm>
+          <a:prstGeom prst="rect">
+            <a:avLst/>
+          </a:prstGeom>
         </p:spPr>
         <p:txBody>
           <a:bodyPr/>
@@ -2049,7 +1995,7 @@
           <a:p>
             <a:fld id="{260B2DE4-4C89-464B-BA5F-760EFF51B16B}" type="datetimeFigureOut">
               <a:rPr kumimoji="1" lang="ja-JP" altLang="en-US" smtClean="0"/>
-              <a:t>2025/7/21</a:t>
+              <a:t>2025/7/22</a:t>
             </a:fld>
             <a:endParaRPr kumimoji="1" lang="ja-JP" altLang="en-US"/>
           </a:p>
@@ -2155,7 +2101,15 @@
             <p:ph type="title"/>
           </p:nvPr>
         </p:nvSpPr>
-        <p:spPr/>
+        <p:spPr>
+          <a:xfrm>
+            <a:off x="838200" y="365125"/>
+            <a:ext cx="10515600" cy="1325563"/>
+          </a:xfrm>
+          <a:prstGeom prst="rect">
+            <a:avLst/>
+          </a:prstGeom>
+        </p:spPr>
         <p:txBody>
           <a:bodyPr/>
           <a:lstStyle/>
@@ -2190,7 +2144,7 @@
           <a:p>
             <a:fld id="{260B2DE4-4C89-464B-BA5F-760EFF51B16B}" type="datetimeFigureOut">
               <a:rPr kumimoji="1" lang="ja-JP" altLang="en-US" smtClean="0"/>
-              <a:t>2025/7/21</a:t>
+              <a:t>2025/7/22</a:t>
             </a:fld>
             <a:endParaRPr kumimoji="1" lang="ja-JP" altLang="en-US"/>
           </a:p>
@@ -2303,7 +2257,7 @@
           <a:p>
             <a:fld id="{260B2DE4-4C89-464B-BA5F-760EFF51B16B}" type="datetimeFigureOut">
               <a:rPr kumimoji="1" lang="ja-JP" altLang="en-US" smtClean="0"/>
-              <a:t>2025/7/21</a:t>
+              <a:t>2025/7/22</a:t>
             </a:fld>
             <a:endParaRPr kumimoji="1" lang="ja-JP" altLang="en-US"/>
           </a:p>
@@ -2414,6 +2368,9 @@
             <a:off x="839788" y="457200"/>
             <a:ext cx="3932237" cy="1600200"/>
           </a:xfrm>
+          <a:prstGeom prst="rect">
+            <a:avLst/>
+          </a:prstGeom>
         </p:spPr>
         <p:txBody>
           <a:bodyPr anchor="b"/>
@@ -2451,6 +2408,9 @@
             <a:off x="5183188" y="987425"/>
             <a:ext cx="6172200" cy="4873625"/>
           </a:xfrm>
+          <a:prstGeom prst="rect">
+            <a:avLst/>
+          </a:prstGeom>
         </p:spPr>
         <p:txBody>
           <a:bodyPr/>
@@ -2573,6 +2533,9 @@
             <a:off x="839788" y="2057400"/>
             <a:ext cx="3932237" cy="3811588"/>
           </a:xfrm>
+          <a:prstGeom prst="rect">
+            <a:avLst/>
+          </a:prstGeom>
         </p:spPr>
         <p:txBody>
           <a:bodyPr/>
@@ -2646,7 +2609,7 @@
           <a:p>
             <a:fld id="{260B2DE4-4C89-464B-BA5F-760EFF51B16B}" type="datetimeFigureOut">
               <a:rPr kumimoji="1" lang="ja-JP" altLang="en-US" smtClean="0"/>
-              <a:t>2025/7/21</a:t>
+              <a:t>2025/7/22</a:t>
             </a:fld>
             <a:endParaRPr kumimoji="1" lang="ja-JP" altLang="en-US"/>
           </a:p>
@@ -2757,6 +2720,9 @@
             <a:off x="839788" y="457200"/>
             <a:ext cx="3932237" cy="1600200"/>
           </a:xfrm>
+          <a:prstGeom prst="rect">
+            <a:avLst/>
+          </a:prstGeom>
         </p:spPr>
         <p:txBody>
           <a:bodyPr anchor="b"/>
@@ -2794,6 +2760,9 @@
             <a:off x="5183188" y="987425"/>
             <a:ext cx="6172200" cy="4873625"/>
           </a:xfrm>
+          <a:prstGeom prst="rect">
+            <a:avLst/>
+          </a:prstGeom>
         </p:spPr>
         <p:txBody>
           <a:bodyPr/>
@@ -2861,6 +2830,9 @@
             <a:off x="839788" y="2057400"/>
             <a:ext cx="3932237" cy="3811588"/>
           </a:xfrm>
+          <a:prstGeom prst="rect">
+            <a:avLst/>
+          </a:prstGeom>
         </p:spPr>
         <p:txBody>
           <a:bodyPr/>
@@ -2934,7 +2906,7 @@
           <a:p>
             <a:fld id="{260B2DE4-4C89-464B-BA5F-760EFF51B16B}" type="datetimeFigureOut">
               <a:rPr kumimoji="1" lang="ja-JP" altLang="en-US" smtClean="0"/>
-              <a:t>2025/7/21</a:t>
+              <a:t>2025/7/22</a:t>
             </a:fld>
             <a:endParaRPr kumimoji="1" lang="ja-JP" altLang="en-US"/>
           </a:p>
@@ -3031,143 +3003,6 @@
       </p:grpSpPr>
       <p:sp>
         <p:nvSpPr>
-          <p:cNvPr id="2" name="タイトル プレースホルダー 1">
-            <a:extLst>
-              <a:ext uri="{FF2B5EF4-FFF2-40B4-BE49-F238E27FC236}">
-                <a16:creationId xmlns:a16="http://schemas.microsoft.com/office/drawing/2014/main" id="{DE2C34B5-853D-EC28-F81A-72DC60FD5C6A}"/>
-              </a:ext>
-            </a:extLst>
-          </p:cNvPr>
-          <p:cNvSpPr>
-            <a:spLocks noGrp="1"/>
-          </p:cNvSpPr>
-          <p:nvPr>
-            <p:ph type="title"/>
-          </p:nvPr>
-        </p:nvSpPr>
-        <p:spPr>
-          <a:xfrm>
-            <a:off x="838200" y="365125"/>
-            <a:ext cx="10515600" cy="1325563"/>
-          </a:xfrm>
-          <a:prstGeom prst="rect">
-            <a:avLst/>
-          </a:prstGeom>
-        </p:spPr>
-        <p:txBody>
-          <a:bodyPr vert="horz" lIns="91440" tIns="45720" rIns="91440" bIns="45720" rtlCol="0" anchor="ctr">
-            <a:normAutofit/>
-          </a:bodyPr>
-          <a:lstStyle/>
-          <a:p>
-            <a:r>
-              <a:rPr kumimoji="1" lang="ja-JP" altLang="en-US"/>
-              <a:t>マスター タイトルの書式設定</a:t>
-            </a:r>
-          </a:p>
-        </p:txBody>
-      </p:sp>
-      <p:sp>
-        <p:nvSpPr>
-          <p:cNvPr id="3" name="テキスト プレースホルダー 2">
-            <a:extLst>
-              <a:ext uri="{FF2B5EF4-FFF2-40B4-BE49-F238E27FC236}">
-                <a16:creationId xmlns:a16="http://schemas.microsoft.com/office/drawing/2014/main" id="{2CB672AF-256A-E4FF-B19D-2EF6E7A234ED}"/>
-              </a:ext>
-            </a:extLst>
-          </p:cNvPr>
-          <p:cNvSpPr>
-            <a:spLocks noGrp="1"/>
-          </p:cNvSpPr>
-          <p:nvPr>
-            <p:ph type="body" idx="1"/>
-          </p:nvPr>
-        </p:nvSpPr>
-        <p:spPr>
-          <a:xfrm>
-            <a:off x="838200" y="1825625"/>
-            <a:ext cx="10515600" cy="4351338"/>
-          </a:xfrm>
-          <a:prstGeom prst="rect">
-            <a:avLst/>
-          </a:prstGeom>
-        </p:spPr>
-        <p:txBody>
-          <a:bodyPr vert="horz" lIns="91440" tIns="45720" rIns="91440" bIns="45720" rtlCol="0">
-            <a:normAutofit/>
-          </a:bodyPr>
-          <a:lstStyle/>
-          <a:p>
-            <a:pPr lvl="0"/>
-            <a:r>
-              <a:rPr kumimoji="1" lang="ja-JP" altLang="en-US"/>
-              <a:t>マスター テキストの書式設定</a:t>
-            </a:r>
-          </a:p>
-          <a:p>
-            <a:pPr lvl="1"/>
-            <a:r>
-              <a:rPr kumimoji="1" lang="ja-JP" altLang="en-US"/>
-              <a:t>第 </a:t>
-            </a:r>
-            <a:r>
-              <a:rPr kumimoji="1" lang="en-US" altLang="ja-JP"/>
-              <a:t>2 </a:t>
-            </a:r>
-            <a:r>
-              <a:rPr kumimoji="1" lang="ja-JP" altLang="en-US"/>
-              <a:t>レベル</a:t>
-            </a:r>
-          </a:p>
-          <a:p>
-            <a:pPr lvl="2"/>
-            <a:r>
-              <a:rPr kumimoji="1" lang="ja-JP" altLang="en-US"/>
-              <a:t>第 </a:t>
-            </a:r>
-            <a:r>
-              <a:rPr kumimoji="1" lang="en-US" altLang="ja-JP"/>
-              <a:t>3 </a:t>
-            </a:r>
-            <a:r>
-              <a:rPr kumimoji="1" lang="ja-JP" altLang="en-US"/>
-              <a:t>レベル</a:t>
-            </a:r>
-          </a:p>
-          <a:p>
-            <a:pPr lvl="3"/>
-            <a:r>
-              <a:rPr kumimoji="1" lang="ja-JP" altLang="en-US"/>
-              <a:t>第 </a:t>
-            </a:r>
-            <a:r>
-              <a:rPr kumimoji="1" lang="en-US" altLang="ja-JP"/>
-              <a:t>4 </a:t>
-            </a:r>
-            <a:r>
-              <a:rPr kumimoji="1" lang="ja-JP" altLang="en-US"/>
-              <a:t>レベル</a:t>
-            </a:r>
-          </a:p>
-          <a:p>
-            <a:pPr lvl="4"/>
-            <a:r>
-              <a:rPr kumimoji="1" lang="ja-JP" altLang="en-US"/>
-              <a:t>第 </a:t>
-            </a:r>
-            <a:r>
-              <a:rPr kumimoji="1" lang="en-US" altLang="ja-JP"/>
-              <a:t>5 </a:t>
-            </a:r>
-            <a:r>
-              <a:rPr kumimoji="1" lang="ja-JP" altLang="en-US"/>
-              <a:t>レベル</a:t>
-            </a:r>
-          </a:p>
-        </p:txBody>
-      </p:sp>
-      <p:sp>
-        <p:nvSpPr>
           <p:cNvPr id="4" name="日付プレースホルダー 3">
             <a:extLst>
               <a:ext uri="{FF2B5EF4-FFF2-40B4-BE49-F238E27FC236}">
@@ -3207,7 +3042,7 @@
           <a:p>
             <a:fld id="{260B2DE4-4C89-464B-BA5F-760EFF51B16B}" type="datetimeFigureOut">
               <a:rPr kumimoji="1" lang="ja-JP" altLang="en-US" smtClean="0"/>
-              <a:t>2025/7/21</a:t>
+              <a:t>2025/7/22</a:t>
             </a:fld>
             <a:endParaRPr kumimoji="1" lang="ja-JP" altLang="en-US"/>
           </a:p>
@@ -3653,13 +3488,13 @@
           <a:lstStyle/>
           <a:p>
             <a:r>
-              <a:rPr lang="ja-JP" altLang="en-US" dirty="0"/>
+              <a:rPr lang="ja-JP" altLang="en-US"/>
               <a:t>まとめサイト用レス収集ソフトウェア</a:t>
             </a:r>
-            <a:endParaRPr lang="en-US" altLang="ja-JP" dirty="0"/>
-          </a:p>
-          <a:p>
-            <a:endParaRPr kumimoji="1" lang="ja-JP" altLang="en-US" dirty="0"/>
+            <a:endParaRPr lang="en-US" altLang="ja-JP"/>
+          </a:p>
+          <a:p>
+            <a:endParaRPr kumimoji="1" lang="ja-JP" altLang="en-US"/>
           </a:p>
         </p:txBody>
       </p:sp>
@@ -3692,92 +3527,92 @@
           <a:lstStyle/>
           <a:p>
             <a:r>
-              <a:rPr lang="en-US" altLang="ja-JP" sz="1400" b="1" dirty="0"/>
+              <a:rPr lang="en-US" altLang="ja-JP" sz="1400" b="1"/>
               <a:t>Phase1</a:t>
             </a:r>
           </a:p>
           <a:p>
             <a:r>
-              <a:rPr lang="ja-JP" altLang="en-US" sz="1200" b="1" dirty="0"/>
+              <a:rPr lang="ja-JP" altLang="en-US" sz="1200" b="1"/>
               <a:t>スクレイピング</a:t>
             </a:r>
             <a:r>
-              <a:rPr lang="en-US" altLang="ja-JP" sz="1200" b="1" dirty="0"/>
+              <a:rPr lang="en-US" altLang="ja-JP" sz="1200" b="1"/>
               <a:t>,UI</a:t>
             </a:r>
             <a:r>
-              <a:rPr lang="ja-JP" altLang="en-US" sz="1200" b="1" dirty="0"/>
+              <a:rPr lang="ja-JP" altLang="en-US" sz="1200" b="1"/>
               <a:t>の土台の作成</a:t>
             </a:r>
-            <a:endParaRPr kumimoji="1" lang="en-US" altLang="ja-JP" sz="1200" b="1" dirty="0"/>
-          </a:p>
-          <a:p>
-            <a:r>
-              <a:rPr kumimoji="1" lang="ja-JP" altLang="en-US" sz="1200" dirty="0"/>
+            <a:endParaRPr kumimoji="1" lang="en-US" altLang="ja-JP" sz="1200" b="1"/>
+          </a:p>
+          <a:p>
+            <a:r>
+              <a:rPr kumimoji="1" lang="ja-JP" altLang="en-US" sz="1200"/>
               <a:t>・特定の</a:t>
             </a:r>
             <a:r>
-              <a:rPr kumimoji="1" lang="en-US" altLang="ja-JP" sz="1200" dirty="0"/>
+              <a:rPr kumimoji="1" lang="en-US" altLang="ja-JP" sz="1200"/>
               <a:t>web</a:t>
             </a:r>
             <a:r>
-              <a:rPr kumimoji="1" lang="ja-JP" altLang="en-US" sz="1200" dirty="0"/>
+              <a:rPr kumimoji="1" lang="ja-JP" altLang="en-US" sz="1200"/>
               <a:t>サイトの特定のスレッドの</a:t>
             </a:r>
             <a:r>
-              <a:rPr lang="ja-JP" altLang="en-US" sz="1200" dirty="0"/>
+              <a:rPr lang="ja-JP" altLang="en-US" sz="1200"/>
               <a:t>レスの収集</a:t>
             </a:r>
             <a:r>
-              <a:rPr lang="en-US" altLang="ja-JP" sz="1200" dirty="0"/>
+              <a:rPr lang="en-US" altLang="ja-JP" sz="1200"/>
               <a:t>(</a:t>
             </a:r>
             <a:r>
-              <a:rPr lang="ja-JP" altLang="en-US" sz="1200" dirty="0"/>
+              <a:rPr lang="ja-JP" altLang="en-US" sz="1200"/>
               <a:t>スクレイピング</a:t>
             </a:r>
             <a:r>
-              <a:rPr lang="en-US" altLang="ja-JP" sz="1200" dirty="0"/>
+              <a:rPr lang="en-US" altLang="ja-JP" sz="1200"/>
               <a:t>)</a:t>
             </a:r>
           </a:p>
           <a:p>
             <a:r>
-              <a:rPr kumimoji="1" lang="ja-JP" altLang="en-US" sz="1200" dirty="0"/>
+              <a:rPr kumimoji="1" lang="ja-JP" altLang="en-US" sz="1200"/>
               <a:t>・</a:t>
             </a:r>
             <a:r>
-              <a:rPr kumimoji="1" lang="en-US" altLang="ja-JP" sz="1200" dirty="0"/>
+              <a:rPr kumimoji="1" lang="en-US" altLang="ja-JP" sz="1200"/>
               <a:t>UI</a:t>
             </a:r>
             <a:r>
-              <a:rPr kumimoji="1" lang="ja-JP" altLang="en-US" sz="1200" dirty="0"/>
+              <a:rPr kumimoji="1" lang="ja-JP" altLang="en-US" sz="1200"/>
               <a:t>の作成</a:t>
             </a:r>
-            <a:endParaRPr kumimoji="1" lang="en-US" altLang="ja-JP" sz="1200" dirty="0"/>
-          </a:p>
-          <a:p>
-            <a:r>
-              <a:rPr kumimoji="1" lang="ja-JP" altLang="en-US" sz="1200" dirty="0"/>
+            <a:endParaRPr kumimoji="1" lang="en-US" altLang="ja-JP" sz="1200"/>
+          </a:p>
+          <a:p>
+            <a:r>
+              <a:rPr kumimoji="1" lang="ja-JP" altLang="en-US" sz="1200"/>
               <a:t>レス収集</a:t>
             </a:r>
             <a:r>
-              <a:rPr kumimoji="1" lang="en-US" altLang="ja-JP" sz="1200" dirty="0" err="1"/>
+              <a:rPr kumimoji="1" lang="en-US" altLang="ja-JP" sz="1200" err="1"/>
               <a:t>btn</a:t>
             </a:r>
             <a:r>
-              <a:rPr kumimoji="1" lang="ja-JP" altLang="en-US" sz="1200" dirty="0"/>
+              <a:rPr kumimoji="1" lang="ja-JP" altLang="en-US" sz="1200"/>
               <a:t>を押下 </a:t>
             </a:r>
             <a:r>
-              <a:rPr kumimoji="1" lang="en-US" altLang="ja-JP" sz="1200" dirty="0"/>
+              <a:rPr kumimoji="1" lang="en-US" altLang="ja-JP" sz="1200"/>
               <a:t>-&gt; </a:t>
             </a:r>
             <a:r>
-              <a:rPr kumimoji="1" lang="ja-JP" altLang="en-US" sz="1200" dirty="0"/>
+              <a:rPr kumimoji="1" lang="ja-JP" altLang="en-US" sz="1200"/>
               <a:t>レスの表示</a:t>
             </a:r>
-            <a:endParaRPr kumimoji="1" lang="en-US" altLang="ja-JP" sz="1200" dirty="0"/>
+            <a:endParaRPr kumimoji="1" lang="en-US" altLang="ja-JP" sz="1200"/>
           </a:p>
         </p:txBody>
       </p:sp>
@@ -3810,48 +3645,48 @@
           <a:lstStyle/>
           <a:p>
             <a:r>
-              <a:rPr kumimoji="1" lang="en-US" altLang="ja-JP" sz="1400" b="1" dirty="0"/>
+              <a:rPr kumimoji="1" lang="en-US" altLang="ja-JP" sz="1400" b="1"/>
               <a:t>Phase2</a:t>
             </a:r>
           </a:p>
           <a:p>
             <a:r>
-              <a:rPr kumimoji="1" lang="en-US" altLang="ja-JP" sz="1200" b="1" dirty="0"/>
+              <a:rPr kumimoji="1" lang="en-US" altLang="ja-JP" sz="1200" b="1"/>
               <a:t>UI</a:t>
             </a:r>
             <a:r>
-              <a:rPr lang="ja-JP" altLang="en-US" sz="1200" b="1" dirty="0"/>
+              <a:rPr lang="ja-JP" altLang="en-US" sz="1200" b="1"/>
               <a:t>を拡張</a:t>
             </a:r>
-            <a:endParaRPr kumimoji="1" lang="en-US" altLang="ja-JP" sz="1200" b="1" dirty="0"/>
-          </a:p>
-          <a:p>
-            <a:r>
-              <a:rPr kumimoji="1" lang="ja-JP" altLang="en-US" sz="1200" dirty="0"/>
+            <a:endParaRPr kumimoji="1" lang="en-US" altLang="ja-JP" sz="1200" b="1"/>
+          </a:p>
+          <a:p>
+            <a:r>
+              <a:rPr kumimoji="1" lang="ja-JP" altLang="en-US" sz="1200"/>
               <a:t>・人気レスの可視化</a:t>
             </a:r>
-            <a:endParaRPr kumimoji="1" lang="en-US" altLang="ja-JP" sz="1200" dirty="0"/>
-          </a:p>
-          <a:p>
-            <a:r>
-              <a:rPr lang="ja-JP" altLang="en-US" sz="1200" dirty="0"/>
+            <a:endParaRPr kumimoji="1" lang="en-US" altLang="ja-JP" sz="1200"/>
+          </a:p>
+          <a:p>
+            <a:r>
+              <a:rPr lang="ja-JP" altLang="en-US" sz="1200"/>
               <a:t>・勢いの可視化</a:t>
             </a:r>
-            <a:endParaRPr lang="en-US" altLang="ja-JP" sz="1200" dirty="0"/>
-          </a:p>
-          <a:p>
-            <a:r>
-              <a:rPr lang="ja-JP" altLang="en-US" sz="1200" dirty="0"/>
+            <a:endParaRPr lang="en-US" altLang="ja-JP" sz="1200"/>
+          </a:p>
+          <a:p>
+            <a:r>
+              <a:rPr lang="ja-JP" altLang="en-US" sz="1200"/>
               <a:t>・レスを抽出するためのチェック欄や複数選択</a:t>
             </a:r>
-            <a:endParaRPr lang="en-US" altLang="ja-JP" sz="1200" dirty="0"/>
-          </a:p>
-          <a:p>
-            <a:r>
-              <a:rPr kumimoji="1" lang="ja-JP" altLang="en-US" sz="1200" dirty="0"/>
+            <a:endParaRPr lang="en-US" altLang="ja-JP" sz="1200"/>
+          </a:p>
+          <a:p>
+            <a:r>
+              <a:rPr kumimoji="1" lang="ja-JP" altLang="en-US" sz="1200"/>
               <a:t>・レスの検索機能</a:t>
             </a:r>
-            <a:endParaRPr kumimoji="1" lang="en-US" altLang="ja-JP" sz="1200" dirty="0"/>
+            <a:endParaRPr kumimoji="1" lang="en-US" altLang="ja-JP" sz="1200"/>
           </a:p>
         </p:txBody>
       </p:sp>
@@ -3884,7 +3719,7 @@
           <a:lstStyle/>
           <a:p>
             <a:r>
-              <a:rPr lang="en-US" altLang="ja-JP" sz="1200" b="1" dirty="0">
+              <a:rPr lang="en-US" altLang="ja-JP" sz="1200" b="1">
                 <a:solidFill>
                   <a:schemeClr val="bg1">
                     <a:lumMod val="85000"/>
@@ -3896,7 +3731,7 @@
           </a:p>
           <a:p>
             <a:r>
-              <a:rPr lang="ja-JP" altLang="en-US" sz="1200" b="1" dirty="0">
+              <a:rPr lang="ja-JP" altLang="en-US" sz="1200" b="1">
                 <a:solidFill>
                   <a:schemeClr val="bg1">
                     <a:lumMod val="85000"/>
@@ -3906,7 +3741,7 @@
               <a:t>複数スレッドのスクレイピング、</a:t>
             </a:r>
             <a:r>
-              <a:rPr lang="en-US" altLang="ja-JP" sz="1200" b="1" dirty="0">
+              <a:rPr lang="en-US" altLang="ja-JP" sz="1200" b="1">
                 <a:solidFill>
                   <a:schemeClr val="bg1">
                     <a:lumMod val="85000"/>
@@ -3916,7 +3751,7 @@
               <a:t>UI</a:t>
             </a:r>
             <a:r>
-              <a:rPr lang="ja-JP" altLang="en-US" sz="1200" b="1" dirty="0">
+              <a:rPr lang="ja-JP" altLang="en-US" sz="1200" b="1">
                 <a:solidFill>
                   <a:schemeClr val="bg1">
                     <a:lumMod val="85000"/>
@@ -3925,7 +3760,7 @@
               </a:rPr>
               <a:t>を複数スレッドに対応</a:t>
             </a:r>
-            <a:endParaRPr lang="en-US" altLang="ja-JP" sz="1200" b="1" dirty="0">
+            <a:endParaRPr lang="en-US" altLang="ja-JP" sz="1200" b="1">
               <a:solidFill>
                 <a:schemeClr val="bg1">
                   <a:lumMod val="85000"/>
@@ -3935,7 +3770,7 @@
           </a:p>
           <a:p>
             <a:r>
-              <a:rPr lang="ja-JP" altLang="en-US" sz="1200" dirty="0">
+              <a:rPr lang="ja-JP" altLang="en-US" sz="1200">
                 <a:solidFill>
                   <a:schemeClr val="bg1">
                     <a:lumMod val="85000"/>
@@ -3945,7 +3780,7 @@
               <a:t>・特定の</a:t>
             </a:r>
             <a:r>
-              <a:rPr lang="en-US" altLang="ja-JP" sz="1200" dirty="0">
+              <a:rPr lang="en-US" altLang="ja-JP" sz="1200">
                 <a:solidFill>
                   <a:schemeClr val="bg1">
                     <a:lumMod val="85000"/>
@@ -3955,7 +3790,7 @@
               <a:t>web</a:t>
             </a:r>
             <a:r>
-              <a:rPr lang="ja-JP" altLang="en-US" sz="1200" dirty="0">
+              <a:rPr lang="ja-JP" altLang="en-US" sz="1200">
                 <a:solidFill>
                   <a:schemeClr val="bg1">
                     <a:lumMod val="85000"/>
@@ -3964,7 +3799,7 @@
               </a:rPr>
               <a:t>サイトの複数のスレッドをスクレイピング</a:t>
             </a:r>
-            <a:endParaRPr lang="en-US" altLang="ja-JP" sz="1200" dirty="0">
+            <a:endParaRPr lang="en-US" altLang="ja-JP" sz="1200">
               <a:solidFill>
                 <a:schemeClr val="bg1">
                   <a:lumMod val="85000"/>
@@ -3974,7 +3809,7 @@
           </a:p>
           <a:p>
             <a:r>
-              <a:rPr lang="ja-JP" altLang="en-US" sz="1200" dirty="0">
+              <a:rPr lang="ja-JP" altLang="en-US" sz="1200">
                 <a:solidFill>
                   <a:schemeClr val="bg1">
                     <a:lumMod val="85000"/>
@@ -3983,7 +3818,7 @@
               </a:rPr>
               <a:t>・人気スレッドの可視化</a:t>
             </a:r>
-            <a:endParaRPr kumimoji="1" lang="en-US" altLang="ja-JP" sz="1200" dirty="0">
+            <a:endParaRPr kumimoji="1" lang="en-US" altLang="ja-JP" sz="1200">
               <a:solidFill>
                 <a:schemeClr val="bg1">
                   <a:lumMod val="85000"/>
@@ -4022,34 +3857,34 @@
           <a:lstStyle/>
           <a:p>
             <a:r>
-              <a:rPr kumimoji="1" lang="en-US" altLang="ja-JP" sz="1400" b="1" dirty="0"/>
+              <a:rPr kumimoji="1" lang="en-US" altLang="ja-JP" sz="1400" b="1"/>
               <a:t>Phase3</a:t>
             </a:r>
           </a:p>
           <a:p>
             <a:r>
-              <a:rPr lang="ja-JP" altLang="en-US" sz="1200" b="1" dirty="0"/>
+              <a:rPr lang="ja-JP" altLang="en-US" sz="1200" b="1"/>
               <a:t>まとめの作成</a:t>
             </a:r>
-            <a:endParaRPr lang="en-US" altLang="ja-JP" sz="1200" b="1" dirty="0"/>
-          </a:p>
-          <a:p>
-            <a:r>
-              <a:rPr kumimoji="1" lang="ja-JP" altLang="en-US" sz="1200" dirty="0"/>
+            <a:endParaRPr lang="en-US" altLang="ja-JP" sz="1200" b="1"/>
+          </a:p>
+          <a:p>
+            <a:r>
+              <a:rPr kumimoji="1" lang="ja-JP" altLang="en-US" sz="1200"/>
               <a:t>・レスを抽出し</a:t>
             </a:r>
             <a:r>
-              <a:rPr kumimoji="1" lang="en-US" altLang="ja-JP" sz="1200" dirty="0" err="1"/>
+              <a:rPr kumimoji="1" lang="en-US" altLang="ja-JP" sz="1200" err="1"/>
               <a:t>json</a:t>
             </a:r>
             <a:r>
-              <a:rPr kumimoji="1" lang="ja-JP" altLang="en-US" sz="1200" dirty="0"/>
+              <a:rPr kumimoji="1" lang="ja-JP" altLang="en-US" sz="1200"/>
               <a:t>で出力</a:t>
             </a:r>
-            <a:endParaRPr kumimoji="1" lang="en-US" altLang="ja-JP" sz="1200" dirty="0"/>
-          </a:p>
-          <a:p>
-            <a:endParaRPr kumimoji="1" lang="en-US" altLang="ja-JP" sz="1400" b="1" dirty="0"/>
+            <a:endParaRPr kumimoji="1" lang="en-US" altLang="ja-JP" sz="1200"/>
+          </a:p>
+          <a:p>
+            <a:endParaRPr kumimoji="1" lang="en-US" altLang="ja-JP" sz="1400" b="1"/>
           </a:p>
         </p:txBody>
       </p:sp>
@@ -4082,7 +3917,7 @@
           <a:lstStyle/>
           <a:p>
             <a:r>
-              <a:rPr lang="en-US" altLang="ja-JP" sz="1200" b="1" dirty="0">
+              <a:rPr lang="en-US" altLang="ja-JP" sz="1200" b="1">
                 <a:solidFill>
                   <a:schemeClr val="bg1">
                     <a:lumMod val="85000"/>
@@ -4094,7 +3929,7 @@
           </a:p>
           <a:p>
             <a:r>
-              <a:rPr lang="ja-JP" altLang="en-US" sz="1200" b="1" dirty="0">
+              <a:rPr lang="ja-JP" altLang="en-US" sz="1200" b="1">
                 <a:solidFill>
                   <a:schemeClr val="bg1">
                     <a:lumMod val="85000"/>
@@ -4104,7 +3939,7 @@
               <a:t>レス</a:t>
             </a:r>
             <a:r>
-              <a:rPr lang="en-US" altLang="ja-JP" sz="1200" b="1" dirty="0">
+              <a:rPr lang="en-US" altLang="ja-JP" sz="1200" b="1">
                 <a:solidFill>
                   <a:schemeClr val="bg1">
                     <a:lumMod val="85000"/>
@@ -4114,7 +3949,7 @@
               <a:t>DB</a:t>
             </a:r>
             <a:r>
-              <a:rPr lang="ja-JP" altLang="en-US" sz="1200" b="1" dirty="0">
+              <a:rPr lang="ja-JP" altLang="en-US" sz="1200" b="1">
                 <a:solidFill>
                   <a:schemeClr val="bg1">
                     <a:lumMod val="85000"/>
@@ -4123,7 +3958,7 @@
               </a:rPr>
               <a:t>の作成</a:t>
             </a:r>
-            <a:endParaRPr lang="en-US" altLang="ja-JP" sz="1200" b="1" dirty="0">
+            <a:endParaRPr lang="en-US" altLang="ja-JP" sz="1200" b="1">
               <a:solidFill>
                 <a:schemeClr val="bg1">
                   <a:lumMod val="85000"/>
@@ -4133,7 +3968,7 @@
           </a:p>
           <a:p>
             <a:r>
-              <a:rPr lang="en-US" altLang="ja-JP" sz="1200" dirty="0">
+              <a:rPr lang="en-US" altLang="ja-JP" sz="1200">
                 <a:solidFill>
                   <a:schemeClr val="bg1">
                     <a:lumMod val="85000"/>
@@ -4143,7 +3978,7 @@
               <a:t>UI</a:t>
             </a:r>
             <a:r>
-              <a:rPr lang="ja-JP" altLang="en-US" sz="1200" dirty="0">
+              <a:rPr lang="ja-JP" altLang="en-US" sz="1200">
                 <a:solidFill>
                   <a:schemeClr val="bg1">
                     <a:lumMod val="85000"/>
@@ -4153,7 +3988,7 @@
               <a:t>で選択したスレッドを毎日クロールし、</a:t>
             </a:r>
             <a:r>
-              <a:rPr lang="en-US" altLang="ja-JP" sz="1200" dirty="0">
+              <a:rPr lang="en-US" altLang="ja-JP" sz="1200">
                 <a:solidFill>
                   <a:schemeClr val="bg1">
                     <a:lumMod val="85000"/>
@@ -4163,7 +3998,7 @@
               <a:t>DB</a:t>
             </a:r>
             <a:r>
-              <a:rPr lang="ja-JP" altLang="en-US" sz="1200" dirty="0">
+              <a:rPr lang="ja-JP" altLang="en-US" sz="1200">
                 <a:solidFill>
                   <a:schemeClr val="bg1">
                     <a:lumMod val="85000"/>
@@ -4172,7 +4007,7 @@
               </a:rPr>
               <a:t>に保存する</a:t>
             </a:r>
-            <a:endParaRPr lang="en-US" altLang="ja-JP" sz="1200" dirty="0">
+            <a:endParaRPr lang="en-US" altLang="ja-JP" sz="1200">
               <a:solidFill>
                 <a:schemeClr val="bg1">
                   <a:lumMod val="85000"/>
@@ -4261,10 +4096,10 @@
           <a:p>
             <a:pPr algn="ctr"/>
             <a:r>
-              <a:rPr kumimoji="1" lang="en-US" altLang="ja-JP" dirty="0"/>
+              <a:rPr kumimoji="1" lang="en-US" altLang="ja-JP"/>
               <a:t>DB</a:t>
             </a:r>
-            <a:endParaRPr kumimoji="1" lang="ja-JP" altLang="en-US" dirty="0"/>
+            <a:endParaRPr kumimoji="1" lang="ja-JP" altLang="en-US"/>
           </a:p>
         </p:txBody>
       </p:sp>
@@ -4419,7 +4254,7 @@
           <a:p>
             <a:pPr algn="ctr"/>
             <a:r>
-              <a:rPr lang="en-US" altLang="ja-JP" dirty="0"/>
+              <a:rPr lang="en-US" altLang="ja-JP"/>
               <a:t>DB Accessor</a:t>
             </a:r>
           </a:p>
@@ -4468,14 +4303,14 @@
           <a:p>
             <a:pPr algn="ctr"/>
             <a:r>
-              <a:rPr lang="ja-JP" altLang="en-US" sz="1100" dirty="0"/>
+              <a:rPr lang="ja-JP" altLang="en-US" sz="1100"/>
               <a:t>スクレイパー</a:t>
             </a:r>
             <a:br>
-              <a:rPr lang="en-US" altLang="ja-JP" sz="1100" dirty="0"/>
+              <a:rPr lang="en-US" altLang="ja-JP" sz="1100"/>
             </a:br>
             <a:r>
-              <a:rPr lang="en-US" altLang="ja-JP" sz="1100" dirty="0"/>
+              <a:rPr lang="en-US" altLang="ja-JP" sz="1100"/>
               <a:t>Interface</a:t>
             </a:r>
           </a:p>
@@ -4524,10 +4359,10 @@
           <a:p>
             <a:pPr algn="ctr"/>
             <a:r>
-              <a:rPr lang="ja-JP" altLang="en-US" sz="900" dirty="0"/>
+              <a:rPr lang="ja-JP" altLang="en-US" sz="900"/>
               <a:t>スクレイパー</a:t>
             </a:r>
-            <a:endParaRPr lang="en-US" altLang="ja-JP" sz="900" dirty="0"/>
+            <a:endParaRPr lang="en-US" altLang="ja-JP" sz="900"/>
           </a:p>
         </p:txBody>
       </p:sp>
@@ -4574,10 +4409,10 @@
           <a:p>
             <a:pPr algn="ctr"/>
             <a:r>
-              <a:rPr lang="ja-JP" altLang="en-US" sz="900" dirty="0"/>
+              <a:rPr lang="ja-JP" altLang="en-US" sz="900"/>
               <a:t>スクレイパー</a:t>
             </a:r>
-            <a:endParaRPr lang="en-US" altLang="ja-JP" sz="900" dirty="0"/>
+            <a:endParaRPr lang="en-US" altLang="ja-JP" sz="900"/>
           </a:p>
         </p:txBody>
       </p:sp>
@@ -4624,10 +4459,10 @@
           <a:p>
             <a:pPr algn="ctr"/>
             <a:r>
-              <a:rPr lang="ja-JP" altLang="en-US" sz="900" dirty="0"/>
+              <a:rPr lang="ja-JP" altLang="en-US" sz="900"/>
               <a:t>スクレイパー</a:t>
             </a:r>
-            <a:endParaRPr lang="en-US" altLang="ja-JP" sz="900" dirty="0"/>
+            <a:endParaRPr lang="en-US" altLang="ja-JP" sz="900"/>
           </a:p>
         </p:txBody>
       </p:sp>
@@ -4662,7 +4497,7 @@
           <a:lstStyle/>
           <a:p>
             <a:r>
-              <a:rPr kumimoji="1" lang="en-US" altLang="ja-JP" sz="1000" dirty="0"/>
+              <a:rPr kumimoji="1" lang="en-US" altLang="ja-JP" sz="1000"/>
               <a:t>Json</a:t>
             </a:r>
           </a:p>
@@ -4711,10 +4546,10 @@
           <a:p>
             <a:pPr algn="ctr"/>
             <a:r>
-              <a:rPr lang="ja-JP" altLang="en-US" sz="1100" dirty="0"/>
+              <a:rPr lang="ja-JP" altLang="en-US" sz="1100"/>
               <a:t>加工</a:t>
             </a:r>
-            <a:endParaRPr lang="en-US" altLang="ja-JP" sz="1100" dirty="0"/>
+            <a:endParaRPr lang="en-US" altLang="ja-JP" sz="1100"/>
           </a:p>
         </p:txBody>
       </p:sp>
@@ -5005,7 +4840,7 @@
           <a:lstStyle/>
           <a:p>
             <a:r>
-              <a:rPr kumimoji="1" lang="en-US" altLang="ja-JP" sz="1000" dirty="0"/>
+              <a:rPr kumimoji="1" lang="en-US" altLang="ja-JP" sz="1000"/>
               <a:t>Json</a:t>
             </a:r>
           </a:p>
@@ -5054,7 +4889,7 @@
           <a:p>
             <a:pPr algn="ctr"/>
             <a:r>
-              <a:rPr lang="en-US" altLang="ja-JP" dirty="0"/>
+              <a:rPr lang="en-US" altLang="ja-JP"/>
               <a:t>UI</a:t>
             </a:r>
           </a:p>
@@ -5101,29 +4936,29 @@
           <a:p>
             <a:pPr algn="ctr"/>
             <a:r>
-              <a:rPr kumimoji="1" lang="ja-JP" altLang="en-US" sz="1200" dirty="0"/>
+              <a:rPr kumimoji="1" lang="ja-JP" altLang="en-US" sz="1200"/>
               <a:t>スレッド</a:t>
             </a:r>
             <a:r>
-              <a:rPr lang="ja-JP" altLang="en-US" sz="1200" dirty="0"/>
+              <a:rPr lang="ja-JP" altLang="en-US" sz="1200"/>
               <a:t>の人気の可視化</a:t>
             </a:r>
-            <a:endParaRPr lang="en-US" altLang="ja-JP" sz="1200" dirty="0"/>
+            <a:endParaRPr lang="en-US" altLang="ja-JP" sz="1200"/>
           </a:p>
           <a:p>
             <a:pPr algn="ctr"/>
             <a:r>
-              <a:rPr lang="ja-JP" altLang="en-US" sz="1200" dirty="0"/>
+              <a:rPr lang="ja-JP" altLang="en-US" sz="1200"/>
               <a:t>人気レスの可視化</a:t>
             </a:r>
             <a:br>
-              <a:rPr lang="en-US" altLang="ja-JP" sz="1200" dirty="0"/>
+              <a:rPr lang="en-US" altLang="ja-JP" sz="1200"/>
             </a:br>
             <a:r>
-              <a:rPr lang="ja-JP" altLang="en-US" sz="1200" dirty="0"/>
+              <a:rPr lang="ja-JP" altLang="en-US" sz="1200"/>
               <a:t>勢いの時系列の可視化</a:t>
             </a:r>
-            <a:endParaRPr kumimoji="1" lang="en-US" altLang="ja-JP" sz="1200" dirty="0"/>
+            <a:endParaRPr kumimoji="1" lang="en-US" altLang="ja-JP" sz="1200"/>
           </a:p>
         </p:txBody>
       </p:sp>
@@ -5201,10 +5036,10 @@
           <a:lstStyle/>
           <a:p>
             <a:r>
-              <a:rPr kumimoji="1" lang="ja-JP" altLang="en-US" sz="1000" dirty="0"/>
+              <a:rPr kumimoji="1" lang="ja-JP" altLang="en-US" sz="1000"/>
               <a:t>書き込み</a:t>
             </a:r>
-            <a:endParaRPr kumimoji="1" lang="en-US" altLang="ja-JP" sz="1000" dirty="0"/>
+            <a:endParaRPr kumimoji="1" lang="en-US" altLang="ja-JP" sz="1000"/>
           </a:p>
         </p:txBody>
       </p:sp>
@@ -5251,10 +5086,10 @@
           <a:p>
             <a:pPr algn="ctr"/>
             <a:r>
-              <a:rPr lang="ja-JP" altLang="en-US" sz="1200" dirty="0"/>
+              <a:rPr lang="ja-JP" altLang="en-US" sz="1200"/>
               <a:t>スクレイピング実行</a:t>
             </a:r>
-            <a:endParaRPr lang="en-US" altLang="ja-JP" sz="1200" dirty="0"/>
+            <a:endParaRPr lang="en-US" altLang="ja-JP" sz="1200"/>
           </a:p>
         </p:txBody>
       </p:sp>
@@ -5371,7 +5206,7 @@
           <a:lstStyle/>
           <a:p>
             <a:r>
-              <a:rPr kumimoji="1" lang="en-US" altLang="ja-JP" sz="1000" dirty="0"/>
+              <a:rPr kumimoji="1" lang="en-US" altLang="ja-JP" sz="1000"/>
               <a:t>Json</a:t>
             </a:r>
           </a:p>
@@ -5420,7 +5255,7 @@
             <a:spLocks noGrp="1"/>
           </p:cNvSpPr>
           <p:nvPr>
-            <p:ph idx="1"/>
+            <p:ph idx="4294967295"/>
           </p:nvPr>
         </p:nvSpPr>
         <p:spPr>
@@ -5428,6 +5263,9 @@
             <a:off x="570346" y="892753"/>
             <a:ext cx="5322454" cy="4351338"/>
           </a:xfrm>
+          <a:prstGeom prst="rect">
+            <a:avLst/>
+          </a:prstGeom>
         </p:spPr>
         <p:txBody>
           <a:bodyPr>
@@ -5436,35 +5274,35 @@
           <a:lstStyle/>
           <a:p>
             <a:r>
-              <a:rPr kumimoji="1" lang="ja-JP" altLang="en-US" sz="1200" dirty="0"/>
+              <a:rPr kumimoji="1" lang="ja-JP" altLang="en-US" sz="1200"/>
               <a:t>実現したい機能（雑多</a:t>
             </a:r>
             <a:r>
-              <a:rPr kumimoji="1" lang="en-US" altLang="ja-JP" sz="1200" dirty="0"/>
+              <a:rPr kumimoji="1" lang="en-US" altLang="ja-JP" sz="1200"/>
               <a:t>)</a:t>
             </a:r>
-            <a:endParaRPr lang="en-US" altLang="ja-JP" sz="1200" dirty="0"/>
+            <a:endParaRPr lang="en-US" altLang="ja-JP" sz="1200"/>
           </a:p>
           <a:p>
             <a:pPr marL="0" indent="0">
               <a:buNone/>
             </a:pPr>
             <a:r>
-              <a:rPr lang="ja-JP" altLang="en-US" sz="1200" dirty="0"/>
+              <a:rPr lang="ja-JP" altLang="en-US" sz="1200"/>
               <a:t>スクレイピング</a:t>
             </a:r>
-            <a:endParaRPr lang="en-US" altLang="ja-JP" sz="1200" dirty="0"/>
+            <a:endParaRPr lang="en-US" altLang="ja-JP" sz="1200"/>
           </a:p>
           <a:p>
             <a:pPr marL="0" indent="0">
               <a:buNone/>
             </a:pPr>
             <a:r>
-              <a:rPr lang="ja-JP" altLang="en-US" sz="1200" dirty="0"/>
+              <a:rPr lang="ja-JP" altLang="en-US" sz="1200"/>
               <a:t>レスの</a:t>
             </a:r>
             <a:r>
-              <a:rPr lang="en-US" altLang="ja-JP" sz="1200" dirty="0"/>
+              <a:rPr lang="en-US" altLang="ja-JP" sz="1200"/>
               <a:t>DB</a:t>
             </a:r>
           </a:p>
@@ -5473,33 +5311,33 @@
               <a:buNone/>
             </a:pPr>
             <a:r>
-              <a:rPr lang="ja-JP" altLang="en-US" sz="1200" dirty="0"/>
+              <a:rPr lang="ja-JP" altLang="en-US" sz="1200"/>
               <a:t>レスを収集する操作</a:t>
             </a:r>
-            <a:endParaRPr lang="en-US" altLang="ja-JP" sz="1200" dirty="0"/>
+            <a:endParaRPr lang="en-US" altLang="ja-JP" sz="1200"/>
           </a:p>
           <a:p>
             <a:pPr marL="0" indent="0">
               <a:buNone/>
             </a:pPr>
             <a:r>
-              <a:rPr lang="en-US" altLang="ja-JP" sz="1200" dirty="0"/>
+              <a:rPr lang="en-US" altLang="ja-JP" sz="1200"/>
               <a:t> </a:t>
             </a:r>
             <a:r>
-              <a:rPr lang="ja-JP" altLang="en-US" sz="1200" dirty="0"/>
+              <a:rPr lang="ja-JP" altLang="en-US" sz="1200"/>
               <a:t>複数スレッドの</a:t>
             </a:r>
             <a:r>
-              <a:rPr lang="en-US" altLang="ja-JP" sz="1200" dirty="0"/>
+              <a:rPr lang="en-US" altLang="ja-JP" sz="1200"/>
               <a:t>DB</a:t>
             </a:r>
             <a:r>
-              <a:rPr lang="ja-JP" altLang="en-US" sz="1200" dirty="0"/>
+              <a:rPr lang="ja-JP" altLang="en-US" sz="1200"/>
               <a:t>とそれに対応した</a:t>
             </a:r>
             <a:r>
-              <a:rPr lang="en-US" altLang="ja-JP" sz="1200" dirty="0"/>
+              <a:rPr lang="en-US" altLang="ja-JP" sz="1200"/>
               <a:t>UI</a:t>
             </a:r>
           </a:p>
@@ -5508,11 +5346,11 @@
               <a:buNone/>
             </a:pPr>
             <a:r>
-              <a:rPr lang="ja-JP" altLang="en-US" sz="1200" dirty="0"/>
+              <a:rPr lang="ja-JP" altLang="en-US" sz="1200"/>
               <a:t>膨大なレスをまとめるためのリッチ</a:t>
             </a:r>
             <a:r>
-              <a:rPr lang="en-US" altLang="ja-JP" sz="1200" dirty="0"/>
+              <a:rPr lang="en-US" altLang="ja-JP" sz="1200"/>
               <a:t>UI</a:t>
             </a:r>
           </a:p>
@@ -5521,33 +5359,33 @@
               <a:buNone/>
             </a:pPr>
             <a:r>
-              <a:rPr lang="ja-JP" altLang="en-US" sz="1200" dirty="0"/>
+              <a:rPr lang="ja-JP" altLang="en-US" sz="1200"/>
               <a:t>→レスを抽出するためのチェック欄や複数選択</a:t>
             </a:r>
-            <a:endParaRPr lang="en-US" altLang="ja-JP" sz="1200" dirty="0"/>
+            <a:endParaRPr lang="en-US" altLang="ja-JP" sz="1200"/>
           </a:p>
           <a:p>
             <a:pPr marL="0" indent="0">
               <a:buNone/>
             </a:pPr>
             <a:r>
-              <a:rPr lang="en-US" altLang="ja-JP" sz="1200" dirty="0"/>
+              <a:rPr lang="en-US" altLang="ja-JP" sz="1200"/>
               <a:t>-&gt;explorer</a:t>
             </a:r>
             <a:r>
-              <a:rPr lang="ja-JP" altLang="en-US" sz="1200" dirty="0"/>
+              <a:rPr lang="ja-JP" altLang="en-US" sz="1200"/>
               <a:t>感覚でスレッド管理</a:t>
             </a:r>
             <a:r>
-              <a:rPr lang="en-US" altLang="ja-JP" sz="1200" dirty="0"/>
+              <a:rPr lang="en-US" altLang="ja-JP" sz="1200"/>
               <a:t>(DB</a:t>
             </a:r>
             <a:r>
-              <a:rPr lang="ja-JP" altLang="en-US" sz="1200" dirty="0"/>
+              <a:rPr lang="ja-JP" altLang="en-US" sz="1200"/>
               <a:t>の隠蔽</a:t>
             </a:r>
             <a:r>
-              <a:rPr lang="en-US" altLang="ja-JP" sz="1200" dirty="0"/>
+              <a:rPr lang="en-US" altLang="ja-JP" sz="1200"/>
               <a:t>)</a:t>
             </a:r>
           </a:p>
@@ -5556,11 +5394,11 @@
               <a:buNone/>
             </a:pPr>
             <a:r>
-              <a:rPr lang="ja-JP" altLang="en-US" sz="1200" dirty="0"/>
+              <a:rPr lang="ja-JP" altLang="en-US" sz="1200"/>
               <a:t>レスまとめ用</a:t>
             </a:r>
             <a:r>
-              <a:rPr lang="en-US" altLang="ja-JP" sz="1200" dirty="0"/>
+              <a:rPr lang="en-US" altLang="ja-JP" sz="1200"/>
               <a:t>UI</a:t>
             </a:r>
           </a:p>
@@ -5569,59 +5407,59 @@
               <a:buNone/>
             </a:pPr>
             <a:r>
-              <a:rPr lang="ja-JP" altLang="en-US" sz="1200" dirty="0"/>
+              <a:rPr lang="ja-JP" altLang="en-US" sz="1200"/>
               <a:t>レスまとめの補助</a:t>
             </a:r>
             <a:r>
-              <a:rPr lang="en-US" altLang="ja-JP" sz="1200" dirty="0"/>
+              <a:rPr lang="en-US" altLang="ja-JP" sz="1200"/>
               <a:t>(</a:t>
             </a:r>
             <a:r>
-              <a:rPr lang="ja-JP" altLang="en-US" sz="1200" dirty="0"/>
+              <a:rPr lang="ja-JP" altLang="en-US" sz="1200"/>
               <a:t>着色、太字、リプ）</a:t>
             </a:r>
-            <a:endParaRPr lang="en-US" altLang="ja-JP" sz="1200" dirty="0"/>
+            <a:endParaRPr lang="en-US" altLang="ja-JP" sz="1200"/>
           </a:p>
           <a:p>
             <a:pPr marL="0" indent="0">
               <a:buNone/>
             </a:pPr>
             <a:r>
-              <a:rPr lang="ja-JP" altLang="en-US" sz="1200" dirty="0"/>
+              <a:rPr lang="ja-JP" altLang="en-US" sz="1200"/>
               <a:t>人気スレッドの可視化</a:t>
             </a:r>
-            <a:endParaRPr lang="en-US" altLang="ja-JP" sz="1200" dirty="0"/>
+            <a:endParaRPr lang="en-US" altLang="ja-JP" sz="1200"/>
           </a:p>
           <a:p>
             <a:pPr marL="0" indent="0">
               <a:buNone/>
             </a:pPr>
             <a:r>
-              <a:rPr lang="ja-JP" altLang="en-US" sz="1200" dirty="0"/>
+              <a:rPr lang="ja-JP" altLang="en-US" sz="1200"/>
               <a:t>人気レスの可視化</a:t>
             </a:r>
-            <a:endParaRPr lang="en-US" altLang="ja-JP" sz="1200" dirty="0"/>
+            <a:endParaRPr lang="en-US" altLang="ja-JP" sz="1200"/>
           </a:p>
           <a:p>
             <a:pPr marL="0" indent="0">
               <a:buNone/>
             </a:pPr>
             <a:r>
-              <a:rPr lang="ja-JP" altLang="en-US" sz="1200" dirty="0"/>
+              <a:rPr lang="ja-JP" altLang="en-US" sz="1200"/>
               <a:t>勢いの可視化（時系列）レスの横かバックグラウンドで表示する感じで</a:t>
             </a:r>
-            <a:endParaRPr lang="en-US" altLang="ja-JP" sz="1200" dirty="0"/>
+            <a:endParaRPr lang="en-US" altLang="ja-JP" sz="1200"/>
           </a:p>
           <a:p>
             <a:pPr marL="0" indent="0">
               <a:buNone/>
             </a:pPr>
             <a:r>
-              <a:rPr lang="ja-JP" altLang="en-US" sz="1200" dirty="0"/>
+              <a:rPr lang="ja-JP" altLang="en-US" sz="1200"/>
               <a:t>レスの検索（時間、リプライ数、投稿数、</a:t>
             </a:r>
             <a:r>
-              <a:rPr lang="en-US" altLang="ja-JP" sz="1200" dirty="0"/>
+              <a:rPr lang="en-US" altLang="ja-JP" sz="1200"/>
               <a:t>ID)</a:t>
             </a:r>
           </a:p>
@@ -5629,7 +5467,7 @@
             <a:pPr marL="0" indent="0">
               <a:buNone/>
             </a:pPr>
-            <a:endParaRPr lang="en-US" altLang="ja-JP" sz="1200" dirty="0"/>
+            <a:endParaRPr lang="en-US" altLang="ja-JP" sz="1200"/>
           </a:p>
         </p:txBody>
       </p:sp>
@@ -5826,27 +5664,27 @@
           </a:lstStyle>
           <a:p>
             <a:r>
-              <a:rPr lang="ja-JP" altLang="en-US" sz="1200" dirty="0"/>
+              <a:rPr lang="ja-JP" altLang="en-US" sz="1200"/>
               <a:t>実現手法</a:t>
             </a:r>
-            <a:endParaRPr lang="en-US" altLang="ja-JP" sz="1200" dirty="0"/>
+            <a:endParaRPr lang="en-US" altLang="ja-JP" sz="1200"/>
           </a:p>
           <a:p>
             <a:pPr marL="0" indent="0">
               <a:buNone/>
             </a:pPr>
             <a:r>
-              <a:rPr lang="ja-JP" altLang="en-US" sz="1200" dirty="0"/>
+              <a:rPr lang="ja-JP" altLang="en-US" sz="1200"/>
               <a:t>・スクレイピング</a:t>
             </a:r>
-            <a:endParaRPr lang="en-US" altLang="ja-JP" sz="1200" dirty="0"/>
+            <a:endParaRPr lang="en-US" altLang="ja-JP" sz="1200"/>
           </a:p>
           <a:p>
             <a:pPr marL="0" indent="0">
               <a:buNone/>
             </a:pPr>
             <a:r>
-              <a:rPr lang="en-US" altLang="ja-JP" sz="1200" dirty="0"/>
+              <a:rPr lang="en-US" altLang="ja-JP" sz="1200"/>
               <a:t>-&gt;Selenium(python)</a:t>
             </a:r>
           </a:p>
@@ -5855,11 +5693,11 @@
               <a:buNone/>
             </a:pPr>
             <a:r>
-              <a:rPr lang="ja-JP" altLang="en-US" sz="1200" dirty="0"/>
+              <a:rPr lang="ja-JP" altLang="en-US" sz="1200"/>
               <a:t>・</a:t>
             </a:r>
             <a:r>
-              <a:rPr lang="en-US" altLang="ja-JP" sz="1200" dirty="0"/>
+              <a:rPr lang="en-US" altLang="ja-JP" sz="1200"/>
               <a:t>DB</a:t>
             </a:r>
           </a:p>
@@ -5868,7 +5706,7 @@
               <a:buNone/>
             </a:pPr>
             <a:r>
-              <a:rPr lang="en-US" altLang="ja-JP" sz="1200" dirty="0"/>
+              <a:rPr lang="en-US" altLang="ja-JP" sz="1200"/>
               <a:t>-&gt;DynamoDB</a:t>
             </a:r>
           </a:p>
@@ -5877,11 +5715,11 @@
               <a:buNone/>
             </a:pPr>
             <a:r>
-              <a:rPr lang="ja-JP" altLang="en-US" sz="1200" dirty="0"/>
+              <a:rPr lang="ja-JP" altLang="en-US" sz="1200"/>
               <a:t>・</a:t>
             </a:r>
             <a:r>
-              <a:rPr lang="en-US" altLang="ja-JP" sz="1200" dirty="0"/>
+              <a:rPr lang="en-US" altLang="ja-JP" sz="1200"/>
               <a:t>UI</a:t>
             </a:r>
           </a:p>
@@ -5890,7 +5728,7 @@
               <a:buNone/>
             </a:pPr>
             <a:r>
-              <a:rPr lang="en-US" altLang="ja-JP" sz="1200" dirty="0"/>
+              <a:rPr lang="en-US" altLang="ja-JP" sz="1200"/>
               <a:t>-&gt;C# WPF</a:t>
             </a:r>
           </a:p>
@@ -5899,17 +5737,17 @@
               <a:buNone/>
             </a:pPr>
             <a:r>
-              <a:rPr lang="ja-JP" altLang="en-US" sz="1200" dirty="0"/>
+              <a:rPr lang="ja-JP" altLang="en-US" sz="1200"/>
               <a:t>・スクレイピング実行</a:t>
             </a:r>
-            <a:endParaRPr lang="en-US" altLang="ja-JP" sz="1200" dirty="0"/>
+            <a:endParaRPr lang="en-US" altLang="ja-JP" sz="1200"/>
           </a:p>
           <a:p>
             <a:pPr marL="0" indent="0">
               <a:buNone/>
             </a:pPr>
             <a:r>
-              <a:rPr lang="en-US" altLang="ja-JP" sz="1200" dirty="0"/>
+              <a:rPr lang="en-US" altLang="ja-JP" sz="1200"/>
               <a:t>-&gt;AWS lambda</a:t>
             </a:r>
           </a:p>
@@ -5917,7 +5755,7 @@
             <a:pPr marL="0" indent="0">
               <a:buNone/>
             </a:pPr>
-            <a:endParaRPr lang="en-US" altLang="ja-JP" sz="1200" dirty="0"/>
+            <a:endParaRPr lang="en-US" altLang="ja-JP" sz="1200"/>
           </a:p>
         </p:txBody>
       </p:sp>
@@ -6009,10 +5847,10 @@
           <a:p>
             <a:pPr algn="ctr"/>
             <a:r>
-              <a:rPr lang="en-US" altLang="ja-JP" sz="1100" dirty="0" err="1"/>
+              <a:rPr lang="en-US" altLang="ja-JP" sz="1100" err="1"/>
               <a:t>IScraperOwner</a:t>
             </a:r>
-            <a:endParaRPr lang="en-US" altLang="ja-JP" sz="1100" dirty="0"/>
+            <a:endParaRPr lang="en-US" altLang="ja-JP" sz="1100"/>
           </a:p>
         </p:txBody>
       </p:sp>
@@ -6067,10 +5905,10 @@
           <a:p>
             <a:pPr algn="ctr"/>
             <a:r>
-              <a:rPr lang="en-US" altLang="ja-JP" sz="1000" dirty="0" err="1"/>
+              <a:rPr lang="en-US" altLang="ja-JP" sz="1000" err="1"/>
               <a:t>ScraperOwner</a:t>
             </a:r>
-            <a:endParaRPr lang="en-US" altLang="ja-JP" sz="1000" dirty="0"/>
+            <a:endParaRPr lang="en-US" altLang="ja-JP" sz="1000"/>
           </a:p>
         </p:txBody>
       </p:sp>
@@ -6248,7 +6086,7 @@
           <a:p>
             <a:pPr algn="ctr"/>
             <a:r>
-              <a:rPr lang="en-US" altLang="ja-JP" dirty="0"/>
+              <a:rPr lang="en-US" altLang="ja-JP"/>
               <a:t>UI</a:t>
             </a:r>
           </a:p>
@@ -6283,10 +6121,10 @@
           <a:lstStyle/>
           <a:p>
             <a:r>
-              <a:rPr kumimoji="1" lang="en-US" altLang="ja-JP" sz="1200" dirty="0"/>
+              <a:rPr kumimoji="1" lang="en-US" altLang="ja-JP" sz="1200"/>
               <a:t>input</a:t>
             </a:r>
-            <a:endParaRPr kumimoji="1" lang="ja-JP" altLang="en-US" sz="1200" dirty="0"/>
+            <a:endParaRPr kumimoji="1" lang="ja-JP" altLang="en-US" sz="1200"/>
           </a:p>
         </p:txBody>
       </p:sp>
@@ -6342,56 +6180,12 @@
           <a:p>
             <a:pPr algn="ctr"/>
             <a:r>
-              <a:rPr lang="en-US" altLang="ja-JP" sz="1100" dirty="0" err="1"/>
+              <a:rPr lang="en-US" altLang="ja-JP" sz="1100"/>
               <a:t>AbstractScraperConfig</a:t>
             </a:r>
-            <a:endParaRPr lang="en-US" altLang="ja-JP" sz="1100" dirty="0"/>
-          </a:p>
-        </p:txBody>
-      </p:sp>
-      <p:cxnSp>
-        <p:nvCxnSpPr>
-          <p:cNvPr id="33" name="直線矢印コネクタ 32">
-            <a:extLst>
-              <a:ext uri="{FF2B5EF4-FFF2-40B4-BE49-F238E27FC236}">
-                <a16:creationId xmlns:a16="http://schemas.microsoft.com/office/drawing/2014/main" id="{489D5D0A-C688-96EE-3156-3284746CE4F8}"/>
-              </a:ext>
-            </a:extLst>
-          </p:cNvPr>
-          <p:cNvCxnSpPr>
-            <a:cxnSpLocks/>
-            <a:stCxn id="12" idx="2"/>
-            <a:endCxn id="32" idx="0"/>
-          </p:cNvCxnSpPr>
-          <p:nvPr/>
-        </p:nvCxnSpPr>
-        <p:spPr>
-          <a:xfrm>
-            <a:off x="7096973" y="571304"/>
-            <a:ext cx="0" cy="1038983"/>
-          </a:xfrm>
-          <a:prstGeom prst="straightConnector1">
-            <a:avLst/>
-          </a:prstGeom>
-          <a:ln>
-            <a:tailEnd type="triangle"/>
-          </a:ln>
-        </p:spPr>
-        <p:style>
-          <a:lnRef idx="2">
-            <a:schemeClr val="dk1"/>
-          </a:lnRef>
-          <a:fillRef idx="0">
-            <a:schemeClr val="dk1"/>
-          </a:fillRef>
-          <a:effectRef idx="1">
-            <a:schemeClr val="dk1"/>
-          </a:effectRef>
-          <a:fontRef idx="minor">
-            <a:schemeClr val="tx1"/>
-          </a:fontRef>
-        </p:style>
-      </p:cxnSp>
+          </a:p>
+        </p:txBody>
+      </p:sp>
       <p:sp>
         <p:nvSpPr>
           <p:cNvPr id="15" name="四角形: 角を丸くする 14">
@@ -6440,10 +6234,10 @@
           <a:p>
             <a:pPr algn="ctr"/>
             <a:r>
-              <a:rPr lang="en-US" altLang="ja-JP" sz="1200" dirty="0" err="1"/>
+              <a:rPr lang="en-US" altLang="ja-JP" sz="1200" err="1"/>
               <a:t>ScraperConfig.json</a:t>
             </a:r>
-            <a:endParaRPr lang="en-US" altLang="ja-JP" sz="1200" dirty="0"/>
+            <a:endParaRPr lang="en-US" altLang="ja-JP" sz="1200"/>
           </a:p>
         </p:txBody>
       </p:sp>
@@ -6474,6 +6268,11 @@
           <a:solidFill>
             <a:schemeClr val="bg1"/>
           </a:solidFill>
+          <a:ln w="3175">
+            <a:solidFill>
+              <a:schemeClr val="tx1"/>
+            </a:solidFill>
+          </a:ln>
         </p:spPr>
         <p:style>
           <a:lnRef idx="2">
@@ -6496,7 +6295,7 @@
           <a:lstStyle/>
           <a:p>
             <a:r>
-              <a:rPr lang="en-US" altLang="ja-JP" sz="800" dirty="0" err="1">
+              <a:rPr lang="en-US" altLang="ja-JP" sz="800" err="1">
                 <a:solidFill>
                   <a:schemeClr val="tx1"/>
                 </a:solidFill>
@@ -6504,7 +6303,7 @@
               <a:t>ScraperConfig.json</a:t>
             </a:r>
             <a:r>
-              <a:rPr lang="ja-JP" altLang="en-US" sz="800" dirty="0">
+              <a:rPr lang="ja-JP" altLang="en-US" sz="800">
                 <a:solidFill>
                   <a:schemeClr val="tx1"/>
                 </a:solidFill>
@@ -6512,7 +6311,7 @@
               <a:t>を解釈し、</a:t>
             </a:r>
             <a:r>
-              <a:rPr lang="en-US" altLang="ja-JP" sz="800" dirty="0" err="1">
+              <a:rPr lang="en-US" altLang="ja-JP" sz="800" err="1">
                 <a:solidFill>
                   <a:schemeClr val="tx1"/>
                 </a:solidFill>
@@ -6520,7 +6319,7 @@
               <a:t>ScraperConfig</a:t>
             </a:r>
             <a:r>
-              <a:rPr lang="ja-JP" altLang="en-US" sz="800" dirty="0">
+              <a:rPr lang="ja-JP" altLang="en-US" sz="800">
                 <a:solidFill>
                   <a:schemeClr val="tx1"/>
                 </a:solidFill>
@@ -6528,14 +6327,14 @@
               <a:t>インスタンスを生成</a:t>
             </a:r>
             <a:br>
-              <a:rPr lang="en-US" altLang="ja-JP" sz="800" dirty="0">
+              <a:rPr lang="en-US" altLang="ja-JP" sz="800">
                 <a:solidFill>
                   <a:schemeClr val="tx1"/>
                 </a:solidFill>
               </a:rPr>
             </a:br>
             <a:r>
-              <a:rPr lang="en-US" altLang="ja-JP" sz="800" dirty="0" err="1">
+              <a:rPr lang="en-US" altLang="ja-JP" sz="800" err="1">
                 <a:solidFill>
                   <a:schemeClr val="tx1"/>
                 </a:solidFill>
@@ -6543,7 +6342,7 @@
               <a:t>ScraperConfig</a:t>
             </a:r>
             <a:r>
-              <a:rPr lang="ja-JP" altLang="en-US" sz="800" dirty="0">
+              <a:rPr lang="ja-JP" altLang="en-US" sz="800">
                 <a:solidFill>
                   <a:schemeClr val="tx1"/>
                 </a:solidFill>
@@ -6651,33 +6450,33 @@
             <a:lstStyle/>
             <a:p>
               <a:r>
-                <a:rPr kumimoji="1" lang="en-US" altLang="ja-JP" sz="1200" dirty="0" err="1"/>
+                <a:rPr kumimoji="1" lang="en-US" altLang="ja-JP" sz="1200" err="1"/>
                 <a:t>ScraperOwner</a:t>
               </a:r>
               <a:r>
-                <a:rPr kumimoji="1" lang="ja-JP" altLang="en-US" sz="1200" dirty="0"/>
+                <a:rPr kumimoji="1" lang="ja-JP" altLang="en-US" sz="1200"/>
                 <a:t>クラスは、</a:t>
               </a:r>
               <a:r>
-                <a:rPr kumimoji="1" lang="en-US" altLang="ja-JP" sz="1200" dirty="0" err="1"/>
+                <a:rPr kumimoji="1" lang="en-US" altLang="ja-JP" sz="1200" err="1"/>
                 <a:t>ScraperConfig.json</a:t>
               </a:r>
               <a:r>
-                <a:rPr kumimoji="1" lang="ja-JP" altLang="en-US" sz="1200" dirty="0"/>
+                <a:rPr kumimoji="1" lang="ja-JP" altLang="en-US" sz="1200"/>
                 <a:t>を</a:t>
               </a:r>
               <a:r>
-                <a:rPr lang="ja-JP" altLang="en-US" sz="1200" dirty="0"/>
+                <a:rPr lang="ja-JP" altLang="en-US" sz="1200"/>
                 <a:t>解釈し</a:t>
               </a:r>
               <a:r>
-                <a:rPr kumimoji="1" lang="ja-JP" altLang="en-US" sz="1200" dirty="0"/>
+                <a:rPr kumimoji="1" lang="ja-JP" altLang="en-US" sz="1200"/>
                 <a:t>、スクレイピングを行う</a:t>
               </a:r>
               <a:br>
-                <a:rPr lang="en-US" altLang="ja-JP" sz="1200" dirty="0"/>
+                <a:rPr lang="en-US" altLang="ja-JP" sz="1200"/>
               </a:br>
-              <a:endParaRPr kumimoji="1" lang="ja-JP" altLang="en-US" sz="1200" dirty="0"/>
+              <a:endParaRPr kumimoji="1" lang="ja-JP" altLang="en-US" sz="1200"/>
             </a:p>
           </p:txBody>
         </p:sp>
@@ -6710,64 +6509,64 @@
             <a:lstStyle/>
             <a:p>
               <a:r>
-                <a:rPr kumimoji="1" lang="ja-JP" altLang="en-US" sz="1200" dirty="0"/>
+                <a:rPr kumimoji="1" lang="ja-JP" altLang="en-US" sz="1200"/>
                 <a:t>サイト</a:t>
               </a:r>
               <a:r>
-                <a:rPr kumimoji="1" lang="en-US" altLang="ja-JP" sz="1200" dirty="0"/>
+                <a:rPr kumimoji="1" lang="en-US" altLang="ja-JP" sz="1200"/>
                 <a:t>(</a:t>
               </a:r>
               <a:r>
-                <a:rPr kumimoji="1" lang="ja-JP" altLang="en-US" sz="1200" dirty="0"/>
+                <a:rPr kumimoji="1" lang="ja-JP" altLang="en-US" sz="1200"/>
                 <a:t>ページ</a:t>
               </a:r>
               <a:r>
-                <a:rPr kumimoji="1" lang="en-US" altLang="ja-JP" sz="1200" dirty="0"/>
+                <a:rPr kumimoji="1" lang="en-US" altLang="ja-JP" sz="1200"/>
                 <a:t>)</a:t>
               </a:r>
               <a:r>
-                <a:rPr kumimoji="1" lang="ja-JP" altLang="en-US" sz="1200" dirty="0"/>
+                <a:rPr kumimoji="1" lang="ja-JP" altLang="en-US" sz="1200"/>
                 <a:t>ごとに</a:t>
               </a:r>
               <a:r>
-                <a:rPr kumimoji="1" lang="en-US" altLang="ja-JP" sz="1200" dirty="0" err="1"/>
+                <a:rPr kumimoji="1" lang="en-US" altLang="ja-JP" sz="1200" err="1"/>
                 <a:t>ScraperConfig.json</a:t>
               </a:r>
               <a:r>
-                <a:rPr kumimoji="1" lang="ja-JP" altLang="en-US" sz="1200" dirty="0"/>
+                <a:rPr kumimoji="1" lang="ja-JP" altLang="en-US" sz="1200"/>
                 <a:t>ファイルを定義</a:t>
               </a:r>
-              <a:endParaRPr kumimoji="1" lang="en-US" altLang="ja-JP" sz="1200" dirty="0"/>
+              <a:endParaRPr kumimoji="1" lang="en-US" altLang="ja-JP" sz="1200"/>
             </a:p>
             <a:p>
               <a:r>
-                <a:rPr lang="en-US" altLang="ja-JP" sz="1200" dirty="0"/>
+                <a:rPr lang="en-US" altLang="ja-JP" sz="1200"/>
                 <a:t>UI</a:t>
               </a:r>
               <a:r>
-                <a:rPr lang="ja-JP" altLang="en-US" sz="1200" dirty="0"/>
+                <a:rPr lang="ja-JP" altLang="en-US" sz="1200"/>
                 <a:t>はユーザの操作で</a:t>
               </a:r>
               <a:r>
-                <a:rPr lang="en-US" altLang="ja-JP" sz="1200" dirty="0" err="1"/>
+                <a:rPr lang="en-US" altLang="ja-JP" sz="1200" err="1"/>
                 <a:t>ScraperOwner</a:t>
               </a:r>
               <a:r>
-                <a:rPr lang="ja-JP" altLang="en-US" sz="1200" dirty="0"/>
+                <a:rPr lang="ja-JP" altLang="en-US" sz="1200"/>
                 <a:t>に渡す</a:t>
               </a:r>
               <a:r>
-                <a:rPr lang="en-US" altLang="ja-JP" sz="1200" dirty="0" err="1"/>
+                <a:rPr lang="en-US" altLang="ja-JP" sz="1200" err="1"/>
                 <a:t>ScraperConfig.json</a:t>
               </a:r>
               <a:r>
-                <a:rPr lang="ja-JP" altLang="en-US" sz="1200" dirty="0"/>
+                <a:rPr lang="ja-JP" altLang="en-US" sz="1200"/>
                 <a:t>ファイルを決定。</a:t>
               </a:r>
-              <a:endParaRPr lang="en-US" altLang="ja-JP" sz="1200" dirty="0"/>
+              <a:endParaRPr lang="en-US" altLang="ja-JP" sz="1200"/>
             </a:p>
             <a:p>
-              <a:endParaRPr kumimoji="1" lang="ja-JP" altLang="en-US" sz="1200" dirty="0"/>
+              <a:endParaRPr kumimoji="1" lang="ja-JP" altLang="en-US" sz="1200"/>
             </a:p>
           </p:txBody>
         </p:sp>
@@ -6799,6 +6598,7 @@
           <a:solidFill>
             <a:schemeClr val="bg1"/>
           </a:solidFill>
+          <a:ln w="3175"/>
         </p:spPr>
         <p:style>
           <a:lnRef idx="2">
@@ -6822,7 +6622,7 @@
           <a:p>
             <a:pPr algn="ctr"/>
             <a:r>
-              <a:rPr lang="ja-JP" altLang="en-US" sz="800" dirty="0">
+              <a:rPr lang="ja-JP" altLang="en-US" sz="800">
                 <a:solidFill>
                   <a:schemeClr val="tx1"/>
                 </a:solidFill>
@@ -6830,7 +6630,7 @@
               <a:t>ユーザの操作に応じて、</a:t>
             </a:r>
             <a:r>
-              <a:rPr lang="en-US" altLang="ja-JP" sz="800" dirty="0" err="1">
+              <a:rPr lang="en-US" altLang="ja-JP" sz="800" err="1">
                 <a:solidFill>
                   <a:schemeClr val="tx1"/>
                 </a:solidFill>
@@ -6838,7 +6638,7 @@
               <a:t>ScraperOwner</a:t>
             </a:r>
             <a:r>
-              <a:rPr lang="ja-JP" altLang="en-US" sz="800" dirty="0">
+              <a:rPr lang="ja-JP" altLang="en-US" sz="800">
                 <a:solidFill>
                   <a:schemeClr val="tx1"/>
                 </a:solidFill>
@@ -6846,7 +6646,7 @@
               <a:t>に渡す</a:t>
             </a:r>
             <a:r>
-              <a:rPr lang="en-US" altLang="ja-JP" sz="800" dirty="0" err="1">
+              <a:rPr lang="en-US" altLang="ja-JP" sz="800" err="1">
                 <a:solidFill>
                   <a:schemeClr val="tx1"/>
                 </a:solidFill>
@@ -6854,7 +6654,7 @@
               <a:t>ScraperConfig.json</a:t>
             </a:r>
             <a:r>
-              <a:rPr lang="ja-JP" altLang="en-US" sz="800" dirty="0">
+              <a:rPr lang="ja-JP" altLang="en-US" sz="800">
                 <a:solidFill>
                   <a:schemeClr val="tx1"/>
                 </a:solidFill>
@@ -6862,7 +6662,7 @@
               <a:t>を決定。</a:t>
             </a:r>
             <a:r>
-              <a:rPr lang="en-US" altLang="ja-JP" sz="800" dirty="0" err="1">
+              <a:rPr lang="en-US" altLang="ja-JP" sz="800" err="1">
                 <a:solidFill>
                   <a:schemeClr val="tx1"/>
                 </a:solidFill>
@@ -6870,7 +6670,7 @@
               <a:t>ScraperOwner</a:t>
             </a:r>
             <a:r>
-              <a:rPr lang="ja-JP" altLang="en-US" sz="800" dirty="0">
+              <a:rPr lang="ja-JP" altLang="en-US" sz="800">
                 <a:solidFill>
                   <a:schemeClr val="tx1"/>
                 </a:solidFill>
@@ -6878,7 +6678,7 @@
               <a:t>に</a:t>
             </a:r>
             <a:r>
-              <a:rPr lang="en-US" altLang="ja-JP" sz="800" dirty="0" err="1">
+              <a:rPr lang="en-US" altLang="ja-JP" sz="800" err="1">
                 <a:solidFill>
                   <a:schemeClr val="tx1"/>
                 </a:solidFill>
@@ -6886,7 +6686,7 @@
               <a:t>ScraperConfig.json</a:t>
             </a:r>
             <a:r>
-              <a:rPr lang="ja-JP" altLang="en-US" sz="800" dirty="0">
+              <a:rPr lang="ja-JP" altLang="en-US" sz="800">
                 <a:solidFill>
                   <a:schemeClr val="tx1"/>
                 </a:solidFill>
@@ -6910,7 +6710,7 @@
         </p:nvSpPr>
         <p:spPr>
           <a:xfrm>
-            <a:off x="6250336" y="153081"/>
+            <a:off x="8294797" y="410683"/>
             <a:ext cx="1693273" cy="418223"/>
           </a:xfrm>
           <a:prstGeom prst="roundRect">
@@ -6942,10 +6742,10 @@
           <a:p>
             <a:pPr algn="ctr"/>
             <a:r>
-              <a:rPr kumimoji="1" lang="en-US" altLang="ja-JP" sz="1200" dirty="0" err="1"/>
+              <a:rPr kumimoji="1" lang="en-US" altLang="ja-JP" sz="1200"/>
               <a:t>PostsScraperConfig</a:t>
             </a:r>
-            <a:endParaRPr kumimoji="1" lang="ja-JP" altLang="en-US" sz="1200" dirty="0"/>
+            <a:endParaRPr kumimoji="1" lang="ja-JP" altLang="en-US" sz="1200"/>
           </a:p>
         </p:txBody>
       </p:sp>
@@ -6963,19 +6763,24 @@
         </p:nvSpPr>
         <p:spPr>
           <a:xfrm>
-            <a:off x="7352815" y="820945"/>
+            <a:off x="9750214" y="1122045"/>
             <a:ext cx="1551709" cy="341777"/>
           </a:xfrm>
           <a:prstGeom prst="wedgeRoundRectCallout">
             <a:avLst>
-              <a:gd name="adj1" fmla="val -23353"/>
-              <a:gd name="adj2" fmla="val -95865"/>
+              <a:gd name="adj1" fmla="val -42794"/>
+              <a:gd name="adj2" fmla="val -106898"/>
               <a:gd name="adj3" fmla="val 16667"/>
             </a:avLst>
           </a:prstGeom>
           <a:solidFill>
             <a:schemeClr val="bg1"/>
           </a:solidFill>
+          <a:ln w="3175">
+            <a:solidFill>
+              <a:schemeClr val="tx1"/>
+            </a:solidFill>
+          </a:ln>
         </p:spPr>
         <p:style>
           <a:lnRef idx="2">
@@ -6999,7 +6804,7 @@
           <a:p>
             <a:pPr algn="ctr"/>
             <a:r>
-              <a:rPr kumimoji="1" lang="ja-JP" altLang="en-US" sz="800" dirty="0">
+              <a:rPr kumimoji="1" lang="ja-JP" altLang="en-US" sz="800">
                 <a:solidFill>
                   <a:schemeClr val="tx1"/>
                 </a:solidFill>
@@ -7023,8 +6828,8 @@
         </p:nvSpPr>
         <p:spPr>
           <a:xfrm>
-            <a:off x="8786225" y="109938"/>
-            <a:ext cx="1693273" cy="418223"/>
+            <a:off x="10526069" y="380987"/>
+            <a:ext cx="1319650" cy="418223"/>
           </a:xfrm>
           <a:prstGeom prst="roundRect">
             <a:avLst/>
@@ -7055,10 +6860,10 @@
           <a:p>
             <a:pPr algn="ctr"/>
             <a:r>
-              <a:rPr kumimoji="1" lang="en-US" altLang="ja-JP" sz="1200" dirty="0" err="1"/>
+              <a:rPr kumimoji="1" lang="en-US" altLang="ja-JP" sz="1200"/>
               <a:t>NodeSelector</a:t>
             </a:r>
-            <a:endParaRPr kumimoji="1" lang="ja-JP" altLang="en-US" sz="1200" dirty="0"/>
+            <a:endParaRPr kumimoji="1" lang="ja-JP" altLang="en-US" sz="1200"/>
           </a:p>
         </p:txBody>
       </p:sp>
@@ -7076,7 +6881,7 @@
         </p:nvSpPr>
         <p:spPr>
           <a:xfrm>
-            <a:off x="7953486" y="243366"/>
+            <a:off x="10003897" y="493852"/>
             <a:ext cx="191010" cy="192495"/>
           </a:xfrm>
           <a:prstGeom prst="diamond">
@@ -7120,13 +6925,14 @@
           <p:cNvCxnSpPr>
             <a:cxnSpLocks/>
             <a:stCxn id="53" idx="1"/>
+            <a:endCxn id="54" idx="1"/>
           </p:cNvCxnSpPr>
           <p:nvPr/>
         </p:nvCxnSpPr>
         <p:spPr>
           <a:xfrm flipH="1">
-            <a:off x="7937659" y="319050"/>
-            <a:ext cx="848566" cy="1"/>
+            <a:off x="10003897" y="590099"/>
+            <a:ext cx="522172" cy="1"/>
           </a:xfrm>
           <a:prstGeom prst="line">
             <a:avLst/>
@@ -7193,10 +6999,10 @@
           <a:p>
             <a:pPr algn="ctr"/>
             <a:r>
-              <a:rPr lang="en-US" altLang="ja-JP" sz="1200" dirty="0" err="1"/>
+              <a:rPr lang="en-US" altLang="ja-JP" sz="1200"/>
               <a:t>ScraperConfigFactory</a:t>
             </a:r>
-            <a:endParaRPr kumimoji="1" lang="ja-JP" altLang="en-US" sz="1200" dirty="0"/>
+            <a:endParaRPr kumimoji="1" lang="ja-JP" altLang="en-US" sz="1200"/>
           </a:p>
         </p:txBody>
       </p:sp>
@@ -7286,6 +7092,256 @@
           </a:fontRef>
         </p:style>
       </p:cxnSp>
+      <p:sp>
+        <p:nvSpPr>
+          <p:cNvPr id="6" name="吹き出し: 角を丸めた四角形 5">
+            <a:extLst>
+              <a:ext uri="{FF2B5EF4-FFF2-40B4-BE49-F238E27FC236}">
+                <a16:creationId xmlns:a16="http://schemas.microsoft.com/office/drawing/2014/main" id="{5C895A11-8506-0A01-7739-4FF836433146}"/>
+              </a:ext>
+            </a:extLst>
+          </p:cNvPr>
+          <p:cNvSpPr/>
+          <p:nvPr/>
+        </p:nvSpPr>
+        <p:spPr>
+          <a:xfrm>
+            <a:off x="2234555" y="1003571"/>
+            <a:ext cx="1760544" cy="418223"/>
+          </a:xfrm>
+          <a:prstGeom prst="wedgeRoundRectCallout">
+            <a:avLst>
+              <a:gd name="adj1" fmla="val 47169"/>
+              <a:gd name="adj2" fmla="val 82194"/>
+              <a:gd name="adj3" fmla="val 16667"/>
+            </a:avLst>
+          </a:prstGeom>
+          <a:solidFill>
+            <a:schemeClr val="bg1"/>
+          </a:solidFill>
+          <a:ln w="3175">
+            <a:solidFill>
+              <a:schemeClr val="tx1"/>
+            </a:solidFill>
+          </a:ln>
+        </p:spPr>
+        <p:style>
+          <a:lnRef idx="2">
+            <a:schemeClr val="accent1">
+              <a:shade val="15000"/>
+            </a:schemeClr>
+          </a:lnRef>
+          <a:fillRef idx="1">
+            <a:schemeClr val="accent1"/>
+          </a:fillRef>
+          <a:effectRef idx="0">
+            <a:schemeClr val="accent1"/>
+          </a:effectRef>
+          <a:fontRef idx="minor">
+            <a:schemeClr val="lt1"/>
+          </a:fontRef>
+        </p:style>
+        <p:txBody>
+          <a:bodyPr rtlCol="0" anchor="ctr"/>
+          <a:lstStyle/>
+          <a:p>
+            <a:pPr algn="ctr"/>
+            <a:r>
+              <a:rPr lang="en-US" altLang="ja-JP" sz="800">
+                <a:solidFill>
+                  <a:schemeClr val="tx1"/>
+                </a:solidFill>
+              </a:rPr>
+              <a:t>Config.json</a:t>
+            </a:r>
+            <a:r>
+              <a:rPr lang="ja-JP" altLang="en-US" sz="800">
+                <a:solidFill>
+                  <a:schemeClr val="tx1"/>
+                </a:solidFill>
+              </a:rPr>
+              <a:t>の</a:t>
+            </a:r>
+            <a:r>
+              <a:rPr lang="en-US" altLang="ja-JP" sz="800">
+                <a:solidFill>
+                  <a:schemeClr val="tx1"/>
+                </a:solidFill>
+              </a:rPr>
+              <a:t>LOGIC</a:t>
+            </a:r>
+            <a:r>
+              <a:rPr lang="ja-JP" altLang="en-US" sz="800">
+                <a:solidFill>
+                  <a:schemeClr val="tx1"/>
+                </a:solidFill>
+              </a:rPr>
+              <a:t>属性の値で、生成するインスタンスを変更</a:t>
+            </a:r>
+            <a:endParaRPr kumimoji="1" lang="ja-JP" altLang="en-US" sz="800">
+              <a:solidFill>
+                <a:schemeClr val="tx1"/>
+              </a:solidFill>
+            </a:endParaRPr>
+          </a:p>
+        </p:txBody>
+      </p:sp>
+      <p:cxnSp>
+        <p:nvCxnSpPr>
+          <p:cNvPr id="20" name="コネクタ: カギ線 19">
+            <a:extLst>
+              <a:ext uri="{FF2B5EF4-FFF2-40B4-BE49-F238E27FC236}">
+                <a16:creationId xmlns:a16="http://schemas.microsoft.com/office/drawing/2014/main" id="{4A5D2BA7-2518-9620-8F1B-70C57BD2AFF4}"/>
+              </a:ext>
+            </a:extLst>
+          </p:cNvPr>
+          <p:cNvCxnSpPr>
+            <a:cxnSpLocks/>
+            <a:stCxn id="12" idx="1"/>
+            <a:endCxn id="32" idx="0"/>
+          </p:cNvCxnSpPr>
+          <p:nvPr/>
+        </p:nvCxnSpPr>
+        <p:spPr>
+          <a:xfrm rot="10800000" flipV="1">
+            <a:off x="7096973" y="619795"/>
+            <a:ext cx="1197824" cy="990492"/>
+          </a:xfrm>
+          <a:prstGeom prst="bentConnector2">
+            <a:avLst/>
+          </a:prstGeom>
+          <a:ln>
+            <a:tailEnd type="triangle"/>
+          </a:ln>
+        </p:spPr>
+        <p:style>
+          <a:lnRef idx="2">
+            <a:schemeClr val="dk1"/>
+          </a:lnRef>
+          <a:fillRef idx="0">
+            <a:schemeClr val="dk1"/>
+          </a:fillRef>
+          <a:effectRef idx="1">
+            <a:schemeClr val="dk1"/>
+          </a:effectRef>
+          <a:fontRef idx="minor">
+            <a:schemeClr val="tx1"/>
+          </a:fontRef>
+        </p:style>
+      </p:cxnSp>
+      <p:cxnSp>
+        <p:nvCxnSpPr>
+          <p:cNvPr id="22" name="直線矢印コネクタ 21">
+            <a:extLst>
+              <a:ext uri="{FF2B5EF4-FFF2-40B4-BE49-F238E27FC236}">
+                <a16:creationId xmlns:a16="http://schemas.microsoft.com/office/drawing/2014/main" id="{C3CE999A-A85A-328A-45DF-12E0E4EA5302}"/>
+              </a:ext>
+            </a:extLst>
+          </p:cNvPr>
+          <p:cNvCxnSpPr>
+            <a:cxnSpLocks/>
+            <a:stCxn id="32" idx="3"/>
+            <a:endCxn id="24" idx="1"/>
+          </p:cNvCxnSpPr>
+          <p:nvPr/>
+        </p:nvCxnSpPr>
+        <p:spPr>
+          <a:xfrm flipV="1">
+            <a:off x="8001160" y="1811241"/>
+            <a:ext cx="309464" cy="13684"/>
+          </a:xfrm>
+          <a:prstGeom prst="straightConnector1">
+            <a:avLst/>
+          </a:prstGeom>
+          <a:ln w="19050" cap="flat" cmpd="sng" algn="ctr">
+            <a:solidFill>
+              <a:schemeClr val="bg2">
+                <a:lumMod val="75000"/>
+              </a:schemeClr>
+            </a:solidFill>
+            <a:prstDash val="dash"/>
+            <a:round/>
+            <a:headEnd type="none" w="med" len="med"/>
+            <a:tailEnd type="triangle" w="med" len="med"/>
+          </a:ln>
+        </p:spPr>
+        <p:style>
+          <a:lnRef idx="0">
+            <a:scrgbClr r="0" g="0" b="0"/>
+          </a:lnRef>
+          <a:fillRef idx="0">
+            <a:scrgbClr r="0" g="0" b="0"/>
+          </a:fillRef>
+          <a:effectRef idx="0">
+            <a:scrgbClr r="0" g="0" b="0"/>
+          </a:effectRef>
+          <a:fontRef idx="minor">
+            <a:schemeClr val="tx1"/>
+          </a:fontRef>
+        </p:style>
+      </p:cxnSp>
+      <p:sp>
+        <p:nvSpPr>
+          <p:cNvPr id="24" name="四角形: 角を丸くする 23">
+            <a:extLst>
+              <a:ext uri="{FF2B5EF4-FFF2-40B4-BE49-F238E27FC236}">
+                <a16:creationId xmlns:a16="http://schemas.microsoft.com/office/drawing/2014/main" id="{FDB6C513-03FF-E6CB-1EFB-B92E8A7EB230}"/>
+              </a:ext>
+            </a:extLst>
+          </p:cNvPr>
+          <p:cNvSpPr/>
+          <p:nvPr/>
+        </p:nvSpPr>
+        <p:spPr>
+          <a:xfrm>
+            <a:off x="8310624" y="1602129"/>
+            <a:ext cx="1693273" cy="418223"/>
+          </a:xfrm>
+          <a:prstGeom prst="roundRect">
+            <a:avLst/>
+          </a:prstGeom>
+          <a:solidFill>
+            <a:schemeClr val="accent6">
+              <a:lumMod val="40000"/>
+              <a:lumOff val="60000"/>
+            </a:schemeClr>
+          </a:solidFill>
+          <a:ln>
+            <a:solidFill>
+              <a:schemeClr val="accent6"/>
+            </a:solidFill>
+            <a:prstDash val="dashDot"/>
+          </a:ln>
+        </p:spPr>
+        <p:style>
+          <a:lnRef idx="2">
+            <a:schemeClr val="accent1">
+              <a:shade val="15000"/>
+            </a:schemeClr>
+          </a:lnRef>
+          <a:fillRef idx="1">
+            <a:schemeClr val="accent1"/>
+          </a:fillRef>
+          <a:effectRef idx="0">
+            <a:schemeClr val="accent1"/>
+          </a:effectRef>
+          <a:fontRef idx="minor">
+            <a:schemeClr val="lt1"/>
+          </a:fontRef>
+        </p:style>
+        <p:txBody>
+          <a:bodyPr rtlCol="0" anchor="ctr"/>
+          <a:lstStyle/>
+          <a:p>
+            <a:pPr algn="ctr"/>
+            <a:r>
+              <a:rPr lang="en-US" altLang="ja-JP" sz="1200"/>
+              <a:t>NewScraperConfig</a:t>
+            </a:r>
+            <a:endParaRPr kumimoji="1" lang="ja-JP" altLang="en-US" sz="1200"/>
+          </a:p>
+        </p:txBody>
+      </p:sp>
     </p:spTree>
     <p:extLst>
       <p:ext uri="{BB962C8B-B14F-4D97-AF65-F5344CB8AC3E}">
@@ -7345,7 +7401,7 @@
           <a:lstStyle/>
           <a:p>
             <a:r>
-              <a:rPr kumimoji="1" lang="en-US" altLang="ja-JP" sz="2400" b="1" dirty="0"/>
+              <a:rPr kumimoji="1" lang="en-US" altLang="ja-JP" sz="2400" b="1"/>
               <a:t>Configs</a:t>
             </a:r>
           </a:p>
@@ -7380,65 +7436,56 @@
           <a:lstStyle/>
           <a:p>
             <a:r>
-              <a:rPr kumimoji="1" lang="en-US" altLang="ja-JP" dirty="0" err="1"/>
+              <a:rPr kumimoji="1" lang="en-US" altLang="ja-JP"/>
               <a:t>AbstractScraperConfig</a:t>
             </a:r>
-            <a:endParaRPr kumimoji="1" lang="en-US" altLang="ja-JP" dirty="0"/>
-          </a:p>
-          <a:p>
-            <a:r>
-              <a:rPr lang="en-US" altLang="ja-JP" sz="1000" dirty="0"/>
+          </a:p>
+          <a:p>
+            <a:r>
+              <a:rPr lang="en-US" altLang="ja-JP" sz="1000"/>
               <a:t>- URL : string</a:t>
             </a:r>
           </a:p>
           <a:p>
             <a:r>
-              <a:rPr lang="en-US" altLang="ja-JP" sz="1000" dirty="0"/>
+              <a:rPr lang="en-US" altLang="ja-JP" sz="1000"/>
               <a:t>- SITE_NAME : string</a:t>
             </a:r>
           </a:p>
           <a:p>
             <a:r>
-              <a:rPr lang="en-US" altLang="ja-JP" sz="1000" dirty="0"/>
+              <a:rPr lang="en-US" altLang="ja-JP" sz="1000"/>
               <a:t>- LOGIC : string</a:t>
             </a:r>
           </a:p>
           <a:p>
             <a:r>
-              <a:rPr lang="en-US" altLang="ja-JP" sz="1000" dirty="0"/>
+              <a:rPr lang="en-US" altLang="ja-JP" sz="1000"/>
               <a:t>+ </a:t>
             </a:r>
             <a:r>
-              <a:rPr lang="en-US" altLang="ja-JP" sz="1000" dirty="0" err="1"/>
+              <a:rPr lang="en-US" altLang="ja-JP" sz="1000" err="1"/>
               <a:t>GetHtml</a:t>
             </a:r>
             <a:r>
-              <a:rPr lang="en-US" altLang="ja-JP" sz="1000" dirty="0"/>
+              <a:rPr lang="en-US" altLang="ja-JP" sz="1000"/>
               <a:t>(</a:t>
             </a:r>
             <a:r>
-              <a:rPr lang="en-US" altLang="ja-JP" sz="1000" dirty="0" err="1"/>
+              <a:rPr lang="en-US" altLang="ja-JP" sz="1000" err="1"/>
               <a:t>url</a:t>
             </a:r>
             <a:r>
-              <a:rPr lang="en-US" altLang="ja-JP" sz="1000" dirty="0"/>
+              <a:rPr lang="en-US" altLang="ja-JP" sz="1000"/>
               <a:t> : string) : string</a:t>
             </a:r>
           </a:p>
           <a:p>
             <a:r>
-              <a:rPr lang="en-US" altLang="ja-JP" sz="1000" dirty="0"/>
-              <a:t>+ </a:t>
-            </a:r>
-            <a:r>
-              <a:rPr lang="en-US" altLang="ja-JP" sz="1000" dirty="0" err="1"/>
-              <a:t>GetItems</a:t>
-            </a:r>
-            <a:r>
-              <a:rPr lang="en-US" altLang="ja-JP" sz="1000" dirty="0"/>
-              <a:t>() : List&lt;Object&gt;</a:t>
-            </a:r>
-            <a:endParaRPr kumimoji="1" lang="ja-JP" altLang="en-US" sz="1000" dirty="0"/>
+              <a:rPr lang="en-US" altLang="ja-JP" sz="1000"/>
+              <a:t>+ GetItems() : List&lt;Object&gt;</a:t>
+            </a:r>
+            <a:endParaRPr kumimoji="1" lang="ja-JP" altLang="en-US" sz="1000"/>
           </a:p>
         </p:txBody>
       </p:sp>
@@ -7471,29 +7518,24 @@
           <a:lstStyle/>
           <a:p>
             <a:r>
-              <a:rPr kumimoji="1" lang="en-US" altLang="ja-JP" dirty="0" err="1"/>
+              <a:rPr kumimoji="1" lang="en-US" altLang="ja-JP"/>
               <a:t>ScraperConfigFactory</a:t>
             </a:r>
-            <a:endParaRPr kumimoji="1" lang="en-US" altLang="ja-JP" dirty="0"/>
-          </a:p>
-          <a:p>
-            <a:r>
-              <a:rPr lang="en-US" altLang="ja-JP" sz="1000" dirty="0"/>
+          </a:p>
+          <a:p>
+            <a:r>
+              <a:rPr lang="en-US" altLang="ja-JP" sz="1000"/>
               <a:t>+ Create(</a:t>
             </a:r>
             <a:r>
-              <a:rPr lang="en-US" altLang="ja-JP" sz="1000" dirty="0" err="1"/>
+              <a:rPr lang="en-US" altLang="ja-JP" sz="1000" err="1"/>
               <a:t>json</a:t>
             </a:r>
             <a:r>
-              <a:rPr lang="en-US" altLang="ja-JP" sz="1000" dirty="0"/>
-              <a:t>: string): </a:t>
-            </a:r>
-            <a:r>
-              <a:rPr lang="en-US" altLang="ja-JP" sz="1000" dirty="0" err="1"/>
-              <a:t>AbstractScraperConfig</a:t>
-            </a:r>
-            <a:endParaRPr lang="ja-JP" altLang="en-US" sz="1000" dirty="0"/>
+              <a:rPr lang="en-US" altLang="ja-JP" sz="1000"/>
+              <a:t>: string): AbstractScraperConfig</a:t>
+            </a:r>
+            <a:endParaRPr lang="ja-JP" altLang="en-US" sz="1000"/>
           </a:p>
         </p:txBody>
       </p:sp>
@@ -7526,165 +7568,94 @@
           <a:lstStyle/>
           <a:p>
             <a:r>
-              <a:rPr kumimoji="1" lang="en-US" altLang="ja-JP" dirty="0" err="1"/>
+              <a:rPr kumimoji="1" lang="en-US" altLang="ja-JP"/>
               <a:t>PostsScraperConfig</a:t>
             </a:r>
-            <a:endParaRPr kumimoji="1" lang="en-US" altLang="ja-JP" dirty="0"/>
-          </a:p>
-          <a:p>
-            <a:r>
-              <a:rPr lang="en-US" altLang="ja-JP" sz="1000" dirty="0"/>
+          </a:p>
+          <a:p>
+            <a:r>
+              <a:rPr lang="en-US" altLang="ja-JP" sz="1000"/>
               <a:t>- URL : string</a:t>
             </a:r>
           </a:p>
           <a:p>
             <a:r>
-              <a:rPr lang="en-US" altLang="ja-JP" sz="1000" dirty="0"/>
+              <a:rPr lang="en-US" altLang="ja-JP" sz="1000"/>
               <a:t>- SITE_NAME : string</a:t>
             </a:r>
           </a:p>
           <a:p>
             <a:r>
-              <a:rPr lang="en-US" altLang="ja-JP" sz="1000" dirty="0"/>
+              <a:rPr lang="en-US" altLang="ja-JP" sz="1000"/>
               <a:t>- LOGIC : string</a:t>
             </a:r>
           </a:p>
           <a:p>
             <a:r>
-              <a:rPr lang="en-US" altLang="ja-JP" sz="1000" dirty="0"/>
+              <a:rPr lang="en-US" altLang="ja-JP" sz="1000"/>
               <a:t>- LIST_NODE : string</a:t>
             </a:r>
           </a:p>
           <a:p>
             <a:r>
-              <a:rPr lang="en-US" altLang="ja-JP" sz="1000" dirty="0"/>
+              <a:rPr lang="en-US" altLang="ja-JP" sz="1000"/>
               <a:t>- POST_NODE : string</a:t>
             </a:r>
           </a:p>
           <a:p>
             <a:r>
-              <a:rPr lang="en-US" altLang="ja-JP" sz="1000" dirty="0"/>
-              <a:t>- USER_ID : </a:t>
-            </a:r>
-            <a:r>
-              <a:rPr lang="en-US" altLang="ja-JP" sz="1000" dirty="0" err="1"/>
-              <a:t>NodeSelector</a:t>
-            </a:r>
-            <a:endParaRPr lang="en-US" altLang="ja-JP" sz="1000" dirty="0"/>
-          </a:p>
-          <a:p>
-            <a:r>
-              <a:rPr lang="en-US" altLang="ja-JP" sz="1000" dirty="0"/>
-              <a:t>- TEXT : </a:t>
-            </a:r>
-            <a:r>
-              <a:rPr lang="en-US" altLang="ja-JP" sz="1000" dirty="0" err="1"/>
-              <a:t>NodeSelector</a:t>
-            </a:r>
-            <a:endParaRPr lang="en-US" altLang="ja-JP" sz="1000" dirty="0"/>
-          </a:p>
-          <a:p>
-            <a:r>
-              <a:rPr lang="en-US" altLang="ja-JP" sz="1000" dirty="0"/>
-              <a:t>- DATE : </a:t>
-            </a:r>
-            <a:r>
-              <a:rPr lang="en-US" altLang="ja-JP" sz="1000" dirty="0" err="1"/>
-              <a:t>NodeSelector</a:t>
-            </a:r>
-            <a:endParaRPr lang="en-US" altLang="ja-JP" sz="1000" dirty="0"/>
-          </a:p>
-          <a:p>
-            <a:r>
-              <a:rPr lang="en-US" altLang="ja-JP" sz="1000" dirty="0"/>
-              <a:t>- REPLY : </a:t>
-            </a:r>
-            <a:r>
-              <a:rPr lang="en-US" altLang="ja-JP" sz="1000" dirty="0" err="1"/>
-              <a:t>NodeSelector</a:t>
-            </a:r>
-            <a:endParaRPr lang="en-US" altLang="ja-JP" sz="1000" dirty="0"/>
-          </a:p>
-          <a:p>
-            <a:r>
-              <a:rPr lang="en-US" altLang="ja-JP" sz="1000" dirty="0"/>
-              <a:t>- IMAGE : </a:t>
-            </a:r>
-            <a:r>
-              <a:rPr lang="en-US" altLang="ja-JP" sz="1000" dirty="0" err="1"/>
-              <a:t>NodeSelector</a:t>
-            </a:r>
-            <a:endParaRPr lang="en-US" altLang="ja-JP" sz="1000" dirty="0"/>
-          </a:p>
-          <a:p>
-            <a:r>
-              <a:rPr lang="en-US" altLang="ja-JP" sz="1000" dirty="0"/>
-              <a:t>- POST_ID : </a:t>
-            </a:r>
-            <a:r>
-              <a:rPr lang="en-US" altLang="ja-JP" sz="1000" dirty="0" err="1"/>
-              <a:t>NodeSelector</a:t>
-            </a:r>
-            <a:endParaRPr lang="en-US" altLang="ja-JP" sz="1000" dirty="0"/>
-          </a:p>
-          <a:p>
-            <a:r>
-              <a:rPr lang="en-US" altLang="ja-JP" sz="1000" dirty="0"/>
-              <a:t>+ </a:t>
-            </a:r>
-            <a:r>
-              <a:rPr lang="en-US" altLang="ja-JP" sz="1000" dirty="0" err="1"/>
-              <a:t>GetItems</a:t>
-            </a:r>
-            <a:r>
-              <a:rPr lang="en-US" altLang="ja-JP" sz="1000" dirty="0"/>
-              <a:t>() : List&lt;Object&gt;</a:t>
-            </a:r>
-          </a:p>
-          <a:p>
-            <a:r>
-              <a:rPr lang="en-US" altLang="ja-JP" sz="1000" dirty="0"/>
-              <a:t>+ </a:t>
-            </a:r>
-            <a:r>
-              <a:rPr lang="en-US" altLang="ja-JP" sz="1000" dirty="0" err="1"/>
-              <a:t>SelectorSwitch</a:t>
-            </a:r>
-            <a:r>
-              <a:rPr lang="en-US" altLang="ja-JP" sz="1000" dirty="0"/>
-              <a:t>(</a:t>
-            </a:r>
-            <a:r>
-              <a:rPr lang="en-US" altLang="ja-JP" sz="1000" dirty="0" err="1"/>
-              <a:t>postNode</a:t>
-            </a:r>
-            <a:r>
-              <a:rPr lang="en-US" altLang="ja-JP" sz="1000" dirty="0"/>
-              <a:t> : </a:t>
-            </a:r>
-            <a:r>
-              <a:rPr lang="en-US" altLang="ja-JP" sz="1000" dirty="0" err="1"/>
-              <a:t>HtmlNode</a:t>
-            </a:r>
-            <a:r>
-              <a:rPr lang="en-US" altLang="ja-JP" sz="1000" dirty="0"/>
-              <a:t>, selector : </a:t>
-            </a:r>
-            <a:r>
-              <a:rPr lang="en-US" altLang="ja-JP" sz="1000" dirty="0" err="1"/>
-              <a:t>NodeSelector</a:t>
-            </a:r>
-            <a:r>
-              <a:rPr lang="en-US" altLang="ja-JP" sz="1000" dirty="0"/>
-              <a:t>) : string</a:t>
-            </a:r>
-          </a:p>
-          <a:p>
-            <a:r>
-              <a:rPr lang="fr-FR" altLang="ja-JP" sz="1000" dirty="0"/>
+              <a:rPr lang="en-US" altLang="ja-JP" sz="1000"/>
+              <a:t>- USER_ID : NodeSelector</a:t>
+            </a:r>
+          </a:p>
+          <a:p>
+            <a:r>
+              <a:rPr lang="en-US" altLang="ja-JP" sz="1000"/>
+              <a:t>- TEXT : NodeSelector</a:t>
+            </a:r>
+          </a:p>
+          <a:p>
+            <a:r>
+              <a:rPr lang="en-US" altLang="ja-JP" sz="1000"/>
+              <a:t>- DATE : NodeSelector</a:t>
+            </a:r>
+          </a:p>
+          <a:p>
+            <a:r>
+              <a:rPr lang="en-US" altLang="ja-JP" sz="1000"/>
+              <a:t>- REPLY : NodeSelector</a:t>
+            </a:r>
+          </a:p>
+          <a:p>
+            <a:r>
+              <a:rPr lang="en-US" altLang="ja-JP" sz="1000"/>
+              <a:t>- IMAGE : NodeSelector</a:t>
+            </a:r>
+          </a:p>
+          <a:p>
+            <a:r>
+              <a:rPr lang="en-US" altLang="ja-JP" sz="1000"/>
+              <a:t>- POST_ID : NodeSelector</a:t>
+            </a:r>
+          </a:p>
+          <a:p>
+            <a:r>
+              <a:rPr lang="en-US" altLang="ja-JP" sz="1000"/>
+              <a:t>+ GetItems() : List&lt;Object&gt;</a:t>
+            </a:r>
+          </a:p>
+          <a:p>
+            <a:r>
+              <a:rPr lang="en-US" altLang="ja-JP" sz="1000"/>
+              <a:t>+ SelectorSwitch(postNode : HtmlNode, selector : NodeSelector) : string</a:t>
+            </a:r>
+          </a:p>
+          <a:p>
+            <a:r>
+              <a:rPr lang="fr-FR" altLang="ja-JP" sz="1000"/>
               <a:t>+ DocParsePosts(doc : HtmlDocument) : List&lt;Object&gt;</a:t>
             </a:r>
-            <a:endParaRPr kumimoji="1" lang="ja-JP" altLang="en-US" sz="1000" dirty="0"/>
+            <a:endParaRPr kumimoji="1" lang="ja-JP" altLang="en-US" sz="1000"/>
           </a:p>
         </p:txBody>
       </p:sp>
@@ -7815,10 +7786,10 @@
           <a:p>
             <a:pPr algn="ctr"/>
             <a:r>
-              <a:rPr lang="en-US" altLang="ja-JP" sz="1100" dirty="0" err="1"/>
+              <a:rPr lang="en-US" altLang="ja-JP" sz="1100" err="1"/>
               <a:t>IScraperOwner</a:t>
             </a:r>
-            <a:endParaRPr lang="en-US" altLang="ja-JP" sz="1100" dirty="0"/>
+            <a:endParaRPr lang="en-US" altLang="ja-JP" sz="1100"/>
           </a:p>
         </p:txBody>
       </p:sp>
@@ -7873,10 +7844,10 @@
           <a:p>
             <a:pPr algn="ctr"/>
             <a:r>
-              <a:rPr lang="en-US" altLang="ja-JP" sz="900" dirty="0" err="1"/>
+              <a:rPr lang="en-US" altLang="ja-JP" sz="900" err="1"/>
               <a:t>ScraperOwner</a:t>
             </a:r>
-            <a:endParaRPr lang="en-US" altLang="ja-JP" sz="900" dirty="0"/>
+            <a:endParaRPr lang="en-US" altLang="ja-JP" sz="900"/>
           </a:p>
         </p:txBody>
       </p:sp>
@@ -8052,7 +8023,7 @@
           <a:p>
             <a:pPr algn="ctr"/>
             <a:r>
-              <a:rPr lang="en-US" altLang="ja-JP" dirty="0"/>
+              <a:rPr lang="en-US" altLang="ja-JP"/>
               <a:t>UI</a:t>
             </a:r>
           </a:p>
@@ -8087,10 +8058,10 @@
           <a:lstStyle/>
           <a:p>
             <a:r>
-              <a:rPr kumimoji="1" lang="en-US" altLang="ja-JP" sz="1200" dirty="0"/>
+              <a:rPr kumimoji="1" lang="en-US" altLang="ja-JP" sz="1200"/>
               <a:t>input</a:t>
             </a:r>
-            <a:endParaRPr kumimoji="1" lang="ja-JP" altLang="en-US" sz="1200" dirty="0"/>
+            <a:endParaRPr kumimoji="1" lang="ja-JP" altLang="en-US" sz="1200"/>
           </a:p>
         </p:txBody>
       </p:sp>
@@ -8123,48 +8094,48 @@
           <a:lstStyle/>
           <a:p>
             <a:r>
-              <a:rPr kumimoji="1" lang="ja-JP" altLang="en-US" sz="1200" dirty="0"/>
+              <a:rPr kumimoji="1" lang="ja-JP" altLang="en-US" sz="1200"/>
               <a:t>サイトごとに</a:t>
             </a:r>
             <a:r>
-              <a:rPr kumimoji="1" lang="en-US" altLang="ja-JP" sz="1200" dirty="0" err="1"/>
+              <a:rPr kumimoji="1" lang="en-US" altLang="ja-JP" sz="1200" err="1"/>
               <a:t>ScraperConfig.json</a:t>
             </a:r>
             <a:r>
-              <a:rPr kumimoji="1" lang="ja-JP" altLang="en-US" sz="1200" dirty="0"/>
+              <a:rPr kumimoji="1" lang="ja-JP" altLang="en-US" sz="1200"/>
               <a:t>ファイルを定義</a:t>
             </a:r>
-            <a:endParaRPr kumimoji="1" lang="en-US" altLang="ja-JP" sz="1200" dirty="0"/>
-          </a:p>
-          <a:p>
-            <a:r>
-              <a:rPr lang="en-US" altLang="ja-JP" sz="1200" dirty="0"/>
+            <a:endParaRPr kumimoji="1" lang="en-US" altLang="ja-JP" sz="1200"/>
+          </a:p>
+          <a:p>
+            <a:r>
+              <a:rPr lang="en-US" altLang="ja-JP" sz="1200"/>
               <a:t>UI</a:t>
             </a:r>
             <a:r>
-              <a:rPr lang="ja-JP" altLang="en-US" sz="1200" dirty="0"/>
+              <a:rPr lang="ja-JP" altLang="en-US" sz="1200"/>
               <a:t>はユーザの操作で</a:t>
             </a:r>
             <a:r>
-              <a:rPr lang="en-US" altLang="ja-JP" sz="1200" dirty="0" err="1"/>
+              <a:rPr lang="en-US" altLang="ja-JP" sz="1200" err="1"/>
               <a:t>ScraperOwner</a:t>
             </a:r>
             <a:r>
-              <a:rPr lang="ja-JP" altLang="en-US" sz="1200" dirty="0"/>
+              <a:rPr lang="ja-JP" altLang="en-US" sz="1200"/>
               <a:t>に渡す</a:t>
             </a:r>
             <a:r>
-              <a:rPr lang="en-US" altLang="ja-JP" sz="1200" dirty="0" err="1"/>
+              <a:rPr lang="en-US" altLang="ja-JP" sz="1200" err="1"/>
               <a:t>ScraperConfig.json</a:t>
             </a:r>
             <a:r>
-              <a:rPr lang="ja-JP" altLang="en-US" sz="1200" dirty="0"/>
+              <a:rPr lang="ja-JP" altLang="en-US" sz="1200"/>
               <a:t>ファイルを決定。</a:t>
             </a:r>
-            <a:endParaRPr lang="en-US" altLang="ja-JP" sz="1200" dirty="0"/>
-          </a:p>
-          <a:p>
-            <a:endParaRPr kumimoji="1" lang="ja-JP" altLang="en-US" sz="1200" dirty="0"/>
+            <a:endParaRPr lang="en-US" altLang="ja-JP" sz="1200"/>
+          </a:p>
+          <a:p>
+            <a:endParaRPr kumimoji="1" lang="ja-JP" altLang="en-US" sz="1200"/>
           </a:p>
         </p:txBody>
       </p:sp>
@@ -8197,23 +8168,23 @@
           <a:lstStyle/>
           <a:p>
             <a:r>
-              <a:rPr kumimoji="1" lang="ja-JP" altLang="en-US" sz="1200" dirty="0"/>
+              <a:rPr kumimoji="1" lang="ja-JP" altLang="en-US" sz="1200"/>
               <a:t>ユーザの操作に応じて、</a:t>
             </a:r>
             <a:r>
-              <a:rPr kumimoji="1" lang="en-US" altLang="ja-JP" sz="1200" dirty="0" err="1"/>
+              <a:rPr kumimoji="1" lang="en-US" altLang="ja-JP" sz="1200" err="1"/>
               <a:t>ScraperConfig.json</a:t>
             </a:r>
             <a:r>
-              <a:rPr kumimoji="1" lang="ja-JP" altLang="en-US" sz="1200" dirty="0"/>
+              <a:rPr kumimoji="1" lang="ja-JP" altLang="en-US" sz="1200"/>
               <a:t>を</a:t>
             </a:r>
             <a:r>
-              <a:rPr kumimoji="1" lang="en-US" altLang="ja-JP" sz="1200" dirty="0" err="1"/>
+              <a:rPr kumimoji="1" lang="en-US" altLang="ja-JP" sz="1200" err="1"/>
               <a:t>ScraperOwner</a:t>
             </a:r>
             <a:r>
-              <a:rPr kumimoji="1" lang="ja-JP" altLang="en-US" sz="1200" dirty="0"/>
+              <a:rPr kumimoji="1" lang="ja-JP" altLang="en-US" sz="1200"/>
               <a:t>に渡す。</a:t>
             </a:r>
           </a:p>
@@ -8248,25 +8219,25 @@
           <a:lstStyle/>
           <a:p>
             <a:r>
-              <a:rPr kumimoji="1" lang="en-US" altLang="ja-JP" sz="1200" dirty="0" err="1"/>
+              <a:rPr kumimoji="1" lang="en-US" altLang="ja-JP" sz="1200" err="1"/>
               <a:t>ScraperOwner</a:t>
             </a:r>
             <a:r>
-              <a:rPr kumimoji="1" lang="ja-JP" altLang="en-US" sz="1200" dirty="0"/>
+              <a:rPr kumimoji="1" lang="ja-JP" altLang="en-US" sz="1200"/>
               <a:t>クラスは、</a:t>
             </a:r>
             <a:r>
-              <a:rPr kumimoji="1" lang="en-US" altLang="ja-JP" sz="1200" dirty="0" err="1"/>
+              <a:rPr kumimoji="1" lang="en-US" altLang="ja-JP" sz="1200" err="1"/>
               <a:t>ScraperConfig.json</a:t>
             </a:r>
             <a:r>
-              <a:rPr kumimoji="1" lang="ja-JP" altLang="en-US" sz="1200" dirty="0"/>
+              <a:rPr kumimoji="1" lang="ja-JP" altLang="en-US" sz="1200"/>
               <a:t>を読み込み、スクレイピングを行う</a:t>
             </a:r>
             <a:br>
-              <a:rPr lang="en-US" altLang="ja-JP" sz="1200" dirty="0"/>
+              <a:rPr lang="en-US" altLang="ja-JP" sz="1200"/>
             </a:br>
-            <a:endParaRPr kumimoji="1" lang="ja-JP" altLang="en-US" sz="1200" dirty="0"/>
+            <a:endParaRPr kumimoji="1" lang="ja-JP" altLang="en-US" sz="1200"/>
           </a:p>
         </p:txBody>
       </p:sp>
@@ -8318,10 +8289,10 @@
           <a:p>
             <a:pPr algn="ctr"/>
             <a:r>
-              <a:rPr lang="en-US" altLang="ja-JP" sz="1200" dirty="0" err="1"/>
+              <a:rPr lang="en-US" altLang="ja-JP" sz="1200" err="1"/>
               <a:t>ScraperConfig.json</a:t>
             </a:r>
-            <a:endParaRPr lang="en-US" altLang="ja-JP" sz="1200" dirty="0"/>
+            <a:endParaRPr lang="en-US" altLang="ja-JP" sz="1200"/>
           </a:p>
         </p:txBody>
       </p:sp>
@@ -8376,10 +8347,10 @@
           <a:p>
             <a:pPr algn="ctr"/>
             <a:r>
-              <a:rPr lang="en-US" altLang="ja-JP" sz="900" dirty="0" err="1"/>
+              <a:rPr lang="en-US" altLang="ja-JP" sz="900" err="1"/>
               <a:t>InputScraperConfig</a:t>
             </a:r>
-            <a:endParaRPr lang="en-US" altLang="ja-JP" sz="900" dirty="0"/>
+            <a:endParaRPr lang="en-US" altLang="ja-JP" sz="900"/>
           </a:p>
         </p:txBody>
       </p:sp>
@@ -8434,10 +8405,10 @@
           <a:p>
             <a:pPr algn="ctr"/>
             <a:r>
-              <a:rPr lang="en-US" altLang="ja-JP" sz="900" dirty="0" err="1"/>
+              <a:rPr lang="en-US" altLang="ja-JP" sz="900" err="1"/>
               <a:t>ScraperLogic</a:t>
             </a:r>
-            <a:endParaRPr lang="en-US" altLang="ja-JP" sz="900" dirty="0"/>
+            <a:endParaRPr lang="en-US" altLang="ja-JP" sz="900"/>
           </a:p>
         </p:txBody>
       </p:sp>
@@ -8514,10 +8485,10 @@
           <a:p>
             <a:pPr algn="ctr"/>
             <a:r>
-              <a:rPr lang="en-US" altLang="ja-JP" sz="1100" dirty="0" err="1"/>
+              <a:rPr lang="en-US" altLang="ja-JP" sz="1100" err="1"/>
               <a:t>ScraperConfig</a:t>
             </a:r>
-            <a:endParaRPr lang="en-US" altLang="ja-JP" sz="1100" dirty="0"/>
+            <a:endParaRPr lang="en-US" altLang="ja-JP" sz="1100"/>
           </a:p>
         </p:txBody>
       </p:sp>
@@ -8570,10 +8541,9 @@
           <a:p>
             <a:pPr algn="ctr"/>
             <a:r>
-              <a:rPr lang="en-US" altLang="ja-JP" sz="1100" dirty="0" err="1"/>
+              <a:rPr lang="en-US" altLang="ja-JP" sz="1100"/>
               <a:t>AbstractScraperConfig</a:t>
             </a:r>
-            <a:endParaRPr lang="en-US" altLang="ja-JP" sz="1100" dirty="0"/>
           </a:p>
         </p:txBody>
       </p:sp>
@@ -8648,105 +8618,105 @@
           <a:lstStyle/>
           <a:p>
             <a:r>
-              <a:rPr lang="en-US" altLang="ja-JP" sz="1200" dirty="0"/>
+              <a:rPr lang="en-US" altLang="ja-JP" sz="1200"/>
               <a:t>LIST_NODE</a:t>
             </a:r>
           </a:p>
           <a:p>
             <a:r>
-              <a:rPr lang="en-US" altLang="ja-JP" sz="1200" dirty="0"/>
+              <a:rPr lang="en-US" altLang="ja-JP" sz="1200"/>
               <a:t>POST_NODE</a:t>
             </a:r>
             <a:r>
-              <a:rPr lang="ja-JP" altLang="en-US" sz="1200" dirty="0"/>
+              <a:rPr lang="ja-JP" altLang="en-US" sz="1200"/>
               <a:t>（複数）</a:t>
             </a:r>
           </a:p>
           <a:p>
             <a:r>
-              <a:rPr lang="en-US" altLang="ja-JP" sz="1200" dirty="0"/>
+              <a:rPr lang="en-US" altLang="ja-JP" sz="1200"/>
               <a:t>ID_KEY</a:t>
             </a:r>
             <a:r>
-              <a:rPr lang="ja-JP" altLang="en-US" sz="1200" dirty="0"/>
+              <a:rPr lang="ja-JP" altLang="en-US" sz="1200"/>
               <a:t>（投稿</a:t>
             </a:r>
             <a:r>
-              <a:rPr lang="en-US" altLang="ja-JP" sz="1200" dirty="0"/>
+              <a:rPr lang="en-US" altLang="ja-JP" sz="1200"/>
               <a:t>ID</a:t>
             </a:r>
             <a:r>
-              <a:rPr lang="ja-JP" altLang="en-US" sz="1200" dirty="0"/>
+              <a:rPr lang="ja-JP" altLang="en-US" sz="1200"/>
               <a:t>）</a:t>
             </a:r>
           </a:p>
           <a:p>
             <a:r>
-              <a:rPr lang="en-US" altLang="ja-JP" sz="1200" dirty="0"/>
+              <a:rPr lang="en-US" altLang="ja-JP" sz="1200"/>
               <a:t>USER_ID_KEY</a:t>
             </a:r>
             <a:r>
-              <a:rPr lang="ja-JP" altLang="en-US" sz="1200" dirty="0"/>
+              <a:rPr lang="ja-JP" altLang="en-US" sz="1200"/>
               <a:t>（投稿者ユーザー</a:t>
             </a:r>
             <a:r>
-              <a:rPr lang="en-US" altLang="ja-JP" sz="1200" dirty="0"/>
+              <a:rPr lang="en-US" altLang="ja-JP" sz="1200"/>
               <a:t>ID</a:t>
             </a:r>
             <a:r>
-              <a:rPr lang="ja-JP" altLang="en-US" sz="1200" dirty="0"/>
+              <a:rPr lang="ja-JP" altLang="en-US" sz="1200"/>
               <a:t>）</a:t>
             </a:r>
           </a:p>
           <a:p>
             <a:r>
-              <a:rPr lang="en-US" altLang="ja-JP" sz="1200" dirty="0"/>
+              <a:rPr lang="en-US" altLang="ja-JP" sz="1200"/>
               <a:t>TEXT_KEY</a:t>
             </a:r>
             <a:r>
-              <a:rPr lang="ja-JP" altLang="en-US" sz="1200" dirty="0"/>
+              <a:rPr lang="ja-JP" altLang="en-US" sz="1200"/>
               <a:t>（投稿本文）</a:t>
             </a:r>
-            <a:endParaRPr lang="en-US" altLang="ja-JP" sz="1200" dirty="0"/>
-          </a:p>
-          <a:p>
-            <a:r>
-              <a:rPr lang="en-US" altLang="ja-JP" sz="1200" dirty="0"/>
+            <a:endParaRPr lang="en-US" altLang="ja-JP" sz="1200"/>
+          </a:p>
+          <a:p>
+            <a:r>
+              <a:rPr lang="en-US" altLang="ja-JP" sz="1200"/>
               <a:t>DATE_KEY</a:t>
             </a:r>
             <a:r>
-              <a:rPr lang="ja-JP" altLang="en-US" sz="1200" dirty="0"/>
+              <a:rPr lang="ja-JP" altLang="en-US" sz="1200"/>
               <a:t>（投稿日時）</a:t>
             </a:r>
           </a:p>
           <a:p>
             <a:r>
-              <a:rPr lang="en-US" altLang="ja-JP" sz="1200" dirty="0"/>
+              <a:rPr lang="en-US" altLang="ja-JP" sz="1200"/>
               <a:t>REPLY_KEY</a:t>
             </a:r>
             <a:r>
-              <a:rPr lang="ja-JP" altLang="en-US" sz="1200" dirty="0"/>
+              <a:rPr lang="ja-JP" altLang="en-US" sz="1200"/>
               <a:t>（返信情報）</a:t>
             </a:r>
           </a:p>
           <a:p>
             <a:r>
-              <a:rPr lang="en-US" altLang="ja-JP" sz="1200" dirty="0"/>
+              <a:rPr lang="en-US" altLang="ja-JP" sz="1200"/>
               <a:t>IMAGE_URL_KEY</a:t>
             </a:r>
             <a:r>
-              <a:rPr lang="ja-JP" altLang="en-US" sz="1200" dirty="0"/>
+              <a:rPr lang="ja-JP" altLang="en-US" sz="1200"/>
               <a:t>（画像</a:t>
             </a:r>
             <a:r>
-              <a:rPr lang="en-US" altLang="ja-JP" sz="1200" dirty="0"/>
+              <a:rPr lang="en-US" altLang="ja-JP" sz="1200"/>
               <a:t>URL</a:t>
             </a:r>
             <a:r>
-              <a:rPr lang="ja-JP" altLang="en-US" sz="1200" dirty="0"/>
+              <a:rPr lang="ja-JP" altLang="en-US" sz="1200"/>
               <a:t>）</a:t>
             </a:r>
-            <a:endParaRPr kumimoji="1" lang="ja-JP" altLang="en-US" sz="1200" dirty="0"/>
+            <a:endParaRPr kumimoji="1" lang="ja-JP" altLang="en-US" sz="1200"/>
           </a:p>
         </p:txBody>
       </p:sp>
@@ -8779,54 +8749,50 @@
           <a:lstStyle/>
           <a:p>
             <a:r>
-              <a:rPr kumimoji="1" lang="en-US" altLang="ja-JP" sz="1200" dirty="0" err="1"/>
+              <a:rPr kumimoji="1" lang="en-US" altLang="ja-JP" sz="1200"/>
               <a:t>PostNode</a:t>
             </a:r>
             <a:r>
-              <a:rPr kumimoji="1" lang="ja-JP" altLang="en-US" sz="1200" dirty="0"/>
+              <a:rPr kumimoji="1" lang="ja-JP" altLang="en-US" sz="1200"/>
               <a:t>とテキストなどがある</a:t>
             </a:r>
             <a:r>
-              <a:rPr kumimoji="1" lang="en-US" altLang="ja-JP" sz="1200" dirty="0"/>
+              <a:rPr kumimoji="1" lang="en-US" altLang="ja-JP" sz="1200"/>
               <a:t>node</a:t>
             </a:r>
             <a:r>
-              <a:rPr kumimoji="1" lang="ja-JP" altLang="en-US" sz="1200" dirty="0"/>
+              <a:rPr kumimoji="1" lang="ja-JP" altLang="en-US" sz="1200"/>
               <a:t>が違う</a:t>
             </a:r>
             <a:r>
-              <a:rPr kumimoji="1" lang="en-US" altLang="ja-JP" sz="1200" dirty="0"/>
+              <a:rPr kumimoji="1" lang="en-US" altLang="ja-JP" sz="1200"/>
+              <a:t>(PostNode</a:t>
+            </a:r>
+            <a:r>
+              <a:rPr kumimoji="1" lang="ja-JP" altLang="en-US" sz="1200"/>
+              <a:t>のさらに深い階層にあるなど）場合は、それ用の</a:t>
+            </a:r>
+            <a:r>
+              <a:rPr kumimoji="1" lang="en-US" altLang="ja-JP" sz="1200"/>
+              <a:t>Node</a:t>
+            </a:r>
+            <a:r>
+              <a:rPr kumimoji="1" lang="ja-JP" altLang="en-US" sz="1200"/>
+              <a:t>を保持するフィールドを作成</a:t>
+            </a:r>
+            <a:r>
+              <a:rPr lang="en-US" altLang="ja-JP" sz="1200"/>
               <a:t>(</a:t>
             </a:r>
             <a:r>
-              <a:rPr kumimoji="1" lang="en-US" altLang="ja-JP" sz="1200" dirty="0" err="1"/>
-              <a:t>PostNode</a:t>
-            </a:r>
-            <a:r>
-              <a:rPr kumimoji="1" lang="ja-JP" altLang="en-US" sz="1200" dirty="0"/>
-              <a:t>のさらに深い階層にあるなど）場合は、それ用の</a:t>
-            </a:r>
-            <a:r>
-              <a:rPr kumimoji="1" lang="en-US" altLang="ja-JP" sz="1200" dirty="0"/>
-              <a:t>Node</a:t>
-            </a:r>
-            <a:r>
-              <a:rPr kumimoji="1" lang="ja-JP" altLang="en-US" sz="1200" dirty="0"/>
-              <a:t>を保持するフィールドを作成</a:t>
-            </a:r>
-            <a:r>
-              <a:rPr lang="en-US" altLang="ja-JP" sz="1200" dirty="0"/>
-              <a:t>(</a:t>
-            </a:r>
-            <a:r>
-              <a:rPr lang="ja-JP" altLang="en-US" sz="1200" dirty="0"/>
+              <a:rPr lang="ja-JP" altLang="en-US" sz="1200"/>
               <a:t>例</a:t>
             </a:r>
             <a:r>
-              <a:rPr lang="en-US" altLang="ja-JP" sz="1200" dirty="0"/>
+              <a:rPr lang="en-US" altLang="ja-JP" sz="1200"/>
               <a:t>)TEXT_NODE</a:t>
             </a:r>
-            <a:endParaRPr kumimoji="1" lang="ja-JP" altLang="en-US" sz="1200" dirty="0"/>
+            <a:endParaRPr kumimoji="1" lang="ja-JP" altLang="en-US" sz="1200"/>
           </a:p>
         </p:txBody>
       </p:sp>
@@ -8903,14 +8869,14 @@
           <a:p>
             <a:pPr algn="ctr"/>
             <a:r>
-              <a:rPr lang="en-US" altLang="ja-JP" dirty="0" err="1"/>
+              <a:rPr lang="en-US" altLang="ja-JP" err="1"/>
               <a:t>S</a:t>
             </a:r>
             <a:r>
-              <a:rPr kumimoji="1" lang="en-US" altLang="ja-JP" dirty="0" err="1"/>
+              <a:rPr kumimoji="1" lang="en-US" altLang="ja-JP" err="1"/>
               <a:t>craperOwner</a:t>
             </a:r>
-            <a:endParaRPr kumimoji="1" lang="ja-JP" altLang="en-US" dirty="0"/>
+            <a:endParaRPr kumimoji="1" lang="ja-JP" altLang="en-US"/>
           </a:p>
         </p:txBody>
       </p:sp>
@@ -8957,10 +8923,10 @@
           <a:p>
             <a:pPr algn="ctr"/>
             <a:r>
-              <a:rPr kumimoji="1" lang="en-US" altLang="ja-JP" dirty="0" err="1"/>
+              <a:rPr kumimoji="1" lang="en-US" altLang="ja-JP" err="1"/>
               <a:t>IscraperOwner</a:t>
             </a:r>
-            <a:endParaRPr kumimoji="1" lang="en-US" altLang="ja-JP" dirty="0"/>
+            <a:endParaRPr kumimoji="1" lang="en-US" altLang="ja-JP"/>
           </a:p>
         </p:txBody>
       </p:sp>
@@ -9007,10 +8973,10 @@
           <a:p>
             <a:pPr algn="ctr"/>
             <a:r>
-              <a:rPr kumimoji="1" lang="en-US" altLang="ja-JP" dirty="0" err="1"/>
+              <a:rPr kumimoji="1" lang="en-US" altLang="ja-JP" err="1"/>
               <a:t>scraperLogic</a:t>
             </a:r>
-            <a:endParaRPr kumimoji="1" lang="ja-JP" altLang="en-US" dirty="0"/>
+            <a:endParaRPr kumimoji="1" lang="ja-JP" altLang="en-US"/>
           </a:p>
         </p:txBody>
       </p:sp>
@@ -9043,113 +9009,113 @@
           <a:lstStyle/>
           <a:p>
             <a:r>
-              <a:rPr lang="ja-JP" altLang="en-US" sz="1200" dirty="0"/>
+              <a:rPr lang="ja-JP" altLang="en-US" sz="1200"/>
               <a:t>スクレイピングの処理が呼ばれたら実行し、</a:t>
             </a:r>
             <a:r>
-              <a:rPr lang="en-US" altLang="ja-JP" sz="1200" dirty="0"/>
+              <a:rPr lang="en-US" altLang="ja-JP" sz="1200"/>
               <a:t>post</a:t>
             </a:r>
             <a:r>
-              <a:rPr lang="ja-JP" altLang="en-US" sz="1200" dirty="0"/>
+              <a:rPr lang="ja-JP" altLang="en-US" sz="1200"/>
               <a:t>構造体のリストを返す</a:t>
             </a:r>
-            <a:endParaRPr lang="en-US" altLang="ja-JP" sz="1200" dirty="0"/>
-          </a:p>
-          <a:p>
-            <a:r>
-              <a:rPr lang="ja-JP" altLang="en-US" sz="1200" dirty="0"/>
+            <a:endParaRPr lang="en-US" altLang="ja-JP" sz="1200"/>
+          </a:p>
+          <a:p>
+            <a:r>
+              <a:rPr lang="ja-JP" altLang="en-US" sz="1200"/>
               <a:t>・</a:t>
             </a:r>
             <a:r>
-              <a:rPr lang="en-US" altLang="ja-JP" sz="1200" b="1" dirty="0"/>
+              <a:rPr lang="en-US" altLang="ja-JP" sz="1200" b="1"/>
               <a:t>public </a:t>
             </a:r>
             <a:r>
-              <a:rPr lang="en-US" altLang="ja-JP" sz="1200" b="1" dirty="0" err="1"/>
+              <a:rPr lang="en-US" altLang="ja-JP" sz="1200" b="1" err="1"/>
               <a:t>GetPosts</a:t>
             </a:r>
             <a:r>
-              <a:rPr lang="en-US" altLang="ja-JP" sz="1200" b="1" dirty="0"/>
+              <a:rPr lang="en-US" altLang="ja-JP" sz="1200" b="1"/>
               <a:t> </a:t>
             </a:r>
             <a:r>
-              <a:rPr lang="en-US" altLang="ja-JP" sz="1200" dirty="0"/>
+              <a:rPr lang="en-US" altLang="ja-JP" sz="1200"/>
               <a:t>return post</a:t>
             </a:r>
             <a:r>
-              <a:rPr lang="ja-JP" altLang="en-US" sz="1200" dirty="0"/>
+              <a:rPr lang="ja-JP" altLang="en-US" sz="1200"/>
               <a:t>のリスト</a:t>
             </a:r>
-            <a:endParaRPr lang="en-US" altLang="ja-JP" sz="1200" dirty="0"/>
-          </a:p>
-          <a:p>
-            <a:r>
-              <a:rPr lang="ja-JP" altLang="en-US" sz="1200" dirty="0"/>
+            <a:endParaRPr lang="en-US" altLang="ja-JP" sz="1200"/>
+          </a:p>
+          <a:p>
+            <a:r>
+              <a:rPr lang="ja-JP" altLang="en-US" sz="1200"/>
               <a:t>・</a:t>
             </a:r>
             <a:r>
-              <a:rPr lang="en-US" altLang="ja-JP" sz="1200" b="1" dirty="0"/>
+              <a:rPr lang="en-US" altLang="ja-JP" sz="1200" b="1"/>
               <a:t>private </a:t>
             </a:r>
             <a:r>
-              <a:rPr lang="en-US" altLang="ja-JP" sz="1200" b="1" dirty="0" err="1"/>
+              <a:rPr lang="en-US" altLang="ja-JP" sz="1200" b="1" err="1"/>
               <a:t>GetHtml</a:t>
             </a:r>
             <a:r>
-              <a:rPr lang="en-US" altLang="ja-JP" sz="1200" b="1" dirty="0"/>
+              <a:rPr lang="en-US" altLang="ja-JP" sz="1200" b="1"/>
               <a:t> </a:t>
             </a:r>
             <a:r>
-              <a:rPr lang="en-US" altLang="ja-JP" sz="1200" dirty="0"/>
+              <a:rPr lang="en-US" altLang="ja-JP" sz="1200"/>
               <a:t>html</a:t>
             </a:r>
             <a:r>
-              <a:rPr lang="ja-JP" altLang="en-US" sz="1200" dirty="0"/>
+              <a:rPr lang="ja-JP" altLang="en-US" sz="1200"/>
               <a:t>の取得</a:t>
             </a:r>
             <a:r>
-              <a:rPr lang="en-US" altLang="ja-JP" sz="1200" dirty="0"/>
+              <a:rPr lang="en-US" altLang="ja-JP" sz="1200"/>
               <a:t>(selenium)</a:t>
             </a:r>
           </a:p>
           <a:p>
             <a:r>
-              <a:rPr lang="ja-JP" altLang="en-US" sz="1200" dirty="0"/>
+              <a:rPr lang="ja-JP" altLang="en-US" sz="1200"/>
               <a:t>・</a:t>
             </a:r>
             <a:r>
-              <a:rPr lang="en-US" altLang="ja-JP" sz="1200" b="1" dirty="0"/>
+              <a:rPr lang="en-US" altLang="ja-JP" sz="1200" b="1"/>
               <a:t>private </a:t>
             </a:r>
             <a:r>
-              <a:rPr lang="en-US" altLang="ja-JP" sz="1200" b="1" dirty="0" err="1"/>
+              <a:rPr lang="en-US" altLang="ja-JP" sz="1200" b="1" err="1"/>
               <a:t>DocParsePosts</a:t>
             </a:r>
             <a:r>
-              <a:rPr lang="en-US" altLang="ja-JP" sz="1200" dirty="0"/>
+              <a:rPr lang="en-US" altLang="ja-JP" sz="1200"/>
               <a:t> </a:t>
             </a:r>
             <a:r>
-              <a:rPr lang="en-US" altLang="ja-JP" sz="1200" dirty="0" err="1"/>
+              <a:rPr lang="en-US" altLang="ja-JP" sz="1200" err="1"/>
               <a:t>HtmlDocument</a:t>
             </a:r>
             <a:r>
-              <a:rPr lang="ja-JP" altLang="en-US" sz="1200" dirty="0"/>
+              <a:rPr lang="ja-JP" altLang="en-US" sz="1200"/>
               <a:t>から</a:t>
             </a:r>
             <a:r>
-              <a:rPr lang="en-US" altLang="ja-JP" sz="1200" dirty="0"/>
+              <a:rPr lang="en-US" altLang="ja-JP" sz="1200"/>
               <a:t>Post</a:t>
             </a:r>
             <a:r>
-              <a:rPr lang="ja-JP" altLang="en-US" sz="1200" dirty="0"/>
+              <a:rPr lang="ja-JP" altLang="en-US" sz="1200"/>
               <a:t>構造体のリストへデータ抽出＆変換</a:t>
             </a:r>
-            <a:endParaRPr lang="en-US" altLang="ja-JP" sz="1200" dirty="0"/>
-          </a:p>
-          <a:p>
-            <a:endParaRPr kumimoji="1" lang="ja-JP" altLang="en-US" sz="1200" dirty="0"/>
+            <a:endParaRPr lang="en-US" altLang="ja-JP" sz="1200"/>
+          </a:p>
+          <a:p>
+            <a:endParaRPr kumimoji="1" lang="ja-JP" altLang="en-US" sz="1200"/>
           </a:p>
         </p:txBody>
       </p:sp>
@@ -9182,163 +9148,123 @@
           <a:lstStyle/>
           <a:p>
             <a:r>
-              <a:rPr lang="ja-JP" altLang="en-US" sz="1200" dirty="0"/>
+              <a:rPr lang="ja-JP" altLang="en-US" sz="1200"/>
               <a:t>・</a:t>
             </a:r>
             <a:r>
-              <a:rPr lang="en-US" altLang="ja-JP" sz="1200" dirty="0"/>
+              <a:rPr lang="en-US" altLang="ja-JP" sz="1200"/>
               <a:t>public </a:t>
             </a:r>
             <a:r>
-              <a:rPr lang="en-US" altLang="ja-JP" sz="1200" dirty="0" err="1"/>
+              <a:rPr lang="en-US" altLang="ja-JP" sz="1200" err="1"/>
               <a:t>GetPostsNode</a:t>
             </a:r>
             <a:r>
-              <a:rPr lang="en-US" altLang="ja-JP" sz="1200" dirty="0"/>
+              <a:rPr lang="en-US" altLang="ja-JP" sz="1200"/>
               <a:t>(</a:t>
             </a:r>
             <a:r>
-              <a:rPr lang="en-US" altLang="ja-JP" sz="1200" dirty="0" err="1"/>
+              <a:rPr lang="en-US" altLang="ja-JP" sz="1200" err="1"/>
               <a:t>HtmlDocument</a:t>
             </a:r>
             <a:r>
-              <a:rPr lang="en-US" altLang="ja-JP" sz="1200" dirty="0"/>
+              <a:rPr lang="en-US" altLang="ja-JP" sz="1200"/>
               <a:t> doc)</a:t>
             </a:r>
           </a:p>
           <a:p>
             <a:r>
-              <a:rPr lang="ja-JP" altLang="en-US" sz="1200" dirty="0"/>
+              <a:rPr lang="ja-JP" altLang="en-US" sz="1200"/>
               <a:t>・</a:t>
             </a:r>
             <a:r>
-              <a:rPr lang="en-US" altLang="ja-JP" sz="1200" dirty="0"/>
+              <a:rPr lang="en-US" altLang="ja-JP" sz="1200"/>
               <a:t>public </a:t>
             </a:r>
             <a:r>
-              <a:rPr lang="en-US" altLang="ja-JP" sz="1200" dirty="0" err="1"/>
+              <a:rPr lang="en-US" altLang="ja-JP" sz="1200" err="1"/>
               <a:t>GetPostNode</a:t>
             </a:r>
             <a:r>
-              <a:rPr lang="en-US" altLang="ja-JP" sz="1200" dirty="0"/>
-              <a:t>(</a:t>
-            </a:r>
-            <a:r>
-              <a:rPr lang="en-US" altLang="ja-JP" sz="1200" dirty="0" err="1"/>
-              <a:t>HtmlNode</a:t>
-            </a:r>
-            <a:r>
-              <a:rPr lang="en-US" altLang="ja-JP" sz="1200" dirty="0"/>
-              <a:t> </a:t>
-            </a:r>
-            <a:r>
-              <a:rPr lang="en-US" altLang="ja-JP" sz="1200" dirty="0" err="1"/>
+              <a:rPr lang="en-US" altLang="ja-JP" sz="1200"/>
+              <a:t>(HtmlNode </a:t>
+            </a:r>
+            <a:r>
+              <a:rPr lang="en-US" altLang="ja-JP" sz="1200" err="1"/>
               <a:t>postsNode</a:t>
             </a:r>
             <a:r>
-              <a:rPr lang="en-US" altLang="ja-JP" sz="1200" dirty="0"/>
+              <a:rPr lang="en-US" altLang="ja-JP" sz="1200"/>
               <a:t>)</a:t>
             </a:r>
           </a:p>
           <a:p>
             <a:r>
-              <a:rPr lang="ja-JP" altLang="en-US" sz="1200" dirty="0"/>
+              <a:rPr lang="ja-JP" altLang="en-US" sz="1200"/>
               <a:t>・</a:t>
             </a:r>
             <a:r>
-              <a:rPr lang="en-US" altLang="ja-JP" sz="1200" dirty="0"/>
+              <a:rPr lang="en-US" altLang="ja-JP" sz="1200"/>
+              <a:t>public GetText(HtmlNode </a:t>
+            </a:r>
+            <a:r>
+              <a:rPr lang="en-US" altLang="ja-JP" sz="1200" err="1"/>
+              <a:t>TextNode</a:t>
+            </a:r>
+            <a:r>
+              <a:rPr lang="en-US" altLang="ja-JP" sz="1200"/>
+              <a:t>)</a:t>
+            </a:r>
+          </a:p>
+          <a:p>
+            <a:r>
+              <a:rPr lang="ja-JP" altLang="en-US" sz="1200"/>
+              <a:t>・</a:t>
+            </a:r>
+            <a:r>
+              <a:rPr lang="en-US" altLang="ja-JP" sz="1200"/>
               <a:t>public </a:t>
             </a:r>
             <a:r>
-              <a:rPr lang="en-US" altLang="ja-JP" sz="1200" dirty="0" err="1"/>
-              <a:t>GetText</a:t>
-            </a:r>
-            <a:r>
-              <a:rPr lang="en-US" altLang="ja-JP" sz="1200" dirty="0"/>
-              <a:t>(</a:t>
-            </a:r>
-            <a:r>
-              <a:rPr lang="en-US" altLang="ja-JP" sz="1200" dirty="0" err="1"/>
-              <a:t>HtmlNode</a:t>
-            </a:r>
-            <a:r>
-              <a:rPr lang="en-US" altLang="ja-JP" sz="1200" dirty="0"/>
-              <a:t> </a:t>
-            </a:r>
-            <a:r>
-              <a:rPr lang="en-US" altLang="ja-JP" sz="1200" dirty="0" err="1"/>
-              <a:t>TextNode</a:t>
-            </a:r>
-            <a:r>
-              <a:rPr lang="en-US" altLang="ja-JP" sz="1200" dirty="0"/>
+              <a:rPr lang="en-US" altLang="ja-JP" sz="1200" err="1"/>
+              <a:t>GetDate</a:t>
+            </a:r>
+            <a:r>
+              <a:rPr lang="en-US" altLang="ja-JP" sz="1200"/>
+              <a:t>(HtmlNode </a:t>
+            </a:r>
+            <a:r>
+              <a:rPr lang="en-US" altLang="ja-JP" sz="1200" err="1"/>
+              <a:t>DateNode</a:t>
+            </a:r>
+            <a:r>
+              <a:rPr lang="en-US" altLang="ja-JP" sz="1200"/>
               <a:t>)</a:t>
             </a:r>
           </a:p>
           <a:p>
             <a:r>
-              <a:rPr lang="ja-JP" altLang="en-US" sz="1200" dirty="0"/>
+              <a:rPr lang="ja-JP" altLang="en-US" sz="1200"/>
               <a:t>・</a:t>
             </a:r>
             <a:r>
-              <a:rPr lang="en-US" altLang="ja-JP" sz="1200" dirty="0"/>
+              <a:rPr lang="en-US" altLang="ja-JP" sz="1200"/>
               <a:t>public </a:t>
             </a:r>
             <a:r>
-              <a:rPr lang="en-US" altLang="ja-JP" sz="1200" dirty="0" err="1"/>
-              <a:t>GetDate</a:t>
-            </a:r>
-            <a:r>
-              <a:rPr lang="en-US" altLang="ja-JP" sz="1200" dirty="0"/>
-              <a:t>(</a:t>
-            </a:r>
-            <a:r>
-              <a:rPr lang="en-US" altLang="ja-JP" sz="1200" dirty="0" err="1"/>
-              <a:t>HtmlNode</a:t>
-            </a:r>
-            <a:r>
-              <a:rPr lang="en-US" altLang="ja-JP" sz="1200" dirty="0"/>
-              <a:t> </a:t>
-            </a:r>
-            <a:r>
-              <a:rPr lang="en-US" altLang="ja-JP" sz="1200" dirty="0" err="1"/>
-              <a:t>DateNode</a:t>
-            </a:r>
-            <a:r>
-              <a:rPr lang="en-US" altLang="ja-JP" sz="1200" dirty="0"/>
-              <a:t>)</a:t>
-            </a:r>
-          </a:p>
-          <a:p>
-            <a:r>
-              <a:rPr lang="ja-JP" altLang="en-US" sz="1200" dirty="0"/>
-              <a:t>・</a:t>
-            </a:r>
-            <a:r>
-              <a:rPr lang="en-US" altLang="ja-JP" sz="1200" dirty="0"/>
-              <a:t>public </a:t>
-            </a:r>
-            <a:r>
-              <a:rPr lang="en-US" altLang="ja-JP" sz="1200" dirty="0" err="1"/>
+              <a:rPr lang="en-US" altLang="ja-JP" sz="1200" err="1"/>
               <a:t>GetUserId</a:t>
             </a:r>
             <a:r>
-              <a:rPr lang="en-US" altLang="ja-JP" sz="1200" dirty="0"/>
-              <a:t>(</a:t>
-            </a:r>
-            <a:r>
-              <a:rPr lang="en-US" altLang="ja-JP" sz="1200" dirty="0" err="1"/>
-              <a:t>HtmlNode</a:t>
-            </a:r>
-            <a:r>
-              <a:rPr lang="en-US" altLang="ja-JP" sz="1200" dirty="0"/>
-              <a:t> </a:t>
-            </a:r>
-            <a:r>
-              <a:rPr lang="en-US" altLang="ja-JP" sz="1200" dirty="0" err="1"/>
+              <a:rPr lang="en-US" altLang="ja-JP" sz="1200"/>
+              <a:t>(HtmlNode </a:t>
+            </a:r>
+            <a:r>
+              <a:rPr lang="en-US" altLang="ja-JP" sz="1200" err="1"/>
               <a:t>UserIdNode</a:t>
             </a:r>
             <a:r>
-              <a:rPr lang="en-US" altLang="ja-JP" sz="1200" dirty="0"/>
+              <a:rPr lang="en-US" altLang="ja-JP" sz="1200"/>
               <a:t>)</a:t>
             </a:r>
           </a:p>
@@ -9373,424 +9299,336 @@
           <a:lstStyle/>
           <a:p>
             <a:r>
-              <a:rPr lang="en-US" altLang="ja-JP" sz="1100" dirty="0" err="1"/>
+              <a:rPr lang="en-US" altLang="ja-JP" sz="1100" err="1"/>
               <a:t>HtmlDocument</a:t>
             </a:r>
             <a:r>
-              <a:rPr lang="ja-JP" altLang="en-US" sz="1100" dirty="0"/>
+              <a:rPr lang="ja-JP" altLang="en-US" sz="1100"/>
               <a:t>から</a:t>
             </a:r>
             <a:r>
-              <a:rPr lang="en-US" altLang="ja-JP" sz="1100" dirty="0"/>
+              <a:rPr lang="en-US" altLang="ja-JP" sz="1100"/>
               <a:t>post</a:t>
             </a:r>
             <a:r>
-              <a:rPr lang="ja-JP" altLang="en-US" sz="1100" dirty="0"/>
+              <a:rPr lang="ja-JP" altLang="en-US" sz="1100"/>
               <a:t>データを探索する処理を抽象化し、</a:t>
             </a:r>
             <a:r>
-              <a:rPr lang="en-US" altLang="ja-JP" sz="1100" dirty="0" err="1"/>
+              <a:rPr lang="en-US" altLang="ja-JP" sz="1100" err="1"/>
               <a:t>scraperOwner</a:t>
             </a:r>
             <a:r>
-              <a:rPr lang="ja-JP" altLang="en-US" sz="1100" dirty="0"/>
+              <a:rPr lang="ja-JP" altLang="en-US" sz="1100"/>
               <a:t>へ提供</a:t>
             </a:r>
-            <a:endParaRPr lang="en-US" altLang="ja-JP" sz="1100" dirty="0"/>
-          </a:p>
-          <a:p>
-            <a:r>
-              <a:rPr lang="en-US" altLang="ja-JP" sz="1100" dirty="0" err="1"/>
+            <a:endParaRPr lang="en-US" altLang="ja-JP" sz="1100"/>
+          </a:p>
+          <a:p>
+            <a:r>
+              <a:rPr lang="en-US" altLang="ja-JP" sz="1100" err="1"/>
               <a:t>DoCParsePosts</a:t>
             </a:r>
             <a:r>
-              <a:rPr lang="ja-JP" altLang="en-US" sz="1100" dirty="0"/>
+              <a:rPr lang="ja-JP" altLang="en-US" sz="1100"/>
               <a:t>の中で、</a:t>
             </a:r>
             <a:r>
-              <a:rPr lang="en-US" altLang="ja-JP" sz="1100" dirty="0" err="1"/>
+              <a:rPr lang="en-US" altLang="ja-JP" sz="1100" err="1"/>
               <a:t>ScraperLogic</a:t>
             </a:r>
             <a:r>
-              <a:rPr lang="ja-JP" altLang="en-US" sz="1100" dirty="0"/>
+              <a:rPr lang="ja-JP" altLang="en-US" sz="1100"/>
               <a:t>クラスの</a:t>
             </a:r>
             <a:r>
-              <a:rPr lang="en-US" altLang="ja-JP" sz="1100" dirty="0"/>
+              <a:rPr lang="en-US" altLang="ja-JP" sz="1100"/>
               <a:t>public</a:t>
             </a:r>
             <a:r>
-              <a:rPr lang="ja-JP" altLang="en-US" sz="1100" dirty="0"/>
+              <a:rPr lang="ja-JP" altLang="en-US" sz="1100"/>
               <a:t>メソッドを実行し、</a:t>
             </a:r>
             <a:r>
-              <a:rPr lang="en-US" altLang="ja-JP" sz="1100" dirty="0"/>
+              <a:rPr lang="en-US" altLang="ja-JP" sz="1100"/>
               <a:t>Post</a:t>
             </a:r>
             <a:r>
-              <a:rPr lang="ja-JP" altLang="en-US" sz="1100" dirty="0"/>
+              <a:rPr lang="ja-JP" altLang="en-US" sz="1100"/>
               <a:t>構造体を生成。</a:t>
             </a:r>
-            <a:endParaRPr lang="en-US" altLang="ja-JP" sz="1100" dirty="0"/>
-          </a:p>
-          <a:p>
-            <a:r>
-              <a:rPr lang="en-US" altLang="ja-JP" sz="1100" dirty="0"/>
+            <a:endParaRPr lang="en-US" altLang="ja-JP" sz="1100"/>
+          </a:p>
+          <a:p>
+            <a:r>
+              <a:rPr lang="en-US" altLang="ja-JP" sz="1100"/>
               <a:t>Post</a:t>
             </a:r>
             <a:r>
-              <a:rPr lang="ja-JP" altLang="en-US" sz="1100" dirty="0"/>
+              <a:rPr lang="ja-JP" altLang="en-US" sz="1100"/>
               <a:t>がある</a:t>
             </a:r>
             <a:r>
-              <a:rPr lang="en-US" altLang="ja-JP" sz="1100" dirty="0"/>
+              <a:rPr lang="en-US" altLang="ja-JP" sz="1100"/>
               <a:t>node</a:t>
             </a:r>
             <a:r>
-              <a:rPr lang="ja-JP" altLang="en-US" sz="1100" dirty="0"/>
+              <a:rPr lang="ja-JP" altLang="en-US" sz="1100"/>
               <a:t>を探索 </a:t>
             </a:r>
             <a:r>
-              <a:rPr lang="en-US" altLang="ja-JP" sz="1100" dirty="0"/>
+              <a:rPr lang="en-US" altLang="ja-JP" sz="1100"/>
               <a:t>-&gt; Post</a:t>
             </a:r>
             <a:r>
-              <a:rPr lang="ja-JP" altLang="en-US" sz="1100" dirty="0"/>
+              <a:rPr lang="ja-JP" altLang="en-US" sz="1100"/>
               <a:t>ひとつひとつの</a:t>
             </a:r>
             <a:r>
-              <a:rPr lang="en-US" altLang="ja-JP" sz="1100" dirty="0"/>
+              <a:rPr lang="en-US" altLang="ja-JP" sz="1100"/>
               <a:t>Node</a:t>
             </a:r>
             <a:r>
-              <a:rPr lang="ja-JP" altLang="en-US" sz="1100" dirty="0"/>
+              <a:rPr lang="ja-JP" altLang="en-US" sz="1100"/>
               <a:t>をリストで取得</a:t>
             </a:r>
             <a:r>
-              <a:rPr lang="en-US" altLang="ja-JP" sz="1100" dirty="0"/>
+              <a:rPr lang="en-US" altLang="ja-JP" sz="1100"/>
               <a:t>-&gt;Post</a:t>
             </a:r>
             <a:r>
-              <a:rPr lang="ja-JP" altLang="en-US" sz="1100" dirty="0"/>
+              <a:rPr lang="ja-JP" altLang="en-US" sz="1100"/>
               <a:t>の中のデータを抽出</a:t>
             </a:r>
             <a:br>
-              <a:rPr lang="en-US" altLang="ja-JP" sz="1100" dirty="0"/>
+              <a:rPr lang="en-US" altLang="ja-JP" sz="1100"/>
             </a:br>
             <a:r>
-              <a:rPr lang="ja-JP" altLang="en-US" sz="1100" dirty="0"/>
+              <a:rPr lang="ja-JP" altLang="en-US" sz="1100"/>
               <a:t>各</a:t>
             </a:r>
             <a:r>
-              <a:rPr lang="en-US" altLang="ja-JP" sz="1100" dirty="0"/>
+              <a:rPr lang="en-US" altLang="ja-JP" sz="1100"/>
               <a:t>Post</a:t>
             </a:r>
             <a:r>
-              <a:rPr lang="ja-JP" altLang="en-US" sz="1100" dirty="0"/>
+              <a:rPr lang="ja-JP" altLang="en-US" sz="1100"/>
               <a:t>の</a:t>
             </a:r>
             <a:r>
-              <a:rPr lang="en-US" altLang="ja-JP" sz="1100" dirty="0"/>
+              <a:rPr lang="en-US" altLang="ja-JP" sz="1100"/>
               <a:t>Node</a:t>
             </a:r>
             <a:r>
-              <a:rPr lang="ja-JP" altLang="en-US" sz="1100" dirty="0"/>
+              <a:rPr lang="ja-JP" altLang="en-US" sz="1100"/>
               <a:t>から更に</a:t>
             </a:r>
             <a:r>
-              <a:rPr lang="en-US" altLang="ja-JP" sz="1100" dirty="0"/>
+              <a:rPr lang="en-US" altLang="ja-JP" sz="1100"/>
               <a:t>Node</a:t>
             </a:r>
             <a:r>
-              <a:rPr lang="ja-JP" altLang="en-US" sz="1100" dirty="0"/>
+              <a:rPr lang="ja-JP" altLang="en-US" sz="1100"/>
               <a:t>を深く掘る場合は、</a:t>
             </a:r>
             <a:r>
-              <a:rPr lang="en-US" altLang="ja-JP" sz="1100" dirty="0"/>
+              <a:rPr lang="en-US" altLang="ja-JP" sz="1100"/>
               <a:t>Interface</a:t>
             </a:r>
             <a:r>
-              <a:rPr lang="ja-JP" altLang="en-US" sz="1100" dirty="0"/>
+              <a:rPr lang="ja-JP" altLang="en-US" sz="1100"/>
               <a:t>とは別にメソッドを定義</a:t>
             </a:r>
             <a:r>
-              <a:rPr lang="en-US" altLang="ja-JP" sz="1100" dirty="0"/>
+              <a:rPr lang="en-US" altLang="ja-JP" sz="1100"/>
               <a:t>(</a:t>
             </a:r>
             <a:r>
-              <a:rPr lang="en-US" altLang="ja-JP" sz="1100" dirty="0" err="1"/>
+              <a:rPr lang="en-US" altLang="ja-JP" sz="1100" err="1"/>
               <a:t>GetTextNode</a:t>
             </a:r>
             <a:r>
-              <a:rPr lang="ja-JP" altLang="en-US" sz="1100" dirty="0"/>
+              <a:rPr lang="ja-JP" altLang="en-US" sz="1100"/>
               <a:t>など</a:t>
             </a:r>
             <a:r>
-              <a:rPr lang="en-US" altLang="ja-JP" sz="1100" dirty="0"/>
+              <a:rPr lang="en-US" altLang="ja-JP" sz="1100"/>
               <a:t>)</a:t>
             </a:r>
           </a:p>
           <a:p>
             <a:r>
-              <a:rPr lang="ja-JP" altLang="en-US" sz="1100" dirty="0"/>
+              <a:rPr lang="ja-JP" altLang="en-US" sz="1100"/>
               <a:t>・</a:t>
             </a:r>
             <a:r>
-              <a:rPr lang="en-US" altLang="ja-JP" sz="1100" dirty="0"/>
+              <a:rPr lang="en-US" altLang="ja-JP" sz="1100"/>
               <a:t>public </a:t>
             </a:r>
             <a:r>
-              <a:rPr lang="en-US" altLang="ja-JP" sz="1100" dirty="0" err="1"/>
+              <a:rPr lang="en-US" altLang="ja-JP" sz="1100" err="1"/>
               <a:t>GetPostsNode</a:t>
             </a:r>
             <a:r>
-              <a:rPr lang="en-US" altLang="ja-JP" sz="1100" dirty="0"/>
+              <a:rPr lang="en-US" altLang="ja-JP" sz="1100"/>
               <a:t>(</a:t>
             </a:r>
             <a:r>
-              <a:rPr lang="en-US" altLang="ja-JP" sz="1100" dirty="0" err="1"/>
+              <a:rPr lang="en-US" altLang="ja-JP" sz="1100" err="1"/>
               <a:t>HtmlDocument</a:t>
             </a:r>
             <a:r>
-              <a:rPr lang="en-US" altLang="ja-JP" sz="1100" dirty="0"/>
+              <a:rPr lang="en-US" altLang="ja-JP" sz="1100"/>
               <a:t> doc)</a:t>
             </a:r>
           </a:p>
           <a:p>
             <a:r>
-              <a:rPr lang="ja-JP" altLang="en-US" sz="1100" dirty="0"/>
+              <a:rPr lang="ja-JP" altLang="en-US" sz="1100"/>
               <a:t>・</a:t>
             </a:r>
             <a:r>
-              <a:rPr lang="en-US" altLang="ja-JP" sz="1100" dirty="0"/>
+              <a:rPr lang="en-US" altLang="ja-JP" sz="1100"/>
               <a:t>public </a:t>
             </a:r>
             <a:r>
-              <a:rPr lang="en-US" altLang="ja-JP" sz="1100" dirty="0" err="1"/>
+              <a:rPr lang="en-US" altLang="ja-JP" sz="1100" err="1"/>
               <a:t>GetPostNode</a:t>
             </a:r>
             <a:r>
-              <a:rPr lang="en-US" altLang="ja-JP" sz="1100" dirty="0"/>
-              <a:t>(</a:t>
-            </a:r>
-            <a:r>
-              <a:rPr lang="en-US" altLang="ja-JP" sz="1100" dirty="0" err="1"/>
-              <a:t>HtmlNode</a:t>
-            </a:r>
-            <a:r>
-              <a:rPr lang="en-US" altLang="ja-JP" sz="1100" dirty="0"/>
-              <a:t> </a:t>
-            </a:r>
-            <a:r>
-              <a:rPr lang="en-US" altLang="ja-JP" sz="1100" dirty="0" err="1"/>
+              <a:rPr lang="en-US" altLang="ja-JP" sz="1100"/>
+              <a:t>(HtmlNode </a:t>
+            </a:r>
+            <a:r>
+              <a:rPr lang="en-US" altLang="ja-JP" sz="1100" err="1"/>
               <a:t>postsNode</a:t>
             </a:r>
             <a:r>
-              <a:rPr lang="en-US" altLang="ja-JP" sz="1100" dirty="0"/>
+              <a:rPr lang="en-US" altLang="ja-JP" sz="1100"/>
               <a:t>)</a:t>
             </a:r>
           </a:p>
           <a:p>
             <a:r>
-              <a:rPr lang="ja-JP" altLang="en-US" sz="1100" dirty="0"/>
+              <a:rPr lang="ja-JP" altLang="en-US" sz="1100"/>
               <a:t>・</a:t>
             </a:r>
             <a:r>
-              <a:rPr lang="en-US" altLang="ja-JP" sz="1100" dirty="0"/>
+              <a:rPr lang="en-US" altLang="ja-JP" sz="1100"/>
               <a:t>public </a:t>
             </a:r>
             <a:r>
-              <a:rPr lang="en-US" altLang="ja-JP" sz="1100" dirty="0" err="1"/>
+              <a:rPr lang="en-US" altLang="ja-JP" sz="1100" err="1"/>
               <a:t>GetTextNode</a:t>
             </a:r>
             <a:r>
-              <a:rPr lang="en-US" altLang="ja-JP" sz="1100" dirty="0"/>
-              <a:t>(</a:t>
-            </a:r>
-            <a:r>
-              <a:rPr lang="en-US" altLang="ja-JP" sz="1100" dirty="0" err="1"/>
-              <a:t>HtmlNode</a:t>
-            </a:r>
-            <a:r>
-              <a:rPr lang="en-US" altLang="ja-JP" sz="1100" dirty="0"/>
-              <a:t> </a:t>
-            </a:r>
-            <a:r>
-              <a:rPr lang="en-US" altLang="ja-JP" sz="1100" dirty="0" err="1"/>
-              <a:t>postNode</a:t>
-            </a:r>
-            <a:r>
-              <a:rPr lang="en-US" altLang="ja-JP" sz="1100" dirty="0"/>
+              <a:rPr lang="en-US" altLang="ja-JP" sz="1100"/>
+              <a:t>(HtmlNode postNode)</a:t>
+            </a:r>
+          </a:p>
+          <a:p>
+            <a:r>
+              <a:rPr lang="ja-JP" altLang="en-US" sz="1100"/>
+              <a:t>・</a:t>
+            </a:r>
+            <a:r>
+              <a:rPr lang="en-US" altLang="ja-JP" sz="1100"/>
+              <a:t>public GetText(HtmlNode </a:t>
+            </a:r>
+            <a:r>
+              <a:rPr lang="en-US" altLang="ja-JP" sz="1100" err="1"/>
+              <a:t>TextNode</a:t>
+            </a:r>
+            <a:r>
+              <a:rPr lang="en-US" altLang="ja-JP" sz="1100"/>
               <a:t>)</a:t>
             </a:r>
           </a:p>
           <a:p>
             <a:r>
-              <a:rPr lang="ja-JP" altLang="en-US" sz="1100" dirty="0"/>
+              <a:rPr lang="ja-JP" altLang="en-US" sz="1100"/>
               <a:t>・</a:t>
             </a:r>
             <a:r>
-              <a:rPr lang="en-US" altLang="ja-JP" sz="1100" dirty="0"/>
+              <a:rPr lang="en-US" altLang="ja-JP" sz="1100"/>
               <a:t>public </a:t>
             </a:r>
             <a:r>
-              <a:rPr lang="en-US" altLang="ja-JP" sz="1100" dirty="0" err="1"/>
-              <a:t>GetText</a:t>
-            </a:r>
-            <a:r>
-              <a:rPr lang="en-US" altLang="ja-JP" sz="1100" dirty="0"/>
-              <a:t>(</a:t>
-            </a:r>
-            <a:r>
-              <a:rPr lang="en-US" altLang="ja-JP" sz="1100" dirty="0" err="1"/>
-              <a:t>HtmlNode</a:t>
-            </a:r>
-            <a:r>
-              <a:rPr lang="en-US" altLang="ja-JP" sz="1100" dirty="0"/>
-              <a:t> </a:t>
-            </a:r>
-            <a:r>
-              <a:rPr lang="en-US" altLang="ja-JP" sz="1100" dirty="0" err="1"/>
-              <a:t>TextNode</a:t>
-            </a:r>
-            <a:r>
-              <a:rPr lang="en-US" altLang="ja-JP" sz="1100" dirty="0"/>
+              <a:rPr lang="en-US" altLang="ja-JP" sz="1100" err="1"/>
+              <a:t>GetDateNode</a:t>
+            </a:r>
+            <a:r>
+              <a:rPr lang="en-US" altLang="ja-JP" sz="1100"/>
+              <a:t>(HtmlNode postNode)</a:t>
+            </a:r>
+          </a:p>
+          <a:p>
+            <a:r>
+              <a:rPr lang="ja-JP" altLang="en-US" sz="1100"/>
+              <a:t>・</a:t>
+            </a:r>
+            <a:r>
+              <a:rPr lang="en-US" altLang="ja-JP" sz="1100"/>
+              <a:t>public </a:t>
+            </a:r>
+            <a:r>
+              <a:rPr lang="en-US" altLang="ja-JP" sz="1100" err="1"/>
+              <a:t>GetDate</a:t>
+            </a:r>
+            <a:r>
+              <a:rPr lang="en-US" altLang="ja-JP" sz="1100"/>
+              <a:t>(HtmlNode </a:t>
+            </a:r>
+            <a:r>
+              <a:rPr lang="en-US" altLang="ja-JP" sz="1100" err="1"/>
+              <a:t>DateNode</a:t>
+            </a:r>
+            <a:r>
+              <a:rPr lang="en-US" altLang="ja-JP" sz="1100"/>
               <a:t>)</a:t>
             </a:r>
           </a:p>
           <a:p>
             <a:r>
-              <a:rPr lang="ja-JP" altLang="en-US" sz="1100" dirty="0"/>
+              <a:rPr lang="ja-JP" altLang="en-US" sz="1100"/>
               <a:t>・</a:t>
             </a:r>
             <a:r>
-              <a:rPr lang="en-US" altLang="ja-JP" sz="1100" dirty="0"/>
+              <a:rPr lang="en-US" altLang="ja-JP" sz="1100"/>
               <a:t>public </a:t>
             </a:r>
             <a:r>
-              <a:rPr lang="en-US" altLang="ja-JP" sz="1100" dirty="0" err="1"/>
-              <a:t>GetDateNode</a:t>
-            </a:r>
-            <a:r>
-              <a:rPr lang="en-US" altLang="ja-JP" sz="1100" dirty="0"/>
-              <a:t>(</a:t>
-            </a:r>
-            <a:r>
-              <a:rPr lang="en-US" altLang="ja-JP" sz="1100" dirty="0" err="1"/>
-              <a:t>HtmlNode</a:t>
-            </a:r>
-            <a:r>
-              <a:rPr lang="en-US" altLang="ja-JP" sz="1100" dirty="0"/>
-              <a:t> </a:t>
-            </a:r>
-            <a:r>
-              <a:rPr lang="en-US" altLang="ja-JP" sz="1100" dirty="0" err="1"/>
-              <a:t>postNode</a:t>
-            </a:r>
-            <a:r>
-              <a:rPr lang="en-US" altLang="ja-JP" sz="1100" dirty="0"/>
-              <a:t>)</a:t>
-            </a:r>
-          </a:p>
-          <a:p>
-            <a:r>
-              <a:rPr lang="ja-JP" altLang="en-US" sz="1100" dirty="0"/>
+              <a:rPr lang="en-US" altLang="ja-JP" sz="1100" err="1"/>
+              <a:t>GetUserIdNode</a:t>
+            </a:r>
+            <a:r>
+              <a:rPr lang="en-US" altLang="ja-JP" sz="1100"/>
+              <a:t>(HtmlNode postNode)</a:t>
+            </a:r>
+          </a:p>
+          <a:p>
+            <a:r>
+              <a:rPr lang="ja-JP" altLang="en-US" sz="1100"/>
               <a:t>・</a:t>
             </a:r>
             <a:r>
-              <a:rPr lang="en-US" altLang="ja-JP" sz="1100" dirty="0"/>
+              <a:rPr lang="en-US" altLang="ja-JP" sz="1100"/>
               <a:t>public </a:t>
             </a:r>
             <a:r>
-              <a:rPr lang="en-US" altLang="ja-JP" sz="1100" dirty="0" err="1"/>
-              <a:t>GetDate</a:t>
-            </a:r>
-            <a:r>
-              <a:rPr lang="en-US" altLang="ja-JP" sz="1100" dirty="0"/>
-              <a:t>(</a:t>
-            </a:r>
-            <a:r>
-              <a:rPr lang="en-US" altLang="ja-JP" sz="1100" dirty="0" err="1"/>
-              <a:t>HtmlNode</a:t>
-            </a:r>
-            <a:r>
-              <a:rPr lang="en-US" altLang="ja-JP" sz="1100" dirty="0"/>
-              <a:t> </a:t>
-            </a:r>
-            <a:r>
-              <a:rPr lang="en-US" altLang="ja-JP" sz="1100" dirty="0" err="1"/>
-              <a:t>DateNode</a:t>
-            </a:r>
-            <a:r>
-              <a:rPr lang="en-US" altLang="ja-JP" sz="1100" dirty="0"/>
-              <a:t>)</a:t>
-            </a:r>
-          </a:p>
-          <a:p>
-            <a:r>
-              <a:rPr lang="ja-JP" altLang="en-US" sz="1100" dirty="0"/>
-              <a:t>・</a:t>
-            </a:r>
-            <a:r>
-              <a:rPr lang="en-US" altLang="ja-JP" sz="1100" dirty="0"/>
-              <a:t>public </a:t>
-            </a:r>
-            <a:r>
-              <a:rPr lang="en-US" altLang="ja-JP" sz="1100" dirty="0" err="1"/>
-              <a:t>GetUserIdNode</a:t>
-            </a:r>
-            <a:r>
-              <a:rPr lang="en-US" altLang="ja-JP" sz="1100" dirty="0"/>
-              <a:t>(</a:t>
-            </a:r>
-            <a:r>
-              <a:rPr lang="en-US" altLang="ja-JP" sz="1100" dirty="0" err="1"/>
-              <a:t>HtmlNode</a:t>
-            </a:r>
-            <a:r>
-              <a:rPr lang="en-US" altLang="ja-JP" sz="1100" dirty="0"/>
-              <a:t> </a:t>
-            </a:r>
-            <a:r>
-              <a:rPr lang="en-US" altLang="ja-JP" sz="1100" dirty="0" err="1"/>
-              <a:t>postNode</a:t>
-            </a:r>
-            <a:r>
-              <a:rPr lang="en-US" altLang="ja-JP" sz="1100" dirty="0"/>
-              <a:t>)</a:t>
-            </a:r>
-          </a:p>
-          <a:p>
-            <a:r>
-              <a:rPr lang="ja-JP" altLang="en-US" sz="1100" dirty="0"/>
-              <a:t>・</a:t>
-            </a:r>
-            <a:r>
-              <a:rPr lang="en-US" altLang="ja-JP" sz="1100" dirty="0"/>
-              <a:t>public </a:t>
-            </a:r>
-            <a:r>
-              <a:rPr lang="en-US" altLang="ja-JP" sz="1100" dirty="0" err="1"/>
+              <a:rPr lang="en-US" altLang="ja-JP" sz="1100" err="1"/>
               <a:t>GetUserId</a:t>
             </a:r>
             <a:r>
-              <a:rPr lang="en-US" altLang="ja-JP" sz="1100" dirty="0"/>
-              <a:t>(</a:t>
-            </a:r>
-            <a:r>
-              <a:rPr lang="en-US" altLang="ja-JP" sz="1100" dirty="0" err="1"/>
-              <a:t>HtmlNode</a:t>
-            </a:r>
-            <a:r>
-              <a:rPr lang="en-US" altLang="ja-JP" sz="1100" dirty="0"/>
-              <a:t> </a:t>
-            </a:r>
-            <a:r>
-              <a:rPr lang="en-US" altLang="ja-JP" sz="1100" dirty="0" err="1"/>
+              <a:rPr lang="en-US" altLang="ja-JP" sz="1100"/>
+              <a:t>(HtmlNode </a:t>
+            </a:r>
+            <a:r>
+              <a:rPr lang="en-US" altLang="ja-JP" sz="1100" err="1"/>
               <a:t>UserIdNode</a:t>
             </a:r>
             <a:r>
-              <a:rPr lang="en-US" altLang="ja-JP" sz="1100" dirty="0"/>
+              <a:rPr lang="en-US" altLang="ja-JP" sz="1100"/>
               <a:t>)</a:t>
             </a:r>
           </a:p>
@@ -9839,10 +9677,10 @@
           <a:p>
             <a:pPr algn="ctr"/>
             <a:r>
-              <a:rPr kumimoji="1" lang="en-US" altLang="ja-JP" dirty="0" err="1"/>
+              <a:rPr kumimoji="1" lang="en-US" altLang="ja-JP" err="1"/>
               <a:t>IscraperLogic</a:t>
             </a:r>
-            <a:endParaRPr kumimoji="1" lang="ja-JP" altLang="en-US" dirty="0"/>
+            <a:endParaRPr kumimoji="1" lang="ja-JP" altLang="en-US"/>
           </a:p>
         </p:txBody>
       </p:sp>
@@ -9875,22 +9713,22 @@
           <a:lstStyle/>
           <a:p>
             <a:r>
-              <a:rPr lang="ja-JP" altLang="en-US" sz="1200" dirty="0"/>
+              <a:rPr lang="ja-JP" altLang="en-US" sz="1200"/>
               <a:t>・</a:t>
             </a:r>
             <a:r>
-              <a:rPr lang="en-US" altLang="ja-JP" sz="1200" dirty="0"/>
+              <a:rPr lang="en-US" altLang="ja-JP" sz="1200"/>
               <a:t>public </a:t>
             </a:r>
             <a:r>
-              <a:rPr lang="en-US" altLang="ja-JP" sz="1200" dirty="0" err="1"/>
+              <a:rPr lang="en-US" altLang="ja-JP" sz="1200" err="1"/>
               <a:t>GetPosts</a:t>
             </a:r>
             <a:r>
-              <a:rPr lang="en-US" altLang="ja-JP" sz="1200" dirty="0"/>
+              <a:rPr lang="en-US" altLang="ja-JP" sz="1200"/>
               <a:t>()</a:t>
             </a:r>
-            <a:endParaRPr kumimoji="1" lang="ja-JP" altLang="en-US" sz="1200" dirty="0"/>
+            <a:endParaRPr kumimoji="1" lang="ja-JP" altLang="en-US" sz="1200"/>
           </a:p>
         </p:txBody>
       </p:sp>
@@ -9923,66 +9761,66 @@
           <a:lstStyle/>
           <a:p>
             <a:r>
-              <a:rPr lang="en-US" altLang="ja-JP" sz="1400" b="1" dirty="0" err="1"/>
+              <a:rPr lang="en-US" altLang="ja-JP" sz="1400" b="1" err="1"/>
               <a:t>ScraperOwner</a:t>
             </a:r>
             <a:r>
-              <a:rPr lang="ja-JP" altLang="en-US" sz="1400" b="1" dirty="0"/>
+              <a:rPr lang="ja-JP" altLang="en-US" sz="1400" b="1"/>
               <a:t>は</a:t>
             </a:r>
             <a:r>
-              <a:rPr lang="en-US" altLang="ja-JP" sz="1400" b="1" dirty="0"/>
+              <a:rPr lang="en-US" altLang="ja-JP" sz="1400" b="1"/>
               <a:t>1</a:t>
             </a:r>
             <a:r>
-              <a:rPr lang="ja-JP" altLang="en-US" sz="1400" b="1" dirty="0"/>
+              <a:rPr lang="ja-JP" altLang="en-US" sz="1400" b="1"/>
               <a:t>つ</a:t>
             </a:r>
-            <a:endParaRPr lang="en-US" altLang="ja-JP" sz="1400" b="1" dirty="0"/>
-          </a:p>
-          <a:p>
-            <a:r>
-              <a:rPr kumimoji="1" lang="ja-JP" altLang="en-US" sz="1400" b="1" dirty="0"/>
+            <a:endParaRPr lang="en-US" altLang="ja-JP" sz="1400" b="1"/>
+          </a:p>
+          <a:p>
+            <a:r>
+              <a:rPr kumimoji="1" lang="ja-JP" altLang="en-US" sz="1400" b="1"/>
               <a:t>サイト毎の処理は</a:t>
             </a:r>
             <a:r>
-              <a:rPr kumimoji="1" lang="en-US" altLang="ja-JP" sz="1400" b="1" dirty="0" err="1"/>
+              <a:rPr kumimoji="1" lang="en-US" altLang="ja-JP" sz="1400" b="1" err="1"/>
               <a:t>ScraperLogic</a:t>
             </a:r>
             <a:r>
-              <a:rPr kumimoji="1" lang="ja-JP" altLang="en-US" sz="1400" b="1" dirty="0"/>
+              <a:rPr kumimoji="1" lang="ja-JP" altLang="en-US" sz="1400" b="1"/>
               <a:t>で実装し</a:t>
             </a:r>
             <a:r>
-              <a:rPr kumimoji="1" lang="en-US" altLang="ja-JP" sz="1400" b="1" dirty="0"/>
+              <a:rPr kumimoji="1" lang="en-US" altLang="ja-JP" sz="1400" b="1"/>
               <a:t>(</a:t>
             </a:r>
             <a:r>
-              <a:rPr kumimoji="1" lang="ja-JP" altLang="en-US" sz="1400" b="1" dirty="0"/>
+              <a:rPr kumimoji="1" lang="ja-JP" altLang="en-US" sz="1400" b="1"/>
               <a:t>サイト</a:t>
             </a:r>
             <a:r>
-              <a:rPr kumimoji="1" lang="en-US" altLang="ja-JP" sz="1400" b="1" dirty="0"/>
+              <a:rPr kumimoji="1" lang="en-US" altLang="ja-JP" sz="1400" b="1"/>
               <a:t>1 </a:t>
             </a:r>
             <a:r>
-              <a:rPr lang="en-US" altLang="ja-JP" sz="1400" b="1" dirty="0"/>
+              <a:rPr lang="en-US" altLang="ja-JP" sz="1400" b="1"/>
               <a:t>: </a:t>
             </a:r>
             <a:r>
-              <a:rPr kumimoji="1" lang="en-US" altLang="ja-JP" sz="1400" b="1" dirty="0"/>
+              <a:rPr kumimoji="1" lang="en-US" altLang="ja-JP" sz="1400" b="1"/>
               <a:t>ScraperLogic1)</a:t>
             </a:r>
             <a:r>
-              <a:rPr kumimoji="1" lang="ja-JP" altLang="en-US" sz="1400" b="1" dirty="0"/>
+              <a:rPr kumimoji="1" lang="ja-JP" altLang="en-US" sz="1400" b="1"/>
               <a:t>、</a:t>
             </a:r>
             <a:r>
-              <a:rPr kumimoji="1" lang="en-US" altLang="ja-JP" sz="1400" b="1" dirty="0" err="1"/>
+              <a:rPr kumimoji="1" lang="en-US" altLang="ja-JP" sz="1400" b="1" err="1"/>
               <a:t>ScraperOwner</a:t>
             </a:r>
             <a:r>
-              <a:rPr kumimoji="1" lang="ja-JP" altLang="en-US" sz="1400" b="1" dirty="0"/>
+              <a:rPr kumimoji="1" lang="ja-JP" altLang="en-US" sz="1400" b="1"/>
               <a:t>に提供する</a:t>
             </a:r>
           </a:p>
@@ -10017,11 +9855,11 @@
           <a:lstStyle/>
           <a:p>
             <a:r>
-              <a:rPr kumimoji="1" lang="en-US" altLang="ja-JP" dirty="0"/>
+              <a:rPr kumimoji="1" lang="en-US" altLang="ja-JP"/>
               <a:t>Scraper</a:t>
             </a:r>
             <a:r>
-              <a:rPr kumimoji="1" lang="ja-JP" altLang="en-US" dirty="0"/>
+              <a:rPr kumimoji="1" lang="ja-JP" altLang="en-US"/>
               <a:t>設計</a:t>
             </a:r>
           </a:p>
@@ -10134,7 +9972,7 @@
           <a:lstStyle/>
           <a:p>
             <a:r>
-              <a:rPr kumimoji="1" lang="ja-JP" altLang="en-US" sz="1400" dirty="0"/>
+              <a:rPr kumimoji="1" lang="ja-JP" altLang="en-US" sz="1400"/>
               <a:t>実装</a:t>
             </a:r>
           </a:p>
@@ -10169,7 +10007,7 @@
           <a:lstStyle/>
           <a:p>
             <a:r>
-              <a:rPr kumimoji="1" lang="ja-JP" altLang="en-US" sz="1400" dirty="0"/>
+              <a:rPr kumimoji="1" lang="ja-JP" altLang="en-US" sz="1400"/>
               <a:t>実装</a:t>
             </a:r>
           </a:p>
@@ -10284,14 +10122,14 @@
           <a:p>
             <a:pPr algn="ctr"/>
             <a:r>
-              <a:rPr lang="ja-JP" altLang="en-US" sz="1100" dirty="0"/>
+              <a:rPr lang="ja-JP" altLang="en-US" sz="1100"/>
               <a:t>スクレイパー</a:t>
             </a:r>
             <a:br>
-              <a:rPr lang="en-US" altLang="ja-JP" sz="1100" dirty="0"/>
+              <a:rPr lang="en-US" altLang="ja-JP" sz="1100"/>
             </a:br>
             <a:r>
-              <a:rPr lang="en-US" altLang="ja-JP" sz="1100" dirty="0"/>
+              <a:rPr lang="en-US" altLang="ja-JP" sz="1100"/>
               <a:t>Interface</a:t>
             </a:r>
           </a:p>
@@ -10340,10 +10178,10 @@
           <a:p>
             <a:pPr algn="ctr"/>
             <a:r>
-              <a:rPr lang="ja-JP" altLang="en-US" sz="900" dirty="0"/>
+              <a:rPr lang="ja-JP" altLang="en-US" sz="900"/>
               <a:t>スクレイパー</a:t>
             </a:r>
-            <a:endParaRPr lang="en-US" altLang="ja-JP" sz="900" dirty="0"/>
+            <a:endParaRPr lang="en-US" altLang="ja-JP" sz="900"/>
           </a:p>
         </p:txBody>
       </p:sp>
@@ -10390,7 +10228,7 @@
           <a:p>
             <a:pPr algn="ctr"/>
             <a:r>
-              <a:rPr lang="en-US" altLang="ja-JP" dirty="0"/>
+              <a:rPr lang="en-US" altLang="ja-JP"/>
               <a:t>UI</a:t>
             </a:r>
           </a:p>
@@ -10437,10 +10275,10 @@
           <a:p>
             <a:pPr algn="ctr"/>
             <a:r>
-              <a:rPr kumimoji="1" lang="ja-JP" altLang="en-US" sz="1200" dirty="0"/>
+              <a:rPr kumimoji="1" lang="ja-JP" altLang="en-US" sz="1200"/>
               <a:t>レスの表示</a:t>
             </a:r>
-            <a:endParaRPr kumimoji="1" lang="en-US" altLang="ja-JP" sz="1200" dirty="0"/>
+            <a:endParaRPr kumimoji="1" lang="en-US" altLang="ja-JP" sz="1200"/>
           </a:p>
         </p:txBody>
       </p:sp>
@@ -10514,10 +10352,10 @@
           <a:lstStyle/>
           <a:p>
             <a:r>
-              <a:rPr kumimoji="1" lang="en-US" altLang="ja-JP" b="1" dirty="0"/>
+              <a:rPr kumimoji="1" lang="en-US" altLang="ja-JP" b="1"/>
               <a:t>Phase1</a:t>
             </a:r>
-            <a:endParaRPr kumimoji="1" lang="ja-JP" altLang="en-US" b="1" dirty="0"/>
+            <a:endParaRPr kumimoji="1" lang="ja-JP" altLang="en-US" b="1"/>
           </a:p>
         </p:txBody>
       </p:sp>
@@ -10679,14 +10517,14 @@
           <a:p>
             <a:pPr algn="ctr"/>
             <a:r>
-              <a:rPr lang="ja-JP" altLang="en-US" sz="1100" dirty="0"/>
+              <a:rPr lang="ja-JP" altLang="en-US" sz="1100"/>
               <a:t>スクレイパー</a:t>
             </a:r>
             <a:br>
-              <a:rPr lang="en-US" altLang="ja-JP" sz="1100" dirty="0"/>
+              <a:rPr lang="en-US" altLang="ja-JP" sz="1100"/>
             </a:br>
             <a:r>
-              <a:rPr lang="en-US" altLang="ja-JP" sz="1100" dirty="0"/>
+              <a:rPr lang="en-US" altLang="ja-JP" sz="1100"/>
               <a:t>Interface</a:t>
             </a:r>
           </a:p>
@@ -10735,10 +10573,10 @@
           <a:p>
             <a:pPr algn="ctr"/>
             <a:r>
-              <a:rPr lang="ja-JP" altLang="en-US" sz="900" dirty="0"/>
+              <a:rPr lang="ja-JP" altLang="en-US" sz="900"/>
               <a:t>スクレイパー</a:t>
             </a:r>
-            <a:endParaRPr lang="en-US" altLang="ja-JP" sz="900" dirty="0"/>
+            <a:endParaRPr lang="en-US" altLang="ja-JP" sz="900"/>
           </a:p>
         </p:txBody>
       </p:sp>
@@ -10785,7 +10623,7 @@
           <a:p>
             <a:pPr algn="ctr"/>
             <a:r>
-              <a:rPr lang="en-US" altLang="ja-JP" dirty="0"/>
+              <a:rPr lang="en-US" altLang="ja-JP"/>
               <a:t>UI</a:t>
             </a:r>
           </a:p>
@@ -10861,10 +10699,10 @@
           <a:lstStyle/>
           <a:p>
             <a:r>
-              <a:rPr kumimoji="1" lang="en-US" altLang="ja-JP" b="1" dirty="0"/>
+              <a:rPr kumimoji="1" lang="en-US" altLang="ja-JP" b="1"/>
               <a:t>Phase2</a:t>
             </a:r>
-            <a:endParaRPr kumimoji="1" lang="ja-JP" altLang="en-US" b="1" dirty="0"/>
+            <a:endParaRPr kumimoji="1" lang="ja-JP" altLang="en-US" b="1"/>
           </a:p>
         </p:txBody>
       </p:sp>
@@ -10952,29 +10790,29 @@
           <a:p>
             <a:pPr algn="ctr"/>
             <a:r>
-              <a:rPr kumimoji="1" lang="ja-JP" altLang="en-US" sz="1200" dirty="0"/>
+              <a:rPr kumimoji="1" lang="ja-JP" altLang="en-US" sz="1200"/>
               <a:t>スレッド</a:t>
             </a:r>
             <a:r>
-              <a:rPr lang="ja-JP" altLang="en-US" sz="1200" dirty="0"/>
+              <a:rPr lang="ja-JP" altLang="en-US" sz="1200"/>
               <a:t>の人気の可視化</a:t>
             </a:r>
-            <a:endParaRPr lang="en-US" altLang="ja-JP" sz="1200" dirty="0"/>
+            <a:endParaRPr lang="en-US" altLang="ja-JP" sz="1200"/>
           </a:p>
           <a:p>
             <a:pPr algn="ctr"/>
             <a:r>
-              <a:rPr lang="ja-JP" altLang="en-US" sz="1200" dirty="0"/>
+              <a:rPr lang="ja-JP" altLang="en-US" sz="1200"/>
               <a:t>人気レスの可視化</a:t>
             </a:r>
             <a:br>
-              <a:rPr lang="en-US" altLang="ja-JP" sz="1200" dirty="0"/>
+              <a:rPr lang="en-US" altLang="ja-JP" sz="1200"/>
             </a:br>
             <a:r>
-              <a:rPr lang="ja-JP" altLang="en-US" sz="1200" dirty="0"/>
+              <a:rPr lang="ja-JP" altLang="en-US" sz="1200"/>
               <a:t>勢いの時系列の可視化</a:t>
             </a:r>
-            <a:endParaRPr kumimoji="1" lang="en-US" altLang="ja-JP" sz="1200" dirty="0"/>
+            <a:endParaRPr kumimoji="1" lang="en-US" altLang="ja-JP" sz="1200"/>
           </a:p>
         </p:txBody>
       </p:sp>
@@ -11093,14 +10931,14 @@
           <a:p>
             <a:pPr algn="ctr"/>
             <a:r>
-              <a:rPr lang="ja-JP" altLang="en-US" sz="1100" dirty="0"/>
+              <a:rPr lang="ja-JP" altLang="en-US" sz="1100"/>
               <a:t>スクレイパー</a:t>
             </a:r>
             <a:br>
-              <a:rPr lang="en-US" altLang="ja-JP" sz="1100" dirty="0"/>
+              <a:rPr lang="en-US" altLang="ja-JP" sz="1100"/>
             </a:br>
             <a:r>
-              <a:rPr lang="en-US" altLang="ja-JP" sz="1100" dirty="0"/>
+              <a:rPr lang="en-US" altLang="ja-JP" sz="1100"/>
               <a:t>Interface</a:t>
             </a:r>
           </a:p>
@@ -11149,10 +10987,10 @@
           <a:p>
             <a:pPr algn="ctr"/>
             <a:r>
-              <a:rPr lang="ja-JP" altLang="en-US" sz="900" dirty="0"/>
+              <a:rPr lang="ja-JP" altLang="en-US" sz="900"/>
               <a:t>スクレイパー</a:t>
             </a:r>
-            <a:endParaRPr lang="en-US" altLang="ja-JP" sz="900" dirty="0"/>
+            <a:endParaRPr lang="en-US" altLang="ja-JP" sz="900"/>
           </a:p>
         </p:txBody>
       </p:sp>
@@ -11199,7 +11037,7 @@
           <a:p>
             <a:pPr algn="ctr"/>
             <a:r>
-              <a:rPr lang="en-US" altLang="ja-JP" dirty="0"/>
+              <a:rPr lang="en-US" altLang="ja-JP"/>
               <a:t>UI</a:t>
             </a:r>
           </a:p>
@@ -11275,10 +11113,10 @@
           <a:lstStyle/>
           <a:p>
             <a:r>
-              <a:rPr kumimoji="1" lang="en-US" altLang="ja-JP" b="1" dirty="0"/>
+              <a:rPr kumimoji="1" lang="en-US" altLang="ja-JP" b="1"/>
               <a:t>Phase2</a:t>
             </a:r>
-            <a:endParaRPr kumimoji="1" lang="ja-JP" altLang="en-US" b="1" dirty="0"/>
+            <a:endParaRPr kumimoji="1" lang="ja-JP" altLang="en-US" b="1"/>
           </a:p>
         </p:txBody>
       </p:sp>
@@ -11366,29 +11204,29 @@
           <a:p>
             <a:pPr algn="ctr"/>
             <a:r>
-              <a:rPr kumimoji="1" lang="ja-JP" altLang="en-US" sz="1200" dirty="0"/>
+              <a:rPr kumimoji="1" lang="ja-JP" altLang="en-US" sz="1200"/>
               <a:t>スレッド</a:t>
             </a:r>
             <a:r>
-              <a:rPr lang="ja-JP" altLang="en-US" sz="1200" dirty="0"/>
+              <a:rPr lang="ja-JP" altLang="en-US" sz="1200"/>
               <a:t>の人気の可視化</a:t>
             </a:r>
-            <a:endParaRPr lang="en-US" altLang="ja-JP" sz="1200" dirty="0"/>
+            <a:endParaRPr lang="en-US" altLang="ja-JP" sz="1200"/>
           </a:p>
           <a:p>
             <a:pPr algn="ctr"/>
             <a:r>
-              <a:rPr lang="ja-JP" altLang="en-US" sz="1200" dirty="0"/>
+              <a:rPr lang="ja-JP" altLang="en-US" sz="1200"/>
               <a:t>人気レスの可視化</a:t>
             </a:r>
             <a:br>
-              <a:rPr lang="en-US" altLang="ja-JP" sz="1200" dirty="0"/>
+              <a:rPr lang="en-US" altLang="ja-JP" sz="1200"/>
             </a:br>
             <a:r>
-              <a:rPr lang="ja-JP" altLang="en-US" sz="1200" dirty="0"/>
+              <a:rPr lang="ja-JP" altLang="en-US" sz="1200"/>
               <a:t>勢いの時系列の可視化</a:t>
             </a:r>
-            <a:endParaRPr kumimoji="1" lang="en-US" altLang="ja-JP" sz="1200" dirty="0"/>
+            <a:endParaRPr kumimoji="1" lang="en-US" altLang="ja-JP" sz="1200"/>
           </a:p>
         </p:txBody>
       </p:sp>
@@ -11462,10 +11300,10 @@
           <a:lstStyle/>
           <a:p>
             <a:r>
-              <a:rPr kumimoji="1" lang="en-US" altLang="ja-JP" sz="1200" dirty="0" err="1"/>
+              <a:rPr kumimoji="1" lang="en-US" altLang="ja-JP" sz="1200" err="1"/>
               <a:t>json</a:t>
             </a:r>
-            <a:endParaRPr kumimoji="1" lang="ja-JP" altLang="en-US" sz="1200" dirty="0"/>
+            <a:endParaRPr kumimoji="1" lang="ja-JP" altLang="en-US" sz="1200"/>
           </a:p>
         </p:txBody>
       </p:sp>
@@ -11768,6 +11606,44 @@
     </a:fmtScheme>
   </a:themeElements>
   <a:objectDefaults>
+    <a:spDef>
+      <a:spPr>
+        <a:solidFill>
+          <a:schemeClr val="bg1"/>
+        </a:solidFill>
+        <a:ln w="3175">
+          <a:solidFill>
+            <a:schemeClr val="tx1"/>
+          </a:solidFill>
+        </a:ln>
+      </a:spPr>
+      <a:bodyPr rtlCol="0" anchor="ctr"/>
+      <a:lstStyle>
+        <a:defPPr algn="ctr">
+          <a:defRPr sz="800" smtClean="0">
+            <a:solidFill>
+              <a:schemeClr val="tx1"/>
+            </a:solidFill>
+          </a:defRPr>
+        </a:defPPr>
+      </a:lstStyle>
+      <a:style>
+        <a:lnRef idx="2">
+          <a:schemeClr val="accent1">
+            <a:shade val="15000"/>
+          </a:schemeClr>
+        </a:lnRef>
+        <a:fillRef idx="1">
+          <a:schemeClr val="accent1"/>
+        </a:fillRef>
+        <a:effectRef idx="0">
+          <a:schemeClr val="accent1"/>
+        </a:effectRef>
+        <a:fontRef idx="minor">
+          <a:schemeClr val="lt1"/>
+        </a:fontRef>
+      </a:style>
+    </a:spDef>
     <a:lnDef>
       <a:spPr/>
       <a:bodyPr/>

--- a/source/docs/まとめサイト管理ソフトウェア要件定義.pptx
+++ b/source/docs/まとめサイト管理ソフトウェア要件定義.pptx
@@ -8,14 +8,15 @@
     <p:sldId id="257" r:id="rId2"/>
     <p:sldId id="271" r:id="rId3"/>
     <p:sldId id="272" r:id="rId4"/>
-    <p:sldId id="268" r:id="rId5"/>
-    <p:sldId id="266" r:id="rId6"/>
-    <p:sldId id="264" r:id="rId7"/>
-    <p:sldId id="256" r:id="rId8"/>
-    <p:sldId id="262" r:id="rId9"/>
-    <p:sldId id="263" r:id="rId10"/>
-    <p:sldId id="261" r:id="rId11"/>
-    <p:sldId id="258" r:id="rId12"/>
+    <p:sldId id="273" r:id="rId5"/>
+    <p:sldId id="268" r:id="rId6"/>
+    <p:sldId id="266" r:id="rId7"/>
+    <p:sldId id="264" r:id="rId8"/>
+    <p:sldId id="256" r:id="rId9"/>
+    <p:sldId id="262" r:id="rId10"/>
+    <p:sldId id="263" r:id="rId11"/>
+    <p:sldId id="261" r:id="rId12"/>
+    <p:sldId id="258" r:id="rId13"/>
   </p:sldIdLst>
   <p:sldSz cx="12192000" cy="6858000"/>
   <p:notesSz cx="6858000" cy="9144000"/>
@@ -275,7 +276,7 @@
           <a:p>
             <a:fld id="{260B2DE4-4C89-464B-BA5F-760EFF51B16B}" type="datetimeFigureOut">
               <a:rPr kumimoji="1" lang="ja-JP" altLang="en-US" smtClean="0"/>
-              <a:t>2025/7/22</a:t>
+              <a:t>2025/7/29</a:t>
             </a:fld>
             <a:endParaRPr kumimoji="1" lang="ja-JP" altLang="en-US"/>
           </a:p>
@@ -521,7 +522,7 @@
           <a:p>
             <a:fld id="{260B2DE4-4C89-464B-BA5F-760EFF51B16B}" type="datetimeFigureOut">
               <a:rPr kumimoji="1" lang="ja-JP" altLang="en-US" smtClean="0"/>
-              <a:t>2025/7/22</a:t>
+              <a:t>2025/7/29</a:t>
             </a:fld>
             <a:endParaRPr kumimoji="1" lang="ja-JP" altLang="en-US"/>
           </a:p>
@@ -767,7 +768,7 @@
           <a:p>
             <a:fld id="{260B2DE4-4C89-464B-BA5F-760EFF51B16B}" type="datetimeFigureOut">
               <a:rPr kumimoji="1" lang="ja-JP" altLang="en-US" smtClean="0"/>
-              <a:t>2025/7/22</a:t>
+              <a:t>2025/7/29</a:t>
             </a:fld>
             <a:endParaRPr kumimoji="1" lang="ja-JP" altLang="en-US"/>
           </a:p>
@@ -880,7 +881,7 @@
           <a:p>
             <a:fld id="{260B2DE4-4C89-464B-BA5F-760EFF51B16B}" type="datetimeFigureOut">
               <a:rPr kumimoji="1" lang="ja-JP" altLang="en-US" smtClean="0"/>
-              <a:t>2025/7/22</a:t>
+              <a:t>2025/7/29</a:t>
             </a:fld>
             <a:endParaRPr kumimoji="1" lang="ja-JP" altLang="en-US"/>
           </a:p>
@@ -1161,7 +1162,7 @@
           <a:p>
             <a:fld id="{260B2DE4-4C89-464B-BA5F-760EFF51B16B}" type="datetimeFigureOut">
               <a:rPr kumimoji="1" lang="ja-JP" altLang="en-US" smtClean="0"/>
-              <a:t>2025/7/22</a:t>
+              <a:t>2025/7/29</a:t>
             </a:fld>
             <a:endParaRPr kumimoji="1" lang="ja-JP" altLang="en-US"/>
           </a:p>
@@ -1504,7 +1505,7 @@
           <a:p>
             <a:fld id="{260B2DE4-4C89-464B-BA5F-760EFF51B16B}" type="datetimeFigureOut">
               <a:rPr kumimoji="1" lang="ja-JP" altLang="en-US" smtClean="0"/>
-              <a:t>2025/7/22</a:t>
+              <a:t>2025/7/29</a:t>
             </a:fld>
             <a:endParaRPr kumimoji="1" lang="ja-JP" altLang="en-US"/>
           </a:p>
@@ -1995,7 +1996,7 @@
           <a:p>
             <a:fld id="{260B2DE4-4C89-464B-BA5F-760EFF51B16B}" type="datetimeFigureOut">
               <a:rPr kumimoji="1" lang="ja-JP" altLang="en-US" smtClean="0"/>
-              <a:t>2025/7/22</a:t>
+              <a:t>2025/7/29</a:t>
             </a:fld>
             <a:endParaRPr kumimoji="1" lang="ja-JP" altLang="en-US"/>
           </a:p>
@@ -2144,7 +2145,7 @@
           <a:p>
             <a:fld id="{260B2DE4-4C89-464B-BA5F-760EFF51B16B}" type="datetimeFigureOut">
               <a:rPr kumimoji="1" lang="ja-JP" altLang="en-US" smtClean="0"/>
-              <a:t>2025/7/22</a:t>
+              <a:t>2025/7/29</a:t>
             </a:fld>
             <a:endParaRPr kumimoji="1" lang="ja-JP" altLang="en-US"/>
           </a:p>
@@ -2257,7 +2258,7 @@
           <a:p>
             <a:fld id="{260B2DE4-4C89-464B-BA5F-760EFF51B16B}" type="datetimeFigureOut">
               <a:rPr kumimoji="1" lang="ja-JP" altLang="en-US" smtClean="0"/>
-              <a:t>2025/7/22</a:t>
+              <a:t>2025/7/29</a:t>
             </a:fld>
             <a:endParaRPr kumimoji="1" lang="ja-JP" altLang="en-US"/>
           </a:p>
@@ -2609,7 +2610,7 @@
           <a:p>
             <a:fld id="{260B2DE4-4C89-464B-BA5F-760EFF51B16B}" type="datetimeFigureOut">
               <a:rPr kumimoji="1" lang="ja-JP" altLang="en-US" smtClean="0"/>
-              <a:t>2025/7/22</a:t>
+              <a:t>2025/7/29</a:t>
             </a:fld>
             <a:endParaRPr kumimoji="1" lang="ja-JP" altLang="en-US"/>
           </a:p>
@@ -2906,7 +2907,7 @@
           <a:p>
             <a:fld id="{260B2DE4-4C89-464B-BA5F-760EFF51B16B}" type="datetimeFigureOut">
               <a:rPr kumimoji="1" lang="ja-JP" altLang="en-US" smtClean="0"/>
-              <a:t>2025/7/22</a:t>
+              <a:t>2025/7/29</a:t>
             </a:fld>
             <a:endParaRPr kumimoji="1" lang="ja-JP" altLang="en-US"/>
           </a:p>
@@ -3042,7 +3043,7 @@
           <a:p>
             <a:fld id="{260B2DE4-4C89-464B-BA5F-760EFF51B16B}" type="datetimeFigureOut">
               <a:rPr kumimoji="1" lang="ja-JP" altLang="en-US" smtClean="0"/>
-              <a:t>2025/7/22</a:t>
+              <a:t>2025/7/29</a:t>
             </a:fld>
             <a:endParaRPr kumimoji="1" lang="ja-JP" altLang="en-US"/>
           </a:p>
@@ -4038,6 +4039,497 @@
         <p:cNvPr id="1" name="">
           <a:extLst>
             <a:ext uri="{FF2B5EF4-FFF2-40B4-BE49-F238E27FC236}">
+              <a16:creationId xmlns:a16="http://schemas.microsoft.com/office/drawing/2014/main" id="{429BA197-AA76-268C-184B-C2C26D50E9AE}"/>
+            </a:ext>
+          </a:extLst>
+        </p:cNvPr>
+        <p:cNvGrpSpPr/>
+        <p:nvPr/>
+      </p:nvGrpSpPr>
+      <p:grpSpPr>
+        <a:xfrm>
+          <a:off x="0" y="0"/>
+          <a:ext cx="0" cy="0"/>
+          <a:chOff x="0" y="0"/>
+          <a:chExt cx="0" cy="0"/>
+        </a:xfrm>
+      </p:grpSpPr>
+      <p:pic>
+        <p:nvPicPr>
+          <p:cNvPr id="12" name="グラフィックス 11" descr="ブラウザー ウィンドウ 枠線">
+            <a:extLst>
+              <a:ext uri="{FF2B5EF4-FFF2-40B4-BE49-F238E27FC236}">
+                <a16:creationId xmlns:a16="http://schemas.microsoft.com/office/drawing/2014/main" id="{7190C997-65E6-65D3-40A7-FCEC06C41440}"/>
+              </a:ext>
+            </a:extLst>
+          </p:cNvPr>
+          <p:cNvPicPr>
+            <a:picLocks noChangeAspect="1"/>
+          </p:cNvPicPr>
+          <p:nvPr/>
+        </p:nvPicPr>
+        <p:blipFill>
+          <a:blip r:embed="rId2">
+            <a:extLst>
+              <a:ext uri="{96DAC541-7B7A-43D3-8B79-37D633B846F1}">
+                <asvg:svgBlip xmlns:asvg="http://schemas.microsoft.com/office/drawing/2016/SVG/main" r:embed="rId3"/>
+              </a:ext>
+            </a:extLst>
+          </a:blip>
+          <a:stretch>
+            <a:fillRect/>
+          </a:stretch>
+        </p:blipFill>
+        <p:spPr>
+          <a:xfrm>
+            <a:off x="315787" y="1693716"/>
+            <a:ext cx="1140691" cy="914400"/>
+          </a:xfrm>
+          <a:prstGeom prst="rect">
+            <a:avLst/>
+          </a:prstGeom>
+        </p:spPr>
+      </p:pic>
+      <p:sp>
+        <p:nvSpPr>
+          <p:cNvPr id="15" name="四角形: 角を丸くする 14">
+            <a:extLst>
+              <a:ext uri="{FF2B5EF4-FFF2-40B4-BE49-F238E27FC236}">
+                <a16:creationId xmlns:a16="http://schemas.microsoft.com/office/drawing/2014/main" id="{61F24035-F751-BB6E-2B38-2BBB5C74D06A}"/>
+              </a:ext>
+            </a:extLst>
+          </p:cNvPr>
+          <p:cNvSpPr/>
+          <p:nvPr/>
+        </p:nvSpPr>
+        <p:spPr>
+          <a:xfrm>
+            <a:off x="3139423" y="1936278"/>
+            <a:ext cx="1319649" cy="429276"/>
+          </a:xfrm>
+          <a:prstGeom prst="roundRect">
+            <a:avLst/>
+          </a:prstGeom>
+        </p:spPr>
+        <p:style>
+          <a:lnRef idx="2">
+            <a:schemeClr val="accent1">
+              <a:shade val="15000"/>
+            </a:schemeClr>
+          </a:lnRef>
+          <a:fillRef idx="1">
+            <a:schemeClr val="accent1"/>
+          </a:fillRef>
+          <a:effectRef idx="0">
+            <a:schemeClr val="accent1"/>
+          </a:effectRef>
+          <a:fontRef idx="minor">
+            <a:schemeClr val="lt1"/>
+          </a:fontRef>
+        </p:style>
+        <p:txBody>
+          <a:bodyPr rtlCol="0" anchor="ctr"/>
+          <a:lstStyle/>
+          <a:p>
+            <a:pPr algn="ctr"/>
+            <a:r>
+              <a:rPr lang="ja-JP" altLang="en-US" sz="1100"/>
+              <a:t>スクレイパー</a:t>
+            </a:r>
+            <a:br>
+              <a:rPr lang="en-US" altLang="ja-JP" sz="1100"/>
+            </a:br>
+            <a:r>
+              <a:rPr lang="en-US" altLang="ja-JP" sz="1100"/>
+              <a:t>Interface</a:t>
+            </a:r>
+          </a:p>
+        </p:txBody>
+      </p:sp>
+      <p:sp>
+        <p:nvSpPr>
+          <p:cNvPr id="16" name="四角形: 角を丸くする 15">
+            <a:extLst>
+              <a:ext uri="{FF2B5EF4-FFF2-40B4-BE49-F238E27FC236}">
+                <a16:creationId xmlns:a16="http://schemas.microsoft.com/office/drawing/2014/main" id="{7CB5D5F4-5C0A-AD17-5AA7-E8F9ABF85953}"/>
+              </a:ext>
+            </a:extLst>
+          </p:cNvPr>
+          <p:cNvSpPr/>
+          <p:nvPr/>
+        </p:nvSpPr>
+        <p:spPr>
+          <a:xfrm>
+            <a:off x="1564415" y="1998805"/>
+            <a:ext cx="924785" cy="249543"/>
+          </a:xfrm>
+          <a:prstGeom prst="roundRect">
+            <a:avLst/>
+          </a:prstGeom>
+        </p:spPr>
+        <p:style>
+          <a:lnRef idx="2">
+            <a:schemeClr val="accent1">
+              <a:shade val="15000"/>
+            </a:schemeClr>
+          </a:lnRef>
+          <a:fillRef idx="1">
+            <a:schemeClr val="accent1"/>
+          </a:fillRef>
+          <a:effectRef idx="0">
+            <a:schemeClr val="accent1"/>
+          </a:effectRef>
+          <a:fontRef idx="minor">
+            <a:schemeClr val="lt1"/>
+          </a:fontRef>
+        </p:style>
+        <p:txBody>
+          <a:bodyPr rtlCol="0" anchor="ctr"/>
+          <a:lstStyle/>
+          <a:p>
+            <a:pPr algn="ctr"/>
+            <a:r>
+              <a:rPr lang="ja-JP" altLang="en-US" sz="900"/>
+              <a:t>スクレイパー</a:t>
+            </a:r>
+            <a:endParaRPr lang="en-US" altLang="ja-JP" sz="900"/>
+          </a:p>
+        </p:txBody>
+      </p:sp>
+      <p:sp>
+        <p:nvSpPr>
+          <p:cNvPr id="57" name="四角形: 角を丸くする 56">
+            <a:extLst>
+              <a:ext uri="{FF2B5EF4-FFF2-40B4-BE49-F238E27FC236}">
+                <a16:creationId xmlns:a16="http://schemas.microsoft.com/office/drawing/2014/main" id="{0D2E5903-DD2E-13BE-3D6D-BC3815EAA2EE}"/>
+              </a:ext>
+            </a:extLst>
+          </p:cNvPr>
+          <p:cNvSpPr/>
+          <p:nvPr/>
+        </p:nvSpPr>
+        <p:spPr>
+          <a:xfrm>
+            <a:off x="4640634" y="3404298"/>
+            <a:ext cx="1211242" cy="574834"/>
+          </a:xfrm>
+          <a:prstGeom prst="roundRect">
+            <a:avLst/>
+          </a:prstGeom>
+        </p:spPr>
+        <p:style>
+          <a:lnRef idx="2">
+            <a:schemeClr val="accent1">
+              <a:shade val="15000"/>
+            </a:schemeClr>
+          </a:lnRef>
+          <a:fillRef idx="1">
+            <a:schemeClr val="accent1"/>
+          </a:fillRef>
+          <a:effectRef idx="0">
+            <a:schemeClr val="accent1"/>
+          </a:effectRef>
+          <a:fontRef idx="minor">
+            <a:schemeClr val="lt1"/>
+          </a:fontRef>
+        </p:style>
+        <p:txBody>
+          <a:bodyPr rtlCol="0" anchor="ctr"/>
+          <a:lstStyle/>
+          <a:p>
+            <a:pPr algn="ctr"/>
+            <a:r>
+              <a:rPr lang="en-US" altLang="ja-JP"/>
+              <a:t>UI</a:t>
+            </a:r>
+          </a:p>
+        </p:txBody>
+      </p:sp>
+      <p:cxnSp>
+        <p:nvCxnSpPr>
+          <p:cNvPr id="5" name="直線矢印コネクタ 4">
+            <a:extLst>
+              <a:ext uri="{FF2B5EF4-FFF2-40B4-BE49-F238E27FC236}">
+                <a16:creationId xmlns:a16="http://schemas.microsoft.com/office/drawing/2014/main" id="{2825F283-692F-5385-A1A8-09FD5DF1F5AE}"/>
+              </a:ext>
+            </a:extLst>
+          </p:cNvPr>
+          <p:cNvCxnSpPr>
+            <a:cxnSpLocks/>
+          </p:cNvCxnSpPr>
+          <p:nvPr/>
+        </p:nvCxnSpPr>
+        <p:spPr>
+          <a:xfrm flipH="1">
+            <a:off x="2580774" y="2150916"/>
+            <a:ext cx="467075" cy="0"/>
+          </a:xfrm>
+          <a:prstGeom prst="straightConnector1">
+            <a:avLst/>
+          </a:prstGeom>
+          <a:ln>
+            <a:tailEnd type="triangle"/>
+          </a:ln>
+        </p:spPr>
+        <p:style>
+          <a:lnRef idx="2">
+            <a:schemeClr val="accent1"/>
+          </a:lnRef>
+          <a:fillRef idx="0">
+            <a:schemeClr val="accent1"/>
+          </a:fillRef>
+          <a:effectRef idx="1">
+            <a:schemeClr val="accent1"/>
+          </a:effectRef>
+          <a:fontRef idx="minor">
+            <a:schemeClr val="tx1"/>
+          </a:fontRef>
+        </p:style>
+      </p:cxnSp>
+      <p:sp>
+        <p:nvSpPr>
+          <p:cNvPr id="9" name="テキスト ボックス 8">
+            <a:extLst>
+              <a:ext uri="{FF2B5EF4-FFF2-40B4-BE49-F238E27FC236}">
+                <a16:creationId xmlns:a16="http://schemas.microsoft.com/office/drawing/2014/main" id="{660557D2-50AF-5415-B90F-EE9D800CEBB6}"/>
+              </a:ext>
+            </a:extLst>
+          </p:cNvPr>
+          <p:cNvSpPr txBox="1"/>
+          <p:nvPr/>
+        </p:nvSpPr>
+        <p:spPr>
+          <a:xfrm>
+            <a:off x="364279" y="234493"/>
+            <a:ext cx="1043709" cy="369332"/>
+          </a:xfrm>
+          <a:prstGeom prst="rect">
+            <a:avLst/>
+          </a:prstGeom>
+          <a:noFill/>
+        </p:spPr>
+        <p:txBody>
+          <a:bodyPr wrap="square" rtlCol="0">
+            <a:spAutoFit/>
+          </a:bodyPr>
+          <a:lstStyle/>
+          <a:p>
+            <a:r>
+              <a:rPr kumimoji="1" lang="en-US" altLang="ja-JP" b="1"/>
+              <a:t>Phase2</a:t>
+            </a:r>
+            <a:endParaRPr kumimoji="1" lang="ja-JP" altLang="en-US" b="1"/>
+          </a:p>
+        </p:txBody>
+      </p:sp>
+      <p:cxnSp>
+        <p:nvCxnSpPr>
+          <p:cNvPr id="22" name="コネクタ: カギ線 21">
+            <a:extLst>
+              <a:ext uri="{FF2B5EF4-FFF2-40B4-BE49-F238E27FC236}">
+                <a16:creationId xmlns:a16="http://schemas.microsoft.com/office/drawing/2014/main" id="{66FF23D5-3D42-8C06-F429-96DE8C7D5E70}"/>
+              </a:ext>
+            </a:extLst>
+          </p:cNvPr>
+          <p:cNvCxnSpPr>
+            <a:cxnSpLocks/>
+          </p:cNvCxnSpPr>
+          <p:nvPr/>
+        </p:nvCxnSpPr>
+        <p:spPr>
+          <a:xfrm rot="10800000">
+            <a:off x="2026808" y="2365555"/>
+            <a:ext cx="2432265" cy="1326159"/>
+          </a:xfrm>
+          <a:prstGeom prst="bentConnector3">
+            <a:avLst>
+              <a:gd name="adj1" fmla="val 100126"/>
+            </a:avLst>
+          </a:prstGeom>
+          <a:ln>
+            <a:tailEnd type="triangle"/>
+          </a:ln>
+        </p:spPr>
+        <p:style>
+          <a:lnRef idx="2">
+            <a:schemeClr val="accent1"/>
+          </a:lnRef>
+          <a:fillRef idx="0">
+            <a:schemeClr val="accent1"/>
+          </a:fillRef>
+          <a:effectRef idx="1">
+            <a:schemeClr val="accent1"/>
+          </a:effectRef>
+          <a:fontRef idx="minor">
+            <a:schemeClr val="tx1"/>
+          </a:fontRef>
+        </p:style>
+      </p:cxnSp>
+      <p:sp>
+        <p:nvSpPr>
+          <p:cNvPr id="2" name="四角形: 角を丸くする 1">
+            <a:extLst>
+              <a:ext uri="{FF2B5EF4-FFF2-40B4-BE49-F238E27FC236}">
+                <a16:creationId xmlns:a16="http://schemas.microsoft.com/office/drawing/2014/main" id="{0B4065C8-15F6-8ECC-C28B-49FD0E6A4919}"/>
+              </a:ext>
+            </a:extLst>
+          </p:cNvPr>
+          <p:cNvSpPr/>
+          <p:nvPr/>
+        </p:nvSpPr>
+        <p:spPr>
+          <a:xfrm>
+            <a:off x="3431309" y="4181872"/>
+            <a:ext cx="3994727" cy="851947"/>
+          </a:xfrm>
+          <a:prstGeom prst="roundRect">
+            <a:avLst/>
+          </a:prstGeom>
+        </p:spPr>
+        <p:style>
+          <a:lnRef idx="2">
+            <a:schemeClr val="accent1"/>
+          </a:lnRef>
+          <a:fillRef idx="1">
+            <a:schemeClr val="lt1"/>
+          </a:fillRef>
+          <a:effectRef idx="0">
+            <a:schemeClr val="accent1"/>
+          </a:effectRef>
+          <a:fontRef idx="minor">
+            <a:schemeClr val="dk1"/>
+          </a:fontRef>
+        </p:style>
+        <p:txBody>
+          <a:bodyPr rtlCol="0" anchor="ctr"/>
+          <a:lstStyle/>
+          <a:p>
+            <a:pPr algn="ctr"/>
+            <a:r>
+              <a:rPr kumimoji="1" lang="ja-JP" altLang="en-US" sz="1200"/>
+              <a:t>スレッド</a:t>
+            </a:r>
+            <a:r>
+              <a:rPr lang="ja-JP" altLang="en-US" sz="1200"/>
+              <a:t>の人気の可視化</a:t>
+            </a:r>
+            <a:endParaRPr lang="en-US" altLang="ja-JP" sz="1200"/>
+          </a:p>
+          <a:p>
+            <a:pPr algn="ctr"/>
+            <a:r>
+              <a:rPr lang="ja-JP" altLang="en-US" sz="1200"/>
+              <a:t>人気レスの可視化</a:t>
+            </a:r>
+            <a:br>
+              <a:rPr lang="en-US" altLang="ja-JP" sz="1200"/>
+            </a:br>
+            <a:r>
+              <a:rPr lang="ja-JP" altLang="en-US" sz="1200"/>
+              <a:t>勢いの時系列の可視化</a:t>
+            </a:r>
+            <a:endParaRPr kumimoji="1" lang="en-US" altLang="ja-JP" sz="1200"/>
+          </a:p>
+        </p:txBody>
+      </p:sp>
+      <p:cxnSp>
+        <p:nvCxnSpPr>
+          <p:cNvPr id="3" name="直線矢印コネクタ 2">
+            <a:extLst>
+              <a:ext uri="{FF2B5EF4-FFF2-40B4-BE49-F238E27FC236}">
+                <a16:creationId xmlns:a16="http://schemas.microsoft.com/office/drawing/2014/main" id="{9E39CB05-2EAF-230C-1A8E-870028015DBD}"/>
+              </a:ext>
+            </a:extLst>
+          </p:cNvPr>
+          <p:cNvCxnSpPr>
+            <a:cxnSpLocks/>
+          </p:cNvCxnSpPr>
+          <p:nvPr/>
+        </p:nvCxnSpPr>
+        <p:spPr>
+          <a:xfrm>
+            <a:off x="5985164" y="3691715"/>
+            <a:ext cx="1440872" cy="0"/>
+          </a:xfrm>
+          <a:prstGeom prst="straightConnector1">
+            <a:avLst/>
+          </a:prstGeom>
+          <a:ln>
+            <a:tailEnd type="triangle"/>
+          </a:ln>
+        </p:spPr>
+        <p:style>
+          <a:lnRef idx="2">
+            <a:schemeClr val="accent1"/>
+          </a:lnRef>
+          <a:fillRef idx="0">
+            <a:schemeClr val="accent1"/>
+          </a:fillRef>
+          <a:effectRef idx="1">
+            <a:schemeClr val="accent1"/>
+          </a:effectRef>
+          <a:fontRef idx="minor">
+            <a:schemeClr val="tx1"/>
+          </a:fontRef>
+        </p:style>
+      </p:cxnSp>
+      <p:sp>
+        <p:nvSpPr>
+          <p:cNvPr id="7" name="テキスト ボックス 6">
+            <a:extLst>
+              <a:ext uri="{FF2B5EF4-FFF2-40B4-BE49-F238E27FC236}">
+                <a16:creationId xmlns:a16="http://schemas.microsoft.com/office/drawing/2014/main" id="{7AD3F0BD-DD42-22B2-3312-1B42FD111353}"/>
+              </a:ext>
+            </a:extLst>
+          </p:cNvPr>
+          <p:cNvSpPr txBox="1"/>
+          <p:nvPr/>
+        </p:nvSpPr>
+        <p:spPr>
+          <a:xfrm>
+            <a:off x="6853381" y="3404298"/>
+            <a:ext cx="498763" cy="276999"/>
+          </a:xfrm>
+          <a:prstGeom prst="rect">
+            <a:avLst/>
+          </a:prstGeom>
+          <a:noFill/>
+        </p:spPr>
+        <p:txBody>
+          <a:bodyPr wrap="square" rtlCol="0">
+            <a:spAutoFit/>
+          </a:bodyPr>
+          <a:lstStyle/>
+          <a:p>
+            <a:r>
+              <a:rPr kumimoji="1" lang="en-US" altLang="ja-JP" sz="1200" err="1"/>
+              <a:t>json</a:t>
+            </a:r>
+            <a:endParaRPr kumimoji="1" lang="ja-JP" altLang="en-US" sz="1200"/>
+          </a:p>
+        </p:txBody>
+      </p:sp>
+    </p:spTree>
+    <p:extLst>
+      <p:ext uri="{BB962C8B-B14F-4D97-AF65-F5344CB8AC3E}">
+        <p14:creationId xmlns:p14="http://schemas.microsoft.com/office/powerpoint/2010/main" val="2865440876"/>
+      </p:ext>
+    </p:extLst>
+  </p:cSld>
+  <p:clrMapOvr>
+    <a:masterClrMapping/>
+  </p:clrMapOvr>
+</p:sld>
+</file>
+
+<file path=ppt/slides/slide11.xml><?xml version="1.0" encoding="utf-8"?>
+<p:sld xmlns:a="http://schemas.openxmlformats.org/drawingml/2006/main" xmlns:r="http://schemas.openxmlformats.org/officeDocument/2006/relationships" xmlns:p="http://schemas.openxmlformats.org/presentationml/2006/main">
+  <p:cSld>
+    <p:spTree>
+      <p:nvGrpSpPr>
+        <p:cNvPr id="1" name="">
+          <a:extLst>
+            <a:ext uri="{FF2B5EF4-FFF2-40B4-BE49-F238E27FC236}">
               <a16:creationId xmlns:a16="http://schemas.microsoft.com/office/drawing/2014/main" id="{084894A4-6960-5FC2-0AD0-51F22DD32585}"/>
             </a:ext>
           </a:extLst>
@@ -5225,7 +5717,7 @@
 </p:sld>
 </file>
 
-<file path=ppt/slides/slide11.xml><?xml version="1.0" encoding="utf-8"?>
+<file path=ppt/slides/slide12.xml><?xml version="1.0" encoding="utf-8"?>
 <p:sld xmlns:a="http://schemas.openxmlformats.org/drawingml/2006/main" xmlns:r="http://schemas.openxmlformats.org/officeDocument/2006/relationships" xmlns:p="http://schemas.openxmlformats.org/presentationml/2006/main">
   <p:cSld>
     <p:spTree>
@@ -7716,6 +8208,555 @@
   <p:cSld>
     <p:spTree>
       <p:nvGrpSpPr>
+        <p:cNvPr id="1" name=""/>
+        <p:cNvGrpSpPr/>
+        <p:nvPr/>
+      </p:nvGrpSpPr>
+      <p:grpSpPr>
+        <a:xfrm>
+          <a:off x="0" y="0"/>
+          <a:ext cx="0" cy="0"/>
+          <a:chOff x="0" y="0"/>
+          <a:chExt cx="0" cy="0"/>
+        </a:xfrm>
+      </p:grpSpPr>
+      <p:sp>
+        <p:nvSpPr>
+          <p:cNvPr id="2" name="テキスト ボックス 1">
+            <a:extLst>
+              <a:ext uri="{FF2B5EF4-FFF2-40B4-BE49-F238E27FC236}">
+                <a16:creationId xmlns:a16="http://schemas.microsoft.com/office/drawing/2014/main" id="{32A523F0-ED14-22F1-4950-9125C6A22FEC}"/>
+              </a:ext>
+            </a:extLst>
+          </p:cNvPr>
+          <p:cNvSpPr txBox="1"/>
+          <p:nvPr/>
+        </p:nvSpPr>
+        <p:spPr>
+          <a:xfrm>
+            <a:off x="452581" y="1681017"/>
+            <a:ext cx="5283201" cy="2862322"/>
+          </a:xfrm>
+          <a:prstGeom prst="rect">
+            <a:avLst/>
+          </a:prstGeom>
+          <a:noFill/>
+        </p:spPr>
+        <p:txBody>
+          <a:bodyPr wrap="square" rtlCol="0">
+            <a:spAutoFit/>
+          </a:bodyPr>
+          <a:lstStyle/>
+          <a:p>
+            <a:r>
+              <a:rPr lang="en-US" altLang="ja-JP" sz="1200" b="1">
+                <a:solidFill>
+                  <a:srgbClr val="FF0000"/>
+                </a:solidFill>
+              </a:rPr>
+              <a:t>SAMPLE</a:t>
+            </a:r>
+            <a:r>
+              <a:rPr lang="en-US" altLang="ja-JP" sz="1200"/>
+              <a:t> </a:t>
+            </a:r>
+          </a:p>
+          <a:p>
+            <a:r>
+              <a:rPr lang="en-US" altLang="ja-JP" sz="1200"/>
+              <a:t>"SITE_NAME": "zawazawaSpla3_</a:t>
+            </a:r>
+            <a:r>
+              <a:rPr lang="ja-JP" altLang="en-US" sz="1200"/>
+              <a:t>ブキ</a:t>
+            </a:r>
+            <a:r>
+              <a:rPr lang="en-US" altLang="ja-JP" sz="1200"/>
+              <a:t>",</a:t>
+            </a:r>
+          </a:p>
+          <a:p>
+            <a:r>
+              <a:rPr lang="en-US" altLang="ja-JP" sz="1200"/>
+              <a:t>  "URL": "https://zawazawa.jp/spla3/tag/%E3%83%96%E3%82%AD",</a:t>
+            </a:r>
+          </a:p>
+          <a:p>
+            <a:r>
+              <a:rPr lang="en-US" altLang="ja-JP" sz="1200"/>
+              <a:t>  "PAGE": [</a:t>
+            </a:r>
+          </a:p>
+          <a:p>
+            <a:r>
+              <a:rPr lang="ja-JP" altLang="en-US" sz="1200"/>
+              <a:t>    </a:t>
+            </a:r>
+            <a:r>
+              <a:rPr lang="en-US" altLang="ja-JP" sz="1200"/>
+              <a:t>{</a:t>
+            </a:r>
+          </a:p>
+          <a:p>
+            <a:r>
+              <a:rPr lang="en-US" altLang="ja-JP" sz="1200"/>
+              <a:t>      "TARGET_LINK": {</a:t>
+            </a:r>
+          </a:p>
+          <a:p>
+            <a:r>
+              <a:rPr lang="en-US" altLang="ja-JP" sz="1200"/>
+              <a:t>        "NODE": "//h3[contains(@class, 'list-view-item-heading')]/a",</a:t>
+            </a:r>
+          </a:p>
+          <a:p>
+            <a:r>
+              <a:rPr lang="ja-JP" altLang="en-US" sz="1200"/>
+              <a:t>        </a:t>
+            </a:r>
+            <a:r>
+              <a:rPr lang="en-US" altLang="ja-JP" sz="1200"/>
+              <a:t>"LINKTEXT": "</a:t>
+            </a:r>
+            <a:r>
+              <a:rPr lang="ja-JP" altLang="en-US" sz="1200"/>
+              <a:t>わかばシューター</a:t>
+            </a:r>
+            <a:r>
+              <a:rPr lang="en-US" altLang="ja-JP" sz="1200"/>
+              <a:t>"</a:t>
+            </a:r>
+            <a:endParaRPr lang="ja-JP" altLang="en-US" sz="1200"/>
+          </a:p>
+          <a:p>
+            <a:r>
+              <a:rPr lang="ja-JP" altLang="en-US" sz="1200"/>
+              <a:t>      </a:t>
+            </a:r>
+            <a:r>
+              <a:rPr lang="en-US" altLang="ja-JP" sz="1200"/>
+              <a:t>},</a:t>
+            </a:r>
+          </a:p>
+          <a:p>
+            <a:r>
+              <a:rPr lang="en-US" altLang="ja-JP" sz="1200"/>
+              <a:t>      "PAGINATION": {</a:t>
+            </a:r>
+          </a:p>
+          <a:p>
+            <a:r>
+              <a:rPr lang="en-US" altLang="ja-JP" sz="1200"/>
+              <a:t>        "NEXT_LINK": "//li[contains(@class, 'next')]/a",</a:t>
+            </a:r>
+          </a:p>
+          <a:p>
+            <a:r>
+              <a:rPr lang="en-US" altLang="ja-JP" sz="1200"/>
+              <a:t>        "PREV_LINK": "//li[contains(@class, 'prev')]/a"</a:t>
+            </a:r>
+          </a:p>
+          <a:p>
+            <a:r>
+              <a:rPr lang="ja-JP" altLang="en-US" sz="1200"/>
+              <a:t>      </a:t>
+            </a:r>
+            <a:r>
+              <a:rPr lang="en-US" altLang="ja-JP" sz="1200"/>
+              <a:t>}</a:t>
+            </a:r>
+          </a:p>
+          <a:p>
+            <a:r>
+              <a:rPr lang="ja-JP" altLang="en-US" sz="1200"/>
+              <a:t>    </a:t>
+            </a:r>
+            <a:r>
+              <a:rPr lang="en-US" altLang="ja-JP" sz="1200"/>
+              <a:t>}</a:t>
+            </a:r>
+          </a:p>
+          <a:p>
+            <a:r>
+              <a:rPr lang="ja-JP" altLang="en-US" sz="1200"/>
+              <a:t>  </a:t>
+            </a:r>
+            <a:r>
+              <a:rPr lang="en-US" altLang="ja-JP" sz="1200"/>
+              <a:t>],</a:t>
+            </a:r>
+            <a:endParaRPr kumimoji="1" lang="ja-JP" altLang="en-US" sz="1200"/>
+          </a:p>
+        </p:txBody>
+      </p:sp>
+      <p:sp>
+        <p:nvSpPr>
+          <p:cNvPr id="4" name="テキスト ボックス 3">
+            <a:extLst>
+              <a:ext uri="{FF2B5EF4-FFF2-40B4-BE49-F238E27FC236}">
+                <a16:creationId xmlns:a16="http://schemas.microsoft.com/office/drawing/2014/main" id="{A89FE15B-2116-1FAB-B4F0-234F02B0D934}"/>
+              </a:ext>
+            </a:extLst>
+          </p:cNvPr>
+          <p:cNvSpPr txBox="1"/>
+          <p:nvPr/>
+        </p:nvSpPr>
+        <p:spPr>
+          <a:xfrm>
+            <a:off x="665018" y="292492"/>
+            <a:ext cx="2503054" cy="338554"/>
+          </a:xfrm>
+          <a:prstGeom prst="rect">
+            <a:avLst/>
+          </a:prstGeom>
+          <a:noFill/>
+        </p:spPr>
+        <p:txBody>
+          <a:bodyPr wrap="square" rtlCol="0">
+            <a:spAutoFit/>
+          </a:bodyPr>
+          <a:lstStyle/>
+          <a:p>
+            <a:pPr algn="l"/>
+            <a:r>
+              <a:rPr kumimoji="1" lang="en-US" altLang="ja-JP" sz="1600" b="1"/>
+              <a:t>Config.json</a:t>
+            </a:r>
+            <a:endParaRPr kumimoji="1" lang="ja-JP" altLang="en-US" sz="1600" b="1"/>
+          </a:p>
+        </p:txBody>
+      </p:sp>
+      <p:sp>
+        <p:nvSpPr>
+          <p:cNvPr id="6" name="テキスト ボックス 5">
+            <a:extLst>
+              <a:ext uri="{FF2B5EF4-FFF2-40B4-BE49-F238E27FC236}">
+                <a16:creationId xmlns:a16="http://schemas.microsoft.com/office/drawing/2014/main" id="{3690F53E-F313-6B46-76F5-DF6017526847}"/>
+              </a:ext>
+            </a:extLst>
+          </p:cNvPr>
+          <p:cNvSpPr txBox="1"/>
+          <p:nvPr/>
+        </p:nvSpPr>
+        <p:spPr>
+          <a:xfrm>
+            <a:off x="600363" y="847666"/>
+            <a:ext cx="3398981" cy="430887"/>
+          </a:xfrm>
+          <a:prstGeom prst="rect">
+            <a:avLst/>
+          </a:prstGeom>
+          <a:noFill/>
+        </p:spPr>
+        <p:txBody>
+          <a:bodyPr wrap="square" rtlCol="0">
+            <a:spAutoFit/>
+          </a:bodyPr>
+          <a:lstStyle/>
+          <a:p>
+            <a:pPr algn="l"/>
+            <a:r>
+              <a:rPr kumimoji="1" lang="en-US" altLang="ja-JP" sz="1000"/>
+              <a:t>URL</a:t>
+            </a:r>
+            <a:r>
+              <a:rPr lang="ja-JP" altLang="en-US" sz="1000"/>
+              <a:t>にアクセスしたのち</a:t>
+            </a:r>
+            <a:r>
+              <a:rPr kumimoji="1" lang="ja-JP" altLang="en-US" sz="1000"/>
+              <a:t>、</a:t>
+            </a:r>
+            <a:r>
+              <a:rPr kumimoji="1" lang="en-US" altLang="ja-JP" sz="1000"/>
+              <a:t>PAGE</a:t>
+            </a:r>
+            <a:r>
+              <a:rPr kumimoji="1" lang="ja-JP" altLang="en-US" sz="1000"/>
+              <a:t>に記載した</a:t>
+            </a:r>
+            <a:r>
+              <a:rPr kumimoji="1" lang="ja-JP" altLang="en-US" sz="1200"/>
+              <a:t>設定値</a:t>
+            </a:r>
+            <a:r>
+              <a:rPr kumimoji="1" lang="ja-JP" altLang="en-US" sz="1000"/>
+              <a:t>通りにブラウザを操作して特定のページにアクセスする</a:t>
+            </a:r>
+          </a:p>
+        </p:txBody>
+      </p:sp>
+      <p:sp>
+        <p:nvSpPr>
+          <p:cNvPr id="7" name="吹き出し: 角を丸めた四角形 6">
+            <a:extLst>
+              <a:ext uri="{FF2B5EF4-FFF2-40B4-BE49-F238E27FC236}">
+                <a16:creationId xmlns:a16="http://schemas.microsoft.com/office/drawing/2014/main" id="{1B578B6E-782F-15D6-3A2E-C625EDCD5980}"/>
+              </a:ext>
+            </a:extLst>
+          </p:cNvPr>
+          <p:cNvSpPr/>
+          <p:nvPr/>
+        </p:nvSpPr>
+        <p:spPr>
+          <a:xfrm>
+            <a:off x="1694872" y="1367848"/>
+            <a:ext cx="2105891" cy="433241"/>
+          </a:xfrm>
+          <a:prstGeom prst="wedgeRoundRectCallout">
+            <a:avLst>
+              <a:gd name="adj1" fmla="val -65482"/>
+              <a:gd name="adj2" fmla="val 165862"/>
+              <a:gd name="adj3" fmla="val 16667"/>
+            </a:avLst>
+          </a:prstGeom>
+          <a:solidFill>
+            <a:schemeClr val="bg1"/>
+          </a:solidFill>
+          <a:ln w="3175">
+            <a:solidFill>
+              <a:schemeClr val="tx1"/>
+            </a:solidFill>
+          </a:ln>
+        </p:spPr>
+        <p:style>
+          <a:lnRef idx="2">
+            <a:schemeClr val="accent1">
+              <a:shade val="15000"/>
+            </a:schemeClr>
+          </a:lnRef>
+          <a:fillRef idx="1">
+            <a:schemeClr val="accent1"/>
+          </a:fillRef>
+          <a:effectRef idx="0">
+            <a:schemeClr val="accent1"/>
+          </a:effectRef>
+          <a:fontRef idx="minor">
+            <a:schemeClr val="lt1"/>
+          </a:fontRef>
+        </p:style>
+        <p:txBody>
+          <a:bodyPr rtlCol="0" anchor="ctr"/>
+          <a:lstStyle/>
+          <a:p>
+            <a:pPr algn="ctr"/>
+            <a:r>
+              <a:rPr kumimoji="1" lang="ja-JP" altLang="en-US" sz="800">
+                <a:solidFill>
+                  <a:schemeClr val="tx1"/>
+                </a:solidFill>
+              </a:rPr>
+              <a:t>リンクテキストを踏む操作を配列で定義</a:t>
+            </a:r>
+          </a:p>
+        </p:txBody>
+      </p:sp>
+      <p:sp>
+        <p:nvSpPr>
+          <p:cNvPr id="8" name="吹き出し: 角を丸めた四角形 7">
+            <a:extLst>
+              <a:ext uri="{FF2B5EF4-FFF2-40B4-BE49-F238E27FC236}">
+                <a16:creationId xmlns:a16="http://schemas.microsoft.com/office/drawing/2014/main" id="{F7429118-826B-8F07-3B26-B13775E2B0FA}"/>
+              </a:ext>
+            </a:extLst>
+          </p:cNvPr>
+          <p:cNvSpPr/>
+          <p:nvPr/>
+        </p:nvSpPr>
+        <p:spPr>
+          <a:xfrm>
+            <a:off x="2747817" y="2303881"/>
+            <a:ext cx="2733964" cy="433242"/>
+          </a:xfrm>
+          <a:prstGeom prst="wedgeRoundRectCallout">
+            <a:avLst>
+              <a:gd name="adj1" fmla="val -72347"/>
+              <a:gd name="adj2" fmla="val 46209"/>
+              <a:gd name="adj3" fmla="val 16667"/>
+            </a:avLst>
+          </a:prstGeom>
+          <a:solidFill>
+            <a:schemeClr val="bg1"/>
+          </a:solidFill>
+          <a:ln w="3175">
+            <a:solidFill>
+              <a:schemeClr val="tx1"/>
+            </a:solidFill>
+          </a:ln>
+        </p:spPr>
+        <p:style>
+          <a:lnRef idx="2">
+            <a:schemeClr val="accent1">
+              <a:shade val="15000"/>
+            </a:schemeClr>
+          </a:lnRef>
+          <a:fillRef idx="1">
+            <a:schemeClr val="accent1"/>
+          </a:fillRef>
+          <a:effectRef idx="0">
+            <a:schemeClr val="accent1"/>
+          </a:effectRef>
+          <a:fontRef idx="minor">
+            <a:schemeClr val="lt1"/>
+          </a:fontRef>
+        </p:style>
+        <p:txBody>
+          <a:bodyPr rtlCol="0" anchor="ctr"/>
+          <a:lstStyle/>
+          <a:p>
+            <a:pPr algn="ctr"/>
+            <a:r>
+              <a:rPr lang="ja-JP" altLang="en-US" sz="800">
+                <a:solidFill>
+                  <a:schemeClr val="tx1"/>
+                </a:solidFill>
+              </a:rPr>
+              <a:t>踏みたいリンクの</a:t>
+            </a:r>
+            <a:r>
+              <a:rPr lang="en-US" altLang="ja-JP" sz="800">
+                <a:solidFill>
+                  <a:schemeClr val="tx1"/>
+                </a:solidFill>
+              </a:rPr>
+              <a:t>Node</a:t>
+            </a:r>
+            <a:r>
+              <a:rPr lang="ja-JP" altLang="en-US" sz="800">
+                <a:solidFill>
+                  <a:schemeClr val="tx1"/>
+                </a:solidFill>
+              </a:rPr>
+              <a:t>とリンクテキストを定義</a:t>
+            </a:r>
+            <a:endParaRPr kumimoji="1" lang="ja-JP" altLang="en-US" sz="800">
+              <a:solidFill>
+                <a:schemeClr val="tx1"/>
+              </a:solidFill>
+            </a:endParaRPr>
+          </a:p>
+        </p:txBody>
+      </p:sp>
+      <p:sp>
+        <p:nvSpPr>
+          <p:cNvPr id="9" name="吹き出し: 角を丸めた四角形 8">
+            <a:extLst>
+              <a:ext uri="{FF2B5EF4-FFF2-40B4-BE49-F238E27FC236}">
+                <a16:creationId xmlns:a16="http://schemas.microsoft.com/office/drawing/2014/main" id="{3C32B73E-D145-EB39-1F32-D1F24FB0D83D}"/>
+              </a:ext>
+            </a:extLst>
+          </p:cNvPr>
+          <p:cNvSpPr/>
+          <p:nvPr/>
+        </p:nvSpPr>
+        <p:spPr>
+          <a:xfrm>
+            <a:off x="2747816" y="3049267"/>
+            <a:ext cx="2987965" cy="433242"/>
+          </a:xfrm>
+          <a:prstGeom prst="wedgeRoundRectCallout">
+            <a:avLst>
+              <a:gd name="adj1" fmla="val -72347"/>
+              <a:gd name="adj2" fmla="val 46209"/>
+              <a:gd name="adj3" fmla="val 16667"/>
+            </a:avLst>
+          </a:prstGeom>
+          <a:solidFill>
+            <a:schemeClr val="bg1"/>
+          </a:solidFill>
+          <a:ln w="3175">
+            <a:solidFill>
+              <a:schemeClr val="tx1"/>
+            </a:solidFill>
+          </a:ln>
+        </p:spPr>
+        <p:style>
+          <a:lnRef idx="2">
+            <a:schemeClr val="accent1">
+              <a:shade val="15000"/>
+            </a:schemeClr>
+          </a:lnRef>
+          <a:fillRef idx="1">
+            <a:schemeClr val="accent1"/>
+          </a:fillRef>
+          <a:effectRef idx="0">
+            <a:schemeClr val="accent1"/>
+          </a:effectRef>
+          <a:fontRef idx="minor">
+            <a:schemeClr val="lt1"/>
+          </a:fontRef>
+        </p:style>
+        <p:txBody>
+          <a:bodyPr rtlCol="0" anchor="ctr"/>
+          <a:lstStyle/>
+          <a:p>
+            <a:pPr algn="ctr"/>
+            <a:r>
+              <a:rPr kumimoji="1" lang="ja-JP" altLang="en-US" sz="800">
+                <a:solidFill>
+                  <a:schemeClr val="tx1"/>
+                </a:solidFill>
+              </a:rPr>
+              <a:t>ページネーションが存在する場合、ページ遷移するための</a:t>
+            </a:r>
+            <a:r>
+              <a:rPr kumimoji="1" lang="en-US" altLang="ja-JP" sz="800">
+                <a:solidFill>
+                  <a:schemeClr val="tx1"/>
+                </a:solidFill>
+              </a:rPr>
+              <a:t>next_link</a:t>
+            </a:r>
+            <a:r>
+              <a:rPr kumimoji="1" lang="ja-JP" altLang="en-US" sz="800">
+                <a:solidFill>
+                  <a:schemeClr val="tx1"/>
+                </a:solidFill>
+              </a:rPr>
+              <a:t>と</a:t>
+            </a:r>
+            <a:r>
+              <a:rPr kumimoji="1" lang="en-US" altLang="ja-JP" sz="800">
+                <a:solidFill>
+                  <a:schemeClr val="tx1"/>
+                </a:solidFill>
+              </a:rPr>
+              <a:t>prev_link</a:t>
+            </a:r>
+            <a:r>
+              <a:rPr kumimoji="1" lang="ja-JP" altLang="en-US" sz="800">
+                <a:solidFill>
+                  <a:schemeClr val="tx1"/>
+                </a:solidFill>
+              </a:rPr>
+              <a:t>を定義</a:t>
+            </a:r>
+            <a:endParaRPr kumimoji="1" lang="en-US" altLang="ja-JP" sz="800">
+              <a:solidFill>
+                <a:schemeClr val="tx1"/>
+              </a:solidFill>
+            </a:endParaRPr>
+          </a:p>
+        </p:txBody>
+      </p:sp>
+    </p:spTree>
+    <p:extLst>
+      <p:ext uri="{BB962C8B-B14F-4D97-AF65-F5344CB8AC3E}">
+        <p14:creationId xmlns:p14="http://schemas.microsoft.com/office/powerpoint/2010/main" val="1739248891"/>
+      </p:ext>
+    </p:extLst>
+  </p:cSld>
+  <p:clrMapOvr>
+    <a:masterClrMapping/>
+  </p:clrMapOvr>
+</p:sld>
+</file>
+
+<file path=ppt/slides/slide5.xml><?xml version="1.0" encoding="utf-8"?>
+<p:sld xmlns:a="http://schemas.openxmlformats.org/drawingml/2006/main" xmlns:r="http://schemas.openxmlformats.org/officeDocument/2006/relationships" xmlns:p="http://schemas.openxmlformats.org/presentationml/2006/main">
+  <p:cSld>
+    <p:spTree>
+      <p:nvGrpSpPr>
         <p:cNvPr id="1" name="">
           <a:extLst>
             <a:ext uri="{FF2B5EF4-FFF2-40B4-BE49-F238E27FC236}">
@@ -8416,390 +9457,6 @@
     <p:extLst>
       <p:ext uri="{BB962C8B-B14F-4D97-AF65-F5344CB8AC3E}">
         <p14:creationId xmlns:p14="http://schemas.microsoft.com/office/powerpoint/2010/main" val="1473851588"/>
-      </p:ext>
-    </p:extLst>
-  </p:cSld>
-  <p:clrMapOvr>
-    <a:masterClrMapping/>
-  </p:clrMapOvr>
-</p:sld>
-</file>
-
-<file path=ppt/slides/slide5.xml><?xml version="1.0" encoding="utf-8"?>
-<p:sld xmlns:a="http://schemas.openxmlformats.org/drawingml/2006/main" xmlns:r="http://schemas.openxmlformats.org/officeDocument/2006/relationships" xmlns:p="http://schemas.openxmlformats.org/presentationml/2006/main">
-  <p:cSld>
-    <p:spTree>
-      <p:nvGrpSpPr>
-        <p:cNvPr id="1" name=""/>
-        <p:cNvGrpSpPr/>
-        <p:nvPr/>
-      </p:nvGrpSpPr>
-      <p:grpSpPr>
-        <a:xfrm>
-          <a:off x="0" y="0"/>
-          <a:ext cx="0" cy="0"/>
-          <a:chOff x="0" y="0"/>
-          <a:chExt cx="0" cy="0"/>
-        </a:xfrm>
-      </p:grpSpPr>
-      <p:sp>
-        <p:nvSpPr>
-          <p:cNvPr id="4" name="四角形: 角を丸くする 3">
-            <a:extLst>
-              <a:ext uri="{FF2B5EF4-FFF2-40B4-BE49-F238E27FC236}">
-                <a16:creationId xmlns:a16="http://schemas.microsoft.com/office/drawing/2014/main" id="{3540B7E7-F392-A62A-5C50-1E2172A17FBF}"/>
-              </a:ext>
-            </a:extLst>
-          </p:cNvPr>
-          <p:cNvSpPr/>
-          <p:nvPr/>
-        </p:nvSpPr>
-        <p:spPr>
-          <a:xfrm>
-            <a:off x="1895148" y="1353730"/>
-            <a:ext cx="1319649" cy="429276"/>
-          </a:xfrm>
-          <a:prstGeom prst="roundRect">
-            <a:avLst/>
-          </a:prstGeom>
-        </p:spPr>
-        <p:style>
-          <a:lnRef idx="2">
-            <a:schemeClr val="accent1">
-              <a:shade val="15000"/>
-            </a:schemeClr>
-          </a:lnRef>
-          <a:fillRef idx="1">
-            <a:schemeClr val="accent1"/>
-          </a:fillRef>
-          <a:effectRef idx="0">
-            <a:schemeClr val="accent1"/>
-          </a:effectRef>
-          <a:fontRef idx="minor">
-            <a:schemeClr val="lt1"/>
-          </a:fontRef>
-        </p:style>
-        <p:txBody>
-          <a:bodyPr rtlCol="0" anchor="ctr"/>
-          <a:lstStyle/>
-          <a:p>
-            <a:pPr algn="ctr"/>
-            <a:r>
-              <a:rPr lang="en-US" altLang="ja-JP" sz="1100" err="1"/>
-              <a:t>ScraperConfig</a:t>
-            </a:r>
-            <a:endParaRPr lang="en-US" altLang="ja-JP" sz="1100"/>
-          </a:p>
-        </p:txBody>
-      </p:sp>
-      <p:sp>
-        <p:nvSpPr>
-          <p:cNvPr id="5" name="四角形: 角を丸くする 4">
-            <a:extLst>
-              <a:ext uri="{FF2B5EF4-FFF2-40B4-BE49-F238E27FC236}">
-                <a16:creationId xmlns:a16="http://schemas.microsoft.com/office/drawing/2014/main" id="{23F1DC69-E699-650D-B663-CA131535E2AC}"/>
-              </a:ext>
-            </a:extLst>
-          </p:cNvPr>
-          <p:cNvSpPr/>
-          <p:nvPr/>
-        </p:nvSpPr>
-        <p:spPr>
-          <a:xfrm>
-            <a:off x="7970982" y="1353730"/>
-            <a:ext cx="1930399" cy="429276"/>
-          </a:xfrm>
-          <a:prstGeom prst="roundRect">
-            <a:avLst/>
-          </a:prstGeom>
-          <a:solidFill>
-            <a:schemeClr val="accent1">
-              <a:lumMod val="40000"/>
-              <a:lumOff val="60000"/>
-            </a:schemeClr>
-          </a:solidFill>
-        </p:spPr>
-        <p:style>
-          <a:lnRef idx="2">
-            <a:schemeClr val="accent1">
-              <a:shade val="15000"/>
-            </a:schemeClr>
-          </a:lnRef>
-          <a:fillRef idx="1">
-            <a:schemeClr val="accent1"/>
-          </a:fillRef>
-          <a:effectRef idx="0">
-            <a:schemeClr val="accent1"/>
-          </a:effectRef>
-          <a:fontRef idx="minor">
-            <a:schemeClr val="lt1"/>
-          </a:fontRef>
-        </p:style>
-        <p:txBody>
-          <a:bodyPr rtlCol="0" anchor="ctr"/>
-          <a:lstStyle/>
-          <a:p>
-            <a:pPr algn="ctr"/>
-            <a:r>
-              <a:rPr lang="en-US" altLang="ja-JP" sz="1100"/>
-              <a:t>AbstractScraperConfig</a:t>
-            </a:r>
-          </a:p>
-        </p:txBody>
-      </p:sp>
-      <p:cxnSp>
-        <p:nvCxnSpPr>
-          <p:cNvPr id="6" name="直線矢印コネクタ 5">
-            <a:extLst>
-              <a:ext uri="{FF2B5EF4-FFF2-40B4-BE49-F238E27FC236}">
-                <a16:creationId xmlns:a16="http://schemas.microsoft.com/office/drawing/2014/main" id="{29F0BFF2-B6C4-74EC-1F78-BAAC385CF66E}"/>
-              </a:ext>
-            </a:extLst>
-          </p:cNvPr>
-          <p:cNvCxnSpPr>
-            <a:cxnSpLocks/>
-            <a:stCxn id="5" idx="1"/>
-          </p:cNvCxnSpPr>
-          <p:nvPr/>
-        </p:nvCxnSpPr>
-        <p:spPr>
-          <a:xfrm flipH="1">
-            <a:off x="3990814" y="1568368"/>
-            <a:ext cx="3980168" cy="5512"/>
-          </a:xfrm>
-          <a:prstGeom prst="straightConnector1">
-            <a:avLst/>
-          </a:prstGeom>
-          <a:ln>
-            <a:tailEnd type="triangle"/>
-          </a:ln>
-        </p:spPr>
-        <p:style>
-          <a:lnRef idx="2">
-            <a:schemeClr val="accent1"/>
-          </a:lnRef>
-          <a:fillRef idx="0">
-            <a:schemeClr val="accent1"/>
-          </a:fillRef>
-          <a:effectRef idx="1">
-            <a:schemeClr val="accent1"/>
-          </a:effectRef>
-          <a:fontRef idx="minor">
-            <a:schemeClr val="tx1"/>
-          </a:fontRef>
-        </p:style>
-      </p:cxnSp>
-      <p:sp>
-        <p:nvSpPr>
-          <p:cNvPr id="9" name="テキスト ボックス 8">
-            <a:extLst>
-              <a:ext uri="{FF2B5EF4-FFF2-40B4-BE49-F238E27FC236}">
-                <a16:creationId xmlns:a16="http://schemas.microsoft.com/office/drawing/2014/main" id="{95FD0F78-DC24-DB92-3AD5-784C75DB2D3F}"/>
-              </a:ext>
-            </a:extLst>
-          </p:cNvPr>
-          <p:cNvSpPr txBox="1"/>
-          <p:nvPr/>
-        </p:nvSpPr>
-        <p:spPr>
-          <a:xfrm>
-            <a:off x="6724073" y="2096654"/>
-            <a:ext cx="4276435" cy="1569660"/>
-          </a:xfrm>
-          <a:prstGeom prst="rect">
-            <a:avLst/>
-          </a:prstGeom>
-          <a:noFill/>
-        </p:spPr>
-        <p:txBody>
-          <a:bodyPr wrap="square" rtlCol="0">
-            <a:spAutoFit/>
-          </a:bodyPr>
-          <a:lstStyle/>
-          <a:p>
-            <a:r>
-              <a:rPr lang="en-US" altLang="ja-JP" sz="1200"/>
-              <a:t>LIST_NODE</a:t>
-            </a:r>
-          </a:p>
-          <a:p>
-            <a:r>
-              <a:rPr lang="en-US" altLang="ja-JP" sz="1200"/>
-              <a:t>POST_NODE</a:t>
-            </a:r>
-            <a:r>
-              <a:rPr lang="ja-JP" altLang="en-US" sz="1200"/>
-              <a:t>（複数）</a:t>
-            </a:r>
-          </a:p>
-          <a:p>
-            <a:r>
-              <a:rPr lang="en-US" altLang="ja-JP" sz="1200"/>
-              <a:t>ID_KEY</a:t>
-            </a:r>
-            <a:r>
-              <a:rPr lang="ja-JP" altLang="en-US" sz="1200"/>
-              <a:t>（投稿</a:t>
-            </a:r>
-            <a:r>
-              <a:rPr lang="en-US" altLang="ja-JP" sz="1200"/>
-              <a:t>ID</a:t>
-            </a:r>
-            <a:r>
-              <a:rPr lang="ja-JP" altLang="en-US" sz="1200"/>
-              <a:t>）</a:t>
-            </a:r>
-          </a:p>
-          <a:p>
-            <a:r>
-              <a:rPr lang="en-US" altLang="ja-JP" sz="1200"/>
-              <a:t>USER_ID_KEY</a:t>
-            </a:r>
-            <a:r>
-              <a:rPr lang="ja-JP" altLang="en-US" sz="1200"/>
-              <a:t>（投稿者ユーザー</a:t>
-            </a:r>
-            <a:r>
-              <a:rPr lang="en-US" altLang="ja-JP" sz="1200"/>
-              <a:t>ID</a:t>
-            </a:r>
-            <a:r>
-              <a:rPr lang="ja-JP" altLang="en-US" sz="1200"/>
-              <a:t>）</a:t>
-            </a:r>
-          </a:p>
-          <a:p>
-            <a:r>
-              <a:rPr lang="en-US" altLang="ja-JP" sz="1200"/>
-              <a:t>TEXT_KEY</a:t>
-            </a:r>
-            <a:r>
-              <a:rPr lang="ja-JP" altLang="en-US" sz="1200"/>
-              <a:t>（投稿本文）</a:t>
-            </a:r>
-            <a:endParaRPr lang="en-US" altLang="ja-JP" sz="1200"/>
-          </a:p>
-          <a:p>
-            <a:r>
-              <a:rPr lang="en-US" altLang="ja-JP" sz="1200"/>
-              <a:t>DATE_KEY</a:t>
-            </a:r>
-            <a:r>
-              <a:rPr lang="ja-JP" altLang="en-US" sz="1200"/>
-              <a:t>（投稿日時）</a:t>
-            </a:r>
-          </a:p>
-          <a:p>
-            <a:r>
-              <a:rPr lang="en-US" altLang="ja-JP" sz="1200"/>
-              <a:t>REPLY_KEY</a:t>
-            </a:r>
-            <a:r>
-              <a:rPr lang="ja-JP" altLang="en-US" sz="1200"/>
-              <a:t>（返信情報）</a:t>
-            </a:r>
-          </a:p>
-          <a:p>
-            <a:r>
-              <a:rPr lang="en-US" altLang="ja-JP" sz="1200"/>
-              <a:t>IMAGE_URL_KEY</a:t>
-            </a:r>
-            <a:r>
-              <a:rPr lang="ja-JP" altLang="en-US" sz="1200"/>
-              <a:t>（画像</a:t>
-            </a:r>
-            <a:r>
-              <a:rPr lang="en-US" altLang="ja-JP" sz="1200"/>
-              <a:t>URL</a:t>
-            </a:r>
-            <a:r>
-              <a:rPr lang="ja-JP" altLang="en-US" sz="1200"/>
-              <a:t>）</a:t>
-            </a:r>
-            <a:endParaRPr kumimoji="1" lang="ja-JP" altLang="en-US" sz="1200"/>
-          </a:p>
-        </p:txBody>
-      </p:sp>
-      <p:sp>
-        <p:nvSpPr>
-          <p:cNvPr id="11" name="テキスト ボックス 10">
-            <a:extLst>
-              <a:ext uri="{FF2B5EF4-FFF2-40B4-BE49-F238E27FC236}">
-                <a16:creationId xmlns:a16="http://schemas.microsoft.com/office/drawing/2014/main" id="{1E812395-E1F5-47B4-B8AD-2B5C231E2F6F}"/>
-              </a:ext>
-            </a:extLst>
-          </p:cNvPr>
-          <p:cNvSpPr txBox="1"/>
-          <p:nvPr/>
-        </p:nvSpPr>
-        <p:spPr>
-          <a:xfrm>
-            <a:off x="1219199" y="2281382"/>
-            <a:ext cx="3482109" cy="830997"/>
-          </a:xfrm>
-          <a:prstGeom prst="rect">
-            <a:avLst/>
-          </a:prstGeom>
-          <a:noFill/>
-        </p:spPr>
-        <p:txBody>
-          <a:bodyPr wrap="square" rtlCol="0">
-            <a:spAutoFit/>
-          </a:bodyPr>
-          <a:lstStyle/>
-          <a:p>
-            <a:r>
-              <a:rPr kumimoji="1" lang="en-US" altLang="ja-JP" sz="1200"/>
-              <a:t>PostNode</a:t>
-            </a:r>
-            <a:r>
-              <a:rPr kumimoji="1" lang="ja-JP" altLang="en-US" sz="1200"/>
-              <a:t>とテキストなどがある</a:t>
-            </a:r>
-            <a:r>
-              <a:rPr kumimoji="1" lang="en-US" altLang="ja-JP" sz="1200"/>
-              <a:t>node</a:t>
-            </a:r>
-            <a:r>
-              <a:rPr kumimoji="1" lang="ja-JP" altLang="en-US" sz="1200"/>
-              <a:t>が違う</a:t>
-            </a:r>
-            <a:r>
-              <a:rPr kumimoji="1" lang="en-US" altLang="ja-JP" sz="1200"/>
-              <a:t>(PostNode</a:t>
-            </a:r>
-            <a:r>
-              <a:rPr kumimoji="1" lang="ja-JP" altLang="en-US" sz="1200"/>
-              <a:t>のさらに深い階層にあるなど）場合は、それ用の</a:t>
-            </a:r>
-            <a:r>
-              <a:rPr kumimoji="1" lang="en-US" altLang="ja-JP" sz="1200"/>
-              <a:t>Node</a:t>
-            </a:r>
-            <a:r>
-              <a:rPr kumimoji="1" lang="ja-JP" altLang="en-US" sz="1200"/>
-              <a:t>を保持するフィールドを作成</a:t>
-            </a:r>
-            <a:r>
-              <a:rPr lang="en-US" altLang="ja-JP" sz="1200"/>
-              <a:t>(</a:t>
-            </a:r>
-            <a:r>
-              <a:rPr lang="ja-JP" altLang="en-US" sz="1200"/>
-              <a:t>例</a:t>
-            </a:r>
-            <a:r>
-              <a:rPr lang="en-US" altLang="ja-JP" sz="1200"/>
-              <a:t>)TEXT_NODE</a:t>
-            </a:r>
-            <a:endParaRPr kumimoji="1" lang="ja-JP" altLang="en-US" sz="1200"/>
-          </a:p>
-        </p:txBody>
-      </p:sp>
-    </p:spTree>
-    <p:extLst>
-      <p:ext uri="{BB962C8B-B14F-4D97-AF65-F5344CB8AC3E}">
-        <p14:creationId xmlns:p14="http://schemas.microsoft.com/office/powerpoint/2010/main" val="3008477458"/>
       </p:ext>
     </p:extLst>
   </p:cSld>
@@ -8828,10 +9485,10 @@
       </p:grpSpPr>
       <p:sp>
         <p:nvSpPr>
-          <p:cNvPr id="4" name="正方形/長方形 3">
-            <a:extLst>
-              <a:ext uri="{FF2B5EF4-FFF2-40B4-BE49-F238E27FC236}">
-                <a16:creationId xmlns:a16="http://schemas.microsoft.com/office/drawing/2014/main" id="{CA72657F-F82D-BF03-44DA-3FF4F7DD1D20}"/>
+          <p:cNvPr id="4" name="四角形: 角を丸くする 3">
+            <a:extLst>
+              <a:ext uri="{FF2B5EF4-FFF2-40B4-BE49-F238E27FC236}">
+                <a16:creationId xmlns:a16="http://schemas.microsoft.com/office/drawing/2014/main" id="{3540B7E7-F392-A62A-5C50-1E2172A17FBF}"/>
               </a:ext>
             </a:extLst>
           </p:cNvPr>
@@ -8840,10 +9497,10 @@
         </p:nvSpPr>
         <p:spPr>
           <a:xfrm>
-            <a:off x="1796471" y="1297973"/>
-            <a:ext cx="2456873" cy="591127"/>
-          </a:xfrm>
-          <a:prstGeom prst="rect">
+            <a:off x="1895148" y="1353730"/>
+            <a:ext cx="1319649" cy="429276"/>
+          </a:xfrm>
+          <a:prstGeom prst="roundRect">
             <a:avLst/>
           </a:prstGeom>
         </p:spPr>
@@ -8869,23 +9526,19 @@
           <a:p>
             <a:pPr algn="ctr"/>
             <a:r>
-              <a:rPr lang="en-US" altLang="ja-JP" err="1"/>
-              <a:t>S</a:t>
-            </a:r>
-            <a:r>
-              <a:rPr kumimoji="1" lang="en-US" altLang="ja-JP" err="1"/>
-              <a:t>craperOwner</a:t>
-            </a:r>
-            <a:endParaRPr kumimoji="1" lang="ja-JP" altLang="en-US"/>
-          </a:p>
-        </p:txBody>
-      </p:sp>
-      <p:sp>
-        <p:nvSpPr>
-          <p:cNvPr id="5" name="正方形/長方形 4">
-            <a:extLst>
-              <a:ext uri="{FF2B5EF4-FFF2-40B4-BE49-F238E27FC236}">
-                <a16:creationId xmlns:a16="http://schemas.microsoft.com/office/drawing/2014/main" id="{FA3687B7-7A03-435A-6B41-C772A0F5BBD0}"/>
+              <a:rPr lang="en-US" altLang="ja-JP" sz="1100" err="1"/>
+              <a:t>ScraperConfig</a:t>
+            </a:r>
+            <a:endParaRPr lang="en-US" altLang="ja-JP" sz="1100"/>
+          </a:p>
+        </p:txBody>
+      </p:sp>
+      <p:sp>
+        <p:nvSpPr>
+          <p:cNvPr id="5" name="四角形: 角を丸くする 4">
+            <a:extLst>
+              <a:ext uri="{FF2B5EF4-FFF2-40B4-BE49-F238E27FC236}">
+                <a16:creationId xmlns:a16="http://schemas.microsoft.com/office/drawing/2014/main" id="{23F1DC69-E699-650D-B663-CA131535E2AC}"/>
               </a:ext>
             </a:extLst>
           </p:cNvPr>
@@ -8894,12 +9547,18 @@
         </p:nvSpPr>
         <p:spPr>
           <a:xfrm>
-            <a:off x="8603673" y="1220039"/>
-            <a:ext cx="2456873" cy="373497"/>
-          </a:xfrm>
-          <a:prstGeom prst="rect">
-            <a:avLst/>
-          </a:prstGeom>
+            <a:off x="7970982" y="1353730"/>
+            <a:ext cx="1930399" cy="429276"/>
+          </a:xfrm>
+          <a:prstGeom prst="roundRect">
+            <a:avLst/>
+          </a:prstGeom>
+          <a:solidFill>
+            <a:schemeClr val="accent1">
+              <a:lumMod val="40000"/>
+              <a:lumOff val="60000"/>
+            </a:schemeClr>
+          </a:solidFill>
         </p:spPr>
         <p:style>
           <a:lnRef idx="2">
@@ -8923,964 +9582,31 @@
           <a:p>
             <a:pPr algn="ctr"/>
             <a:r>
-              <a:rPr kumimoji="1" lang="en-US" altLang="ja-JP" err="1"/>
-              <a:t>IscraperOwner</a:t>
-            </a:r>
-            <a:endParaRPr kumimoji="1" lang="en-US" altLang="ja-JP"/>
-          </a:p>
-        </p:txBody>
-      </p:sp>
-      <p:sp>
-        <p:nvSpPr>
-          <p:cNvPr id="6" name="正方形/長方形 5">
-            <a:extLst>
-              <a:ext uri="{FF2B5EF4-FFF2-40B4-BE49-F238E27FC236}">
-                <a16:creationId xmlns:a16="http://schemas.microsoft.com/office/drawing/2014/main" id="{966F8D80-69C9-36E9-179C-41295E2CE930}"/>
-              </a:ext>
-            </a:extLst>
-          </p:cNvPr>
-          <p:cNvSpPr/>
-          <p:nvPr/>
-        </p:nvSpPr>
-        <p:spPr>
-          <a:xfrm>
-            <a:off x="1796471" y="3373245"/>
-            <a:ext cx="2456873" cy="535709"/>
-          </a:xfrm>
-          <a:prstGeom prst="rect">
-            <a:avLst/>
-          </a:prstGeom>
-        </p:spPr>
-        <p:style>
-          <a:lnRef idx="2">
-            <a:schemeClr val="accent1">
-              <a:shade val="15000"/>
-            </a:schemeClr>
-          </a:lnRef>
-          <a:fillRef idx="1">
-            <a:schemeClr val="accent1"/>
-          </a:fillRef>
-          <a:effectRef idx="0">
-            <a:schemeClr val="accent1"/>
-          </a:effectRef>
-          <a:fontRef idx="minor">
-            <a:schemeClr val="lt1"/>
-          </a:fontRef>
-        </p:style>
-        <p:txBody>
-          <a:bodyPr rtlCol="0" anchor="ctr"/>
-          <a:lstStyle/>
-          <a:p>
-            <a:pPr algn="ctr"/>
-            <a:r>
-              <a:rPr kumimoji="1" lang="en-US" altLang="ja-JP" err="1"/>
-              <a:t>scraperLogic</a:t>
-            </a:r>
-            <a:endParaRPr kumimoji="1" lang="ja-JP" altLang="en-US"/>
-          </a:p>
-        </p:txBody>
-      </p:sp>
-      <p:sp>
-        <p:nvSpPr>
-          <p:cNvPr id="7" name="テキスト ボックス 6">
-            <a:extLst>
-              <a:ext uri="{FF2B5EF4-FFF2-40B4-BE49-F238E27FC236}">
-                <a16:creationId xmlns:a16="http://schemas.microsoft.com/office/drawing/2014/main" id="{A7F3CE06-A9E0-0006-D117-000158C865DA}"/>
-              </a:ext>
-            </a:extLst>
-          </p:cNvPr>
-          <p:cNvSpPr txBox="1"/>
-          <p:nvPr/>
-        </p:nvSpPr>
-        <p:spPr>
-          <a:xfrm>
-            <a:off x="380996" y="1967013"/>
-            <a:ext cx="6213767" cy="1015663"/>
-          </a:xfrm>
-          <a:prstGeom prst="rect">
-            <a:avLst/>
-          </a:prstGeom>
-          <a:noFill/>
-        </p:spPr>
-        <p:txBody>
-          <a:bodyPr wrap="square" rtlCol="0">
-            <a:spAutoFit/>
-          </a:bodyPr>
-          <a:lstStyle/>
-          <a:p>
-            <a:r>
-              <a:rPr lang="ja-JP" altLang="en-US" sz="1200"/>
-              <a:t>スクレイピングの処理が呼ばれたら実行し、</a:t>
-            </a:r>
-            <a:r>
-              <a:rPr lang="en-US" altLang="ja-JP" sz="1200"/>
-              <a:t>post</a:t>
-            </a:r>
-            <a:r>
-              <a:rPr lang="ja-JP" altLang="en-US" sz="1200"/>
-              <a:t>構造体のリストを返す</a:t>
-            </a:r>
-            <a:endParaRPr lang="en-US" altLang="ja-JP" sz="1200"/>
-          </a:p>
-          <a:p>
-            <a:r>
-              <a:rPr lang="ja-JP" altLang="en-US" sz="1200"/>
-              <a:t>・</a:t>
-            </a:r>
-            <a:r>
-              <a:rPr lang="en-US" altLang="ja-JP" sz="1200" b="1"/>
-              <a:t>public </a:t>
-            </a:r>
-            <a:r>
-              <a:rPr lang="en-US" altLang="ja-JP" sz="1200" b="1" err="1"/>
-              <a:t>GetPosts</a:t>
-            </a:r>
-            <a:r>
-              <a:rPr lang="en-US" altLang="ja-JP" sz="1200" b="1"/>
-              <a:t> </a:t>
-            </a:r>
-            <a:r>
-              <a:rPr lang="en-US" altLang="ja-JP" sz="1200"/>
-              <a:t>return post</a:t>
-            </a:r>
-            <a:r>
-              <a:rPr lang="ja-JP" altLang="en-US" sz="1200"/>
-              <a:t>のリスト</a:t>
-            </a:r>
-            <a:endParaRPr lang="en-US" altLang="ja-JP" sz="1200"/>
-          </a:p>
-          <a:p>
-            <a:r>
-              <a:rPr lang="ja-JP" altLang="en-US" sz="1200"/>
-              <a:t>・</a:t>
-            </a:r>
-            <a:r>
-              <a:rPr lang="en-US" altLang="ja-JP" sz="1200" b="1"/>
-              <a:t>private </a:t>
-            </a:r>
-            <a:r>
-              <a:rPr lang="en-US" altLang="ja-JP" sz="1200" b="1" err="1"/>
-              <a:t>GetHtml</a:t>
-            </a:r>
-            <a:r>
-              <a:rPr lang="en-US" altLang="ja-JP" sz="1200" b="1"/>
-              <a:t> </a:t>
-            </a:r>
-            <a:r>
-              <a:rPr lang="en-US" altLang="ja-JP" sz="1200"/>
-              <a:t>html</a:t>
-            </a:r>
-            <a:r>
-              <a:rPr lang="ja-JP" altLang="en-US" sz="1200"/>
-              <a:t>の取得</a:t>
-            </a:r>
-            <a:r>
-              <a:rPr lang="en-US" altLang="ja-JP" sz="1200"/>
-              <a:t>(selenium)</a:t>
-            </a:r>
-          </a:p>
-          <a:p>
-            <a:r>
-              <a:rPr lang="ja-JP" altLang="en-US" sz="1200"/>
-              <a:t>・</a:t>
-            </a:r>
-            <a:r>
-              <a:rPr lang="en-US" altLang="ja-JP" sz="1200" b="1"/>
-              <a:t>private </a:t>
-            </a:r>
-            <a:r>
-              <a:rPr lang="en-US" altLang="ja-JP" sz="1200" b="1" err="1"/>
-              <a:t>DocParsePosts</a:t>
-            </a:r>
-            <a:r>
-              <a:rPr lang="en-US" altLang="ja-JP" sz="1200"/>
-              <a:t> </a:t>
-            </a:r>
-            <a:r>
-              <a:rPr lang="en-US" altLang="ja-JP" sz="1200" err="1"/>
-              <a:t>HtmlDocument</a:t>
-            </a:r>
-            <a:r>
-              <a:rPr lang="ja-JP" altLang="en-US" sz="1200"/>
-              <a:t>から</a:t>
-            </a:r>
-            <a:r>
-              <a:rPr lang="en-US" altLang="ja-JP" sz="1200"/>
-              <a:t>Post</a:t>
-            </a:r>
-            <a:r>
-              <a:rPr lang="ja-JP" altLang="en-US" sz="1200"/>
-              <a:t>構造体のリストへデータ抽出＆変換</a:t>
-            </a:r>
-            <a:endParaRPr lang="en-US" altLang="ja-JP" sz="1200"/>
-          </a:p>
-          <a:p>
-            <a:endParaRPr kumimoji="1" lang="ja-JP" altLang="en-US" sz="1200"/>
-          </a:p>
-        </p:txBody>
-      </p:sp>
-      <p:sp>
-        <p:nvSpPr>
-          <p:cNvPr id="8" name="テキスト ボックス 7">
-            <a:extLst>
-              <a:ext uri="{FF2B5EF4-FFF2-40B4-BE49-F238E27FC236}">
-                <a16:creationId xmlns:a16="http://schemas.microsoft.com/office/drawing/2014/main" id="{DB8BB748-AC57-3B69-2657-FE1E53A7D7B5}"/>
-              </a:ext>
-            </a:extLst>
-          </p:cNvPr>
-          <p:cNvSpPr txBox="1"/>
-          <p:nvPr/>
-        </p:nvSpPr>
-        <p:spPr>
-          <a:xfrm>
-            <a:off x="8081818" y="3962372"/>
-            <a:ext cx="4110182" cy="1015663"/>
-          </a:xfrm>
-          <a:prstGeom prst="rect">
-            <a:avLst/>
-          </a:prstGeom>
-          <a:noFill/>
-        </p:spPr>
-        <p:txBody>
-          <a:bodyPr wrap="square" rtlCol="0">
-            <a:spAutoFit/>
-          </a:bodyPr>
-          <a:lstStyle/>
-          <a:p>
-            <a:r>
-              <a:rPr lang="ja-JP" altLang="en-US" sz="1200"/>
-              <a:t>・</a:t>
-            </a:r>
-            <a:r>
-              <a:rPr lang="en-US" altLang="ja-JP" sz="1200"/>
-              <a:t>public </a:t>
-            </a:r>
-            <a:r>
-              <a:rPr lang="en-US" altLang="ja-JP" sz="1200" err="1"/>
-              <a:t>GetPostsNode</a:t>
-            </a:r>
-            <a:r>
-              <a:rPr lang="en-US" altLang="ja-JP" sz="1200"/>
-              <a:t>(</a:t>
-            </a:r>
-            <a:r>
-              <a:rPr lang="en-US" altLang="ja-JP" sz="1200" err="1"/>
-              <a:t>HtmlDocument</a:t>
-            </a:r>
-            <a:r>
-              <a:rPr lang="en-US" altLang="ja-JP" sz="1200"/>
-              <a:t> doc)</a:t>
-            </a:r>
-          </a:p>
-          <a:p>
-            <a:r>
-              <a:rPr lang="ja-JP" altLang="en-US" sz="1200"/>
-              <a:t>・</a:t>
-            </a:r>
-            <a:r>
-              <a:rPr lang="en-US" altLang="ja-JP" sz="1200"/>
-              <a:t>public </a:t>
-            </a:r>
-            <a:r>
-              <a:rPr lang="en-US" altLang="ja-JP" sz="1200" err="1"/>
-              <a:t>GetPostNode</a:t>
-            </a:r>
-            <a:r>
-              <a:rPr lang="en-US" altLang="ja-JP" sz="1200"/>
-              <a:t>(HtmlNode </a:t>
-            </a:r>
-            <a:r>
-              <a:rPr lang="en-US" altLang="ja-JP" sz="1200" err="1"/>
-              <a:t>postsNode</a:t>
-            </a:r>
-            <a:r>
-              <a:rPr lang="en-US" altLang="ja-JP" sz="1200"/>
-              <a:t>)</a:t>
-            </a:r>
-          </a:p>
-          <a:p>
-            <a:r>
-              <a:rPr lang="ja-JP" altLang="en-US" sz="1200"/>
-              <a:t>・</a:t>
-            </a:r>
-            <a:r>
-              <a:rPr lang="en-US" altLang="ja-JP" sz="1200"/>
-              <a:t>public GetText(HtmlNode </a:t>
-            </a:r>
-            <a:r>
-              <a:rPr lang="en-US" altLang="ja-JP" sz="1200" err="1"/>
-              <a:t>TextNode</a:t>
-            </a:r>
-            <a:r>
-              <a:rPr lang="en-US" altLang="ja-JP" sz="1200"/>
-              <a:t>)</a:t>
-            </a:r>
-          </a:p>
-          <a:p>
-            <a:r>
-              <a:rPr lang="ja-JP" altLang="en-US" sz="1200"/>
-              <a:t>・</a:t>
-            </a:r>
-            <a:r>
-              <a:rPr lang="en-US" altLang="ja-JP" sz="1200"/>
-              <a:t>public </a:t>
-            </a:r>
-            <a:r>
-              <a:rPr lang="en-US" altLang="ja-JP" sz="1200" err="1"/>
-              <a:t>GetDate</a:t>
-            </a:r>
-            <a:r>
-              <a:rPr lang="en-US" altLang="ja-JP" sz="1200"/>
-              <a:t>(HtmlNode </a:t>
-            </a:r>
-            <a:r>
-              <a:rPr lang="en-US" altLang="ja-JP" sz="1200" err="1"/>
-              <a:t>DateNode</a:t>
-            </a:r>
-            <a:r>
-              <a:rPr lang="en-US" altLang="ja-JP" sz="1200"/>
-              <a:t>)</a:t>
-            </a:r>
-          </a:p>
-          <a:p>
-            <a:r>
-              <a:rPr lang="ja-JP" altLang="en-US" sz="1200"/>
-              <a:t>・</a:t>
-            </a:r>
-            <a:r>
-              <a:rPr lang="en-US" altLang="ja-JP" sz="1200"/>
-              <a:t>public </a:t>
-            </a:r>
-            <a:r>
-              <a:rPr lang="en-US" altLang="ja-JP" sz="1200" err="1"/>
-              <a:t>GetUserId</a:t>
-            </a:r>
-            <a:r>
-              <a:rPr lang="en-US" altLang="ja-JP" sz="1200"/>
-              <a:t>(HtmlNode </a:t>
-            </a:r>
-            <a:r>
-              <a:rPr lang="en-US" altLang="ja-JP" sz="1200" err="1"/>
-              <a:t>UserIdNode</a:t>
-            </a:r>
-            <a:r>
-              <a:rPr lang="en-US" altLang="ja-JP" sz="1200"/>
-              <a:t>)</a:t>
-            </a:r>
-          </a:p>
-        </p:txBody>
-      </p:sp>
-      <p:sp>
-        <p:nvSpPr>
-          <p:cNvPr id="10" name="テキスト ボックス 9">
-            <a:extLst>
-              <a:ext uri="{FF2B5EF4-FFF2-40B4-BE49-F238E27FC236}">
-                <a16:creationId xmlns:a16="http://schemas.microsoft.com/office/drawing/2014/main" id="{E0D925A3-218A-2664-4C15-076F39B80C26}"/>
-              </a:ext>
-            </a:extLst>
-          </p:cNvPr>
-          <p:cNvSpPr txBox="1"/>
-          <p:nvPr/>
-        </p:nvSpPr>
-        <p:spPr>
-          <a:xfrm>
-            <a:off x="600363" y="4064779"/>
-            <a:ext cx="6213767" cy="2292935"/>
-          </a:xfrm>
-          <a:prstGeom prst="rect">
-            <a:avLst/>
-          </a:prstGeom>
-          <a:noFill/>
-        </p:spPr>
-        <p:txBody>
-          <a:bodyPr wrap="square" rtlCol="0">
-            <a:spAutoFit/>
-          </a:bodyPr>
-          <a:lstStyle/>
-          <a:p>
-            <a:r>
-              <a:rPr lang="en-US" altLang="ja-JP" sz="1100" err="1"/>
-              <a:t>HtmlDocument</a:t>
-            </a:r>
-            <a:r>
-              <a:rPr lang="ja-JP" altLang="en-US" sz="1100"/>
-              <a:t>から</a:t>
-            </a:r>
-            <a:r>
               <a:rPr lang="en-US" altLang="ja-JP" sz="1100"/>
-              <a:t>post</a:t>
-            </a:r>
-            <a:r>
-              <a:rPr lang="ja-JP" altLang="en-US" sz="1100"/>
-              <a:t>データを探索する処理を抽象化し、</a:t>
-            </a:r>
-            <a:r>
-              <a:rPr lang="en-US" altLang="ja-JP" sz="1100" err="1"/>
-              <a:t>scraperOwner</a:t>
-            </a:r>
-            <a:r>
-              <a:rPr lang="ja-JP" altLang="en-US" sz="1100"/>
-              <a:t>へ提供</a:t>
-            </a:r>
-            <a:endParaRPr lang="en-US" altLang="ja-JP" sz="1100"/>
-          </a:p>
-          <a:p>
-            <a:r>
-              <a:rPr lang="en-US" altLang="ja-JP" sz="1100" err="1"/>
-              <a:t>DoCParsePosts</a:t>
-            </a:r>
-            <a:r>
-              <a:rPr lang="ja-JP" altLang="en-US" sz="1100"/>
-              <a:t>の中で、</a:t>
-            </a:r>
-            <a:r>
-              <a:rPr lang="en-US" altLang="ja-JP" sz="1100" err="1"/>
-              <a:t>ScraperLogic</a:t>
-            </a:r>
-            <a:r>
-              <a:rPr lang="ja-JP" altLang="en-US" sz="1100"/>
-              <a:t>クラスの</a:t>
-            </a:r>
-            <a:r>
-              <a:rPr lang="en-US" altLang="ja-JP" sz="1100"/>
-              <a:t>public</a:t>
-            </a:r>
-            <a:r>
-              <a:rPr lang="ja-JP" altLang="en-US" sz="1100"/>
-              <a:t>メソッドを実行し、</a:t>
-            </a:r>
-            <a:r>
-              <a:rPr lang="en-US" altLang="ja-JP" sz="1100"/>
-              <a:t>Post</a:t>
-            </a:r>
-            <a:r>
-              <a:rPr lang="ja-JP" altLang="en-US" sz="1100"/>
-              <a:t>構造体を生成。</a:t>
-            </a:r>
-            <a:endParaRPr lang="en-US" altLang="ja-JP" sz="1100"/>
-          </a:p>
-          <a:p>
-            <a:r>
-              <a:rPr lang="en-US" altLang="ja-JP" sz="1100"/>
-              <a:t>Post</a:t>
-            </a:r>
-            <a:r>
-              <a:rPr lang="ja-JP" altLang="en-US" sz="1100"/>
-              <a:t>がある</a:t>
-            </a:r>
-            <a:r>
-              <a:rPr lang="en-US" altLang="ja-JP" sz="1100"/>
-              <a:t>node</a:t>
-            </a:r>
-            <a:r>
-              <a:rPr lang="ja-JP" altLang="en-US" sz="1100"/>
-              <a:t>を探索 </a:t>
-            </a:r>
-            <a:r>
-              <a:rPr lang="en-US" altLang="ja-JP" sz="1100"/>
-              <a:t>-&gt; Post</a:t>
-            </a:r>
-            <a:r>
-              <a:rPr lang="ja-JP" altLang="en-US" sz="1100"/>
-              <a:t>ひとつひとつの</a:t>
-            </a:r>
-            <a:r>
-              <a:rPr lang="en-US" altLang="ja-JP" sz="1100"/>
-              <a:t>Node</a:t>
-            </a:r>
-            <a:r>
-              <a:rPr lang="ja-JP" altLang="en-US" sz="1100"/>
-              <a:t>をリストで取得</a:t>
-            </a:r>
-            <a:r>
-              <a:rPr lang="en-US" altLang="ja-JP" sz="1100"/>
-              <a:t>-&gt;Post</a:t>
-            </a:r>
-            <a:r>
-              <a:rPr lang="ja-JP" altLang="en-US" sz="1100"/>
-              <a:t>の中のデータを抽出</a:t>
-            </a:r>
-            <a:br>
-              <a:rPr lang="en-US" altLang="ja-JP" sz="1100"/>
-            </a:br>
-            <a:r>
-              <a:rPr lang="ja-JP" altLang="en-US" sz="1100"/>
-              <a:t>各</a:t>
-            </a:r>
-            <a:r>
-              <a:rPr lang="en-US" altLang="ja-JP" sz="1100"/>
-              <a:t>Post</a:t>
-            </a:r>
-            <a:r>
-              <a:rPr lang="ja-JP" altLang="en-US" sz="1100"/>
-              <a:t>の</a:t>
-            </a:r>
-            <a:r>
-              <a:rPr lang="en-US" altLang="ja-JP" sz="1100"/>
-              <a:t>Node</a:t>
-            </a:r>
-            <a:r>
-              <a:rPr lang="ja-JP" altLang="en-US" sz="1100"/>
-              <a:t>から更に</a:t>
-            </a:r>
-            <a:r>
-              <a:rPr lang="en-US" altLang="ja-JP" sz="1100"/>
-              <a:t>Node</a:t>
-            </a:r>
-            <a:r>
-              <a:rPr lang="ja-JP" altLang="en-US" sz="1100"/>
-              <a:t>を深く掘る場合は、</a:t>
-            </a:r>
-            <a:r>
-              <a:rPr lang="en-US" altLang="ja-JP" sz="1100"/>
-              <a:t>Interface</a:t>
-            </a:r>
-            <a:r>
-              <a:rPr lang="ja-JP" altLang="en-US" sz="1100"/>
-              <a:t>とは別にメソッドを定義</a:t>
-            </a:r>
-            <a:r>
-              <a:rPr lang="en-US" altLang="ja-JP" sz="1100"/>
-              <a:t>(</a:t>
-            </a:r>
-            <a:r>
-              <a:rPr lang="en-US" altLang="ja-JP" sz="1100" err="1"/>
-              <a:t>GetTextNode</a:t>
-            </a:r>
-            <a:r>
-              <a:rPr lang="ja-JP" altLang="en-US" sz="1100"/>
-              <a:t>など</a:t>
-            </a:r>
-            <a:r>
-              <a:rPr lang="en-US" altLang="ja-JP" sz="1100"/>
-              <a:t>)</a:t>
-            </a:r>
-          </a:p>
-          <a:p>
-            <a:r>
-              <a:rPr lang="ja-JP" altLang="en-US" sz="1100"/>
-              <a:t>・</a:t>
-            </a:r>
-            <a:r>
-              <a:rPr lang="en-US" altLang="ja-JP" sz="1100"/>
-              <a:t>public </a:t>
-            </a:r>
-            <a:r>
-              <a:rPr lang="en-US" altLang="ja-JP" sz="1100" err="1"/>
-              <a:t>GetPostsNode</a:t>
-            </a:r>
-            <a:r>
-              <a:rPr lang="en-US" altLang="ja-JP" sz="1100"/>
-              <a:t>(</a:t>
-            </a:r>
-            <a:r>
-              <a:rPr lang="en-US" altLang="ja-JP" sz="1100" err="1"/>
-              <a:t>HtmlDocument</a:t>
-            </a:r>
-            <a:r>
-              <a:rPr lang="en-US" altLang="ja-JP" sz="1100"/>
-              <a:t> doc)</a:t>
-            </a:r>
-          </a:p>
-          <a:p>
-            <a:r>
-              <a:rPr lang="ja-JP" altLang="en-US" sz="1100"/>
-              <a:t>・</a:t>
-            </a:r>
-            <a:r>
-              <a:rPr lang="en-US" altLang="ja-JP" sz="1100"/>
-              <a:t>public </a:t>
-            </a:r>
-            <a:r>
-              <a:rPr lang="en-US" altLang="ja-JP" sz="1100" err="1"/>
-              <a:t>GetPostNode</a:t>
-            </a:r>
-            <a:r>
-              <a:rPr lang="en-US" altLang="ja-JP" sz="1100"/>
-              <a:t>(HtmlNode </a:t>
-            </a:r>
-            <a:r>
-              <a:rPr lang="en-US" altLang="ja-JP" sz="1100" err="1"/>
-              <a:t>postsNode</a:t>
-            </a:r>
-            <a:r>
-              <a:rPr lang="en-US" altLang="ja-JP" sz="1100"/>
-              <a:t>)</a:t>
-            </a:r>
-          </a:p>
-          <a:p>
-            <a:r>
-              <a:rPr lang="ja-JP" altLang="en-US" sz="1100"/>
-              <a:t>・</a:t>
-            </a:r>
-            <a:r>
-              <a:rPr lang="en-US" altLang="ja-JP" sz="1100"/>
-              <a:t>public </a:t>
-            </a:r>
-            <a:r>
-              <a:rPr lang="en-US" altLang="ja-JP" sz="1100" err="1"/>
-              <a:t>GetTextNode</a:t>
-            </a:r>
-            <a:r>
-              <a:rPr lang="en-US" altLang="ja-JP" sz="1100"/>
-              <a:t>(HtmlNode postNode)</a:t>
-            </a:r>
-          </a:p>
-          <a:p>
-            <a:r>
-              <a:rPr lang="ja-JP" altLang="en-US" sz="1100"/>
-              <a:t>・</a:t>
-            </a:r>
-            <a:r>
-              <a:rPr lang="en-US" altLang="ja-JP" sz="1100"/>
-              <a:t>public GetText(HtmlNode </a:t>
-            </a:r>
-            <a:r>
-              <a:rPr lang="en-US" altLang="ja-JP" sz="1100" err="1"/>
-              <a:t>TextNode</a:t>
-            </a:r>
-            <a:r>
-              <a:rPr lang="en-US" altLang="ja-JP" sz="1100"/>
-              <a:t>)</a:t>
-            </a:r>
-          </a:p>
-          <a:p>
-            <a:r>
-              <a:rPr lang="ja-JP" altLang="en-US" sz="1100"/>
-              <a:t>・</a:t>
-            </a:r>
-            <a:r>
-              <a:rPr lang="en-US" altLang="ja-JP" sz="1100"/>
-              <a:t>public </a:t>
-            </a:r>
-            <a:r>
-              <a:rPr lang="en-US" altLang="ja-JP" sz="1100" err="1"/>
-              <a:t>GetDateNode</a:t>
-            </a:r>
-            <a:r>
-              <a:rPr lang="en-US" altLang="ja-JP" sz="1100"/>
-              <a:t>(HtmlNode postNode)</a:t>
-            </a:r>
-          </a:p>
-          <a:p>
-            <a:r>
-              <a:rPr lang="ja-JP" altLang="en-US" sz="1100"/>
-              <a:t>・</a:t>
-            </a:r>
-            <a:r>
-              <a:rPr lang="en-US" altLang="ja-JP" sz="1100"/>
-              <a:t>public </a:t>
-            </a:r>
-            <a:r>
-              <a:rPr lang="en-US" altLang="ja-JP" sz="1100" err="1"/>
-              <a:t>GetDate</a:t>
-            </a:r>
-            <a:r>
-              <a:rPr lang="en-US" altLang="ja-JP" sz="1100"/>
-              <a:t>(HtmlNode </a:t>
-            </a:r>
-            <a:r>
-              <a:rPr lang="en-US" altLang="ja-JP" sz="1100" err="1"/>
-              <a:t>DateNode</a:t>
-            </a:r>
-            <a:r>
-              <a:rPr lang="en-US" altLang="ja-JP" sz="1100"/>
-              <a:t>)</a:t>
-            </a:r>
-          </a:p>
-          <a:p>
-            <a:r>
-              <a:rPr lang="ja-JP" altLang="en-US" sz="1100"/>
-              <a:t>・</a:t>
-            </a:r>
-            <a:r>
-              <a:rPr lang="en-US" altLang="ja-JP" sz="1100"/>
-              <a:t>public </a:t>
-            </a:r>
-            <a:r>
-              <a:rPr lang="en-US" altLang="ja-JP" sz="1100" err="1"/>
-              <a:t>GetUserIdNode</a:t>
-            </a:r>
-            <a:r>
-              <a:rPr lang="en-US" altLang="ja-JP" sz="1100"/>
-              <a:t>(HtmlNode postNode)</a:t>
-            </a:r>
-          </a:p>
-          <a:p>
-            <a:r>
-              <a:rPr lang="ja-JP" altLang="en-US" sz="1100"/>
-              <a:t>・</a:t>
-            </a:r>
-            <a:r>
-              <a:rPr lang="en-US" altLang="ja-JP" sz="1100"/>
-              <a:t>public </a:t>
-            </a:r>
-            <a:r>
-              <a:rPr lang="en-US" altLang="ja-JP" sz="1100" err="1"/>
-              <a:t>GetUserId</a:t>
-            </a:r>
-            <a:r>
-              <a:rPr lang="en-US" altLang="ja-JP" sz="1100"/>
-              <a:t>(HtmlNode </a:t>
-            </a:r>
-            <a:r>
-              <a:rPr lang="en-US" altLang="ja-JP" sz="1100" err="1"/>
-              <a:t>UserIdNode</a:t>
-            </a:r>
-            <a:r>
-              <a:rPr lang="en-US" altLang="ja-JP" sz="1100"/>
-              <a:t>)</a:t>
-            </a:r>
-          </a:p>
-        </p:txBody>
-      </p:sp>
-      <p:sp>
-        <p:nvSpPr>
-          <p:cNvPr id="12" name="正方形/長方形 11">
-            <a:extLst>
-              <a:ext uri="{FF2B5EF4-FFF2-40B4-BE49-F238E27FC236}">
-                <a16:creationId xmlns:a16="http://schemas.microsoft.com/office/drawing/2014/main" id="{76C38A58-811E-EBB0-6496-0A416BB3EEAD}"/>
-              </a:ext>
-            </a:extLst>
-          </p:cNvPr>
-          <p:cNvSpPr/>
-          <p:nvPr/>
-        </p:nvSpPr>
-        <p:spPr>
-          <a:xfrm>
-            <a:off x="8603672" y="3444874"/>
-            <a:ext cx="2456873" cy="373497"/>
-          </a:xfrm>
-          <a:prstGeom prst="rect">
-            <a:avLst/>
-          </a:prstGeom>
-        </p:spPr>
-        <p:style>
-          <a:lnRef idx="2">
-            <a:schemeClr val="accent1">
-              <a:shade val="15000"/>
-            </a:schemeClr>
-          </a:lnRef>
-          <a:fillRef idx="1">
-            <a:schemeClr val="accent1"/>
-          </a:fillRef>
-          <a:effectRef idx="0">
-            <a:schemeClr val="accent1"/>
-          </a:effectRef>
-          <a:fontRef idx="minor">
-            <a:schemeClr val="lt1"/>
-          </a:fontRef>
-        </p:style>
-        <p:txBody>
-          <a:bodyPr rtlCol="0" anchor="ctr"/>
-          <a:lstStyle/>
-          <a:p>
-            <a:pPr algn="ctr"/>
-            <a:r>
-              <a:rPr kumimoji="1" lang="en-US" altLang="ja-JP" err="1"/>
-              <a:t>IscraperLogic</a:t>
-            </a:r>
-            <a:endParaRPr kumimoji="1" lang="ja-JP" altLang="en-US"/>
-          </a:p>
-        </p:txBody>
-      </p:sp>
-      <p:sp>
-        <p:nvSpPr>
-          <p:cNvPr id="13" name="テキスト ボックス 12">
-            <a:extLst>
-              <a:ext uri="{FF2B5EF4-FFF2-40B4-BE49-F238E27FC236}">
-                <a16:creationId xmlns:a16="http://schemas.microsoft.com/office/drawing/2014/main" id="{5BCDE297-3115-E0E3-878B-CAF88AFDA553}"/>
-              </a:ext>
-            </a:extLst>
-          </p:cNvPr>
-          <p:cNvSpPr txBox="1"/>
-          <p:nvPr/>
-        </p:nvSpPr>
-        <p:spPr>
-          <a:xfrm>
-            <a:off x="8767621" y="1694896"/>
-            <a:ext cx="3043383" cy="276999"/>
-          </a:xfrm>
-          <a:prstGeom prst="rect">
-            <a:avLst/>
-          </a:prstGeom>
-          <a:noFill/>
-        </p:spPr>
-        <p:txBody>
-          <a:bodyPr wrap="square" rtlCol="0">
-            <a:spAutoFit/>
-          </a:bodyPr>
-          <a:lstStyle/>
-          <a:p>
-            <a:r>
-              <a:rPr lang="ja-JP" altLang="en-US" sz="1200"/>
-              <a:t>・</a:t>
-            </a:r>
-            <a:r>
-              <a:rPr lang="en-US" altLang="ja-JP" sz="1200"/>
-              <a:t>public </a:t>
-            </a:r>
-            <a:r>
-              <a:rPr lang="en-US" altLang="ja-JP" sz="1200" err="1"/>
-              <a:t>GetPosts</a:t>
-            </a:r>
-            <a:r>
-              <a:rPr lang="en-US" altLang="ja-JP" sz="1200"/>
-              <a:t>()</a:t>
-            </a:r>
-            <a:endParaRPr kumimoji="1" lang="ja-JP" altLang="en-US" sz="1200"/>
-          </a:p>
-        </p:txBody>
-      </p:sp>
-      <p:sp>
-        <p:nvSpPr>
-          <p:cNvPr id="14" name="テキスト ボックス 13">
-            <a:extLst>
-              <a:ext uri="{FF2B5EF4-FFF2-40B4-BE49-F238E27FC236}">
-                <a16:creationId xmlns:a16="http://schemas.microsoft.com/office/drawing/2014/main" id="{D6E3DE33-A554-FD11-CC99-3CB841505A77}"/>
-              </a:ext>
-            </a:extLst>
-          </p:cNvPr>
-          <p:cNvSpPr txBox="1"/>
-          <p:nvPr/>
-        </p:nvSpPr>
-        <p:spPr>
-          <a:xfrm>
-            <a:off x="380995" y="576516"/>
-            <a:ext cx="8386625" cy="523220"/>
-          </a:xfrm>
-          <a:prstGeom prst="rect">
-            <a:avLst/>
-          </a:prstGeom>
-          <a:noFill/>
-        </p:spPr>
-        <p:txBody>
-          <a:bodyPr wrap="square" rtlCol="0">
-            <a:spAutoFit/>
-          </a:bodyPr>
-          <a:lstStyle/>
-          <a:p>
-            <a:r>
-              <a:rPr lang="en-US" altLang="ja-JP" sz="1400" b="1" err="1"/>
-              <a:t>ScraperOwner</a:t>
-            </a:r>
-            <a:r>
-              <a:rPr lang="ja-JP" altLang="en-US" sz="1400" b="1"/>
-              <a:t>は</a:t>
-            </a:r>
-            <a:r>
-              <a:rPr lang="en-US" altLang="ja-JP" sz="1400" b="1"/>
-              <a:t>1</a:t>
-            </a:r>
-            <a:r>
-              <a:rPr lang="ja-JP" altLang="en-US" sz="1400" b="1"/>
-              <a:t>つ</a:t>
-            </a:r>
-            <a:endParaRPr lang="en-US" altLang="ja-JP" sz="1400" b="1"/>
-          </a:p>
-          <a:p>
-            <a:r>
-              <a:rPr kumimoji="1" lang="ja-JP" altLang="en-US" sz="1400" b="1"/>
-              <a:t>サイト毎の処理は</a:t>
-            </a:r>
-            <a:r>
-              <a:rPr kumimoji="1" lang="en-US" altLang="ja-JP" sz="1400" b="1" err="1"/>
-              <a:t>ScraperLogic</a:t>
-            </a:r>
-            <a:r>
-              <a:rPr kumimoji="1" lang="ja-JP" altLang="en-US" sz="1400" b="1"/>
-              <a:t>で実装し</a:t>
-            </a:r>
-            <a:r>
-              <a:rPr kumimoji="1" lang="en-US" altLang="ja-JP" sz="1400" b="1"/>
-              <a:t>(</a:t>
-            </a:r>
-            <a:r>
-              <a:rPr kumimoji="1" lang="ja-JP" altLang="en-US" sz="1400" b="1"/>
-              <a:t>サイト</a:t>
-            </a:r>
-            <a:r>
-              <a:rPr kumimoji="1" lang="en-US" altLang="ja-JP" sz="1400" b="1"/>
-              <a:t>1 </a:t>
-            </a:r>
-            <a:r>
-              <a:rPr lang="en-US" altLang="ja-JP" sz="1400" b="1"/>
-              <a:t>: </a:t>
-            </a:r>
-            <a:r>
-              <a:rPr kumimoji="1" lang="en-US" altLang="ja-JP" sz="1400" b="1"/>
-              <a:t>ScraperLogic1)</a:t>
-            </a:r>
-            <a:r>
-              <a:rPr kumimoji="1" lang="ja-JP" altLang="en-US" sz="1400" b="1"/>
-              <a:t>、</a:t>
-            </a:r>
-            <a:r>
-              <a:rPr kumimoji="1" lang="en-US" altLang="ja-JP" sz="1400" b="1" err="1"/>
-              <a:t>ScraperOwner</a:t>
-            </a:r>
-            <a:r>
-              <a:rPr kumimoji="1" lang="ja-JP" altLang="en-US" sz="1400" b="1"/>
-              <a:t>に提供する</a:t>
-            </a:r>
-          </a:p>
-        </p:txBody>
-      </p:sp>
-      <p:sp>
-        <p:nvSpPr>
-          <p:cNvPr id="16" name="テキスト ボックス 15">
-            <a:extLst>
-              <a:ext uri="{FF2B5EF4-FFF2-40B4-BE49-F238E27FC236}">
-                <a16:creationId xmlns:a16="http://schemas.microsoft.com/office/drawing/2014/main" id="{D67DADA6-49BB-714D-F72F-831ACF370ACD}"/>
-              </a:ext>
-            </a:extLst>
-          </p:cNvPr>
-          <p:cNvSpPr txBox="1"/>
-          <p:nvPr/>
-        </p:nvSpPr>
-        <p:spPr>
-          <a:xfrm>
-            <a:off x="2466109" y="138545"/>
-            <a:ext cx="2309091" cy="369332"/>
-          </a:xfrm>
-          <a:prstGeom prst="rect">
-            <a:avLst/>
-          </a:prstGeom>
-          <a:noFill/>
-        </p:spPr>
-        <p:txBody>
-          <a:bodyPr wrap="square" rtlCol="0">
-            <a:spAutoFit/>
-          </a:bodyPr>
-          <a:lstStyle/>
-          <a:p>
-            <a:r>
-              <a:rPr kumimoji="1" lang="en-US" altLang="ja-JP"/>
-              <a:t>Scraper</a:t>
-            </a:r>
-            <a:r>
-              <a:rPr kumimoji="1" lang="ja-JP" altLang="en-US"/>
-              <a:t>設計</a:t>
+              <a:t>AbstractScraperConfig</a:t>
             </a:r>
           </a:p>
         </p:txBody>
       </p:sp>
       <p:cxnSp>
         <p:nvCxnSpPr>
-          <p:cNvPr id="18" name="直線矢印コネクタ 17">
-            <a:extLst>
-              <a:ext uri="{FF2B5EF4-FFF2-40B4-BE49-F238E27FC236}">
-                <a16:creationId xmlns:a16="http://schemas.microsoft.com/office/drawing/2014/main" id="{30C21D28-345C-CB17-E6CA-567007C00A06}"/>
-              </a:ext>
-            </a:extLst>
-          </p:cNvPr>
-          <p:cNvCxnSpPr/>
+          <p:cNvPr id="6" name="直線矢印コネクタ 5">
+            <a:extLst>
+              <a:ext uri="{FF2B5EF4-FFF2-40B4-BE49-F238E27FC236}">
+                <a16:creationId xmlns:a16="http://schemas.microsoft.com/office/drawing/2014/main" id="{29F0BFF2-B6C4-74EC-1F78-BAAC385CF66E}"/>
+              </a:ext>
+            </a:extLst>
+          </p:cNvPr>
+          <p:cNvCxnSpPr>
+            <a:cxnSpLocks/>
+            <a:stCxn id="5" idx="1"/>
+          </p:cNvCxnSpPr>
           <p:nvPr/>
         </p:nvCxnSpPr>
         <p:spPr>
           <a:xfrm flipH="1">
-            <a:off x="4775200" y="1403927"/>
-            <a:ext cx="3445164" cy="0"/>
+            <a:off x="3990814" y="1568368"/>
+            <a:ext cx="3980168" cy="5512"/>
           </a:xfrm>
           <a:prstGeom prst="straightConnector1">
             <a:avLst/>
@@ -9904,51 +9630,12 @@
           </a:fontRef>
         </p:style>
       </p:cxnSp>
-      <p:cxnSp>
-        <p:nvCxnSpPr>
-          <p:cNvPr id="19" name="直線矢印コネクタ 18">
-            <a:extLst>
-              <a:ext uri="{FF2B5EF4-FFF2-40B4-BE49-F238E27FC236}">
-                <a16:creationId xmlns:a16="http://schemas.microsoft.com/office/drawing/2014/main" id="{57141325-AFC9-0753-A6E6-9C74DD8F6C04}"/>
-              </a:ext>
-            </a:extLst>
-          </p:cNvPr>
-          <p:cNvCxnSpPr/>
-          <p:nvPr/>
-        </p:nvCxnSpPr>
-        <p:spPr>
-          <a:xfrm flipH="1">
-            <a:off x="4775200" y="3634509"/>
-            <a:ext cx="3445164" cy="0"/>
-          </a:xfrm>
-          <a:prstGeom prst="straightConnector1">
-            <a:avLst/>
-          </a:prstGeom>
-          <a:ln>
-            <a:tailEnd type="triangle"/>
-          </a:ln>
-        </p:spPr>
-        <p:style>
-          <a:lnRef idx="2">
-            <a:schemeClr val="accent1"/>
-          </a:lnRef>
-          <a:fillRef idx="0">
-            <a:schemeClr val="accent1"/>
-          </a:fillRef>
-          <a:effectRef idx="1">
-            <a:schemeClr val="accent1"/>
-          </a:effectRef>
-          <a:fontRef idx="minor">
-            <a:schemeClr val="tx1"/>
-          </a:fontRef>
-        </p:style>
-      </p:cxnSp>
-      <p:sp>
-        <p:nvSpPr>
-          <p:cNvPr id="20" name="テキスト ボックス 19">
-            <a:extLst>
-              <a:ext uri="{FF2B5EF4-FFF2-40B4-BE49-F238E27FC236}">
-                <a16:creationId xmlns:a16="http://schemas.microsoft.com/office/drawing/2014/main" id="{10CDF77C-71BF-C552-BC55-F13D960A138E}"/>
+      <p:sp>
+        <p:nvSpPr>
+          <p:cNvPr id="9" name="テキスト ボックス 8">
+            <a:extLst>
+              <a:ext uri="{FF2B5EF4-FFF2-40B4-BE49-F238E27FC236}">
+                <a16:creationId xmlns:a16="http://schemas.microsoft.com/office/drawing/2014/main" id="{95FD0F78-DC24-DB92-3AD5-784C75DB2D3F}"/>
               </a:ext>
             </a:extLst>
           </p:cNvPr>
@@ -9957,8 +9644,8 @@
         </p:nvSpPr>
         <p:spPr>
           <a:xfrm>
-            <a:off x="5063837" y="1403927"/>
-            <a:ext cx="1260763" cy="307777"/>
+            <a:off x="6724073" y="2096654"/>
+            <a:ext cx="4276435" cy="1569660"/>
           </a:xfrm>
           <a:prstGeom prst="rect">
             <a:avLst/>
@@ -9972,18 +9659,114 @@
           <a:lstStyle/>
           <a:p>
             <a:r>
-              <a:rPr kumimoji="1" lang="ja-JP" altLang="en-US" sz="1400"/>
-              <a:t>実装</a:t>
-            </a:r>
-          </a:p>
-        </p:txBody>
-      </p:sp>
-      <p:sp>
-        <p:nvSpPr>
-          <p:cNvPr id="21" name="テキスト ボックス 20">
-            <a:extLst>
-              <a:ext uri="{FF2B5EF4-FFF2-40B4-BE49-F238E27FC236}">
-                <a16:creationId xmlns:a16="http://schemas.microsoft.com/office/drawing/2014/main" id="{6CB25E7C-9360-23B0-F40A-29E246B63AC3}"/>
+              <a:rPr lang="en-US" altLang="ja-JP" sz="1200"/>
+              <a:t>LIST_NODE</a:t>
+            </a:r>
+          </a:p>
+          <a:p>
+            <a:r>
+              <a:rPr lang="en-US" altLang="ja-JP" sz="1200"/>
+              <a:t>POST_NODE</a:t>
+            </a:r>
+            <a:r>
+              <a:rPr lang="ja-JP" altLang="en-US" sz="1200"/>
+              <a:t>（複数）</a:t>
+            </a:r>
+          </a:p>
+          <a:p>
+            <a:r>
+              <a:rPr lang="en-US" altLang="ja-JP" sz="1200"/>
+              <a:t>ID_KEY</a:t>
+            </a:r>
+            <a:r>
+              <a:rPr lang="ja-JP" altLang="en-US" sz="1200"/>
+              <a:t>（投稿</a:t>
+            </a:r>
+            <a:r>
+              <a:rPr lang="en-US" altLang="ja-JP" sz="1200"/>
+              <a:t>ID</a:t>
+            </a:r>
+            <a:r>
+              <a:rPr lang="ja-JP" altLang="en-US" sz="1200"/>
+              <a:t>）</a:t>
+            </a:r>
+          </a:p>
+          <a:p>
+            <a:r>
+              <a:rPr lang="en-US" altLang="ja-JP" sz="1200"/>
+              <a:t>USER_ID_KEY</a:t>
+            </a:r>
+            <a:r>
+              <a:rPr lang="ja-JP" altLang="en-US" sz="1200"/>
+              <a:t>（投稿者ユーザー</a:t>
+            </a:r>
+            <a:r>
+              <a:rPr lang="en-US" altLang="ja-JP" sz="1200"/>
+              <a:t>ID</a:t>
+            </a:r>
+            <a:r>
+              <a:rPr lang="ja-JP" altLang="en-US" sz="1200"/>
+              <a:t>）</a:t>
+            </a:r>
+          </a:p>
+          <a:p>
+            <a:r>
+              <a:rPr lang="en-US" altLang="ja-JP" sz="1200"/>
+              <a:t>TEXT_KEY</a:t>
+            </a:r>
+            <a:r>
+              <a:rPr lang="ja-JP" altLang="en-US" sz="1200"/>
+              <a:t>（投稿本文）</a:t>
+            </a:r>
+            <a:endParaRPr lang="en-US" altLang="ja-JP" sz="1200"/>
+          </a:p>
+          <a:p>
+            <a:r>
+              <a:rPr lang="en-US" altLang="ja-JP" sz="1200"/>
+              <a:t>DATE_KEY</a:t>
+            </a:r>
+            <a:r>
+              <a:rPr lang="ja-JP" altLang="en-US" sz="1200"/>
+              <a:t>（投稿日時）</a:t>
+            </a:r>
+          </a:p>
+          <a:p>
+            <a:r>
+              <a:rPr lang="en-US" altLang="ja-JP" sz="1200"/>
+              <a:t>REPLY_KEY</a:t>
+            </a:r>
+            <a:r>
+              <a:rPr lang="ja-JP" altLang="en-US" sz="1200"/>
+              <a:t>（返信情報）</a:t>
+            </a:r>
+          </a:p>
+          <a:p>
+            <a:r>
+              <a:rPr lang="en-US" altLang="ja-JP" sz="1200"/>
+              <a:t>IMAGE_URL_KEY</a:t>
+            </a:r>
+            <a:r>
+              <a:rPr lang="ja-JP" altLang="en-US" sz="1200"/>
+              <a:t>（画像</a:t>
+            </a:r>
+            <a:r>
+              <a:rPr lang="en-US" altLang="ja-JP" sz="1200"/>
+              <a:t>URL</a:t>
+            </a:r>
+            <a:r>
+              <a:rPr lang="ja-JP" altLang="en-US" sz="1200"/>
+              <a:t>）</a:t>
+            </a:r>
+            <a:endParaRPr kumimoji="1" lang="ja-JP" altLang="en-US" sz="1200"/>
+          </a:p>
+        </p:txBody>
+      </p:sp>
+      <p:sp>
+        <p:nvSpPr>
+          <p:cNvPr id="11" name="テキスト ボックス 10">
+            <a:extLst>
+              <a:ext uri="{FF2B5EF4-FFF2-40B4-BE49-F238E27FC236}">
+                <a16:creationId xmlns:a16="http://schemas.microsoft.com/office/drawing/2014/main" id="{1E812395-E1F5-47B4-B8AD-2B5C231E2F6F}"/>
               </a:ext>
             </a:extLst>
           </p:cNvPr>
@@ -9992,8 +9775,8 @@
         </p:nvSpPr>
         <p:spPr>
           <a:xfrm>
-            <a:off x="4920674" y="3627267"/>
-            <a:ext cx="1260763" cy="307777"/>
+            <a:off x="1219199" y="2281382"/>
+            <a:ext cx="3482109" cy="830997"/>
           </a:xfrm>
           <a:prstGeom prst="rect">
             <a:avLst/>
@@ -10007,16 +9790,57 @@
           <a:lstStyle/>
           <a:p>
             <a:r>
-              <a:rPr kumimoji="1" lang="ja-JP" altLang="en-US" sz="1400"/>
-              <a:t>実装</a:t>
-            </a:r>
+              <a:rPr kumimoji="1" lang="en-US" altLang="ja-JP" sz="1200"/>
+              <a:t>PostNode</a:t>
+            </a:r>
+            <a:r>
+              <a:rPr kumimoji="1" lang="ja-JP" altLang="en-US" sz="1200"/>
+              <a:t>とテキストなどがある</a:t>
+            </a:r>
+            <a:r>
+              <a:rPr kumimoji="1" lang="en-US" altLang="ja-JP" sz="1200"/>
+              <a:t>node</a:t>
+            </a:r>
+            <a:r>
+              <a:rPr kumimoji="1" lang="ja-JP" altLang="en-US" sz="1200"/>
+              <a:t>が違う</a:t>
+            </a:r>
+            <a:r>
+              <a:rPr kumimoji="1" lang="en-US" altLang="ja-JP" sz="1200"/>
+              <a:t>(PostNode</a:t>
+            </a:r>
+            <a:r>
+              <a:rPr kumimoji="1" lang="ja-JP" altLang="en-US" sz="1200"/>
+              <a:t>のさらに深い階層にあるなど）場合は、それ用の</a:t>
+            </a:r>
+            <a:r>
+              <a:rPr kumimoji="1" lang="en-US" altLang="ja-JP" sz="1200"/>
+              <a:t>Node</a:t>
+            </a:r>
+            <a:r>
+              <a:rPr kumimoji="1" lang="ja-JP" altLang="en-US" sz="1200"/>
+              <a:t>を保持するフィールドを作成</a:t>
+            </a:r>
+            <a:r>
+              <a:rPr lang="en-US" altLang="ja-JP" sz="1200"/>
+              <a:t>(</a:t>
+            </a:r>
+            <a:r>
+              <a:rPr lang="ja-JP" altLang="en-US" sz="1200"/>
+              <a:t>例</a:t>
+            </a:r>
+            <a:r>
+              <a:rPr lang="en-US" altLang="ja-JP" sz="1200"/>
+              <a:t>)TEXT_NODE</a:t>
+            </a:r>
+            <a:endParaRPr kumimoji="1" lang="ja-JP" altLang="en-US" sz="1200"/>
           </a:p>
         </p:txBody>
       </p:sp>
     </p:spTree>
     <p:extLst>
       <p:ext uri="{BB962C8B-B14F-4D97-AF65-F5344CB8AC3E}">
-        <p14:creationId xmlns:p14="http://schemas.microsoft.com/office/powerpoint/2010/main" val="471335971"/>
+        <p14:creationId xmlns:p14="http://schemas.microsoft.com/office/powerpoint/2010/main" val="3008477458"/>
       </p:ext>
     </p:extLst>
   </p:cSld>
@@ -10043,6 +9867,1223 @@
           <a:chExt cx="0" cy="0"/>
         </a:xfrm>
       </p:grpSpPr>
+      <p:sp>
+        <p:nvSpPr>
+          <p:cNvPr id="4" name="正方形/長方形 3">
+            <a:extLst>
+              <a:ext uri="{FF2B5EF4-FFF2-40B4-BE49-F238E27FC236}">
+                <a16:creationId xmlns:a16="http://schemas.microsoft.com/office/drawing/2014/main" id="{CA72657F-F82D-BF03-44DA-3FF4F7DD1D20}"/>
+              </a:ext>
+            </a:extLst>
+          </p:cNvPr>
+          <p:cNvSpPr/>
+          <p:nvPr/>
+        </p:nvSpPr>
+        <p:spPr>
+          <a:xfrm>
+            <a:off x="1796471" y="1297973"/>
+            <a:ext cx="2456873" cy="591127"/>
+          </a:xfrm>
+          <a:prstGeom prst="rect">
+            <a:avLst/>
+          </a:prstGeom>
+        </p:spPr>
+        <p:style>
+          <a:lnRef idx="2">
+            <a:schemeClr val="accent1">
+              <a:shade val="15000"/>
+            </a:schemeClr>
+          </a:lnRef>
+          <a:fillRef idx="1">
+            <a:schemeClr val="accent1"/>
+          </a:fillRef>
+          <a:effectRef idx="0">
+            <a:schemeClr val="accent1"/>
+          </a:effectRef>
+          <a:fontRef idx="minor">
+            <a:schemeClr val="lt1"/>
+          </a:fontRef>
+        </p:style>
+        <p:txBody>
+          <a:bodyPr rtlCol="0" anchor="ctr"/>
+          <a:lstStyle/>
+          <a:p>
+            <a:pPr algn="ctr"/>
+            <a:r>
+              <a:rPr lang="en-US" altLang="ja-JP" err="1"/>
+              <a:t>S</a:t>
+            </a:r>
+            <a:r>
+              <a:rPr kumimoji="1" lang="en-US" altLang="ja-JP" err="1"/>
+              <a:t>craperOwner</a:t>
+            </a:r>
+            <a:endParaRPr kumimoji="1" lang="ja-JP" altLang="en-US"/>
+          </a:p>
+        </p:txBody>
+      </p:sp>
+      <p:sp>
+        <p:nvSpPr>
+          <p:cNvPr id="5" name="正方形/長方形 4">
+            <a:extLst>
+              <a:ext uri="{FF2B5EF4-FFF2-40B4-BE49-F238E27FC236}">
+                <a16:creationId xmlns:a16="http://schemas.microsoft.com/office/drawing/2014/main" id="{FA3687B7-7A03-435A-6B41-C772A0F5BBD0}"/>
+              </a:ext>
+            </a:extLst>
+          </p:cNvPr>
+          <p:cNvSpPr/>
+          <p:nvPr/>
+        </p:nvSpPr>
+        <p:spPr>
+          <a:xfrm>
+            <a:off x="8603673" y="1220039"/>
+            <a:ext cx="2456873" cy="373497"/>
+          </a:xfrm>
+          <a:prstGeom prst="rect">
+            <a:avLst/>
+          </a:prstGeom>
+        </p:spPr>
+        <p:style>
+          <a:lnRef idx="2">
+            <a:schemeClr val="accent1">
+              <a:shade val="15000"/>
+            </a:schemeClr>
+          </a:lnRef>
+          <a:fillRef idx="1">
+            <a:schemeClr val="accent1"/>
+          </a:fillRef>
+          <a:effectRef idx="0">
+            <a:schemeClr val="accent1"/>
+          </a:effectRef>
+          <a:fontRef idx="minor">
+            <a:schemeClr val="lt1"/>
+          </a:fontRef>
+        </p:style>
+        <p:txBody>
+          <a:bodyPr rtlCol="0" anchor="ctr"/>
+          <a:lstStyle/>
+          <a:p>
+            <a:pPr algn="ctr"/>
+            <a:r>
+              <a:rPr kumimoji="1" lang="en-US" altLang="ja-JP" err="1"/>
+              <a:t>IscraperOwner</a:t>
+            </a:r>
+            <a:endParaRPr kumimoji="1" lang="en-US" altLang="ja-JP"/>
+          </a:p>
+        </p:txBody>
+      </p:sp>
+      <p:sp>
+        <p:nvSpPr>
+          <p:cNvPr id="6" name="正方形/長方形 5">
+            <a:extLst>
+              <a:ext uri="{FF2B5EF4-FFF2-40B4-BE49-F238E27FC236}">
+                <a16:creationId xmlns:a16="http://schemas.microsoft.com/office/drawing/2014/main" id="{966F8D80-69C9-36E9-179C-41295E2CE930}"/>
+              </a:ext>
+            </a:extLst>
+          </p:cNvPr>
+          <p:cNvSpPr/>
+          <p:nvPr/>
+        </p:nvSpPr>
+        <p:spPr>
+          <a:xfrm>
+            <a:off x="1796471" y="3373245"/>
+            <a:ext cx="2456873" cy="535709"/>
+          </a:xfrm>
+          <a:prstGeom prst="rect">
+            <a:avLst/>
+          </a:prstGeom>
+        </p:spPr>
+        <p:style>
+          <a:lnRef idx="2">
+            <a:schemeClr val="accent1">
+              <a:shade val="15000"/>
+            </a:schemeClr>
+          </a:lnRef>
+          <a:fillRef idx="1">
+            <a:schemeClr val="accent1"/>
+          </a:fillRef>
+          <a:effectRef idx="0">
+            <a:schemeClr val="accent1"/>
+          </a:effectRef>
+          <a:fontRef idx="minor">
+            <a:schemeClr val="lt1"/>
+          </a:fontRef>
+        </p:style>
+        <p:txBody>
+          <a:bodyPr rtlCol="0" anchor="ctr"/>
+          <a:lstStyle/>
+          <a:p>
+            <a:pPr algn="ctr"/>
+            <a:r>
+              <a:rPr kumimoji="1" lang="en-US" altLang="ja-JP" err="1"/>
+              <a:t>scraperLogic</a:t>
+            </a:r>
+            <a:endParaRPr kumimoji="1" lang="ja-JP" altLang="en-US"/>
+          </a:p>
+        </p:txBody>
+      </p:sp>
+      <p:sp>
+        <p:nvSpPr>
+          <p:cNvPr id="7" name="テキスト ボックス 6">
+            <a:extLst>
+              <a:ext uri="{FF2B5EF4-FFF2-40B4-BE49-F238E27FC236}">
+                <a16:creationId xmlns:a16="http://schemas.microsoft.com/office/drawing/2014/main" id="{A7F3CE06-A9E0-0006-D117-000158C865DA}"/>
+              </a:ext>
+            </a:extLst>
+          </p:cNvPr>
+          <p:cNvSpPr txBox="1"/>
+          <p:nvPr/>
+        </p:nvSpPr>
+        <p:spPr>
+          <a:xfrm>
+            <a:off x="380996" y="1967013"/>
+            <a:ext cx="6213767" cy="1015663"/>
+          </a:xfrm>
+          <a:prstGeom prst="rect">
+            <a:avLst/>
+          </a:prstGeom>
+          <a:noFill/>
+        </p:spPr>
+        <p:txBody>
+          <a:bodyPr wrap="square" rtlCol="0">
+            <a:spAutoFit/>
+          </a:bodyPr>
+          <a:lstStyle/>
+          <a:p>
+            <a:r>
+              <a:rPr lang="ja-JP" altLang="en-US" sz="1200"/>
+              <a:t>スクレイピングの処理が呼ばれたら実行し、</a:t>
+            </a:r>
+            <a:r>
+              <a:rPr lang="en-US" altLang="ja-JP" sz="1200"/>
+              <a:t>post</a:t>
+            </a:r>
+            <a:r>
+              <a:rPr lang="ja-JP" altLang="en-US" sz="1200"/>
+              <a:t>構造体のリストを返す</a:t>
+            </a:r>
+            <a:endParaRPr lang="en-US" altLang="ja-JP" sz="1200"/>
+          </a:p>
+          <a:p>
+            <a:r>
+              <a:rPr lang="ja-JP" altLang="en-US" sz="1200"/>
+              <a:t>・</a:t>
+            </a:r>
+            <a:r>
+              <a:rPr lang="en-US" altLang="ja-JP" sz="1200" b="1"/>
+              <a:t>public </a:t>
+            </a:r>
+            <a:r>
+              <a:rPr lang="en-US" altLang="ja-JP" sz="1200" b="1" err="1"/>
+              <a:t>GetPosts</a:t>
+            </a:r>
+            <a:r>
+              <a:rPr lang="en-US" altLang="ja-JP" sz="1200" b="1"/>
+              <a:t> </a:t>
+            </a:r>
+            <a:r>
+              <a:rPr lang="en-US" altLang="ja-JP" sz="1200"/>
+              <a:t>return post</a:t>
+            </a:r>
+            <a:r>
+              <a:rPr lang="ja-JP" altLang="en-US" sz="1200"/>
+              <a:t>のリスト</a:t>
+            </a:r>
+            <a:endParaRPr lang="en-US" altLang="ja-JP" sz="1200"/>
+          </a:p>
+          <a:p>
+            <a:r>
+              <a:rPr lang="ja-JP" altLang="en-US" sz="1200"/>
+              <a:t>・</a:t>
+            </a:r>
+            <a:r>
+              <a:rPr lang="en-US" altLang="ja-JP" sz="1200" b="1"/>
+              <a:t>private </a:t>
+            </a:r>
+            <a:r>
+              <a:rPr lang="en-US" altLang="ja-JP" sz="1200" b="1" err="1"/>
+              <a:t>GetHtml</a:t>
+            </a:r>
+            <a:r>
+              <a:rPr lang="en-US" altLang="ja-JP" sz="1200" b="1"/>
+              <a:t> </a:t>
+            </a:r>
+            <a:r>
+              <a:rPr lang="en-US" altLang="ja-JP" sz="1200"/>
+              <a:t>html</a:t>
+            </a:r>
+            <a:r>
+              <a:rPr lang="ja-JP" altLang="en-US" sz="1200"/>
+              <a:t>の取得</a:t>
+            </a:r>
+            <a:r>
+              <a:rPr lang="en-US" altLang="ja-JP" sz="1200"/>
+              <a:t>(selenium)</a:t>
+            </a:r>
+          </a:p>
+          <a:p>
+            <a:r>
+              <a:rPr lang="ja-JP" altLang="en-US" sz="1200"/>
+              <a:t>・</a:t>
+            </a:r>
+            <a:r>
+              <a:rPr lang="en-US" altLang="ja-JP" sz="1200" b="1"/>
+              <a:t>private </a:t>
+            </a:r>
+            <a:r>
+              <a:rPr lang="en-US" altLang="ja-JP" sz="1200" b="1" err="1"/>
+              <a:t>DocParsePosts</a:t>
+            </a:r>
+            <a:r>
+              <a:rPr lang="en-US" altLang="ja-JP" sz="1200"/>
+              <a:t> </a:t>
+            </a:r>
+            <a:r>
+              <a:rPr lang="en-US" altLang="ja-JP" sz="1200" err="1"/>
+              <a:t>HtmlDocument</a:t>
+            </a:r>
+            <a:r>
+              <a:rPr lang="ja-JP" altLang="en-US" sz="1200"/>
+              <a:t>から</a:t>
+            </a:r>
+            <a:r>
+              <a:rPr lang="en-US" altLang="ja-JP" sz="1200"/>
+              <a:t>Post</a:t>
+            </a:r>
+            <a:r>
+              <a:rPr lang="ja-JP" altLang="en-US" sz="1200"/>
+              <a:t>構造体のリストへデータ抽出＆変換</a:t>
+            </a:r>
+            <a:endParaRPr lang="en-US" altLang="ja-JP" sz="1200"/>
+          </a:p>
+          <a:p>
+            <a:endParaRPr kumimoji="1" lang="ja-JP" altLang="en-US" sz="1200"/>
+          </a:p>
+        </p:txBody>
+      </p:sp>
+      <p:sp>
+        <p:nvSpPr>
+          <p:cNvPr id="8" name="テキスト ボックス 7">
+            <a:extLst>
+              <a:ext uri="{FF2B5EF4-FFF2-40B4-BE49-F238E27FC236}">
+                <a16:creationId xmlns:a16="http://schemas.microsoft.com/office/drawing/2014/main" id="{DB8BB748-AC57-3B69-2657-FE1E53A7D7B5}"/>
+              </a:ext>
+            </a:extLst>
+          </p:cNvPr>
+          <p:cNvSpPr txBox="1"/>
+          <p:nvPr/>
+        </p:nvSpPr>
+        <p:spPr>
+          <a:xfrm>
+            <a:off x="8081818" y="3962372"/>
+            <a:ext cx="4110182" cy="1015663"/>
+          </a:xfrm>
+          <a:prstGeom prst="rect">
+            <a:avLst/>
+          </a:prstGeom>
+          <a:noFill/>
+        </p:spPr>
+        <p:txBody>
+          <a:bodyPr wrap="square" rtlCol="0">
+            <a:spAutoFit/>
+          </a:bodyPr>
+          <a:lstStyle/>
+          <a:p>
+            <a:r>
+              <a:rPr lang="ja-JP" altLang="en-US" sz="1200"/>
+              <a:t>・</a:t>
+            </a:r>
+            <a:r>
+              <a:rPr lang="en-US" altLang="ja-JP" sz="1200"/>
+              <a:t>public </a:t>
+            </a:r>
+            <a:r>
+              <a:rPr lang="en-US" altLang="ja-JP" sz="1200" err="1"/>
+              <a:t>GetPostsNode</a:t>
+            </a:r>
+            <a:r>
+              <a:rPr lang="en-US" altLang="ja-JP" sz="1200"/>
+              <a:t>(</a:t>
+            </a:r>
+            <a:r>
+              <a:rPr lang="en-US" altLang="ja-JP" sz="1200" err="1"/>
+              <a:t>HtmlDocument</a:t>
+            </a:r>
+            <a:r>
+              <a:rPr lang="en-US" altLang="ja-JP" sz="1200"/>
+              <a:t> doc)</a:t>
+            </a:r>
+          </a:p>
+          <a:p>
+            <a:r>
+              <a:rPr lang="ja-JP" altLang="en-US" sz="1200"/>
+              <a:t>・</a:t>
+            </a:r>
+            <a:r>
+              <a:rPr lang="en-US" altLang="ja-JP" sz="1200"/>
+              <a:t>public </a:t>
+            </a:r>
+            <a:r>
+              <a:rPr lang="en-US" altLang="ja-JP" sz="1200" err="1"/>
+              <a:t>GetPostNode</a:t>
+            </a:r>
+            <a:r>
+              <a:rPr lang="en-US" altLang="ja-JP" sz="1200"/>
+              <a:t>(HtmlNode </a:t>
+            </a:r>
+            <a:r>
+              <a:rPr lang="en-US" altLang="ja-JP" sz="1200" err="1"/>
+              <a:t>postsNode</a:t>
+            </a:r>
+            <a:r>
+              <a:rPr lang="en-US" altLang="ja-JP" sz="1200"/>
+              <a:t>)</a:t>
+            </a:r>
+          </a:p>
+          <a:p>
+            <a:r>
+              <a:rPr lang="ja-JP" altLang="en-US" sz="1200"/>
+              <a:t>・</a:t>
+            </a:r>
+            <a:r>
+              <a:rPr lang="en-US" altLang="ja-JP" sz="1200"/>
+              <a:t>public GetText(HtmlNode </a:t>
+            </a:r>
+            <a:r>
+              <a:rPr lang="en-US" altLang="ja-JP" sz="1200" err="1"/>
+              <a:t>TextNode</a:t>
+            </a:r>
+            <a:r>
+              <a:rPr lang="en-US" altLang="ja-JP" sz="1200"/>
+              <a:t>)</a:t>
+            </a:r>
+          </a:p>
+          <a:p>
+            <a:r>
+              <a:rPr lang="ja-JP" altLang="en-US" sz="1200"/>
+              <a:t>・</a:t>
+            </a:r>
+            <a:r>
+              <a:rPr lang="en-US" altLang="ja-JP" sz="1200"/>
+              <a:t>public </a:t>
+            </a:r>
+            <a:r>
+              <a:rPr lang="en-US" altLang="ja-JP" sz="1200" err="1"/>
+              <a:t>GetDate</a:t>
+            </a:r>
+            <a:r>
+              <a:rPr lang="en-US" altLang="ja-JP" sz="1200"/>
+              <a:t>(HtmlNode </a:t>
+            </a:r>
+            <a:r>
+              <a:rPr lang="en-US" altLang="ja-JP" sz="1200" err="1"/>
+              <a:t>DateNode</a:t>
+            </a:r>
+            <a:r>
+              <a:rPr lang="en-US" altLang="ja-JP" sz="1200"/>
+              <a:t>)</a:t>
+            </a:r>
+          </a:p>
+          <a:p>
+            <a:r>
+              <a:rPr lang="ja-JP" altLang="en-US" sz="1200"/>
+              <a:t>・</a:t>
+            </a:r>
+            <a:r>
+              <a:rPr lang="en-US" altLang="ja-JP" sz="1200"/>
+              <a:t>public </a:t>
+            </a:r>
+            <a:r>
+              <a:rPr lang="en-US" altLang="ja-JP" sz="1200" err="1"/>
+              <a:t>GetUserId</a:t>
+            </a:r>
+            <a:r>
+              <a:rPr lang="en-US" altLang="ja-JP" sz="1200"/>
+              <a:t>(HtmlNode </a:t>
+            </a:r>
+            <a:r>
+              <a:rPr lang="en-US" altLang="ja-JP" sz="1200" err="1"/>
+              <a:t>UserIdNode</a:t>
+            </a:r>
+            <a:r>
+              <a:rPr lang="en-US" altLang="ja-JP" sz="1200"/>
+              <a:t>)</a:t>
+            </a:r>
+          </a:p>
+        </p:txBody>
+      </p:sp>
+      <p:sp>
+        <p:nvSpPr>
+          <p:cNvPr id="10" name="テキスト ボックス 9">
+            <a:extLst>
+              <a:ext uri="{FF2B5EF4-FFF2-40B4-BE49-F238E27FC236}">
+                <a16:creationId xmlns:a16="http://schemas.microsoft.com/office/drawing/2014/main" id="{E0D925A3-218A-2664-4C15-076F39B80C26}"/>
+              </a:ext>
+            </a:extLst>
+          </p:cNvPr>
+          <p:cNvSpPr txBox="1"/>
+          <p:nvPr/>
+        </p:nvSpPr>
+        <p:spPr>
+          <a:xfrm>
+            <a:off x="600363" y="4064779"/>
+            <a:ext cx="6213767" cy="2292935"/>
+          </a:xfrm>
+          <a:prstGeom prst="rect">
+            <a:avLst/>
+          </a:prstGeom>
+          <a:noFill/>
+        </p:spPr>
+        <p:txBody>
+          <a:bodyPr wrap="square" rtlCol="0">
+            <a:spAutoFit/>
+          </a:bodyPr>
+          <a:lstStyle/>
+          <a:p>
+            <a:r>
+              <a:rPr lang="en-US" altLang="ja-JP" sz="1100" err="1"/>
+              <a:t>HtmlDocument</a:t>
+            </a:r>
+            <a:r>
+              <a:rPr lang="ja-JP" altLang="en-US" sz="1100"/>
+              <a:t>から</a:t>
+            </a:r>
+            <a:r>
+              <a:rPr lang="en-US" altLang="ja-JP" sz="1100"/>
+              <a:t>post</a:t>
+            </a:r>
+            <a:r>
+              <a:rPr lang="ja-JP" altLang="en-US" sz="1100"/>
+              <a:t>データを探索する処理を抽象化し、</a:t>
+            </a:r>
+            <a:r>
+              <a:rPr lang="en-US" altLang="ja-JP" sz="1100" err="1"/>
+              <a:t>scraperOwner</a:t>
+            </a:r>
+            <a:r>
+              <a:rPr lang="ja-JP" altLang="en-US" sz="1100"/>
+              <a:t>へ提供</a:t>
+            </a:r>
+            <a:endParaRPr lang="en-US" altLang="ja-JP" sz="1100"/>
+          </a:p>
+          <a:p>
+            <a:r>
+              <a:rPr lang="en-US" altLang="ja-JP" sz="1100" err="1"/>
+              <a:t>DoCParsePosts</a:t>
+            </a:r>
+            <a:r>
+              <a:rPr lang="ja-JP" altLang="en-US" sz="1100"/>
+              <a:t>の中で、</a:t>
+            </a:r>
+            <a:r>
+              <a:rPr lang="en-US" altLang="ja-JP" sz="1100" err="1"/>
+              <a:t>ScraperLogic</a:t>
+            </a:r>
+            <a:r>
+              <a:rPr lang="ja-JP" altLang="en-US" sz="1100"/>
+              <a:t>クラスの</a:t>
+            </a:r>
+            <a:r>
+              <a:rPr lang="en-US" altLang="ja-JP" sz="1100"/>
+              <a:t>public</a:t>
+            </a:r>
+            <a:r>
+              <a:rPr lang="ja-JP" altLang="en-US" sz="1100"/>
+              <a:t>メソッドを実行し、</a:t>
+            </a:r>
+            <a:r>
+              <a:rPr lang="en-US" altLang="ja-JP" sz="1100"/>
+              <a:t>Post</a:t>
+            </a:r>
+            <a:r>
+              <a:rPr lang="ja-JP" altLang="en-US" sz="1100"/>
+              <a:t>構造体を生成。</a:t>
+            </a:r>
+            <a:endParaRPr lang="en-US" altLang="ja-JP" sz="1100"/>
+          </a:p>
+          <a:p>
+            <a:r>
+              <a:rPr lang="en-US" altLang="ja-JP" sz="1100"/>
+              <a:t>Post</a:t>
+            </a:r>
+            <a:r>
+              <a:rPr lang="ja-JP" altLang="en-US" sz="1100"/>
+              <a:t>がある</a:t>
+            </a:r>
+            <a:r>
+              <a:rPr lang="en-US" altLang="ja-JP" sz="1100"/>
+              <a:t>node</a:t>
+            </a:r>
+            <a:r>
+              <a:rPr lang="ja-JP" altLang="en-US" sz="1100"/>
+              <a:t>を探索 </a:t>
+            </a:r>
+            <a:r>
+              <a:rPr lang="en-US" altLang="ja-JP" sz="1100"/>
+              <a:t>-&gt; Post</a:t>
+            </a:r>
+            <a:r>
+              <a:rPr lang="ja-JP" altLang="en-US" sz="1100"/>
+              <a:t>ひとつひとつの</a:t>
+            </a:r>
+            <a:r>
+              <a:rPr lang="en-US" altLang="ja-JP" sz="1100"/>
+              <a:t>Node</a:t>
+            </a:r>
+            <a:r>
+              <a:rPr lang="ja-JP" altLang="en-US" sz="1100"/>
+              <a:t>をリストで取得</a:t>
+            </a:r>
+            <a:r>
+              <a:rPr lang="en-US" altLang="ja-JP" sz="1100"/>
+              <a:t>-&gt;Post</a:t>
+            </a:r>
+            <a:r>
+              <a:rPr lang="ja-JP" altLang="en-US" sz="1100"/>
+              <a:t>の中のデータを抽出</a:t>
+            </a:r>
+            <a:br>
+              <a:rPr lang="en-US" altLang="ja-JP" sz="1100"/>
+            </a:br>
+            <a:r>
+              <a:rPr lang="ja-JP" altLang="en-US" sz="1100"/>
+              <a:t>各</a:t>
+            </a:r>
+            <a:r>
+              <a:rPr lang="en-US" altLang="ja-JP" sz="1100"/>
+              <a:t>Post</a:t>
+            </a:r>
+            <a:r>
+              <a:rPr lang="ja-JP" altLang="en-US" sz="1100"/>
+              <a:t>の</a:t>
+            </a:r>
+            <a:r>
+              <a:rPr lang="en-US" altLang="ja-JP" sz="1100"/>
+              <a:t>Node</a:t>
+            </a:r>
+            <a:r>
+              <a:rPr lang="ja-JP" altLang="en-US" sz="1100"/>
+              <a:t>から更に</a:t>
+            </a:r>
+            <a:r>
+              <a:rPr lang="en-US" altLang="ja-JP" sz="1100"/>
+              <a:t>Node</a:t>
+            </a:r>
+            <a:r>
+              <a:rPr lang="ja-JP" altLang="en-US" sz="1100"/>
+              <a:t>を深く掘る場合は、</a:t>
+            </a:r>
+            <a:r>
+              <a:rPr lang="en-US" altLang="ja-JP" sz="1100"/>
+              <a:t>Interface</a:t>
+            </a:r>
+            <a:r>
+              <a:rPr lang="ja-JP" altLang="en-US" sz="1100"/>
+              <a:t>とは別にメソッドを定義</a:t>
+            </a:r>
+            <a:r>
+              <a:rPr lang="en-US" altLang="ja-JP" sz="1100"/>
+              <a:t>(</a:t>
+            </a:r>
+            <a:r>
+              <a:rPr lang="en-US" altLang="ja-JP" sz="1100" err="1"/>
+              <a:t>GetTextNode</a:t>
+            </a:r>
+            <a:r>
+              <a:rPr lang="ja-JP" altLang="en-US" sz="1100"/>
+              <a:t>など</a:t>
+            </a:r>
+            <a:r>
+              <a:rPr lang="en-US" altLang="ja-JP" sz="1100"/>
+              <a:t>)</a:t>
+            </a:r>
+          </a:p>
+          <a:p>
+            <a:r>
+              <a:rPr lang="ja-JP" altLang="en-US" sz="1100"/>
+              <a:t>・</a:t>
+            </a:r>
+            <a:r>
+              <a:rPr lang="en-US" altLang="ja-JP" sz="1100"/>
+              <a:t>public </a:t>
+            </a:r>
+            <a:r>
+              <a:rPr lang="en-US" altLang="ja-JP" sz="1100" err="1"/>
+              <a:t>GetPostsNode</a:t>
+            </a:r>
+            <a:r>
+              <a:rPr lang="en-US" altLang="ja-JP" sz="1100"/>
+              <a:t>(</a:t>
+            </a:r>
+            <a:r>
+              <a:rPr lang="en-US" altLang="ja-JP" sz="1100" err="1"/>
+              <a:t>HtmlDocument</a:t>
+            </a:r>
+            <a:r>
+              <a:rPr lang="en-US" altLang="ja-JP" sz="1100"/>
+              <a:t> doc)</a:t>
+            </a:r>
+          </a:p>
+          <a:p>
+            <a:r>
+              <a:rPr lang="ja-JP" altLang="en-US" sz="1100"/>
+              <a:t>・</a:t>
+            </a:r>
+            <a:r>
+              <a:rPr lang="en-US" altLang="ja-JP" sz="1100"/>
+              <a:t>public </a:t>
+            </a:r>
+            <a:r>
+              <a:rPr lang="en-US" altLang="ja-JP" sz="1100" err="1"/>
+              <a:t>GetPostNode</a:t>
+            </a:r>
+            <a:r>
+              <a:rPr lang="en-US" altLang="ja-JP" sz="1100"/>
+              <a:t>(HtmlNode </a:t>
+            </a:r>
+            <a:r>
+              <a:rPr lang="en-US" altLang="ja-JP" sz="1100" err="1"/>
+              <a:t>postsNode</a:t>
+            </a:r>
+            <a:r>
+              <a:rPr lang="en-US" altLang="ja-JP" sz="1100"/>
+              <a:t>)</a:t>
+            </a:r>
+          </a:p>
+          <a:p>
+            <a:r>
+              <a:rPr lang="ja-JP" altLang="en-US" sz="1100"/>
+              <a:t>・</a:t>
+            </a:r>
+            <a:r>
+              <a:rPr lang="en-US" altLang="ja-JP" sz="1100"/>
+              <a:t>public </a:t>
+            </a:r>
+            <a:r>
+              <a:rPr lang="en-US" altLang="ja-JP" sz="1100" err="1"/>
+              <a:t>GetTextNode</a:t>
+            </a:r>
+            <a:r>
+              <a:rPr lang="en-US" altLang="ja-JP" sz="1100"/>
+              <a:t>(HtmlNode postNode)</a:t>
+            </a:r>
+          </a:p>
+          <a:p>
+            <a:r>
+              <a:rPr lang="ja-JP" altLang="en-US" sz="1100"/>
+              <a:t>・</a:t>
+            </a:r>
+            <a:r>
+              <a:rPr lang="en-US" altLang="ja-JP" sz="1100"/>
+              <a:t>public GetText(HtmlNode </a:t>
+            </a:r>
+            <a:r>
+              <a:rPr lang="en-US" altLang="ja-JP" sz="1100" err="1"/>
+              <a:t>TextNode</a:t>
+            </a:r>
+            <a:r>
+              <a:rPr lang="en-US" altLang="ja-JP" sz="1100"/>
+              <a:t>)</a:t>
+            </a:r>
+          </a:p>
+          <a:p>
+            <a:r>
+              <a:rPr lang="ja-JP" altLang="en-US" sz="1100"/>
+              <a:t>・</a:t>
+            </a:r>
+            <a:r>
+              <a:rPr lang="en-US" altLang="ja-JP" sz="1100"/>
+              <a:t>public </a:t>
+            </a:r>
+            <a:r>
+              <a:rPr lang="en-US" altLang="ja-JP" sz="1100" err="1"/>
+              <a:t>GetDateNode</a:t>
+            </a:r>
+            <a:r>
+              <a:rPr lang="en-US" altLang="ja-JP" sz="1100"/>
+              <a:t>(HtmlNode postNode)</a:t>
+            </a:r>
+          </a:p>
+          <a:p>
+            <a:r>
+              <a:rPr lang="ja-JP" altLang="en-US" sz="1100"/>
+              <a:t>・</a:t>
+            </a:r>
+            <a:r>
+              <a:rPr lang="en-US" altLang="ja-JP" sz="1100"/>
+              <a:t>public </a:t>
+            </a:r>
+            <a:r>
+              <a:rPr lang="en-US" altLang="ja-JP" sz="1100" err="1"/>
+              <a:t>GetDate</a:t>
+            </a:r>
+            <a:r>
+              <a:rPr lang="en-US" altLang="ja-JP" sz="1100"/>
+              <a:t>(HtmlNode </a:t>
+            </a:r>
+            <a:r>
+              <a:rPr lang="en-US" altLang="ja-JP" sz="1100" err="1"/>
+              <a:t>DateNode</a:t>
+            </a:r>
+            <a:r>
+              <a:rPr lang="en-US" altLang="ja-JP" sz="1100"/>
+              <a:t>)</a:t>
+            </a:r>
+          </a:p>
+          <a:p>
+            <a:r>
+              <a:rPr lang="ja-JP" altLang="en-US" sz="1100"/>
+              <a:t>・</a:t>
+            </a:r>
+            <a:r>
+              <a:rPr lang="en-US" altLang="ja-JP" sz="1100"/>
+              <a:t>public </a:t>
+            </a:r>
+            <a:r>
+              <a:rPr lang="en-US" altLang="ja-JP" sz="1100" err="1"/>
+              <a:t>GetUserIdNode</a:t>
+            </a:r>
+            <a:r>
+              <a:rPr lang="en-US" altLang="ja-JP" sz="1100"/>
+              <a:t>(HtmlNode postNode)</a:t>
+            </a:r>
+          </a:p>
+          <a:p>
+            <a:r>
+              <a:rPr lang="ja-JP" altLang="en-US" sz="1100"/>
+              <a:t>・</a:t>
+            </a:r>
+            <a:r>
+              <a:rPr lang="en-US" altLang="ja-JP" sz="1100"/>
+              <a:t>public </a:t>
+            </a:r>
+            <a:r>
+              <a:rPr lang="en-US" altLang="ja-JP" sz="1100" err="1"/>
+              <a:t>GetUserId</a:t>
+            </a:r>
+            <a:r>
+              <a:rPr lang="en-US" altLang="ja-JP" sz="1100"/>
+              <a:t>(HtmlNode </a:t>
+            </a:r>
+            <a:r>
+              <a:rPr lang="en-US" altLang="ja-JP" sz="1100" err="1"/>
+              <a:t>UserIdNode</a:t>
+            </a:r>
+            <a:r>
+              <a:rPr lang="en-US" altLang="ja-JP" sz="1100"/>
+              <a:t>)</a:t>
+            </a:r>
+          </a:p>
+        </p:txBody>
+      </p:sp>
+      <p:sp>
+        <p:nvSpPr>
+          <p:cNvPr id="12" name="正方形/長方形 11">
+            <a:extLst>
+              <a:ext uri="{FF2B5EF4-FFF2-40B4-BE49-F238E27FC236}">
+                <a16:creationId xmlns:a16="http://schemas.microsoft.com/office/drawing/2014/main" id="{76C38A58-811E-EBB0-6496-0A416BB3EEAD}"/>
+              </a:ext>
+            </a:extLst>
+          </p:cNvPr>
+          <p:cNvSpPr/>
+          <p:nvPr/>
+        </p:nvSpPr>
+        <p:spPr>
+          <a:xfrm>
+            <a:off x="8603672" y="3444874"/>
+            <a:ext cx="2456873" cy="373497"/>
+          </a:xfrm>
+          <a:prstGeom prst="rect">
+            <a:avLst/>
+          </a:prstGeom>
+        </p:spPr>
+        <p:style>
+          <a:lnRef idx="2">
+            <a:schemeClr val="accent1">
+              <a:shade val="15000"/>
+            </a:schemeClr>
+          </a:lnRef>
+          <a:fillRef idx="1">
+            <a:schemeClr val="accent1"/>
+          </a:fillRef>
+          <a:effectRef idx="0">
+            <a:schemeClr val="accent1"/>
+          </a:effectRef>
+          <a:fontRef idx="minor">
+            <a:schemeClr val="lt1"/>
+          </a:fontRef>
+        </p:style>
+        <p:txBody>
+          <a:bodyPr rtlCol="0" anchor="ctr"/>
+          <a:lstStyle/>
+          <a:p>
+            <a:pPr algn="ctr"/>
+            <a:r>
+              <a:rPr kumimoji="1" lang="en-US" altLang="ja-JP" err="1"/>
+              <a:t>IscraperLogic</a:t>
+            </a:r>
+            <a:endParaRPr kumimoji="1" lang="ja-JP" altLang="en-US"/>
+          </a:p>
+        </p:txBody>
+      </p:sp>
+      <p:sp>
+        <p:nvSpPr>
+          <p:cNvPr id="13" name="テキスト ボックス 12">
+            <a:extLst>
+              <a:ext uri="{FF2B5EF4-FFF2-40B4-BE49-F238E27FC236}">
+                <a16:creationId xmlns:a16="http://schemas.microsoft.com/office/drawing/2014/main" id="{5BCDE297-3115-E0E3-878B-CAF88AFDA553}"/>
+              </a:ext>
+            </a:extLst>
+          </p:cNvPr>
+          <p:cNvSpPr txBox="1"/>
+          <p:nvPr/>
+        </p:nvSpPr>
+        <p:spPr>
+          <a:xfrm>
+            <a:off x="8767621" y="1694896"/>
+            <a:ext cx="3043383" cy="276999"/>
+          </a:xfrm>
+          <a:prstGeom prst="rect">
+            <a:avLst/>
+          </a:prstGeom>
+          <a:noFill/>
+        </p:spPr>
+        <p:txBody>
+          <a:bodyPr wrap="square" rtlCol="0">
+            <a:spAutoFit/>
+          </a:bodyPr>
+          <a:lstStyle/>
+          <a:p>
+            <a:r>
+              <a:rPr lang="ja-JP" altLang="en-US" sz="1200"/>
+              <a:t>・</a:t>
+            </a:r>
+            <a:r>
+              <a:rPr lang="en-US" altLang="ja-JP" sz="1200"/>
+              <a:t>public </a:t>
+            </a:r>
+            <a:r>
+              <a:rPr lang="en-US" altLang="ja-JP" sz="1200" err="1"/>
+              <a:t>GetPosts</a:t>
+            </a:r>
+            <a:r>
+              <a:rPr lang="en-US" altLang="ja-JP" sz="1200"/>
+              <a:t>()</a:t>
+            </a:r>
+            <a:endParaRPr kumimoji="1" lang="ja-JP" altLang="en-US" sz="1200"/>
+          </a:p>
+        </p:txBody>
+      </p:sp>
+      <p:sp>
+        <p:nvSpPr>
+          <p:cNvPr id="14" name="テキスト ボックス 13">
+            <a:extLst>
+              <a:ext uri="{FF2B5EF4-FFF2-40B4-BE49-F238E27FC236}">
+                <a16:creationId xmlns:a16="http://schemas.microsoft.com/office/drawing/2014/main" id="{D6E3DE33-A554-FD11-CC99-3CB841505A77}"/>
+              </a:ext>
+            </a:extLst>
+          </p:cNvPr>
+          <p:cNvSpPr txBox="1"/>
+          <p:nvPr/>
+        </p:nvSpPr>
+        <p:spPr>
+          <a:xfrm>
+            <a:off x="380995" y="576516"/>
+            <a:ext cx="8386625" cy="523220"/>
+          </a:xfrm>
+          <a:prstGeom prst="rect">
+            <a:avLst/>
+          </a:prstGeom>
+          <a:noFill/>
+        </p:spPr>
+        <p:txBody>
+          <a:bodyPr wrap="square" rtlCol="0">
+            <a:spAutoFit/>
+          </a:bodyPr>
+          <a:lstStyle/>
+          <a:p>
+            <a:r>
+              <a:rPr lang="en-US" altLang="ja-JP" sz="1400" b="1" err="1"/>
+              <a:t>ScraperOwner</a:t>
+            </a:r>
+            <a:r>
+              <a:rPr lang="ja-JP" altLang="en-US" sz="1400" b="1"/>
+              <a:t>は</a:t>
+            </a:r>
+            <a:r>
+              <a:rPr lang="en-US" altLang="ja-JP" sz="1400" b="1"/>
+              <a:t>1</a:t>
+            </a:r>
+            <a:r>
+              <a:rPr lang="ja-JP" altLang="en-US" sz="1400" b="1"/>
+              <a:t>つ</a:t>
+            </a:r>
+            <a:endParaRPr lang="en-US" altLang="ja-JP" sz="1400" b="1"/>
+          </a:p>
+          <a:p>
+            <a:r>
+              <a:rPr kumimoji="1" lang="ja-JP" altLang="en-US" sz="1400" b="1"/>
+              <a:t>サイト毎の処理は</a:t>
+            </a:r>
+            <a:r>
+              <a:rPr kumimoji="1" lang="en-US" altLang="ja-JP" sz="1400" b="1" err="1"/>
+              <a:t>ScraperLogic</a:t>
+            </a:r>
+            <a:r>
+              <a:rPr kumimoji="1" lang="ja-JP" altLang="en-US" sz="1400" b="1"/>
+              <a:t>で実装し</a:t>
+            </a:r>
+            <a:r>
+              <a:rPr kumimoji="1" lang="en-US" altLang="ja-JP" sz="1400" b="1"/>
+              <a:t>(</a:t>
+            </a:r>
+            <a:r>
+              <a:rPr kumimoji="1" lang="ja-JP" altLang="en-US" sz="1400" b="1"/>
+              <a:t>サイト</a:t>
+            </a:r>
+            <a:r>
+              <a:rPr kumimoji="1" lang="en-US" altLang="ja-JP" sz="1400" b="1"/>
+              <a:t>1 </a:t>
+            </a:r>
+            <a:r>
+              <a:rPr lang="en-US" altLang="ja-JP" sz="1400" b="1"/>
+              <a:t>: </a:t>
+            </a:r>
+            <a:r>
+              <a:rPr kumimoji="1" lang="en-US" altLang="ja-JP" sz="1400" b="1"/>
+              <a:t>ScraperLogic1)</a:t>
+            </a:r>
+            <a:r>
+              <a:rPr kumimoji="1" lang="ja-JP" altLang="en-US" sz="1400" b="1"/>
+              <a:t>、</a:t>
+            </a:r>
+            <a:r>
+              <a:rPr kumimoji="1" lang="en-US" altLang="ja-JP" sz="1400" b="1" err="1"/>
+              <a:t>ScraperOwner</a:t>
+            </a:r>
+            <a:r>
+              <a:rPr kumimoji="1" lang="ja-JP" altLang="en-US" sz="1400" b="1"/>
+              <a:t>に提供する</a:t>
+            </a:r>
+          </a:p>
+        </p:txBody>
+      </p:sp>
+      <p:sp>
+        <p:nvSpPr>
+          <p:cNvPr id="16" name="テキスト ボックス 15">
+            <a:extLst>
+              <a:ext uri="{FF2B5EF4-FFF2-40B4-BE49-F238E27FC236}">
+                <a16:creationId xmlns:a16="http://schemas.microsoft.com/office/drawing/2014/main" id="{D67DADA6-49BB-714D-F72F-831ACF370ACD}"/>
+              </a:ext>
+            </a:extLst>
+          </p:cNvPr>
+          <p:cNvSpPr txBox="1"/>
+          <p:nvPr/>
+        </p:nvSpPr>
+        <p:spPr>
+          <a:xfrm>
+            <a:off x="2466109" y="138545"/>
+            <a:ext cx="2309091" cy="369332"/>
+          </a:xfrm>
+          <a:prstGeom prst="rect">
+            <a:avLst/>
+          </a:prstGeom>
+          <a:noFill/>
+        </p:spPr>
+        <p:txBody>
+          <a:bodyPr wrap="square" rtlCol="0">
+            <a:spAutoFit/>
+          </a:bodyPr>
+          <a:lstStyle/>
+          <a:p>
+            <a:r>
+              <a:rPr kumimoji="1" lang="en-US" altLang="ja-JP"/>
+              <a:t>Scraper</a:t>
+            </a:r>
+            <a:r>
+              <a:rPr kumimoji="1" lang="ja-JP" altLang="en-US"/>
+              <a:t>設計</a:t>
+            </a:r>
+          </a:p>
+        </p:txBody>
+      </p:sp>
+      <p:cxnSp>
+        <p:nvCxnSpPr>
+          <p:cNvPr id="18" name="直線矢印コネクタ 17">
+            <a:extLst>
+              <a:ext uri="{FF2B5EF4-FFF2-40B4-BE49-F238E27FC236}">
+                <a16:creationId xmlns:a16="http://schemas.microsoft.com/office/drawing/2014/main" id="{30C21D28-345C-CB17-E6CA-567007C00A06}"/>
+              </a:ext>
+            </a:extLst>
+          </p:cNvPr>
+          <p:cNvCxnSpPr/>
+          <p:nvPr/>
+        </p:nvCxnSpPr>
+        <p:spPr>
+          <a:xfrm flipH="1">
+            <a:off x="4775200" y="1403927"/>
+            <a:ext cx="3445164" cy="0"/>
+          </a:xfrm>
+          <a:prstGeom prst="straightConnector1">
+            <a:avLst/>
+          </a:prstGeom>
+          <a:ln>
+            <a:tailEnd type="triangle"/>
+          </a:ln>
+        </p:spPr>
+        <p:style>
+          <a:lnRef idx="2">
+            <a:schemeClr val="accent1"/>
+          </a:lnRef>
+          <a:fillRef idx="0">
+            <a:schemeClr val="accent1"/>
+          </a:fillRef>
+          <a:effectRef idx="1">
+            <a:schemeClr val="accent1"/>
+          </a:effectRef>
+          <a:fontRef idx="minor">
+            <a:schemeClr val="tx1"/>
+          </a:fontRef>
+        </p:style>
+      </p:cxnSp>
+      <p:cxnSp>
+        <p:nvCxnSpPr>
+          <p:cNvPr id="19" name="直線矢印コネクタ 18">
+            <a:extLst>
+              <a:ext uri="{FF2B5EF4-FFF2-40B4-BE49-F238E27FC236}">
+                <a16:creationId xmlns:a16="http://schemas.microsoft.com/office/drawing/2014/main" id="{57141325-AFC9-0753-A6E6-9C74DD8F6C04}"/>
+              </a:ext>
+            </a:extLst>
+          </p:cNvPr>
+          <p:cNvCxnSpPr/>
+          <p:nvPr/>
+        </p:nvCxnSpPr>
+        <p:spPr>
+          <a:xfrm flipH="1">
+            <a:off x="4775200" y="3634509"/>
+            <a:ext cx="3445164" cy="0"/>
+          </a:xfrm>
+          <a:prstGeom prst="straightConnector1">
+            <a:avLst/>
+          </a:prstGeom>
+          <a:ln>
+            <a:tailEnd type="triangle"/>
+          </a:ln>
+        </p:spPr>
+        <p:style>
+          <a:lnRef idx="2">
+            <a:schemeClr val="accent1"/>
+          </a:lnRef>
+          <a:fillRef idx="0">
+            <a:schemeClr val="accent1"/>
+          </a:fillRef>
+          <a:effectRef idx="1">
+            <a:schemeClr val="accent1"/>
+          </a:effectRef>
+          <a:fontRef idx="minor">
+            <a:schemeClr val="tx1"/>
+          </a:fontRef>
+        </p:style>
+      </p:cxnSp>
+      <p:sp>
+        <p:nvSpPr>
+          <p:cNvPr id="20" name="テキスト ボックス 19">
+            <a:extLst>
+              <a:ext uri="{FF2B5EF4-FFF2-40B4-BE49-F238E27FC236}">
+                <a16:creationId xmlns:a16="http://schemas.microsoft.com/office/drawing/2014/main" id="{10CDF77C-71BF-C552-BC55-F13D960A138E}"/>
+              </a:ext>
+            </a:extLst>
+          </p:cNvPr>
+          <p:cNvSpPr txBox="1"/>
+          <p:nvPr/>
+        </p:nvSpPr>
+        <p:spPr>
+          <a:xfrm>
+            <a:off x="5063837" y="1403927"/>
+            <a:ext cx="1260763" cy="307777"/>
+          </a:xfrm>
+          <a:prstGeom prst="rect">
+            <a:avLst/>
+          </a:prstGeom>
+          <a:noFill/>
+        </p:spPr>
+        <p:txBody>
+          <a:bodyPr wrap="square" rtlCol="0">
+            <a:spAutoFit/>
+          </a:bodyPr>
+          <a:lstStyle/>
+          <a:p>
+            <a:r>
+              <a:rPr kumimoji="1" lang="ja-JP" altLang="en-US" sz="1400"/>
+              <a:t>実装</a:t>
+            </a:r>
+          </a:p>
+        </p:txBody>
+      </p:sp>
+      <p:sp>
+        <p:nvSpPr>
+          <p:cNvPr id="21" name="テキスト ボックス 20">
+            <a:extLst>
+              <a:ext uri="{FF2B5EF4-FFF2-40B4-BE49-F238E27FC236}">
+                <a16:creationId xmlns:a16="http://schemas.microsoft.com/office/drawing/2014/main" id="{6CB25E7C-9360-23B0-F40A-29E246B63AC3}"/>
+              </a:ext>
+            </a:extLst>
+          </p:cNvPr>
+          <p:cNvSpPr txBox="1"/>
+          <p:nvPr/>
+        </p:nvSpPr>
+        <p:spPr>
+          <a:xfrm>
+            <a:off x="4920674" y="3627267"/>
+            <a:ext cx="1260763" cy="307777"/>
+          </a:xfrm>
+          <a:prstGeom prst="rect">
+            <a:avLst/>
+          </a:prstGeom>
+          <a:noFill/>
+        </p:spPr>
+        <p:txBody>
+          <a:bodyPr wrap="square" rtlCol="0">
+            <a:spAutoFit/>
+          </a:bodyPr>
+          <a:lstStyle/>
+          <a:p>
+            <a:r>
+              <a:rPr kumimoji="1" lang="ja-JP" altLang="en-US" sz="1400"/>
+              <a:t>実装</a:t>
+            </a:r>
+          </a:p>
+        </p:txBody>
+      </p:sp>
+    </p:spTree>
+    <p:extLst>
+      <p:ext uri="{BB962C8B-B14F-4D97-AF65-F5344CB8AC3E}">
+        <p14:creationId xmlns:p14="http://schemas.microsoft.com/office/powerpoint/2010/main" val="471335971"/>
+      </p:ext>
+    </p:extLst>
+  </p:cSld>
+  <p:clrMapOvr>
+    <a:masterClrMapping/>
+  </p:clrMapOvr>
+</p:sld>
+</file>
+
+<file path=ppt/slides/slide8.xml><?xml version="1.0" encoding="utf-8"?>
+<p:sld xmlns:a="http://schemas.openxmlformats.org/drawingml/2006/main" xmlns:r="http://schemas.openxmlformats.org/officeDocument/2006/relationships" xmlns:p="http://schemas.openxmlformats.org/presentationml/2006/main">
+  <p:cSld>
+    <p:spTree>
+      <p:nvGrpSpPr>
+        <p:cNvPr id="1" name=""/>
+        <p:cNvGrpSpPr/>
+        <p:nvPr/>
+      </p:nvGrpSpPr>
+      <p:grpSpPr>
+        <a:xfrm>
+          <a:off x="0" y="0"/>
+          <a:ext cx="0" cy="0"/>
+          <a:chOff x="0" y="0"/>
+          <a:chExt cx="0" cy="0"/>
+        </a:xfrm>
+      </p:grpSpPr>
       <p:pic>
         <p:nvPicPr>
           <p:cNvPr id="12" name="グラフィックス 11" descr="ブラウザー ウィンドウ 枠線">
@@ -10415,7 +11456,7 @@
 </p:sld>
 </file>
 
-<file path=ppt/slides/slide8.xml><?xml version="1.0" encoding="utf-8"?>
+<file path=ppt/slides/slide9.xml><?xml version="1.0" encoding="utf-8"?>
 <p:sld xmlns:a="http://schemas.openxmlformats.org/drawingml/2006/main" xmlns:r="http://schemas.openxmlformats.org/officeDocument/2006/relationships" xmlns:p="http://schemas.openxmlformats.org/presentationml/2006/main">
   <p:cSld>
     <p:spTree>
@@ -10820,497 +11861,6 @@
     <p:extLst>
       <p:ext uri="{BB962C8B-B14F-4D97-AF65-F5344CB8AC3E}">
         <p14:creationId xmlns:p14="http://schemas.microsoft.com/office/powerpoint/2010/main" val="3898769509"/>
-      </p:ext>
-    </p:extLst>
-  </p:cSld>
-  <p:clrMapOvr>
-    <a:masterClrMapping/>
-  </p:clrMapOvr>
-</p:sld>
-</file>
-
-<file path=ppt/slides/slide9.xml><?xml version="1.0" encoding="utf-8"?>
-<p:sld xmlns:a="http://schemas.openxmlformats.org/drawingml/2006/main" xmlns:r="http://schemas.openxmlformats.org/officeDocument/2006/relationships" xmlns:p="http://schemas.openxmlformats.org/presentationml/2006/main">
-  <p:cSld>
-    <p:spTree>
-      <p:nvGrpSpPr>
-        <p:cNvPr id="1" name="">
-          <a:extLst>
-            <a:ext uri="{FF2B5EF4-FFF2-40B4-BE49-F238E27FC236}">
-              <a16:creationId xmlns:a16="http://schemas.microsoft.com/office/drawing/2014/main" id="{429BA197-AA76-268C-184B-C2C26D50E9AE}"/>
-            </a:ext>
-          </a:extLst>
-        </p:cNvPr>
-        <p:cNvGrpSpPr/>
-        <p:nvPr/>
-      </p:nvGrpSpPr>
-      <p:grpSpPr>
-        <a:xfrm>
-          <a:off x="0" y="0"/>
-          <a:ext cx="0" cy="0"/>
-          <a:chOff x="0" y="0"/>
-          <a:chExt cx="0" cy="0"/>
-        </a:xfrm>
-      </p:grpSpPr>
-      <p:pic>
-        <p:nvPicPr>
-          <p:cNvPr id="12" name="グラフィックス 11" descr="ブラウザー ウィンドウ 枠線">
-            <a:extLst>
-              <a:ext uri="{FF2B5EF4-FFF2-40B4-BE49-F238E27FC236}">
-                <a16:creationId xmlns:a16="http://schemas.microsoft.com/office/drawing/2014/main" id="{7190C997-65E6-65D3-40A7-FCEC06C41440}"/>
-              </a:ext>
-            </a:extLst>
-          </p:cNvPr>
-          <p:cNvPicPr>
-            <a:picLocks noChangeAspect="1"/>
-          </p:cNvPicPr>
-          <p:nvPr/>
-        </p:nvPicPr>
-        <p:blipFill>
-          <a:blip r:embed="rId2">
-            <a:extLst>
-              <a:ext uri="{96DAC541-7B7A-43D3-8B79-37D633B846F1}">
-                <asvg:svgBlip xmlns:asvg="http://schemas.microsoft.com/office/drawing/2016/SVG/main" r:embed="rId3"/>
-              </a:ext>
-            </a:extLst>
-          </a:blip>
-          <a:stretch>
-            <a:fillRect/>
-          </a:stretch>
-        </p:blipFill>
-        <p:spPr>
-          <a:xfrm>
-            <a:off x="315787" y="1693716"/>
-            <a:ext cx="1140691" cy="914400"/>
-          </a:xfrm>
-          <a:prstGeom prst="rect">
-            <a:avLst/>
-          </a:prstGeom>
-        </p:spPr>
-      </p:pic>
-      <p:sp>
-        <p:nvSpPr>
-          <p:cNvPr id="15" name="四角形: 角を丸くする 14">
-            <a:extLst>
-              <a:ext uri="{FF2B5EF4-FFF2-40B4-BE49-F238E27FC236}">
-                <a16:creationId xmlns:a16="http://schemas.microsoft.com/office/drawing/2014/main" id="{61F24035-F751-BB6E-2B38-2BBB5C74D06A}"/>
-              </a:ext>
-            </a:extLst>
-          </p:cNvPr>
-          <p:cNvSpPr/>
-          <p:nvPr/>
-        </p:nvSpPr>
-        <p:spPr>
-          <a:xfrm>
-            <a:off x="3139423" y="1936278"/>
-            <a:ext cx="1319649" cy="429276"/>
-          </a:xfrm>
-          <a:prstGeom prst="roundRect">
-            <a:avLst/>
-          </a:prstGeom>
-        </p:spPr>
-        <p:style>
-          <a:lnRef idx="2">
-            <a:schemeClr val="accent1">
-              <a:shade val="15000"/>
-            </a:schemeClr>
-          </a:lnRef>
-          <a:fillRef idx="1">
-            <a:schemeClr val="accent1"/>
-          </a:fillRef>
-          <a:effectRef idx="0">
-            <a:schemeClr val="accent1"/>
-          </a:effectRef>
-          <a:fontRef idx="minor">
-            <a:schemeClr val="lt1"/>
-          </a:fontRef>
-        </p:style>
-        <p:txBody>
-          <a:bodyPr rtlCol="0" anchor="ctr"/>
-          <a:lstStyle/>
-          <a:p>
-            <a:pPr algn="ctr"/>
-            <a:r>
-              <a:rPr lang="ja-JP" altLang="en-US" sz="1100"/>
-              <a:t>スクレイパー</a:t>
-            </a:r>
-            <a:br>
-              <a:rPr lang="en-US" altLang="ja-JP" sz="1100"/>
-            </a:br>
-            <a:r>
-              <a:rPr lang="en-US" altLang="ja-JP" sz="1100"/>
-              <a:t>Interface</a:t>
-            </a:r>
-          </a:p>
-        </p:txBody>
-      </p:sp>
-      <p:sp>
-        <p:nvSpPr>
-          <p:cNvPr id="16" name="四角形: 角を丸くする 15">
-            <a:extLst>
-              <a:ext uri="{FF2B5EF4-FFF2-40B4-BE49-F238E27FC236}">
-                <a16:creationId xmlns:a16="http://schemas.microsoft.com/office/drawing/2014/main" id="{7CB5D5F4-5C0A-AD17-5AA7-E8F9ABF85953}"/>
-              </a:ext>
-            </a:extLst>
-          </p:cNvPr>
-          <p:cNvSpPr/>
-          <p:nvPr/>
-        </p:nvSpPr>
-        <p:spPr>
-          <a:xfrm>
-            <a:off x="1564415" y="1998805"/>
-            <a:ext cx="924785" cy="249543"/>
-          </a:xfrm>
-          <a:prstGeom prst="roundRect">
-            <a:avLst/>
-          </a:prstGeom>
-        </p:spPr>
-        <p:style>
-          <a:lnRef idx="2">
-            <a:schemeClr val="accent1">
-              <a:shade val="15000"/>
-            </a:schemeClr>
-          </a:lnRef>
-          <a:fillRef idx="1">
-            <a:schemeClr val="accent1"/>
-          </a:fillRef>
-          <a:effectRef idx="0">
-            <a:schemeClr val="accent1"/>
-          </a:effectRef>
-          <a:fontRef idx="minor">
-            <a:schemeClr val="lt1"/>
-          </a:fontRef>
-        </p:style>
-        <p:txBody>
-          <a:bodyPr rtlCol="0" anchor="ctr"/>
-          <a:lstStyle/>
-          <a:p>
-            <a:pPr algn="ctr"/>
-            <a:r>
-              <a:rPr lang="ja-JP" altLang="en-US" sz="900"/>
-              <a:t>スクレイパー</a:t>
-            </a:r>
-            <a:endParaRPr lang="en-US" altLang="ja-JP" sz="900"/>
-          </a:p>
-        </p:txBody>
-      </p:sp>
-      <p:sp>
-        <p:nvSpPr>
-          <p:cNvPr id="57" name="四角形: 角を丸くする 56">
-            <a:extLst>
-              <a:ext uri="{FF2B5EF4-FFF2-40B4-BE49-F238E27FC236}">
-                <a16:creationId xmlns:a16="http://schemas.microsoft.com/office/drawing/2014/main" id="{0D2E5903-DD2E-13BE-3D6D-BC3815EAA2EE}"/>
-              </a:ext>
-            </a:extLst>
-          </p:cNvPr>
-          <p:cNvSpPr/>
-          <p:nvPr/>
-        </p:nvSpPr>
-        <p:spPr>
-          <a:xfrm>
-            <a:off x="4640634" y="3404298"/>
-            <a:ext cx="1211242" cy="574834"/>
-          </a:xfrm>
-          <a:prstGeom prst="roundRect">
-            <a:avLst/>
-          </a:prstGeom>
-        </p:spPr>
-        <p:style>
-          <a:lnRef idx="2">
-            <a:schemeClr val="accent1">
-              <a:shade val="15000"/>
-            </a:schemeClr>
-          </a:lnRef>
-          <a:fillRef idx="1">
-            <a:schemeClr val="accent1"/>
-          </a:fillRef>
-          <a:effectRef idx="0">
-            <a:schemeClr val="accent1"/>
-          </a:effectRef>
-          <a:fontRef idx="minor">
-            <a:schemeClr val="lt1"/>
-          </a:fontRef>
-        </p:style>
-        <p:txBody>
-          <a:bodyPr rtlCol="0" anchor="ctr"/>
-          <a:lstStyle/>
-          <a:p>
-            <a:pPr algn="ctr"/>
-            <a:r>
-              <a:rPr lang="en-US" altLang="ja-JP"/>
-              <a:t>UI</a:t>
-            </a:r>
-          </a:p>
-        </p:txBody>
-      </p:sp>
-      <p:cxnSp>
-        <p:nvCxnSpPr>
-          <p:cNvPr id="5" name="直線矢印コネクタ 4">
-            <a:extLst>
-              <a:ext uri="{FF2B5EF4-FFF2-40B4-BE49-F238E27FC236}">
-                <a16:creationId xmlns:a16="http://schemas.microsoft.com/office/drawing/2014/main" id="{2825F283-692F-5385-A1A8-09FD5DF1F5AE}"/>
-              </a:ext>
-            </a:extLst>
-          </p:cNvPr>
-          <p:cNvCxnSpPr>
-            <a:cxnSpLocks/>
-          </p:cNvCxnSpPr>
-          <p:nvPr/>
-        </p:nvCxnSpPr>
-        <p:spPr>
-          <a:xfrm flipH="1">
-            <a:off x="2580774" y="2150916"/>
-            <a:ext cx="467075" cy="0"/>
-          </a:xfrm>
-          <a:prstGeom prst="straightConnector1">
-            <a:avLst/>
-          </a:prstGeom>
-          <a:ln>
-            <a:tailEnd type="triangle"/>
-          </a:ln>
-        </p:spPr>
-        <p:style>
-          <a:lnRef idx="2">
-            <a:schemeClr val="accent1"/>
-          </a:lnRef>
-          <a:fillRef idx="0">
-            <a:schemeClr val="accent1"/>
-          </a:fillRef>
-          <a:effectRef idx="1">
-            <a:schemeClr val="accent1"/>
-          </a:effectRef>
-          <a:fontRef idx="minor">
-            <a:schemeClr val="tx1"/>
-          </a:fontRef>
-        </p:style>
-      </p:cxnSp>
-      <p:sp>
-        <p:nvSpPr>
-          <p:cNvPr id="9" name="テキスト ボックス 8">
-            <a:extLst>
-              <a:ext uri="{FF2B5EF4-FFF2-40B4-BE49-F238E27FC236}">
-                <a16:creationId xmlns:a16="http://schemas.microsoft.com/office/drawing/2014/main" id="{660557D2-50AF-5415-B90F-EE9D800CEBB6}"/>
-              </a:ext>
-            </a:extLst>
-          </p:cNvPr>
-          <p:cNvSpPr txBox="1"/>
-          <p:nvPr/>
-        </p:nvSpPr>
-        <p:spPr>
-          <a:xfrm>
-            <a:off x="364279" y="234493"/>
-            <a:ext cx="1043709" cy="369332"/>
-          </a:xfrm>
-          <a:prstGeom prst="rect">
-            <a:avLst/>
-          </a:prstGeom>
-          <a:noFill/>
-        </p:spPr>
-        <p:txBody>
-          <a:bodyPr wrap="square" rtlCol="0">
-            <a:spAutoFit/>
-          </a:bodyPr>
-          <a:lstStyle/>
-          <a:p>
-            <a:r>
-              <a:rPr kumimoji="1" lang="en-US" altLang="ja-JP" b="1"/>
-              <a:t>Phase2</a:t>
-            </a:r>
-            <a:endParaRPr kumimoji="1" lang="ja-JP" altLang="en-US" b="1"/>
-          </a:p>
-        </p:txBody>
-      </p:sp>
-      <p:cxnSp>
-        <p:nvCxnSpPr>
-          <p:cNvPr id="22" name="コネクタ: カギ線 21">
-            <a:extLst>
-              <a:ext uri="{FF2B5EF4-FFF2-40B4-BE49-F238E27FC236}">
-                <a16:creationId xmlns:a16="http://schemas.microsoft.com/office/drawing/2014/main" id="{66FF23D5-3D42-8C06-F429-96DE8C7D5E70}"/>
-              </a:ext>
-            </a:extLst>
-          </p:cNvPr>
-          <p:cNvCxnSpPr>
-            <a:cxnSpLocks/>
-          </p:cNvCxnSpPr>
-          <p:nvPr/>
-        </p:nvCxnSpPr>
-        <p:spPr>
-          <a:xfrm rot="10800000">
-            <a:off x="2026808" y="2365555"/>
-            <a:ext cx="2432265" cy="1326159"/>
-          </a:xfrm>
-          <a:prstGeom prst="bentConnector3">
-            <a:avLst>
-              <a:gd name="adj1" fmla="val 100126"/>
-            </a:avLst>
-          </a:prstGeom>
-          <a:ln>
-            <a:tailEnd type="triangle"/>
-          </a:ln>
-        </p:spPr>
-        <p:style>
-          <a:lnRef idx="2">
-            <a:schemeClr val="accent1"/>
-          </a:lnRef>
-          <a:fillRef idx="0">
-            <a:schemeClr val="accent1"/>
-          </a:fillRef>
-          <a:effectRef idx="1">
-            <a:schemeClr val="accent1"/>
-          </a:effectRef>
-          <a:fontRef idx="minor">
-            <a:schemeClr val="tx1"/>
-          </a:fontRef>
-        </p:style>
-      </p:cxnSp>
-      <p:sp>
-        <p:nvSpPr>
-          <p:cNvPr id="2" name="四角形: 角を丸くする 1">
-            <a:extLst>
-              <a:ext uri="{FF2B5EF4-FFF2-40B4-BE49-F238E27FC236}">
-                <a16:creationId xmlns:a16="http://schemas.microsoft.com/office/drawing/2014/main" id="{0B4065C8-15F6-8ECC-C28B-49FD0E6A4919}"/>
-              </a:ext>
-            </a:extLst>
-          </p:cNvPr>
-          <p:cNvSpPr/>
-          <p:nvPr/>
-        </p:nvSpPr>
-        <p:spPr>
-          <a:xfrm>
-            <a:off x="3431309" y="4181872"/>
-            <a:ext cx="3994727" cy="851947"/>
-          </a:xfrm>
-          <a:prstGeom prst="roundRect">
-            <a:avLst/>
-          </a:prstGeom>
-        </p:spPr>
-        <p:style>
-          <a:lnRef idx="2">
-            <a:schemeClr val="accent1"/>
-          </a:lnRef>
-          <a:fillRef idx="1">
-            <a:schemeClr val="lt1"/>
-          </a:fillRef>
-          <a:effectRef idx="0">
-            <a:schemeClr val="accent1"/>
-          </a:effectRef>
-          <a:fontRef idx="minor">
-            <a:schemeClr val="dk1"/>
-          </a:fontRef>
-        </p:style>
-        <p:txBody>
-          <a:bodyPr rtlCol="0" anchor="ctr"/>
-          <a:lstStyle/>
-          <a:p>
-            <a:pPr algn="ctr"/>
-            <a:r>
-              <a:rPr kumimoji="1" lang="ja-JP" altLang="en-US" sz="1200"/>
-              <a:t>スレッド</a:t>
-            </a:r>
-            <a:r>
-              <a:rPr lang="ja-JP" altLang="en-US" sz="1200"/>
-              <a:t>の人気の可視化</a:t>
-            </a:r>
-            <a:endParaRPr lang="en-US" altLang="ja-JP" sz="1200"/>
-          </a:p>
-          <a:p>
-            <a:pPr algn="ctr"/>
-            <a:r>
-              <a:rPr lang="ja-JP" altLang="en-US" sz="1200"/>
-              <a:t>人気レスの可視化</a:t>
-            </a:r>
-            <a:br>
-              <a:rPr lang="en-US" altLang="ja-JP" sz="1200"/>
-            </a:br>
-            <a:r>
-              <a:rPr lang="ja-JP" altLang="en-US" sz="1200"/>
-              <a:t>勢いの時系列の可視化</a:t>
-            </a:r>
-            <a:endParaRPr kumimoji="1" lang="en-US" altLang="ja-JP" sz="1200"/>
-          </a:p>
-        </p:txBody>
-      </p:sp>
-      <p:cxnSp>
-        <p:nvCxnSpPr>
-          <p:cNvPr id="3" name="直線矢印コネクタ 2">
-            <a:extLst>
-              <a:ext uri="{FF2B5EF4-FFF2-40B4-BE49-F238E27FC236}">
-                <a16:creationId xmlns:a16="http://schemas.microsoft.com/office/drawing/2014/main" id="{9E39CB05-2EAF-230C-1A8E-870028015DBD}"/>
-              </a:ext>
-            </a:extLst>
-          </p:cNvPr>
-          <p:cNvCxnSpPr>
-            <a:cxnSpLocks/>
-          </p:cNvCxnSpPr>
-          <p:nvPr/>
-        </p:nvCxnSpPr>
-        <p:spPr>
-          <a:xfrm>
-            <a:off x="5985164" y="3691715"/>
-            <a:ext cx="1440872" cy="0"/>
-          </a:xfrm>
-          <a:prstGeom prst="straightConnector1">
-            <a:avLst/>
-          </a:prstGeom>
-          <a:ln>
-            <a:tailEnd type="triangle"/>
-          </a:ln>
-        </p:spPr>
-        <p:style>
-          <a:lnRef idx="2">
-            <a:schemeClr val="accent1"/>
-          </a:lnRef>
-          <a:fillRef idx="0">
-            <a:schemeClr val="accent1"/>
-          </a:fillRef>
-          <a:effectRef idx="1">
-            <a:schemeClr val="accent1"/>
-          </a:effectRef>
-          <a:fontRef idx="minor">
-            <a:schemeClr val="tx1"/>
-          </a:fontRef>
-        </p:style>
-      </p:cxnSp>
-      <p:sp>
-        <p:nvSpPr>
-          <p:cNvPr id="7" name="テキスト ボックス 6">
-            <a:extLst>
-              <a:ext uri="{FF2B5EF4-FFF2-40B4-BE49-F238E27FC236}">
-                <a16:creationId xmlns:a16="http://schemas.microsoft.com/office/drawing/2014/main" id="{7AD3F0BD-DD42-22B2-3312-1B42FD111353}"/>
-              </a:ext>
-            </a:extLst>
-          </p:cNvPr>
-          <p:cNvSpPr txBox="1"/>
-          <p:nvPr/>
-        </p:nvSpPr>
-        <p:spPr>
-          <a:xfrm>
-            <a:off x="6853381" y="3404298"/>
-            <a:ext cx="498763" cy="276999"/>
-          </a:xfrm>
-          <a:prstGeom prst="rect">
-            <a:avLst/>
-          </a:prstGeom>
-          <a:noFill/>
-        </p:spPr>
-        <p:txBody>
-          <a:bodyPr wrap="square" rtlCol="0">
-            <a:spAutoFit/>
-          </a:bodyPr>
-          <a:lstStyle/>
-          <a:p>
-            <a:r>
-              <a:rPr kumimoji="1" lang="en-US" altLang="ja-JP" sz="1200" err="1"/>
-              <a:t>json</a:t>
-            </a:r>
-            <a:endParaRPr kumimoji="1" lang="ja-JP" altLang="en-US" sz="1200"/>
-          </a:p>
-        </p:txBody>
-      </p:sp>
-    </p:spTree>
-    <p:extLst>
-      <p:ext uri="{BB962C8B-B14F-4D97-AF65-F5344CB8AC3E}">
-        <p14:creationId xmlns:p14="http://schemas.microsoft.com/office/powerpoint/2010/main" val="2865440876"/>
       </p:ext>
     </p:extLst>
   </p:cSld>
@@ -11663,6 +12213,19 @@
         </a:fontRef>
       </a:style>
     </a:lnDef>
+    <a:txDef>
+      <a:spPr>
+        <a:noFill/>
+      </a:spPr>
+      <a:bodyPr wrap="square" rtlCol="0">
+        <a:spAutoFit/>
+      </a:bodyPr>
+      <a:lstStyle>
+        <a:defPPr algn="l">
+          <a:defRPr sz="1000"/>
+        </a:defPPr>
+      </a:lstStyle>
+    </a:txDef>
   </a:objectDefaults>
   <a:extraClrSchemeLst/>
   <a:extLst>

--- a/source/docs/まとめサイト管理ソフトウェア要件定義.pptx
+++ b/source/docs/まとめサイト管理ソフトウェア要件定義.pptx
@@ -10,13 +10,14 @@
     <p:sldId id="272" r:id="rId4"/>
     <p:sldId id="273" r:id="rId5"/>
     <p:sldId id="268" r:id="rId6"/>
-    <p:sldId id="266" r:id="rId7"/>
-    <p:sldId id="264" r:id="rId8"/>
-    <p:sldId id="256" r:id="rId9"/>
-    <p:sldId id="262" r:id="rId10"/>
-    <p:sldId id="263" r:id="rId11"/>
-    <p:sldId id="261" r:id="rId12"/>
-    <p:sldId id="258" r:id="rId13"/>
+    <p:sldId id="264" r:id="rId7"/>
+    <p:sldId id="274" r:id="rId8"/>
+    <p:sldId id="266" r:id="rId9"/>
+    <p:sldId id="256" r:id="rId10"/>
+    <p:sldId id="262" r:id="rId11"/>
+    <p:sldId id="263" r:id="rId12"/>
+    <p:sldId id="261" r:id="rId13"/>
+    <p:sldId id="258" r:id="rId14"/>
   </p:sldIdLst>
   <p:sldSz cx="12192000" cy="6858000"/>
   <p:notesSz cx="6858000" cy="9144000"/>
@@ -276,7 +277,7 @@
           <a:p>
             <a:fld id="{260B2DE4-4C89-464B-BA5F-760EFF51B16B}" type="datetimeFigureOut">
               <a:rPr kumimoji="1" lang="ja-JP" altLang="en-US" smtClean="0"/>
-              <a:t>2025/7/29</a:t>
+              <a:t>2025/7/30</a:t>
             </a:fld>
             <a:endParaRPr kumimoji="1" lang="ja-JP" altLang="en-US"/>
           </a:p>
@@ -522,7 +523,7 @@
           <a:p>
             <a:fld id="{260B2DE4-4C89-464B-BA5F-760EFF51B16B}" type="datetimeFigureOut">
               <a:rPr kumimoji="1" lang="ja-JP" altLang="en-US" smtClean="0"/>
-              <a:t>2025/7/29</a:t>
+              <a:t>2025/7/30</a:t>
             </a:fld>
             <a:endParaRPr kumimoji="1" lang="ja-JP" altLang="en-US"/>
           </a:p>
@@ -768,7 +769,7 @@
           <a:p>
             <a:fld id="{260B2DE4-4C89-464B-BA5F-760EFF51B16B}" type="datetimeFigureOut">
               <a:rPr kumimoji="1" lang="ja-JP" altLang="en-US" smtClean="0"/>
-              <a:t>2025/7/29</a:t>
+              <a:t>2025/7/30</a:t>
             </a:fld>
             <a:endParaRPr kumimoji="1" lang="ja-JP" altLang="en-US"/>
           </a:p>
@@ -881,7 +882,7 @@
           <a:p>
             <a:fld id="{260B2DE4-4C89-464B-BA5F-760EFF51B16B}" type="datetimeFigureOut">
               <a:rPr kumimoji="1" lang="ja-JP" altLang="en-US" smtClean="0"/>
-              <a:t>2025/7/29</a:t>
+              <a:t>2025/7/30</a:t>
             </a:fld>
             <a:endParaRPr kumimoji="1" lang="ja-JP" altLang="en-US"/>
           </a:p>
@@ -1162,7 +1163,7 @@
           <a:p>
             <a:fld id="{260B2DE4-4C89-464B-BA5F-760EFF51B16B}" type="datetimeFigureOut">
               <a:rPr kumimoji="1" lang="ja-JP" altLang="en-US" smtClean="0"/>
-              <a:t>2025/7/29</a:t>
+              <a:t>2025/7/30</a:t>
             </a:fld>
             <a:endParaRPr kumimoji="1" lang="ja-JP" altLang="en-US"/>
           </a:p>
@@ -1505,7 +1506,7 @@
           <a:p>
             <a:fld id="{260B2DE4-4C89-464B-BA5F-760EFF51B16B}" type="datetimeFigureOut">
               <a:rPr kumimoji="1" lang="ja-JP" altLang="en-US" smtClean="0"/>
-              <a:t>2025/7/29</a:t>
+              <a:t>2025/7/30</a:t>
             </a:fld>
             <a:endParaRPr kumimoji="1" lang="ja-JP" altLang="en-US"/>
           </a:p>
@@ -1996,7 +1997,7 @@
           <a:p>
             <a:fld id="{260B2DE4-4C89-464B-BA5F-760EFF51B16B}" type="datetimeFigureOut">
               <a:rPr kumimoji="1" lang="ja-JP" altLang="en-US" smtClean="0"/>
-              <a:t>2025/7/29</a:t>
+              <a:t>2025/7/30</a:t>
             </a:fld>
             <a:endParaRPr kumimoji="1" lang="ja-JP" altLang="en-US"/>
           </a:p>
@@ -2145,7 +2146,7 @@
           <a:p>
             <a:fld id="{260B2DE4-4C89-464B-BA5F-760EFF51B16B}" type="datetimeFigureOut">
               <a:rPr kumimoji="1" lang="ja-JP" altLang="en-US" smtClean="0"/>
-              <a:t>2025/7/29</a:t>
+              <a:t>2025/7/30</a:t>
             </a:fld>
             <a:endParaRPr kumimoji="1" lang="ja-JP" altLang="en-US"/>
           </a:p>
@@ -2258,7 +2259,7 @@
           <a:p>
             <a:fld id="{260B2DE4-4C89-464B-BA5F-760EFF51B16B}" type="datetimeFigureOut">
               <a:rPr kumimoji="1" lang="ja-JP" altLang="en-US" smtClean="0"/>
-              <a:t>2025/7/29</a:t>
+              <a:t>2025/7/30</a:t>
             </a:fld>
             <a:endParaRPr kumimoji="1" lang="ja-JP" altLang="en-US"/>
           </a:p>
@@ -2610,7 +2611,7 @@
           <a:p>
             <a:fld id="{260B2DE4-4C89-464B-BA5F-760EFF51B16B}" type="datetimeFigureOut">
               <a:rPr kumimoji="1" lang="ja-JP" altLang="en-US" smtClean="0"/>
-              <a:t>2025/7/29</a:t>
+              <a:t>2025/7/30</a:t>
             </a:fld>
             <a:endParaRPr kumimoji="1" lang="ja-JP" altLang="en-US"/>
           </a:p>
@@ -2907,7 +2908,7 @@
           <a:p>
             <a:fld id="{260B2DE4-4C89-464B-BA5F-760EFF51B16B}" type="datetimeFigureOut">
               <a:rPr kumimoji="1" lang="ja-JP" altLang="en-US" smtClean="0"/>
-              <a:t>2025/7/29</a:t>
+              <a:t>2025/7/30</a:t>
             </a:fld>
             <a:endParaRPr kumimoji="1" lang="ja-JP" altLang="en-US"/>
           </a:p>
@@ -3043,7 +3044,7 @@
           <a:p>
             <a:fld id="{260B2DE4-4C89-464B-BA5F-760EFF51B16B}" type="datetimeFigureOut">
               <a:rPr kumimoji="1" lang="ja-JP" altLang="en-US" smtClean="0"/>
-              <a:t>2025/7/29</a:t>
+              <a:t>2025/7/30</a:t>
             </a:fld>
             <a:endParaRPr kumimoji="1" lang="ja-JP" altLang="en-US"/>
           </a:p>
@@ -3474,8 +3475,8 @@
         </p:nvSpPr>
         <p:spPr>
           <a:xfrm>
-            <a:off x="341744" y="341746"/>
-            <a:ext cx="4525820" cy="646331"/>
+            <a:off x="701958" y="296938"/>
+            <a:ext cx="4525820" cy="369332"/>
           </a:xfrm>
           <a:prstGeom prst="rect">
             <a:avLst/>
@@ -3494,9 +3495,6 @@
             </a:r>
             <a:endParaRPr lang="en-US" altLang="ja-JP"/>
           </a:p>
-          <a:p>
-            <a:endParaRPr kumimoji="1" lang="ja-JP" altLang="en-US"/>
-          </a:p>
         </p:txBody>
       </p:sp>
       <p:sp>
@@ -3513,7 +3511,7 @@
         </p:nvSpPr>
         <p:spPr>
           <a:xfrm>
-            <a:off x="489522" y="866087"/>
+            <a:off x="600358" y="1632705"/>
             <a:ext cx="4890656" cy="1046440"/>
           </a:xfrm>
           <a:prstGeom prst="rect">
@@ -3631,7 +3629,7 @@
         </p:nvSpPr>
         <p:spPr>
           <a:xfrm>
-            <a:off x="489522" y="2106490"/>
+            <a:off x="600358" y="2873108"/>
             <a:ext cx="4230263" cy="1231106"/>
           </a:xfrm>
           <a:prstGeom prst="rect">
@@ -3705,7 +3703,7 @@
         </p:nvSpPr>
         <p:spPr>
           <a:xfrm>
-            <a:off x="6945740" y="973808"/>
+            <a:off x="6834904" y="1934389"/>
             <a:ext cx="4380348" cy="830997"/>
           </a:xfrm>
           <a:prstGeom prst="rect">
@@ -3843,7 +3841,7 @@
         </p:nvSpPr>
         <p:spPr>
           <a:xfrm>
-            <a:off x="489522" y="3802980"/>
+            <a:off x="600358" y="4569598"/>
             <a:ext cx="4230263" cy="892552"/>
           </a:xfrm>
           <a:prstGeom prst="rect">
@@ -3903,7 +3901,7 @@
         </p:nvSpPr>
         <p:spPr>
           <a:xfrm>
-            <a:off x="6945740" y="1912527"/>
+            <a:off x="6834904" y="2873108"/>
             <a:ext cx="4380348" cy="646331"/>
           </a:xfrm>
           <a:prstGeom prst="rect">
@@ -4032,6 +4030,420 @@
 </file>
 
 <file path=ppt/slides/slide10.xml><?xml version="1.0" encoding="utf-8"?>
+<p:sld xmlns:a="http://schemas.openxmlformats.org/drawingml/2006/main" xmlns:r="http://schemas.openxmlformats.org/officeDocument/2006/relationships" xmlns:p="http://schemas.openxmlformats.org/presentationml/2006/main">
+  <p:cSld>
+    <p:spTree>
+      <p:nvGrpSpPr>
+        <p:cNvPr id="1" name="">
+          <a:extLst>
+            <a:ext uri="{FF2B5EF4-FFF2-40B4-BE49-F238E27FC236}">
+              <a16:creationId xmlns:a16="http://schemas.microsoft.com/office/drawing/2014/main" id="{0E01A0FD-6600-4447-5329-EAC98EF17E1F}"/>
+            </a:ext>
+          </a:extLst>
+        </p:cNvPr>
+        <p:cNvGrpSpPr/>
+        <p:nvPr/>
+      </p:nvGrpSpPr>
+      <p:grpSpPr>
+        <a:xfrm>
+          <a:off x="0" y="0"/>
+          <a:ext cx="0" cy="0"/>
+          <a:chOff x="0" y="0"/>
+          <a:chExt cx="0" cy="0"/>
+        </a:xfrm>
+      </p:grpSpPr>
+      <p:pic>
+        <p:nvPicPr>
+          <p:cNvPr id="12" name="グラフィックス 11" descr="ブラウザー ウィンドウ 枠線">
+            <a:extLst>
+              <a:ext uri="{FF2B5EF4-FFF2-40B4-BE49-F238E27FC236}">
+                <a16:creationId xmlns:a16="http://schemas.microsoft.com/office/drawing/2014/main" id="{B1F820D3-3948-F535-EF84-D9719D8B3728}"/>
+              </a:ext>
+            </a:extLst>
+          </p:cNvPr>
+          <p:cNvPicPr>
+            <a:picLocks noChangeAspect="1"/>
+          </p:cNvPicPr>
+          <p:nvPr/>
+        </p:nvPicPr>
+        <p:blipFill>
+          <a:blip r:embed="rId2">
+            <a:extLst>
+              <a:ext uri="{96DAC541-7B7A-43D3-8B79-37D633B846F1}">
+                <asvg:svgBlip xmlns:asvg="http://schemas.microsoft.com/office/drawing/2016/SVG/main" r:embed="rId3"/>
+              </a:ext>
+            </a:extLst>
+          </a:blip>
+          <a:stretch>
+            <a:fillRect/>
+          </a:stretch>
+        </p:blipFill>
+        <p:spPr>
+          <a:xfrm>
+            <a:off x="315787" y="1693716"/>
+            <a:ext cx="1140691" cy="914400"/>
+          </a:xfrm>
+          <a:prstGeom prst="rect">
+            <a:avLst/>
+          </a:prstGeom>
+        </p:spPr>
+      </p:pic>
+      <p:sp>
+        <p:nvSpPr>
+          <p:cNvPr id="15" name="四角形: 角を丸くする 14">
+            <a:extLst>
+              <a:ext uri="{FF2B5EF4-FFF2-40B4-BE49-F238E27FC236}">
+                <a16:creationId xmlns:a16="http://schemas.microsoft.com/office/drawing/2014/main" id="{86870227-20A5-BC17-9651-D4BFE7BB003B}"/>
+              </a:ext>
+            </a:extLst>
+          </p:cNvPr>
+          <p:cNvSpPr/>
+          <p:nvPr/>
+        </p:nvSpPr>
+        <p:spPr>
+          <a:xfrm>
+            <a:off x="3139423" y="1936278"/>
+            <a:ext cx="1319649" cy="429276"/>
+          </a:xfrm>
+          <a:prstGeom prst="roundRect">
+            <a:avLst/>
+          </a:prstGeom>
+        </p:spPr>
+        <p:style>
+          <a:lnRef idx="2">
+            <a:schemeClr val="accent1">
+              <a:shade val="15000"/>
+            </a:schemeClr>
+          </a:lnRef>
+          <a:fillRef idx="1">
+            <a:schemeClr val="accent1"/>
+          </a:fillRef>
+          <a:effectRef idx="0">
+            <a:schemeClr val="accent1"/>
+          </a:effectRef>
+          <a:fontRef idx="minor">
+            <a:schemeClr val="lt1"/>
+          </a:fontRef>
+        </p:style>
+        <p:txBody>
+          <a:bodyPr rtlCol="0" anchor="ctr"/>
+          <a:lstStyle/>
+          <a:p>
+            <a:pPr algn="ctr"/>
+            <a:r>
+              <a:rPr lang="ja-JP" altLang="en-US" sz="1100"/>
+              <a:t>スクレイパー</a:t>
+            </a:r>
+            <a:br>
+              <a:rPr lang="en-US" altLang="ja-JP" sz="1100"/>
+            </a:br>
+            <a:r>
+              <a:rPr lang="en-US" altLang="ja-JP" sz="1100"/>
+              <a:t>Interface</a:t>
+            </a:r>
+          </a:p>
+        </p:txBody>
+      </p:sp>
+      <p:sp>
+        <p:nvSpPr>
+          <p:cNvPr id="16" name="四角形: 角を丸くする 15">
+            <a:extLst>
+              <a:ext uri="{FF2B5EF4-FFF2-40B4-BE49-F238E27FC236}">
+                <a16:creationId xmlns:a16="http://schemas.microsoft.com/office/drawing/2014/main" id="{5A93CFA8-AC36-E4A1-B8C3-7A6A50CFCD44}"/>
+              </a:ext>
+            </a:extLst>
+          </p:cNvPr>
+          <p:cNvSpPr/>
+          <p:nvPr/>
+        </p:nvSpPr>
+        <p:spPr>
+          <a:xfrm>
+            <a:off x="1564415" y="1998805"/>
+            <a:ext cx="924785" cy="249543"/>
+          </a:xfrm>
+          <a:prstGeom prst="roundRect">
+            <a:avLst/>
+          </a:prstGeom>
+        </p:spPr>
+        <p:style>
+          <a:lnRef idx="2">
+            <a:schemeClr val="accent1">
+              <a:shade val="15000"/>
+            </a:schemeClr>
+          </a:lnRef>
+          <a:fillRef idx="1">
+            <a:schemeClr val="accent1"/>
+          </a:fillRef>
+          <a:effectRef idx="0">
+            <a:schemeClr val="accent1"/>
+          </a:effectRef>
+          <a:fontRef idx="minor">
+            <a:schemeClr val="lt1"/>
+          </a:fontRef>
+        </p:style>
+        <p:txBody>
+          <a:bodyPr rtlCol="0" anchor="ctr"/>
+          <a:lstStyle/>
+          <a:p>
+            <a:pPr algn="ctr"/>
+            <a:r>
+              <a:rPr lang="ja-JP" altLang="en-US" sz="900"/>
+              <a:t>スクレイパー</a:t>
+            </a:r>
+            <a:endParaRPr lang="en-US" altLang="ja-JP" sz="900"/>
+          </a:p>
+        </p:txBody>
+      </p:sp>
+      <p:sp>
+        <p:nvSpPr>
+          <p:cNvPr id="57" name="四角形: 角を丸くする 56">
+            <a:extLst>
+              <a:ext uri="{FF2B5EF4-FFF2-40B4-BE49-F238E27FC236}">
+                <a16:creationId xmlns:a16="http://schemas.microsoft.com/office/drawing/2014/main" id="{06024BC9-9394-AC5A-31A7-DB78F1729DFF}"/>
+              </a:ext>
+            </a:extLst>
+          </p:cNvPr>
+          <p:cNvSpPr/>
+          <p:nvPr/>
+        </p:nvSpPr>
+        <p:spPr>
+          <a:xfrm>
+            <a:off x="4640634" y="3404298"/>
+            <a:ext cx="1211242" cy="574834"/>
+          </a:xfrm>
+          <a:prstGeom prst="roundRect">
+            <a:avLst/>
+          </a:prstGeom>
+        </p:spPr>
+        <p:style>
+          <a:lnRef idx="2">
+            <a:schemeClr val="accent1">
+              <a:shade val="15000"/>
+            </a:schemeClr>
+          </a:lnRef>
+          <a:fillRef idx="1">
+            <a:schemeClr val="accent1"/>
+          </a:fillRef>
+          <a:effectRef idx="0">
+            <a:schemeClr val="accent1"/>
+          </a:effectRef>
+          <a:fontRef idx="minor">
+            <a:schemeClr val="lt1"/>
+          </a:fontRef>
+        </p:style>
+        <p:txBody>
+          <a:bodyPr rtlCol="0" anchor="ctr"/>
+          <a:lstStyle/>
+          <a:p>
+            <a:pPr algn="ctr"/>
+            <a:r>
+              <a:rPr lang="en-US" altLang="ja-JP"/>
+              <a:t>UI</a:t>
+            </a:r>
+          </a:p>
+        </p:txBody>
+      </p:sp>
+      <p:cxnSp>
+        <p:nvCxnSpPr>
+          <p:cNvPr id="5" name="直線矢印コネクタ 4">
+            <a:extLst>
+              <a:ext uri="{FF2B5EF4-FFF2-40B4-BE49-F238E27FC236}">
+                <a16:creationId xmlns:a16="http://schemas.microsoft.com/office/drawing/2014/main" id="{AD4D67EC-25B0-8B42-6FEE-EC60BBA6A9D0}"/>
+              </a:ext>
+            </a:extLst>
+          </p:cNvPr>
+          <p:cNvCxnSpPr>
+            <a:cxnSpLocks/>
+          </p:cNvCxnSpPr>
+          <p:nvPr/>
+        </p:nvCxnSpPr>
+        <p:spPr>
+          <a:xfrm flipH="1">
+            <a:off x="2580774" y="2150916"/>
+            <a:ext cx="467075" cy="0"/>
+          </a:xfrm>
+          <a:prstGeom prst="straightConnector1">
+            <a:avLst/>
+          </a:prstGeom>
+          <a:ln>
+            <a:tailEnd type="triangle"/>
+          </a:ln>
+        </p:spPr>
+        <p:style>
+          <a:lnRef idx="2">
+            <a:schemeClr val="accent1"/>
+          </a:lnRef>
+          <a:fillRef idx="0">
+            <a:schemeClr val="accent1"/>
+          </a:fillRef>
+          <a:effectRef idx="1">
+            <a:schemeClr val="accent1"/>
+          </a:effectRef>
+          <a:fontRef idx="minor">
+            <a:schemeClr val="tx1"/>
+          </a:fontRef>
+        </p:style>
+      </p:cxnSp>
+      <p:sp>
+        <p:nvSpPr>
+          <p:cNvPr id="9" name="テキスト ボックス 8">
+            <a:extLst>
+              <a:ext uri="{FF2B5EF4-FFF2-40B4-BE49-F238E27FC236}">
+                <a16:creationId xmlns:a16="http://schemas.microsoft.com/office/drawing/2014/main" id="{FEB5F75A-D509-65A3-78E6-0083D6207EAA}"/>
+              </a:ext>
+            </a:extLst>
+          </p:cNvPr>
+          <p:cNvSpPr txBox="1"/>
+          <p:nvPr/>
+        </p:nvSpPr>
+        <p:spPr>
+          <a:xfrm>
+            <a:off x="364279" y="234493"/>
+            <a:ext cx="1043709" cy="369332"/>
+          </a:xfrm>
+          <a:prstGeom prst="rect">
+            <a:avLst/>
+          </a:prstGeom>
+          <a:noFill/>
+        </p:spPr>
+        <p:txBody>
+          <a:bodyPr wrap="square" rtlCol="0">
+            <a:spAutoFit/>
+          </a:bodyPr>
+          <a:lstStyle/>
+          <a:p>
+            <a:r>
+              <a:rPr kumimoji="1" lang="en-US" altLang="ja-JP" b="1"/>
+              <a:t>Phase2</a:t>
+            </a:r>
+            <a:endParaRPr kumimoji="1" lang="ja-JP" altLang="en-US" b="1"/>
+          </a:p>
+        </p:txBody>
+      </p:sp>
+      <p:cxnSp>
+        <p:nvCxnSpPr>
+          <p:cNvPr id="22" name="コネクタ: カギ線 21">
+            <a:extLst>
+              <a:ext uri="{FF2B5EF4-FFF2-40B4-BE49-F238E27FC236}">
+                <a16:creationId xmlns:a16="http://schemas.microsoft.com/office/drawing/2014/main" id="{337F688F-1764-399E-4947-49A1B27A386D}"/>
+              </a:ext>
+            </a:extLst>
+          </p:cNvPr>
+          <p:cNvCxnSpPr>
+            <a:cxnSpLocks/>
+          </p:cNvCxnSpPr>
+          <p:nvPr/>
+        </p:nvCxnSpPr>
+        <p:spPr>
+          <a:xfrm rot="10800000">
+            <a:off x="2026808" y="2365555"/>
+            <a:ext cx="2432265" cy="1326159"/>
+          </a:xfrm>
+          <a:prstGeom prst="bentConnector3">
+            <a:avLst>
+              <a:gd name="adj1" fmla="val 100126"/>
+            </a:avLst>
+          </a:prstGeom>
+          <a:ln>
+            <a:tailEnd type="triangle"/>
+          </a:ln>
+        </p:spPr>
+        <p:style>
+          <a:lnRef idx="2">
+            <a:schemeClr val="accent1"/>
+          </a:lnRef>
+          <a:fillRef idx="0">
+            <a:schemeClr val="accent1"/>
+          </a:fillRef>
+          <a:effectRef idx="1">
+            <a:schemeClr val="accent1"/>
+          </a:effectRef>
+          <a:fontRef idx="minor">
+            <a:schemeClr val="tx1"/>
+          </a:fontRef>
+        </p:style>
+      </p:cxnSp>
+      <p:sp>
+        <p:nvSpPr>
+          <p:cNvPr id="2" name="四角形: 角を丸くする 1">
+            <a:extLst>
+              <a:ext uri="{FF2B5EF4-FFF2-40B4-BE49-F238E27FC236}">
+                <a16:creationId xmlns:a16="http://schemas.microsoft.com/office/drawing/2014/main" id="{8EB12361-9661-26F7-5F05-1260253EE602}"/>
+              </a:ext>
+            </a:extLst>
+          </p:cNvPr>
+          <p:cNvSpPr/>
+          <p:nvPr/>
+        </p:nvSpPr>
+        <p:spPr>
+          <a:xfrm>
+            <a:off x="3431309" y="4181872"/>
+            <a:ext cx="3994727" cy="851947"/>
+          </a:xfrm>
+          <a:prstGeom prst="roundRect">
+            <a:avLst/>
+          </a:prstGeom>
+        </p:spPr>
+        <p:style>
+          <a:lnRef idx="2">
+            <a:schemeClr val="accent1"/>
+          </a:lnRef>
+          <a:fillRef idx="1">
+            <a:schemeClr val="lt1"/>
+          </a:fillRef>
+          <a:effectRef idx="0">
+            <a:schemeClr val="accent1"/>
+          </a:effectRef>
+          <a:fontRef idx="minor">
+            <a:schemeClr val="dk1"/>
+          </a:fontRef>
+        </p:style>
+        <p:txBody>
+          <a:bodyPr rtlCol="0" anchor="ctr"/>
+          <a:lstStyle/>
+          <a:p>
+            <a:pPr algn="ctr"/>
+            <a:r>
+              <a:rPr kumimoji="1" lang="ja-JP" altLang="en-US" sz="1200"/>
+              <a:t>スレッド</a:t>
+            </a:r>
+            <a:r>
+              <a:rPr lang="ja-JP" altLang="en-US" sz="1200"/>
+              <a:t>の人気の可視化</a:t>
+            </a:r>
+            <a:endParaRPr lang="en-US" altLang="ja-JP" sz="1200"/>
+          </a:p>
+          <a:p>
+            <a:pPr algn="ctr"/>
+            <a:r>
+              <a:rPr lang="ja-JP" altLang="en-US" sz="1200"/>
+              <a:t>人気レスの可視化</a:t>
+            </a:r>
+            <a:br>
+              <a:rPr lang="en-US" altLang="ja-JP" sz="1200"/>
+            </a:br>
+            <a:r>
+              <a:rPr lang="ja-JP" altLang="en-US" sz="1200"/>
+              <a:t>勢いの時系列の可視化</a:t>
+            </a:r>
+            <a:endParaRPr kumimoji="1" lang="en-US" altLang="ja-JP" sz="1200"/>
+          </a:p>
+        </p:txBody>
+      </p:sp>
+    </p:spTree>
+    <p:extLst>
+      <p:ext uri="{BB962C8B-B14F-4D97-AF65-F5344CB8AC3E}">
+        <p14:creationId xmlns:p14="http://schemas.microsoft.com/office/powerpoint/2010/main" val="3898769509"/>
+      </p:ext>
+    </p:extLst>
+  </p:cSld>
+  <p:clrMapOvr>
+    <a:masterClrMapping/>
+  </p:clrMapOvr>
+</p:sld>
+</file>
+
+<file path=ppt/slides/slide11.xml><?xml version="1.0" encoding="utf-8"?>
 <p:sld xmlns:a="http://schemas.openxmlformats.org/drawingml/2006/main" xmlns:r="http://schemas.openxmlformats.org/officeDocument/2006/relationships" xmlns:p="http://schemas.openxmlformats.org/presentationml/2006/main">
   <p:cSld>
     <p:spTree>
@@ -4522,7 +4934,7 @@
 </p:sld>
 </file>
 
-<file path=ppt/slides/slide11.xml><?xml version="1.0" encoding="utf-8"?>
+<file path=ppt/slides/slide12.xml><?xml version="1.0" encoding="utf-8"?>
 <p:sld xmlns:a="http://schemas.openxmlformats.org/drawingml/2006/main" xmlns:r="http://schemas.openxmlformats.org/officeDocument/2006/relationships" xmlns:p="http://schemas.openxmlformats.org/presentationml/2006/main">
   <p:cSld>
     <p:spTree>
@@ -5717,7 +6129,7 @@
 </p:sld>
 </file>
 
-<file path=ppt/slides/slide12.xml><?xml version="1.0" encoding="utf-8"?>
+<file path=ppt/slides/slide13.xml><?xml version="1.0" encoding="utf-8"?>
 <p:sld xmlns:a="http://schemas.openxmlformats.org/drawingml/2006/main" xmlns:r="http://schemas.openxmlformats.org/officeDocument/2006/relationships" xmlns:p="http://schemas.openxmlformats.org/presentationml/2006/main">
   <p:cSld>
     <p:spTree>
@@ -7866,10 +8278,10 @@
       </p:grpSpPr>
       <p:sp>
         <p:nvSpPr>
-          <p:cNvPr id="4" name="テキスト ボックス 3">
-            <a:extLst>
-              <a:ext uri="{FF2B5EF4-FFF2-40B4-BE49-F238E27FC236}">
-                <a16:creationId xmlns:a16="http://schemas.microsoft.com/office/drawing/2014/main" id="{0AE209E6-878C-BFD5-20E2-028A616D9235}"/>
+          <p:cNvPr id="5" name="テキスト ボックス 4">
+            <a:extLst>
+              <a:ext uri="{FF2B5EF4-FFF2-40B4-BE49-F238E27FC236}">
+                <a16:creationId xmlns:a16="http://schemas.microsoft.com/office/drawing/2014/main" id="{3491F824-9D9F-97D6-0950-2D2297DFDCFE}"/>
               </a:ext>
             </a:extLst>
           </p:cNvPr>
@@ -7878,8 +8290,8 @@
         </p:nvSpPr>
         <p:spPr>
           <a:xfrm>
-            <a:off x="517236" y="277091"/>
-            <a:ext cx="2272145" cy="461665"/>
+            <a:off x="914398" y="2393009"/>
+            <a:ext cx="2198255" cy="1200329"/>
           </a:xfrm>
           <a:prstGeom prst="rect">
             <a:avLst/>
@@ -7893,18 +8305,70 @@
           <a:lstStyle/>
           <a:p>
             <a:r>
-              <a:rPr kumimoji="1" lang="en-US" altLang="ja-JP" sz="2400" b="1"/>
-              <a:t>Configs</a:t>
-            </a:r>
-          </a:p>
-        </p:txBody>
-      </p:sp>
-      <p:sp>
-        <p:nvSpPr>
-          <p:cNvPr id="5" name="テキスト ボックス 4">
-            <a:extLst>
-              <a:ext uri="{FF2B5EF4-FFF2-40B4-BE49-F238E27FC236}">
-                <a16:creationId xmlns:a16="http://schemas.microsoft.com/office/drawing/2014/main" id="{3491F824-9D9F-97D6-0950-2D2297DFDCFE}"/>
+              <a:rPr kumimoji="1" lang="en-US" altLang="ja-JP" sz="1200" b="1"/>
+              <a:t>AbstractScraperConfig</a:t>
+            </a:r>
+          </a:p>
+          <a:p>
+            <a:r>
+              <a:rPr lang="en-US" altLang="ja-JP" sz="1000"/>
+              <a:t>- URL : string</a:t>
+            </a:r>
+          </a:p>
+          <a:p>
+            <a:r>
+              <a:rPr lang="en-US" altLang="ja-JP" sz="1000"/>
+              <a:t>- SITE_NAME : string</a:t>
+            </a:r>
+          </a:p>
+          <a:p>
+            <a:r>
+              <a:rPr lang="en-US" altLang="ja-JP" sz="1000"/>
+              <a:t>- LOGIC : string</a:t>
+            </a:r>
+          </a:p>
+          <a:p>
+            <a:r>
+              <a:rPr lang="en-US" altLang="ja-JP" sz="1000"/>
+              <a:t>- PAGES : List&lt;PageConfig&gt;</a:t>
+            </a:r>
+          </a:p>
+          <a:p>
+            <a:r>
+              <a:rPr lang="en-US" altLang="ja-JP" sz="1000"/>
+              <a:t>+ </a:t>
+            </a:r>
+            <a:r>
+              <a:rPr lang="en-US" altLang="ja-JP" sz="1000" err="1"/>
+              <a:t>GetHtml</a:t>
+            </a:r>
+            <a:r>
+              <a:rPr lang="en-US" altLang="ja-JP" sz="1000"/>
+              <a:t>(</a:t>
+            </a:r>
+            <a:r>
+              <a:rPr lang="en-US" altLang="ja-JP" sz="1000" err="1"/>
+              <a:t>url</a:t>
+            </a:r>
+            <a:r>
+              <a:rPr lang="en-US" altLang="ja-JP" sz="1000"/>
+              <a:t> : string) : string</a:t>
+            </a:r>
+          </a:p>
+          <a:p>
+            <a:r>
+              <a:rPr lang="en-US" altLang="ja-JP" sz="1000"/>
+              <a:t>+ GetItems() : List&lt;Object&gt;</a:t>
+            </a:r>
+          </a:p>
+        </p:txBody>
+      </p:sp>
+      <p:sp>
+        <p:nvSpPr>
+          <p:cNvPr id="6" name="テキスト ボックス 5">
+            <a:extLst>
+              <a:ext uri="{FF2B5EF4-FFF2-40B4-BE49-F238E27FC236}">
+                <a16:creationId xmlns:a16="http://schemas.microsoft.com/office/drawing/2014/main" id="{A4A10911-57DA-1EE9-A1F2-0691BE16FDBC}"/>
               </a:ext>
             </a:extLst>
           </p:cNvPr>
@@ -7913,8 +8377,8 @@
         </p:nvSpPr>
         <p:spPr>
           <a:xfrm>
-            <a:off x="1025237" y="1810358"/>
-            <a:ext cx="2881745" cy="1138773"/>
+            <a:off x="3057238" y="971566"/>
+            <a:ext cx="3241963" cy="430887"/>
           </a:xfrm>
           <a:prstGeom prst="rect">
             <a:avLst/>
@@ -7928,65 +8392,33 @@
           <a:lstStyle/>
           <a:p>
             <a:r>
-              <a:rPr kumimoji="1" lang="en-US" altLang="ja-JP"/>
-              <a:t>AbstractScraperConfig</a:t>
+              <a:rPr kumimoji="1" lang="en-US" altLang="ja-JP" sz="1200" b="1"/>
+              <a:t>ScraperConfigFactory</a:t>
             </a:r>
           </a:p>
           <a:p>
             <a:r>
               <a:rPr lang="en-US" altLang="ja-JP" sz="1000"/>
-              <a:t>- URL : string</a:t>
-            </a:r>
-          </a:p>
-          <a:p>
+              <a:t>+ Create(</a:t>
+            </a:r>
+            <a:r>
+              <a:rPr lang="en-US" altLang="ja-JP" sz="1000" err="1"/>
+              <a:t>json</a:t>
+            </a:r>
             <a:r>
               <a:rPr lang="en-US" altLang="ja-JP" sz="1000"/>
-              <a:t>- SITE_NAME : string</a:t>
-            </a:r>
-          </a:p>
-          <a:p>
-            <a:r>
-              <a:rPr lang="en-US" altLang="ja-JP" sz="1000"/>
-              <a:t>- LOGIC : string</a:t>
-            </a:r>
-          </a:p>
-          <a:p>
-            <a:r>
-              <a:rPr lang="en-US" altLang="ja-JP" sz="1000"/>
-              <a:t>+ </a:t>
-            </a:r>
-            <a:r>
-              <a:rPr lang="en-US" altLang="ja-JP" sz="1000" err="1"/>
-              <a:t>GetHtml</a:t>
-            </a:r>
-            <a:r>
-              <a:rPr lang="en-US" altLang="ja-JP" sz="1000"/>
-              <a:t>(</a:t>
-            </a:r>
-            <a:r>
-              <a:rPr lang="en-US" altLang="ja-JP" sz="1000" err="1"/>
-              <a:t>url</a:t>
-            </a:r>
-            <a:r>
-              <a:rPr lang="en-US" altLang="ja-JP" sz="1000"/>
-              <a:t> : string) : string</a:t>
-            </a:r>
-          </a:p>
-          <a:p>
-            <a:r>
-              <a:rPr lang="en-US" altLang="ja-JP" sz="1000"/>
-              <a:t>+ GetItems() : List&lt;Object&gt;</a:t>
-            </a:r>
-            <a:endParaRPr kumimoji="1" lang="ja-JP" altLang="en-US" sz="1000"/>
-          </a:p>
-        </p:txBody>
-      </p:sp>
-      <p:sp>
-        <p:nvSpPr>
-          <p:cNvPr id="6" name="テキスト ボックス 5">
-            <a:extLst>
-              <a:ext uri="{FF2B5EF4-FFF2-40B4-BE49-F238E27FC236}">
-                <a16:creationId xmlns:a16="http://schemas.microsoft.com/office/drawing/2014/main" id="{A4A10911-57DA-1EE9-A1F2-0691BE16FDBC}"/>
+              <a:t>: string): AbstractScraperConfig</a:t>
+            </a:r>
+            <a:endParaRPr lang="ja-JP" altLang="en-US" sz="1000"/>
+          </a:p>
+        </p:txBody>
+      </p:sp>
+      <p:sp>
+        <p:nvSpPr>
+          <p:cNvPr id="7" name="テキスト ボックス 6">
+            <a:extLst>
+              <a:ext uri="{FF2B5EF4-FFF2-40B4-BE49-F238E27FC236}">
+                <a16:creationId xmlns:a16="http://schemas.microsoft.com/office/drawing/2014/main" id="{0B8B8BE7-A982-D39A-A0C5-D4F887C508B5}"/>
               </a:ext>
             </a:extLst>
           </p:cNvPr>
@@ -7995,8 +8427,8 @@
         </p:nvSpPr>
         <p:spPr>
           <a:xfrm>
-            <a:off x="914401" y="1012947"/>
-            <a:ext cx="3694545" cy="523220"/>
+            <a:off x="4350329" y="1730499"/>
+            <a:ext cx="4488871" cy="2523768"/>
           </a:xfrm>
           <a:prstGeom prst="rect">
             <a:avLst/>
@@ -8010,57 +8442,7 @@
           <a:lstStyle/>
           <a:p>
             <a:r>
-              <a:rPr kumimoji="1" lang="en-US" altLang="ja-JP"/>
-              <a:t>ScraperConfigFactory</a:t>
-            </a:r>
-          </a:p>
-          <a:p>
-            <a:r>
-              <a:rPr lang="en-US" altLang="ja-JP" sz="1000"/>
-              <a:t>+ Create(</a:t>
-            </a:r>
-            <a:r>
-              <a:rPr lang="en-US" altLang="ja-JP" sz="1000" err="1"/>
-              <a:t>json</a:t>
-            </a:r>
-            <a:r>
-              <a:rPr lang="en-US" altLang="ja-JP" sz="1000"/>
-              <a:t>: string): AbstractScraperConfig</a:t>
-            </a:r>
-            <a:endParaRPr lang="ja-JP" altLang="en-US" sz="1000"/>
-          </a:p>
-        </p:txBody>
-      </p:sp>
-      <p:sp>
-        <p:nvSpPr>
-          <p:cNvPr id="7" name="テキスト ボックス 6">
-            <a:extLst>
-              <a:ext uri="{FF2B5EF4-FFF2-40B4-BE49-F238E27FC236}">
-                <a16:creationId xmlns:a16="http://schemas.microsoft.com/office/drawing/2014/main" id="{0B8B8BE7-A982-D39A-A0C5-D4F887C508B5}"/>
-              </a:ext>
-            </a:extLst>
-          </p:cNvPr>
-          <p:cNvSpPr txBox="1"/>
-          <p:nvPr/>
-        </p:nvSpPr>
-        <p:spPr>
-          <a:xfrm>
-            <a:off x="5929747" y="1810358"/>
-            <a:ext cx="4488871" cy="2523768"/>
-          </a:xfrm>
-          <a:prstGeom prst="rect">
-            <a:avLst/>
-          </a:prstGeom>
-          <a:noFill/>
-        </p:spPr>
-        <p:txBody>
-          <a:bodyPr wrap="square" rtlCol="0">
-            <a:spAutoFit/>
-          </a:bodyPr>
-          <a:lstStyle/>
-          <a:p>
-            <a:r>
-              <a:rPr kumimoji="1" lang="en-US" altLang="ja-JP"/>
+              <a:rPr kumimoji="1" lang="en-US" altLang="ja-JP" sz="1200" b="1"/>
               <a:t>PostsScraperConfig</a:t>
             </a:r>
           </a:p>
@@ -8160,13 +8542,17 @@
               </a:ext>
             </a:extLst>
           </p:cNvPr>
-          <p:cNvCxnSpPr/>
+          <p:cNvCxnSpPr>
+            <a:cxnSpLocks/>
+            <a:stCxn id="5" idx="3"/>
+            <a:endCxn id="7" idx="1"/>
+          </p:cNvCxnSpPr>
           <p:nvPr/>
         </p:nvCxnSpPr>
         <p:spPr>
-          <a:xfrm>
-            <a:off x="4064001" y="2379744"/>
-            <a:ext cx="1514764" cy="0"/>
+          <a:xfrm flipV="1">
+            <a:off x="3112653" y="2992383"/>
+            <a:ext cx="1237676" cy="791"/>
           </a:xfrm>
           <a:prstGeom prst="straightConnector1">
             <a:avLst/>
@@ -8190,6 +8576,1265 @@
           </a:fontRef>
         </p:style>
       </p:cxnSp>
+      <p:sp>
+        <p:nvSpPr>
+          <p:cNvPr id="18" name="吹き出し: 角を丸めた四角形 17">
+            <a:extLst>
+              <a:ext uri="{FF2B5EF4-FFF2-40B4-BE49-F238E27FC236}">
+                <a16:creationId xmlns:a16="http://schemas.microsoft.com/office/drawing/2014/main" id="{47F1016E-1EAD-CACF-556C-F92DA36D599E}"/>
+              </a:ext>
+            </a:extLst>
+          </p:cNvPr>
+          <p:cNvSpPr/>
+          <p:nvPr/>
+        </p:nvSpPr>
+        <p:spPr>
+          <a:xfrm>
+            <a:off x="5049983" y="377185"/>
+            <a:ext cx="2283690" cy="363288"/>
+          </a:xfrm>
+          <a:prstGeom prst="wedgeRoundRectCallout">
+            <a:avLst>
+              <a:gd name="adj1" fmla="val -59601"/>
+              <a:gd name="adj2" fmla="val 121543"/>
+              <a:gd name="adj3" fmla="val 16667"/>
+            </a:avLst>
+          </a:prstGeom>
+          <a:solidFill>
+            <a:schemeClr val="bg1"/>
+          </a:solidFill>
+          <a:ln w="3175">
+            <a:solidFill>
+              <a:schemeClr val="tx1"/>
+            </a:solidFill>
+          </a:ln>
+        </p:spPr>
+        <p:style>
+          <a:lnRef idx="2">
+            <a:schemeClr val="accent1">
+              <a:shade val="15000"/>
+            </a:schemeClr>
+          </a:lnRef>
+          <a:fillRef idx="1">
+            <a:schemeClr val="accent1"/>
+          </a:fillRef>
+          <a:effectRef idx="0">
+            <a:schemeClr val="accent1"/>
+          </a:effectRef>
+          <a:fontRef idx="minor">
+            <a:schemeClr val="lt1"/>
+          </a:fontRef>
+        </p:style>
+        <p:txBody>
+          <a:bodyPr rtlCol="0" anchor="ctr"/>
+          <a:lstStyle/>
+          <a:p>
+            <a:r>
+              <a:rPr lang="en-US" altLang="ja-JP" sz="800">
+                <a:solidFill>
+                  <a:schemeClr val="tx1"/>
+                </a:solidFill>
+              </a:rPr>
+              <a:t>ScraperOwner</a:t>
+            </a:r>
+            <a:r>
+              <a:rPr lang="ja-JP" altLang="en-US" sz="800">
+                <a:solidFill>
+                  <a:schemeClr val="tx1"/>
+                </a:solidFill>
+              </a:rPr>
+              <a:t>から</a:t>
+            </a:r>
+            <a:r>
+              <a:rPr lang="en-US" altLang="ja-JP" sz="800">
+                <a:solidFill>
+                  <a:schemeClr val="tx1"/>
+                </a:solidFill>
+              </a:rPr>
+              <a:t>Josn</a:t>
+            </a:r>
+            <a:r>
+              <a:rPr lang="ja-JP" altLang="en-US" sz="800">
+                <a:solidFill>
+                  <a:schemeClr val="tx1"/>
+                </a:solidFill>
+              </a:rPr>
+              <a:t>を受け取り</a:t>
+            </a:r>
+            <a:r>
+              <a:rPr lang="en-US" altLang="ja-JP" sz="800">
+                <a:solidFill>
+                  <a:schemeClr val="tx1"/>
+                </a:solidFill>
+              </a:rPr>
+              <a:t>AbstractScraperConfig</a:t>
+            </a:r>
+            <a:r>
+              <a:rPr lang="ja-JP" altLang="en-US" sz="800">
+                <a:solidFill>
+                  <a:schemeClr val="tx1"/>
+                </a:solidFill>
+              </a:rPr>
+              <a:t>のサブクラスをインスタンス化</a:t>
+            </a:r>
+          </a:p>
+        </p:txBody>
+      </p:sp>
+      <p:sp>
+        <p:nvSpPr>
+          <p:cNvPr id="20" name="テキスト ボックス 19">
+            <a:extLst>
+              <a:ext uri="{FF2B5EF4-FFF2-40B4-BE49-F238E27FC236}">
+                <a16:creationId xmlns:a16="http://schemas.microsoft.com/office/drawing/2014/main" id="{5FE21BAE-17F7-518A-2CFF-5961EE7FD1FC}"/>
+              </a:ext>
+            </a:extLst>
+          </p:cNvPr>
+          <p:cNvSpPr txBox="1"/>
+          <p:nvPr/>
+        </p:nvSpPr>
+        <p:spPr>
+          <a:xfrm>
+            <a:off x="9578109" y="2623051"/>
+            <a:ext cx="2613891" cy="738664"/>
+          </a:xfrm>
+          <a:prstGeom prst="rect">
+            <a:avLst/>
+          </a:prstGeom>
+          <a:noFill/>
+        </p:spPr>
+        <p:txBody>
+          <a:bodyPr wrap="square" rtlCol="0">
+            <a:spAutoFit/>
+          </a:bodyPr>
+          <a:lstStyle/>
+          <a:p>
+            <a:pPr algn="l"/>
+            <a:r>
+              <a:rPr kumimoji="1" lang="en-US" altLang="ja-JP" sz="1200" b="1"/>
+              <a:t>NodeSelector</a:t>
+            </a:r>
+          </a:p>
+          <a:p>
+            <a:pPr algn="l"/>
+            <a:r>
+              <a:rPr lang="en-US" altLang="ja-JP" sz="1000"/>
+              <a:t>- NODE : string</a:t>
+            </a:r>
+          </a:p>
+          <a:p>
+            <a:pPr algn="l"/>
+            <a:r>
+              <a:rPr lang="en-US" altLang="ja-JP" sz="1000"/>
+              <a:t>- TYPE : string</a:t>
+            </a:r>
+          </a:p>
+          <a:p>
+            <a:pPr algn="l"/>
+            <a:r>
+              <a:rPr lang="en-US" altLang="ja-JP" sz="1000"/>
+              <a:t>- ATTRIBUTE : string</a:t>
+            </a:r>
+          </a:p>
+        </p:txBody>
+      </p:sp>
+      <p:cxnSp>
+        <p:nvCxnSpPr>
+          <p:cNvPr id="25" name="直線コネクタ 24">
+            <a:extLst>
+              <a:ext uri="{FF2B5EF4-FFF2-40B4-BE49-F238E27FC236}">
+                <a16:creationId xmlns:a16="http://schemas.microsoft.com/office/drawing/2014/main" id="{12EC4C20-8062-1ECB-7F62-5572573E3BDE}"/>
+              </a:ext>
+            </a:extLst>
+          </p:cNvPr>
+          <p:cNvCxnSpPr>
+            <a:cxnSpLocks/>
+            <a:stCxn id="7" idx="3"/>
+            <a:endCxn id="20" idx="1"/>
+          </p:cNvCxnSpPr>
+          <p:nvPr/>
+        </p:nvCxnSpPr>
+        <p:spPr>
+          <a:xfrm>
+            <a:off x="8839200" y="2992383"/>
+            <a:ext cx="738909" cy="0"/>
+          </a:xfrm>
+          <a:prstGeom prst="line">
+            <a:avLst/>
+          </a:prstGeom>
+        </p:spPr>
+        <p:style>
+          <a:lnRef idx="2">
+            <a:schemeClr val="accent6"/>
+          </a:lnRef>
+          <a:fillRef idx="0">
+            <a:schemeClr val="accent6"/>
+          </a:fillRef>
+          <a:effectRef idx="1">
+            <a:schemeClr val="accent6"/>
+          </a:effectRef>
+          <a:fontRef idx="minor">
+            <a:schemeClr val="tx1"/>
+          </a:fontRef>
+        </p:style>
+      </p:cxnSp>
+      <p:sp>
+        <p:nvSpPr>
+          <p:cNvPr id="28" name="ひし形 27">
+            <a:extLst>
+              <a:ext uri="{FF2B5EF4-FFF2-40B4-BE49-F238E27FC236}">
+                <a16:creationId xmlns:a16="http://schemas.microsoft.com/office/drawing/2014/main" id="{78FB580E-33B4-2C83-D7B9-1F9C1A29B4B5}"/>
+              </a:ext>
+            </a:extLst>
+          </p:cNvPr>
+          <p:cNvSpPr/>
+          <p:nvPr/>
+        </p:nvSpPr>
+        <p:spPr>
+          <a:xfrm>
+            <a:off x="8672945" y="2909255"/>
+            <a:ext cx="166255" cy="166255"/>
+          </a:xfrm>
+          <a:prstGeom prst="diamond">
+            <a:avLst/>
+          </a:prstGeom>
+          <a:solidFill>
+            <a:schemeClr val="accent6"/>
+          </a:solidFill>
+          <a:ln w="3175">
+            <a:solidFill>
+              <a:schemeClr val="accent6"/>
+            </a:solidFill>
+          </a:ln>
+        </p:spPr>
+        <p:style>
+          <a:lnRef idx="2">
+            <a:schemeClr val="accent1">
+              <a:shade val="15000"/>
+            </a:schemeClr>
+          </a:lnRef>
+          <a:fillRef idx="1">
+            <a:schemeClr val="accent1"/>
+          </a:fillRef>
+          <a:effectRef idx="0">
+            <a:schemeClr val="accent1"/>
+          </a:effectRef>
+          <a:fontRef idx="minor">
+            <a:schemeClr val="lt1"/>
+          </a:fontRef>
+        </p:style>
+        <p:txBody>
+          <a:bodyPr rtlCol="0" anchor="ctr"/>
+          <a:lstStyle/>
+          <a:p>
+            <a:pPr algn="l"/>
+            <a:endParaRPr kumimoji="1" lang="ja-JP" altLang="en-US" sz="800">
+              <a:solidFill>
+                <a:schemeClr val="tx1"/>
+              </a:solidFill>
+            </a:endParaRPr>
+          </a:p>
+        </p:txBody>
+      </p:sp>
+      <p:sp>
+        <p:nvSpPr>
+          <p:cNvPr id="29" name="吹き出し: 角を丸めた四角形 28">
+            <a:extLst>
+              <a:ext uri="{FF2B5EF4-FFF2-40B4-BE49-F238E27FC236}">
+                <a16:creationId xmlns:a16="http://schemas.microsoft.com/office/drawing/2014/main" id="{AA955567-C571-796C-1022-B3F7F5CF6A77}"/>
+              </a:ext>
+            </a:extLst>
+          </p:cNvPr>
+          <p:cNvSpPr/>
+          <p:nvPr/>
+        </p:nvSpPr>
+        <p:spPr>
+          <a:xfrm>
+            <a:off x="9836727" y="1668154"/>
+            <a:ext cx="1930400" cy="572653"/>
+          </a:xfrm>
+          <a:prstGeom prst="wedgeRoundRectCallout">
+            <a:avLst>
+              <a:gd name="adj1" fmla="val -35195"/>
+              <a:gd name="adj2" fmla="val 89919"/>
+              <a:gd name="adj3" fmla="val 16667"/>
+            </a:avLst>
+          </a:prstGeom>
+          <a:solidFill>
+            <a:schemeClr val="bg1"/>
+          </a:solidFill>
+          <a:ln w="3175">
+            <a:solidFill>
+              <a:schemeClr val="tx1"/>
+            </a:solidFill>
+          </a:ln>
+        </p:spPr>
+        <p:style>
+          <a:lnRef idx="2">
+            <a:schemeClr val="accent1">
+              <a:shade val="15000"/>
+            </a:schemeClr>
+          </a:lnRef>
+          <a:fillRef idx="1">
+            <a:schemeClr val="accent1"/>
+          </a:fillRef>
+          <a:effectRef idx="0">
+            <a:schemeClr val="accent1"/>
+          </a:effectRef>
+          <a:fontRef idx="minor">
+            <a:schemeClr val="lt1"/>
+          </a:fontRef>
+        </p:style>
+        <p:txBody>
+          <a:bodyPr rtlCol="0" anchor="ctr"/>
+          <a:lstStyle/>
+          <a:p>
+            <a:pPr algn="l"/>
+            <a:r>
+              <a:rPr kumimoji="1" lang="en-US" altLang="ja-JP" sz="800">
+                <a:solidFill>
+                  <a:schemeClr val="tx1"/>
+                </a:solidFill>
+              </a:rPr>
+              <a:t>Node</a:t>
+            </a:r>
+            <a:r>
+              <a:rPr kumimoji="1" lang="ja-JP" altLang="en-US" sz="800">
+                <a:solidFill>
+                  <a:schemeClr val="tx1"/>
+                </a:solidFill>
+              </a:rPr>
+              <a:t>の位置情報と、</a:t>
+            </a:r>
+            <a:br>
+              <a:rPr kumimoji="1" lang="en-US" altLang="ja-JP" sz="800">
+                <a:solidFill>
+                  <a:schemeClr val="tx1"/>
+                </a:solidFill>
+              </a:rPr>
+            </a:br>
+            <a:r>
+              <a:rPr kumimoji="1" lang="ja-JP" altLang="en-US" sz="800">
+                <a:solidFill>
+                  <a:schemeClr val="tx1"/>
+                </a:solidFill>
+              </a:rPr>
+              <a:t>値が</a:t>
+            </a:r>
+            <a:r>
+              <a:rPr kumimoji="1" lang="en-US" altLang="ja-JP" sz="800">
+                <a:solidFill>
+                  <a:schemeClr val="tx1"/>
+                </a:solidFill>
+              </a:rPr>
+              <a:t>text</a:t>
+            </a:r>
+            <a:r>
+              <a:rPr kumimoji="1" lang="ja-JP" altLang="en-US" sz="800">
+                <a:solidFill>
+                  <a:schemeClr val="tx1"/>
+                </a:solidFill>
+              </a:rPr>
+              <a:t>か</a:t>
+            </a:r>
+            <a:r>
+              <a:rPr kumimoji="1" lang="en-US" altLang="ja-JP" sz="800">
+                <a:solidFill>
+                  <a:schemeClr val="tx1"/>
+                </a:solidFill>
+              </a:rPr>
+              <a:t>attribute</a:t>
+            </a:r>
+            <a:r>
+              <a:rPr lang="ja-JP" altLang="en-US" sz="800">
+                <a:solidFill>
+                  <a:schemeClr val="tx1"/>
+                </a:solidFill>
+              </a:rPr>
+              <a:t>なのかの情報と、</a:t>
+            </a:r>
+            <a:r>
+              <a:rPr lang="en-US" altLang="ja-JP" sz="800">
+                <a:solidFill>
+                  <a:schemeClr val="tx1"/>
+                </a:solidFill>
+              </a:rPr>
+              <a:t>attribute</a:t>
+            </a:r>
+            <a:r>
+              <a:rPr lang="ja-JP" altLang="en-US" sz="800">
+                <a:solidFill>
+                  <a:schemeClr val="tx1"/>
+                </a:solidFill>
+              </a:rPr>
+              <a:t>だった場合の取得したい値の属性を記載</a:t>
+            </a:r>
+            <a:endParaRPr kumimoji="1" lang="ja-JP" altLang="en-US" sz="800">
+              <a:solidFill>
+                <a:schemeClr val="tx1"/>
+              </a:solidFill>
+            </a:endParaRPr>
+          </a:p>
+        </p:txBody>
+      </p:sp>
+      <p:sp>
+        <p:nvSpPr>
+          <p:cNvPr id="30" name="テキスト ボックス 29">
+            <a:extLst>
+              <a:ext uri="{FF2B5EF4-FFF2-40B4-BE49-F238E27FC236}">
+                <a16:creationId xmlns:a16="http://schemas.microsoft.com/office/drawing/2014/main" id="{ABC3673B-9006-2CB5-5CDD-9B666B87D1F8}"/>
+              </a:ext>
+            </a:extLst>
+          </p:cNvPr>
+          <p:cNvSpPr txBox="1"/>
+          <p:nvPr/>
+        </p:nvSpPr>
+        <p:spPr>
+          <a:xfrm>
+            <a:off x="852053" y="4849599"/>
+            <a:ext cx="2322946" cy="584775"/>
+          </a:xfrm>
+          <a:prstGeom prst="rect">
+            <a:avLst/>
+          </a:prstGeom>
+          <a:noFill/>
+        </p:spPr>
+        <p:txBody>
+          <a:bodyPr wrap="square" rtlCol="0">
+            <a:spAutoFit/>
+          </a:bodyPr>
+          <a:lstStyle/>
+          <a:p>
+            <a:r>
+              <a:rPr lang="en-US" altLang="ja-JP" sz="1200" b="1"/>
+              <a:t>PageConfig</a:t>
+            </a:r>
+            <a:r>
+              <a:rPr lang="en-US" altLang="ja-JP" sz="1000" b="1"/>
+              <a:t> </a:t>
+            </a:r>
+          </a:p>
+          <a:p>
+            <a:r>
+              <a:rPr lang="en-US" altLang="ja-JP" sz="1000"/>
+              <a:t>- TARGET_LINK : TargetLinkConfig</a:t>
+            </a:r>
+          </a:p>
+          <a:p>
+            <a:r>
+              <a:rPr lang="en-US" altLang="ja-JP" sz="1000"/>
+              <a:t>- PAGINATION  : PaginationConfig</a:t>
+            </a:r>
+            <a:endParaRPr kumimoji="1" lang="ja-JP" altLang="en-US" sz="1000"/>
+          </a:p>
+        </p:txBody>
+      </p:sp>
+      <p:sp>
+        <p:nvSpPr>
+          <p:cNvPr id="38" name="テキスト ボックス 37">
+            <a:extLst>
+              <a:ext uri="{FF2B5EF4-FFF2-40B4-BE49-F238E27FC236}">
+                <a16:creationId xmlns:a16="http://schemas.microsoft.com/office/drawing/2014/main" id="{CC9815E0-2C1F-4CE3-C888-6BBB142C6550}"/>
+              </a:ext>
+            </a:extLst>
+          </p:cNvPr>
+          <p:cNvSpPr txBox="1"/>
+          <p:nvPr/>
+        </p:nvSpPr>
+        <p:spPr>
+          <a:xfrm>
+            <a:off x="4438072" y="4557211"/>
+            <a:ext cx="1625600" cy="584775"/>
+          </a:xfrm>
+          <a:prstGeom prst="rect">
+            <a:avLst/>
+          </a:prstGeom>
+          <a:noFill/>
+        </p:spPr>
+        <p:txBody>
+          <a:bodyPr wrap="square" rtlCol="0">
+            <a:spAutoFit/>
+          </a:bodyPr>
+          <a:lstStyle/>
+          <a:p>
+            <a:r>
+              <a:rPr lang="en-US" altLang="ja-JP" sz="1200" b="1"/>
+              <a:t>TargetLinkConfig</a:t>
+            </a:r>
+          </a:p>
+          <a:p>
+            <a:r>
+              <a:rPr lang="en-US" altLang="ja-JP" sz="1000"/>
+              <a:t>- NODE : string</a:t>
+            </a:r>
+          </a:p>
+          <a:p>
+            <a:r>
+              <a:rPr lang="en-US" altLang="ja-JP" sz="1000"/>
+              <a:t>- LINKTEXT : string</a:t>
+            </a:r>
+            <a:endParaRPr kumimoji="1" lang="ja-JP" altLang="en-US" sz="1000"/>
+          </a:p>
+        </p:txBody>
+      </p:sp>
+      <p:sp>
+        <p:nvSpPr>
+          <p:cNvPr id="39" name="テキスト ボックス 38">
+            <a:extLst>
+              <a:ext uri="{FF2B5EF4-FFF2-40B4-BE49-F238E27FC236}">
+                <a16:creationId xmlns:a16="http://schemas.microsoft.com/office/drawing/2014/main" id="{B0F65395-742D-8A5D-8D62-6554269F4D27}"/>
+              </a:ext>
+            </a:extLst>
+          </p:cNvPr>
+          <p:cNvSpPr txBox="1"/>
+          <p:nvPr/>
+        </p:nvSpPr>
+        <p:spPr>
+          <a:xfrm>
+            <a:off x="4470399" y="5227322"/>
+            <a:ext cx="1625601" cy="584775"/>
+          </a:xfrm>
+          <a:prstGeom prst="rect">
+            <a:avLst/>
+          </a:prstGeom>
+          <a:noFill/>
+        </p:spPr>
+        <p:txBody>
+          <a:bodyPr wrap="square" rtlCol="0">
+            <a:spAutoFit/>
+          </a:bodyPr>
+          <a:lstStyle/>
+          <a:p>
+            <a:r>
+              <a:rPr lang="en-US" altLang="ja-JP" sz="1200" b="1"/>
+              <a:t>PaginationConfig</a:t>
+            </a:r>
+          </a:p>
+          <a:p>
+            <a:r>
+              <a:rPr lang="en-US" altLang="ja-JP" sz="1000"/>
+              <a:t>- NEXT_LINK : string</a:t>
+            </a:r>
+          </a:p>
+          <a:p>
+            <a:r>
+              <a:rPr lang="en-US" altLang="ja-JP" sz="1000"/>
+              <a:t>- PREV_LINK : string</a:t>
+            </a:r>
+            <a:endParaRPr kumimoji="1" lang="ja-JP" altLang="en-US" sz="1000"/>
+          </a:p>
+        </p:txBody>
+      </p:sp>
+      <p:cxnSp>
+        <p:nvCxnSpPr>
+          <p:cNvPr id="42" name="直線コネクタ 41">
+            <a:extLst>
+              <a:ext uri="{FF2B5EF4-FFF2-40B4-BE49-F238E27FC236}">
+                <a16:creationId xmlns:a16="http://schemas.microsoft.com/office/drawing/2014/main" id="{AF71D97F-3748-3211-BBD1-E58A006CE056}"/>
+              </a:ext>
+            </a:extLst>
+          </p:cNvPr>
+          <p:cNvCxnSpPr>
+            <a:cxnSpLocks/>
+            <a:stCxn id="30" idx="0"/>
+            <a:endCxn id="43" idx="2"/>
+          </p:cNvCxnSpPr>
+          <p:nvPr/>
+        </p:nvCxnSpPr>
+        <p:spPr>
+          <a:xfrm flipH="1" flipV="1">
+            <a:off x="2013525" y="3719134"/>
+            <a:ext cx="1" cy="1130465"/>
+          </a:xfrm>
+          <a:prstGeom prst="line">
+            <a:avLst/>
+          </a:prstGeom>
+        </p:spPr>
+        <p:style>
+          <a:lnRef idx="2">
+            <a:schemeClr val="accent6"/>
+          </a:lnRef>
+          <a:fillRef idx="0">
+            <a:schemeClr val="accent6"/>
+          </a:fillRef>
+          <a:effectRef idx="1">
+            <a:schemeClr val="accent6"/>
+          </a:effectRef>
+          <a:fontRef idx="minor">
+            <a:schemeClr val="tx1"/>
+          </a:fontRef>
+        </p:style>
+      </p:cxnSp>
+      <p:sp>
+        <p:nvSpPr>
+          <p:cNvPr id="43" name="ひし形 42">
+            <a:extLst>
+              <a:ext uri="{FF2B5EF4-FFF2-40B4-BE49-F238E27FC236}">
+                <a16:creationId xmlns:a16="http://schemas.microsoft.com/office/drawing/2014/main" id="{CE3D8741-4C90-B69C-F01A-80D9918C3AFD}"/>
+              </a:ext>
+            </a:extLst>
+          </p:cNvPr>
+          <p:cNvSpPr/>
+          <p:nvPr/>
+        </p:nvSpPr>
+        <p:spPr>
+          <a:xfrm>
+            <a:off x="1930397" y="3552879"/>
+            <a:ext cx="166255" cy="166255"/>
+          </a:xfrm>
+          <a:prstGeom prst="diamond">
+            <a:avLst/>
+          </a:prstGeom>
+          <a:solidFill>
+            <a:schemeClr val="accent6"/>
+          </a:solidFill>
+          <a:ln w="3175">
+            <a:solidFill>
+              <a:schemeClr val="accent6"/>
+            </a:solidFill>
+          </a:ln>
+        </p:spPr>
+        <p:style>
+          <a:lnRef idx="2">
+            <a:schemeClr val="accent1">
+              <a:shade val="15000"/>
+            </a:schemeClr>
+          </a:lnRef>
+          <a:fillRef idx="1">
+            <a:schemeClr val="accent1"/>
+          </a:fillRef>
+          <a:effectRef idx="0">
+            <a:schemeClr val="accent1"/>
+          </a:effectRef>
+          <a:fontRef idx="minor">
+            <a:schemeClr val="lt1"/>
+          </a:fontRef>
+        </p:style>
+        <p:txBody>
+          <a:bodyPr rtlCol="0" anchor="ctr"/>
+          <a:lstStyle/>
+          <a:p>
+            <a:pPr algn="l"/>
+            <a:endParaRPr kumimoji="1" lang="ja-JP" altLang="en-US" sz="800">
+              <a:solidFill>
+                <a:schemeClr val="tx1"/>
+              </a:solidFill>
+            </a:endParaRPr>
+          </a:p>
+        </p:txBody>
+      </p:sp>
+      <p:cxnSp>
+        <p:nvCxnSpPr>
+          <p:cNvPr id="45" name="直線コネクタ 44">
+            <a:extLst>
+              <a:ext uri="{FF2B5EF4-FFF2-40B4-BE49-F238E27FC236}">
+                <a16:creationId xmlns:a16="http://schemas.microsoft.com/office/drawing/2014/main" id="{A367D5C8-8433-AD73-D7C4-7E1F6B28AFC1}"/>
+              </a:ext>
+            </a:extLst>
+          </p:cNvPr>
+          <p:cNvCxnSpPr>
+            <a:cxnSpLocks/>
+            <a:stCxn id="30" idx="3"/>
+            <a:endCxn id="38" idx="1"/>
+          </p:cNvCxnSpPr>
+          <p:nvPr/>
+        </p:nvCxnSpPr>
+        <p:spPr>
+          <a:xfrm flipV="1">
+            <a:off x="3174999" y="4849599"/>
+            <a:ext cx="1263073" cy="292388"/>
+          </a:xfrm>
+          <a:prstGeom prst="line">
+            <a:avLst/>
+          </a:prstGeom>
+        </p:spPr>
+        <p:style>
+          <a:lnRef idx="2">
+            <a:schemeClr val="accent6"/>
+          </a:lnRef>
+          <a:fillRef idx="0">
+            <a:schemeClr val="accent6"/>
+          </a:fillRef>
+          <a:effectRef idx="1">
+            <a:schemeClr val="accent6"/>
+          </a:effectRef>
+          <a:fontRef idx="minor">
+            <a:schemeClr val="tx1"/>
+          </a:fontRef>
+        </p:style>
+      </p:cxnSp>
+      <p:sp>
+        <p:nvSpPr>
+          <p:cNvPr id="46" name="ひし形 45">
+            <a:extLst>
+              <a:ext uri="{FF2B5EF4-FFF2-40B4-BE49-F238E27FC236}">
+                <a16:creationId xmlns:a16="http://schemas.microsoft.com/office/drawing/2014/main" id="{2412A4C0-650C-DCE8-2191-869C2D3C4103}"/>
+              </a:ext>
+            </a:extLst>
+          </p:cNvPr>
+          <p:cNvSpPr/>
+          <p:nvPr/>
+        </p:nvSpPr>
+        <p:spPr>
+          <a:xfrm>
+            <a:off x="3112653" y="5058858"/>
+            <a:ext cx="166255" cy="166255"/>
+          </a:xfrm>
+          <a:prstGeom prst="diamond">
+            <a:avLst/>
+          </a:prstGeom>
+          <a:solidFill>
+            <a:schemeClr val="accent6"/>
+          </a:solidFill>
+          <a:ln w="3175">
+            <a:solidFill>
+              <a:schemeClr val="accent6"/>
+            </a:solidFill>
+          </a:ln>
+        </p:spPr>
+        <p:style>
+          <a:lnRef idx="2">
+            <a:schemeClr val="accent1">
+              <a:shade val="15000"/>
+            </a:schemeClr>
+          </a:lnRef>
+          <a:fillRef idx="1">
+            <a:schemeClr val="accent1"/>
+          </a:fillRef>
+          <a:effectRef idx="0">
+            <a:schemeClr val="accent1"/>
+          </a:effectRef>
+          <a:fontRef idx="minor">
+            <a:schemeClr val="lt1"/>
+          </a:fontRef>
+        </p:style>
+        <p:txBody>
+          <a:bodyPr rtlCol="0" anchor="ctr"/>
+          <a:lstStyle/>
+          <a:p>
+            <a:pPr algn="l"/>
+            <a:endParaRPr kumimoji="1" lang="ja-JP" altLang="en-US" sz="800">
+              <a:solidFill>
+                <a:schemeClr val="tx1"/>
+              </a:solidFill>
+            </a:endParaRPr>
+          </a:p>
+        </p:txBody>
+      </p:sp>
+      <p:cxnSp>
+        <p:nvCxnSpPr>
+          <p:cNvPr id="54" name="直線コネクタ 53">
+            <a:extLst>
+              <a:ext uri="{FF2B5EF4-FFF2-40B4-BE49-F238E27FC236}">
+                <a16:creationId xmlns:a16="http://schemas.microsoft.com/office/drawing/2014/main" id="{1C798E2D-31F5-E71D-AEFE-5C0F9588D0C6}"/>
+              </a:ext>
+            </a:extLst>
+          </p:cNvPr>
+          <p:cNvCxnSpPr>
+            <a:cxnSpLocks/>
+            <a:stCxn id="46" idx="1"/>
+            <a:endCxn id="39" idx="1"/>
+          </p:cNvCxnSpPr>
+          <p:nvPr/>
+        </p:nvCxnSpPr>
+        <p:spPr>
+          <a:xfrm>
+            <a:off x="3112653" y="5141986"/>
+            <a:ext cx="1357746" cy="377724"/>
+          </a:xfrm>
+          <a:prstGeom prst="line">
+            <a:avLst/>
+          </a:prstGeom>
+        </p:spPr>
+        <p:style>
+          <a:lnRef idx="2">
+            <a:schemeClr val="accent6"/>
+          </a:lnRef>
+          <a:fillRef idx="0">
+            <a:schemeClr val="accent6"/>
+          </a:fillRef>
+          <a:effectRef idx="1">
+            <a:schemeClr val="accent6"/>
+          </a:effectRef>
+          <a:fontRef idx="minor">
+            <a:schemeClr val="tx1"/>
+          </a:fontRef>
+        </p:style>
+      </p:cxnSp>
+      <p:sp>
+        <p:nvSpPr>
+          <p:cNvPr id="67" name="吹き出し: 角を丸めた四角形 66">
+            <a:extLst>
+              <a:ext uri="{FF2B5EF4-FFF2-40B4-BE49-F238E27FC236}">
+                <a16:creationId xmlns:a16="http://schemas.microsoft.com/office/drawing/2014/main" id="{2F579C10-F466-A2E9-8B97-AD60CF193148}"/>
+              </a:ext>
+            </a:extLst>
+          </p:cNvPr>
+          <p:cNvSpPr/>
+          <p:nvPr/>
+        </p:nvSpPr>
+        <p:spPr>
+          <a:xfrm>
+            <a:off x="1145307" y="1699643"/>
+            <a:ext cx="1736436" cy="430809"/>
+          </a:xfrm>
+          <a:prstGeom prst="wedgeRoundRectCallout">
+            <a:avLst>
+              <a:gd name="adj1" fmla="val -27748"/>
+              <a:gd name="adj2" fmla="val 96803"/>
+              <a:gd name="adj3" fmla="val 16667"/>
+            </a:avLst>
+          </a:prstGeom>
+          <a:solidFill>
+            <a:schemeClr val="bg1"/>
+          </a:solidFill>
+          <a:ln w="3175">
+            <a:solidFill>
+              <a:schemeClr val="tx1"/>
+            </a:solidFill>
+          </a:ln>
+        </p:spPr>
+        <p:style>
+          <a:lnRef idx="2">
+            <a:schemeClr val="accent1">
+              <a:shade val="15000"/>
+            </a:schemeClr>
+          </a:lnRef>
+          <a:fillRef idx="1">
+            <a:schemeClr val="accent1"/>
+          </a:fillRef>
+          <a:effectRef idx="0">
+            <a:schemeClr val="accent1"/>
+          </a:effectRef>
+          <a:fontRef idx="minor">
+            <a:schemeClr val="lt1"/>
+          </a:fontRef>
+        </p:style>
+        <p:txBody>
+          <a:bodyPr rtlCol="0" anchor="ctr"/>
+          <a:lstStyle/>
+          <a:p>
+            <a:pPr algn="l"/>
+            <a:r>
+              <a:rPr kumimoji="1" lang="en-US" altLang="ja-JP" sz="800">
+                <a:solidFill>
+                  <a:schemeClr val="tx1"/>
+                </a:solidFill>
+              </a:rPr>
+              <a:t>Config</a:t>
+            </a:r>
+            <a:r>
+              <a:rPr kumimoji="1" lang="ja-JP" altLang="en-US" sz="800">
+                <a:solidFill>
+                  <a:schemeClr val="tx1"/>
+                </a:solidFill>
+              </a:rPr>
+              <a:t>クラスの抽象クラス</a:t>
+            </a:r>
+            <a:br>
+              <a:rPr kumimoji="1" lang="en-US" altLang="ja-JP" sz="800">
+                <a:solidFill>
+                  <a:schemeClr val="tx1"/>
+                </a:solidFill>
+              </a:rPr>
+            </a:br>
+            <a:r>
+              <a:rPr kumimoji="1" lang="ja-JP" altLang="en-US" sz="800">
+                <a:solidFill>
+                  <a:schemeClr val="tx1"/>
+                </a:solidFill>
+              </a:rPr>
+              <a:t>共通メンバは実装する</a:t>
+            </a:r>
+          </a:p>
+        </p:txBody>
+      </p:sp>
+      <p:sp>
+        <p:nvSpPr>
+          <p:cNvPr id="68" name="吹き出し: 角を丸めた四角形 67">
+            <a:extLst>
+              <a:ext uri="{FF2B5EF4-FFF2-40B4-BE49-F238E27FC236}">
+                <a16:creationId xmlns:a16="http://schemas.microsoft.com/office/drawing/2014/main" id="{8D2D57A1-0AC9-E933-1251-4E1D3ABC683A}"/>
+              </a:ext>
+            </a:extLst>
+          </p:cNvPr>
+          <p:cNvSpPr/>
+          <p:nvPr/>
+        </p:nvSpPr>
+        <p:spPr>
+          <a:xfrm>
+            <a:off x="6428511" y="1237034"/>
+            <a:ext cx="1717964" cy="462609"/>
+          </a:xfrm>
+          <a:prstGeom prst="wedgeRoundRectCallout">
+            <a:avLst>
+              <a:gd name="adj1" fmla="val -69220"/>
+              <a:gd name="adj2" fmla="val 76477"/>
+              <a:gd name="adj3" fmla="val 16667"/>
+            </a:avLst>
+          </a:prstGeom>
+          <a:solidFill>
+            <a:schemeClr val="bg1"/>
+          </a:solidFill>
+          <a:ln w="3175">
+            <a:solidFill>
+              <a:schemeClr val="tx1"/>
+            </a:solidFill>
+          </a:ln>
+        </p:spPr>
+        <p:style>
+          <a:lnRef idx="2">
+            <a:schemeClr val="accent1">
+              <a:shade val="15000"/>
+            </a:schemeClr>
+          </a:lnRef>
+          <a:fillRef idx="1">
+            <a:schemeClr val="accent1"/>
+          </a:fillRef>
+          <a:effectRef idx="0">
+            <a:schemeClr val="accent1"/>
+          </a:effectRef>
+          <a:fontRef idx="minor">
+            <a:schemeClr val="lt1"/>
+          </a:fontRef>
+        </p:style>
+        <p:txBody>
+          <a:bodyPr rtlCol="0" anchor="ctr"/>
+          <a:lstStyle/>
+          <a:p>
+            <a:pPr algn="l"/>
+            <a:r>
+              <a:rPr lang="en-US" altLang="ja-JP" sz="800">
+                <a:solidFill>
+                  <a:schemeClr val="tx1"/>
+                </a:solidFill>
+              </a:rPr>
+              <a:t>LOGIC:POSTS</a:t>
+            </a:r>
+            <a:r>
+              <a:rPr lang="ja-JP" altLang="en-US" sz="800">
+                <a:solidFill>
+                  <a:schemeClr val="tx1"/>
+                </a:solidFill>
+              </a:rPr>
+              <a:t>の</a:t>
+            </a:r>
+            <a:r>
+              <a:rPr lang="en-US" altLang="ja-JP" sz="800">
+                <a:solidFill>
+                  <a:schemeClr val="tx1"/>
+                </a:solidFill>
+              </a:rPr>
+              <a:t>config</a:t>
+            </a:r>
+            <a:r>
+              <a:rPr lang="ja-JP" altLang="en-US" sz="800">
+                <a:solidFill>
+                  <a:schemeClr val="tx1"/>
+                </a:solidFill>
+              </a:rPr>
+              <a:t>クラス</a:t>
+            </a:r>
+            <a:endParaRPr kumimoji="1" lang="ja-JP" altLang="en-US" sz="800">
+              <a:solidFill>
+                <a:schemeClr val="tx1"/>
+              </a:solidFill>
+            </a:endParaRPr>
+          </a:p>
+        </p:txBody>
+      </p:sp>
+      <p:sp>
+        <p:nvSpPr>
+          <p:cNvPr id="69" name="吹き出し: 角を丸めた四角形 68">
+            <a:extLst>
+              <a:ext uri="{FF2B5EF4-FFF2-40B4-BE49-F238E27FC236}">
+                <a16:creationId xmlns:a16="http://schemas.microsoft.com/office/drawing/2014/main" id="{1272564F-B619-E7E9-335D-6C34AF462A43}"/>
+              </a:ext>
+            </a:extLst>
+          </p:cNvPr>
+          <p:cNvSpPr/>
+          <p:nvPr/>
+        </p:nvSpPr>
+        <p:spPr>
+          <a:xfrm>
+            <a:off x="1514764" y="5809888"/>
+            <a:ext cx="2438400" cy="584775"/>
+          </a:xfrm>
+          <a:prstGeom prst="wedgeRoundRectCallout">
+            <a:avLst>
+              <a:gd name="adj1" fmla="val -46521"/>
+              <a:gd name="adj2" fmla="val -95447"/>
+              <a:gd name="adj3" fmla="val 16667"/>
+            </a:avLst>
+          </a:prstGeom>
+          <a:solidFill>
+            <a:schemeClr val="bg1"/>
+          </a:solidFill>
+          <a:ln w="3175">
+            <a:solidFill>
+              <a:schemeClr val="tx1"/>
+            </a:solidFill>
+          </a:ln>
+        </p:spPr>
+        <p:style>
+          <a:lnRef idx="2">
+            <a:schemeClr val="accent1">
+              <a:shade val="15000"/>
+            </a:schemeClr>
+          </a:lnRef>
+          <a:fillRef idx="1">
+            <a:schemeClr val="accent1"/>
+          </a:fillRef>
+          <a:effectRef idx="0">
+            <a:schemeClr val="accent1"/>
+          </a:effectRef>
+          <a:fontRef idx="minor">
+            <a:schemeClr val="lt1"/>
+          </a:fontRef>
+        </p:style>
+        <p:txBody>
+          <a:bodyPr rtlCol="0" anchor="ctr"/>
+          <a:lstStyle/>
+          <a:p>
+            <a:r>
+              <a:rPr lang="ja-JP" altLang="en-US" sz="800">
+                <a:solidFill>
+                  <a:schemeClr val="tx1"/>
+                </a:solidFill>
+              </a:rPr>
+              <a:t>踏みたいリンクの</a:t>
+            </a:r>
+            <a:r>
+              <a:rPr lang="en-US" altLang="ja-JP" sz="800">
+                <a:solidFill>
+                  <a:schemeClr val="tx1"/>
+                </a:solidFill>
+              </a:rPr>
+              <a:t>Node</a:t>
+            </a:r>
+            <a:r>
+              <a:rPr lang="ja-JP" altLang="en-US" sz="800">
+                <a:solidFill>
+                  <a:schemeClr val="tx1"/>
+                </a:solidFill>
+              </a:rPr>
+              <a:t>とリンクテキストを定義</a:t>
+            </a:r>
+            <a:br>
+              <a:rPr lang="en-US" altLang="ja-JP" sz="800">
+                <a:solidFill>
+                  <a:schemeClr val="tx1"/>
+                </a:solidFill>
+              </a:rPr>
+            </a:br>
+            <a:r>
+              <a:rPr lang="ja-JP" altLang="en-US" sz="800">
+                <a:solidFill>
+                  <a:schemeClr val="tx1"/>
+                </a:solidFill>
+              </a:rPr>
+              <a:t>ページネーションが存在する場合、ページ遷移するための</a:t>
+            </a:r>
+            <a:r>
+              <a:rPr lang="en-US" altLang="ja-JP" sz="800">
+                <a:solidFill>
+                  <a:schemeClr val="tx1"/>
+                </a:solidFill>
+              </a:rPr>
+              <a:t>next_link</a:t>
+            </a:r>
+            <a:r>
+              <a:rPr lang="ja-JP" altLang="en-US" sz="800">
+                <a:solidFill>
+                  <a:schemeClr val="tx1"/>
+                </a:solidFill>
+              </a:rPr>
+              <a:t>と</a:t>
+            </a:r>
+            <a:r>
+              <a:rPr lang="en-US" altLang="ja-JP" sz="800">
+                <a:solidFill>
+                  <a:schemeClr val="tx1"/>
+                </a:solidFill>
+              </a:rPr>
+              <a:t>prev_link</a:t>
+            </a:r>
+            <a:r>
+              <a:rPr lang="ja-JP" altLang="en-US" sz="800">
+                <a:solidFill>
+                  <a:schemeClr val="tx1"/>
+                </a:solidFill>
+              </a:rPr>
+              <a:t>を定義</a:t>
+            </a:r>
+          </a:p>
+          <a:p>
+            <a:pPr algn="l"/>
+            <a:endParaRPr kumimoji="1" lang="ja-JP" altLang="en-US" sz="800">
+              <a:solidFill>
+                <a:schemeClr val="tx1"/>
+              </a:solidFill>
+            </a:endParaRPr>
+          </a:p>
+        </p:txBody>
+      </p:sp>
+      <p:sp>
+        <p:nvSpPr>
+          <p:cNvPr id="70" name="吹き出し: 角を丸めた四角形 69">
+            <a:extLst>
+              <a:ext uri="{FF2B5EF4-FFF2-40B4-BE49-F238E27FC236}">
+                <a16:creationId xmlns:a16="http://schemas.microsoft.com/office/drawing/2014/main" id="{9D5ED5AE-2FD7-853A-5299-D0E60EBE2537}"/>
+              </a:ext>
+            </a:extLst>
+          </p:cNvPr>
+          <p:cNvSpPr/>
+          <p:nvPr/>
+        </p:nvSpPr>
+        <p:spPr>
+          <a:xfrm>
+            <a:off x="6063672" y="4440651"/>
+            <a:ext cx="1754910" cy="501647"/>
+          </a:xfrm>
+          <a:prstGeom prst="wedgeRoundRectCallout">
+            <a:avLst>
+              <a:gd name="adj1" fmla="val -59255"/>
+              <a:gd name="adj2" fmla="val 33040"/>
+              <a:gd name="adj3" fmla="val 16667"/>
+            </a:avLst>
+          </a:prstGeom>
+          <a:solidFill>
+            <a:schemeClr val="bg1"/>
+          </a:solidFill>
+          <a:ln w="3175">
+            <a:solidFill>
+              <a:schemeClr val="tx1"/>
+            </a:solidFill>
+          </a:ln>
+        </p:spPr>
+        <p:style>
+          <a:lnRef idx="2">
+            <a:schemeClr val="accent1">
+              <a:shade val="15000"/>
+            </a:schemeClr>
+          </a:lnRef>
+          <a:fillRef idx="1">
+            <a:schemeClr val="accent1"/>
+          </a:fillRef>
+          <a:effectRef idx="0">
+            <a:schemeClr val="accent1"/>
+          </a:effectRef>
+          <a:fontRef idx="minor">
+            <a:schemeClr val="lt1"/>
+          </a:fontRef>
+        </p:style>
+        <p:txBody>
+          <a:bodyPr rtlCol="0" anchor="ctr"/>
+          <a:lstStyle/>
+          <a:p>
+            <a:pPr algn="l"/>
+            <a:r>
+              <a:rPr kumimoji="1" lang="ja-JP" altLang="en-US" sz="800">
+                <a:solidFill>
+                  <a:schemeClr val="tx1"/>
+                </a:solidFill>
+              </a:rPr>
+              <a:t>踏みたいリンクが存在する</a:t>
+            </a:r>
+            <a:r>
+              <a:rPr kumimoji="1" lang="en-US" altLang="ja-JP" sz="800">
+                <a:solidFill>
+                  <a:schemeClr val="tx1"/>
+                </a:solidFill>
+              </a:rPr>
+              <a:t>Node</a:t>
+            </a:r>
+            <a:r>
+              <a:rPr kumimoji="1" lang="ja-JP" altLang="en-US" sz="800">
+                <a:solidFill>
+                  <a:schemeClr val="tx1"/>
+                </a:solidFill>
+              </a:rPr>
+              <a:t>と、リンクテキストを定義</a:t>
+            </a:r>
+          </a:p>
+        </p:txBody>
+      </p:sp>
+      <p:sp>
+        <p:nvSpPr>
+          <p:cNvPr id="74" name="テキスト ボックス 73">
+            <a:extLst>
+              <a:ext uri="{FF2B5EF4-FFF2-40B4-BE49-F238E27FC236}">
+                <a16:creationId xmlns:a16="http://schemas.microsoft.com/office/drawing/2014/main" id="{D9D07932-9683-5B9D-2BE5-24DB210E88DE}"/>
+              </a:ext>
+            </a:extLst>
+          </p:cNvPr>
+          <p:cNvSpPr txBox="1"/>
+          <p:nvPr/>
+        </p:nvSpPr>
+        <p:spPr>
+          <a:xfrm>
+            <a:off x="281709" y="198030"/>
+            <a:ext cx="4068620" cy="677108"/>
+          </a:xfrm>
+          <a:prstGeom prst="rect">
+            <a:avLst/>
+          </a:prstGeom>
+          <a:noFill/>
+        </p:spPr>
+        <p:txBody>
+          <a:bodyPr wrap="square" rtlCol="0">
+            <a:spAutoFit/>
+          </a:bodyPr>
+          <a:lstStyle/>
+          <a:p>
+            <a:pPr algn="l"/>
+            <a:r>
+              <a:rPr kumimoji="1" lang="en-US" altLang="ja-JP" sz="2400" b="1">
+                <a:solidFill>
+                  <a:schemeClr val="accent6"/>
+                </a:solidFill>
+              </a:rPr>
+              <a:t>Configs</a:t>
+            </a:r>
+            <a:r>
+              <a:rPr kumimoji="1" lang="ja-JP" altLang="en-US" sz="2400" b="1">
+                <a:solidFill>
+                  <a:schemeClr val="accent6"/>
+                </a:solidFill>
+              </a:rPr>
+              <a:t>フォルダの仕様書</a:t>
+            </a:r>
+            <a:endParaRPr kumimoji="1" lang="en-US" altLang="ja-JP" sz="2400" b="1">
+              <a:solidFill>
+                <a:schemeClr val="accent6"/>
+              </a:solidFill>
+            </a:endParaRPr>
+          </a:p>
+          <a:p>
+            <a:pPr algn="l"/>
+            <a:r>
+              <a:rPr lang="en-US" altLang="ja-JP" sz="1400" b="1">
+                <a:solidFill>
+                  <a:schemeClr val="accent6"/>
+                </a:solidFill>
+              </a:rPr>
+              <a:t>PostsScraperConfig</a:t>
+            </a:r>
+            <a:r>
+              <a:rPr lang="ja-JP" altLang="en-US" sz="1400" b="1">
+                <a:solidFill>
+                  <a:schemeClr val="accent6"/>
+                </a:solidFill>
+              </a:rPr>
+              <a:t>作成時</a:t>
+            </a:r>
+            <a:endParaRPr kumimoji="1" lang="ja-JP" altLang="en-US" sz="1400" b="1">
+              <a:solidFill>
+                <a:schemeClr val="accent6"/>
+              </a:solidFill>
+            </a:endParaRPr>
+          </a:p>
+        </p:txBody>
+      </p:sp>
     </p:spTree>
     <p:extLst>
       <p:ext uri="{BB962C8B-B14F-4D97-AF65-F5344CB8AC3E}">
@@ -8404,7 +10049,7 @@
         <p:spPr>
           <a:xfrm>
             <a:off x="665018" y="292492"/>
-            <a:ext cx="2503054" cy="338554"/>
+            <a:ext cx="2503054" cy="369332"/>
           </a:xfrm>
           <a:prstGeom prst="rect">
             <a:avLst/>
@@ -8419,10 +10064,21 @@
           <a:p>
             <a:pPr algn="l"/>
             <a:r>
-              <a:rPr kumimoji="1" lang="en-US" altLang="ja-JP" sz="1600" b="1"/>
+              <a:rPr kumimoji="1" lang="en-US" altLang="ja-JP" b="1">
+                <a:solidFill>
+                  <a:schemeClr val="accent6"/>
+                </a:solidFill>
+              </a:rPr>
               <a:t>Config.json</a:t>
             </a:r>
-            <a:endParaRPr kumimoji="1" lang="ja-JP" altLang="en-US" sz="1600" b="1"/>
+            <a:r>
+              <a:rPr kumimoji="1" lang="ja-JP" altLang="en-US" b="1">
+                <a:solidFill>
+                  <a:schemeClr val="accent6"/>
+                </a:solidFill>
+              </a:rPr>
+              <a:t>の仕様書</a:t>
+            </a:r>
           </a:p>
         </p:txBody>
       </p:sp>
@@ -8441,7 +10097,7 @@
         <p:spPr>
           <a:xfrm>
             <a:off x="600363" y="847666"/>
-            <a:ext cx="3398981" cy="430887"/>
+            <a:ext cx="3398981" cy="400110"/>
           </a:xfrm>
           <a:prstGeom prst="rect">
             <a:avLst/>
@@ -8473,15 +10129,7 @@
             </a:r>
             <a:r>
               <a:rPr kumimoji="1" lang="ja-JP" altLang="en-US" sz="1000"/>
-              <a:t>に記載した</a:t>
-            </a:r>
-            <a:r>
-              <a:rPr kumimoji="1" lang="ja-JP" altLang="en-US" sz="1200"/>
-              <a:t>設定値</a:t>
-            </a:r>
-            <a:r>
-              <a:rPr kumimoji="1" lang="ja-JP" altLang="en-US" sz="1000"/>
-              <a:t>通りにブラウザを操作して特定のページにアクセスする</a:t>
+              <a:t>に記載した設定値通りにブラウザを操作して特定のページにアクセスする</a:t>
             </a:r>
           </a:p>
         </p:txBody>
@@ -9485,10 +11133,10 @@
       </p:grpSpPr>
       <p:sp>
         <p:nvSpPr>
-          <p:cNvPr id="4" name="四角形: 角を丸くする 3">
-            <a:extLst>
-              <a:ext uri="{FF2B5EF4-FFF2-40B4-BE49-F238E27FC236}">
-                <a16:creationId xmlns:a16="http://schemas.microsoft.com/office/drawing/2014/main" id="{3540B7E7-F392-A62A-5C50-1E2172A17FBF}"/>
+          <p:cNvPr id="4" name="正方形/長方形 3">
+            <a:extLst>
+              <a:ext uri="{FF2B5EF4-FFF2-40B4-BE49-F238E27FC236}">
+                <a16:creationId xmlns:a16="http://schemas.microsoft.com/office/drawing/2014/main" id="{CA72657F-F82D-BF03-44DA-3FF4F7DD1D20}"/>
               </a:ext>
             </a:extLst>
           </p:cNvPr>
@@ -9497,10 +11145,10 @@
         </p:nvSpPr>
         <p:spPr>
           <a:xfrm>
-            <a:off x="1895148" y="1353730"/>
-            <a:ext cx="1319649" cy="429276"/>
-          </a:xfrm>
-          <a:prstGeom prst="roundRect">
+            <a:off x="1796471" y="1297973"/>
+            <a:ext cx="2456873" cy="591127"/>
+          </a:xfrm>
+          <a:prstGeom prst="rect">
             <a:avLst/>
           </a:prstGeom>
         </p:spPr>
@@ -9526,19 +11174,23 @@
           <a:p>
             <a:pPr algn="ctr"/>
             <a:r>
-              <a:rPr lang="en-US" altLang="ja-JP" sz="1100" err="1"/>
-              <a:t>ScraperConfig</a:t>
-            </a:r>
-            <a:endParaRPr lang="en-US" altLang="ja-JP" sz="1100"/>
-          </a:p>
-        </p:txBody>
-      </p:sp>
-      <p:sp>
-        <p:nvSpPr>
-          <p:cNvPr id="5" name="四角形: 角を丸くする 4">
-            <a:extLst>
-              <a:ext uri="{FF2B5EF4-FFF2-40B4-BE49-F238E27FC236}">
-                <a16:creationId xmlns:a16="http://schemas.microsoft.com/office/drawing/2014/main" id="{23F1DC69-E699-650D-B663-CA131535E2AC}"/>
+              <a:rPr lang="en-US" altLang="ja-JP" err="1"/>
+              <a:t>S</a:t>
+            </a:r>
+            <a:r>
+              <a:rPr kumimoji="1" lang="en-US" altLang="ja-JP" err="1"/>
+              <a:t>craperOwner</a:t>
+            </a:r>
+            <a:endParaRPr kumimoji="1" lang="ja-JP" altLang="en-US"/>
+          </a:p>
+        </p:txBody>
+      </p:sp>
+      <p:sp>
+        <p:nvSpPr>
+          <p:cNvPr id="5" name="正方形/長方形 4">
+            <a:extLst>
+              <a:ext uri="{FF2B5EF4-FFF2-40B4-BE49-F238E27FC236}">
+                <a16:creationId xmlns:a16="http://schemas.microsoft.com/office/drawing/2014/main" id="{FA3687B7-7A03-435A-6B41-C772A0F5BBD0}"/>
               </a:ext>
             </a:extLst>
           </p:cNvPr>
@@ -9547,18 +11199,12 @@
         </p:nvSpPr>
         <p:spPr>
           <a:xfrm>
-            <a:off x="7970982" y="1353730"/>
-            <a:ext cx="1930399" cy="429276"/>
-          </a:xfrm>
-          <a:prstGeom prst="roundRect">
-            <a:avLst/>
-          </a:prstGeom>
-          <a:solidFill>
-            <a:schemeClr val="accent1">
-              <a:lumMod val="40000"/>
-              <a:lumOff val="60000"/>
-            </a:schemeClr>
-          </a:solidFill>
+            <a:off x="8603673" y="1220039"/>
+            <a:ext cx="2456873" cy="373497"/>
+          </a:xfrm>
+          <a:prstGeom prst="rect">
+            <a:avLst/>
+          </a:prstGeom>
         </p:spPr>
         <p:style>
           <a:lnRef idx="2">
@@ -9582,31 +11228,964 @@
           <a:p>
             <a:pPr algn="ctr"/>
             <a:r>
+              <a:rPr kumimoji="1" lang="en-US" altLang="ja-JP" err="1"/>
+              <a:t>IscraperOwner</a:t>
+            </a:r>
+            <a:endParaRPr kumimoji="1" lang="en-US" altLang="ja-JP"/>
+          </a:p>
+        </p:txBody>
+      </p:sp>
+      <p:sp>
+        <p:nvSpPr>
+          <p:cNvPr id="6" name="正方形/長方形 5">
+            <a:extLst>
+              <a:ext uri="{FF2B5EF4-FFF2-40B4-BE49-F238E27FC236}">
+                <a16:creationId xmlns:a16="http://schemas.microsoft.com/office/drawing/2014/main" id="{966F8D80-69C9-36E9-179C-41295E2CE930}"/>
+              </a:ext>
+            </a:extLst>
+          </p:cNvPr>
+          <p:cNvSpPr/>
+          <p:nvPr/>
+        </p:nvSpPr>
+        <p:spPr>
+          <a:xfrm>
+            <a:off x="1796471" y="3373245"/>
+            <a:ext cx="2456873" cy="535709"/>
+          </a:xfrm>
+          <a:prstGeom prst="rect">
+            <a:avLst/>
+          </a:prstGeom>
+        </p:spPr>
+        <p:style>
+          <a:lnRef idx="2">
+            <a:schemeClr val="accent1">
+              <a:shade val="15000"/>
+            </a:schemeClr>
+          </a:lnRef>
+          <a:fillRef idx="1">
+            <a:schemeClr val="accent1"/>
+          </a:fillRef>
+          <a:effectRef idx="0">
+            <a:schemeClr val="accent1"/>
+          </a:effectRef>
+          <a:fontRef idx="minor">
+            <a:schemeClr val="lt1"/>
+          </a:fontRef>
+        </p:style>
+        <p:txBody>
+          <a:bodyPr rtlCol="0" anchor="ctr"/>
+          <a:lstStyle/>
+          <a:p>
+            <a:pPr algn="ctr"/>
+            <a:r>
+              <a:rPr kumimoji="1" lang="en-US" altLang="ja-JP" err="1"/>
+              <a:t>scraperLogic</a:t>
+            </a:r>
+            <a:endParaRPr kumimoji="1" lang="ja-JP" altLang="en-US"/>
+          </a:p>
+        </p:txBody>
+      </p:sp>
+      <p:sp>
+        <p:nvSpPr>
+          <p:cNvPr id="7" name="テキスト ボックス 6">
+            <a:extLst>
+              <a:ext uri="{FF2B5EF4-FFF2-40B4-BE49-F238E27FC236}">
+                <a16:creationId xmlns:a16="http://schemas.microsoft.com/office/drawing/2014/main" id="{A7F3CE06-A9E0-0006-D117-000158C865DA}"/>
+              </a:ext>
+            </a:extLst>
+          </p:cNvPr>
+          <p:cNvSpPr txBox="1"/>
+          <p:nvPr/>
+        </p:nvSpPr>
+        <p:spPr>
+          <a:xfrm>
+            <a:off x="380996" y="1967013"/>
+            <a:ext cx="6213767" cy="1015663"/>
+          </a:xfrm>
+          <a:prstGeom prst="rect">
+            <a:avLst/>
+          </a:prstGeom>
+          <a:noFill/>
+        </p:spPr>
+        <p:txBody>
+          <a:bodyPr wrap="square" rtlCol="0">
+            <a:spAutoFit/>
+          </a:bodyPr>
+          <a:lstStyle/>
+          <a:p>
+            <a:r>
+              <a:rPr lang="ja-JP" altLang="en-US" sz="1200"/>
+              <a:t>スクレイピングの処理が呼ばれたら実行し、</a:t>
+            </a:r>
+            <a:r>
+              <a:rPr lang="en-US" altLang="ja-JP" sz="1200"/>
+              <a:t>post</a:t>
+            </a:r>
+            <a:r>
+              <a:rPr lang="ja-JP" altLang="en-US" sz="1200"/>
+              <a:t>構造体のリストを返す</a:t>
+            </a:r>
+            <a:endParaRPr lang="en-US" altLang="ja-JP" sz="1200"/>
+          </a:p>
+          <a:p>
+            <a:r>
+              <a:rPr lang="ja-JP" altLang="en-US" sz="1200"/>
+              <a:t>・</a:t>
+            </a:r>
+            <a:r>
+              <a:rPr lang="en-US" altLang="ja-JP" sz="1200" b="1"/>
+              <a:t>public </a:t>
+            </a:r>
+            <a:r>
+              <a:rPr lang="en-US" altLang="ja-JP" sz="1200" b="1" err="1"/>
+              <a:t>GetPosts</a:t>
+            </a:r>
+            <a:r>
+              <a:rPr lang="en-US" altLang="ja-JP" sz="1200" b="1"/>
+              <a:t> </a:t>
+            </a:r>
+            <a:r>
+              <a:rPr lang="en-US" altLang="ja-JP" sz="1200"/>
+              <a:t>return post</a:t>
+            </a:r>
+            <a:r>
+              <a:rPr lang="ja-JP" altLang="en-US" sz="1200"/>
+              <a:t>のリスト</a:t>
+            </a:r>
+            <a:endParaRPr lang="en-US" altLang="ja-JP" sz="1200"/>
+          </a:p>
+          <a:p>
+            <a:r>
+              <a:rPr lang="ja-JP" altLang="en-US" sz="1200"/>
+              <a:t>・</a:t>
+            </a:r>
+            <a:r>
+              <a:rPr lang="en-US" altLang="ja-JP" sz="1200" b="1"/>
+              <a:t>private </a:t>
+            </a:r>
+            <a:r>
+              <a:rPr lang="en-US" altLang="ja-JP" sz="1200" b="1" err="1"/>
+              <a:t>GetHtml</a:t>
+            </a:r>
+            <a:r>
+              <a:rPr lang="en-US" altLang="ja-JP" sz="1200" b="1"/>
+              <a:t> </a:t>
+            </a:r>
+            <a:r>
+              <a:rPr lang="en-US" altLang="ja-JP" sz="1200"/>
+              <a:t>html</a:t>
+            </a:r>
+            <a:r>
+              <a:rPr lang="ja-JP" altLang="en-US" sz="1200"/>
+              <a:t>の取得</a:t>
+            </a:r>
+            <a:r>
+              <a:rPr lang="en-US" altLang="ja-JP" sz="1200"/>
+              <a:t>(selenium)</a:t>
+            </a:r>
+          </a:p>
+          <a:p>
+            <a:r>
+              <a:rPr lang="ja-JP" altLang="en-US" sz="1200"/>
+              <a:t>・</a:t>
+            </a:r>
+            <a:r>
+              <a:rPr lang="en-US" altLang="ja-JP" sz="1200" b="1"/>
+              <a:t>private </a:t>
+            </a:r>
+            <a:r>
+              <a:rPr lang="en-US" altLang="ja-JP" sz="1200" b="1" err="1"/>
+              <a:t>DocParsePosts</a:t>
+            </a:r>
+            <a:r>
+              <a:rPr lang="en-US" altLang="ja-JP" sz="1200"/>
+              <a:t> </a:t>
+            </a:r>
+            <a:r>
+              <a:rPr lang="en-US" altLang="ja-JP" sz="1200" err="1"/>
+              <a:t>HtmlDocument</a:t>
+            </a:r>
+            <a:r>
+              <a:rPr lang="ja-JP" altLang="en-US" sz="1200"/>
+              <a:t>から</a:t>
+            </a:r>
+            <a:r>
+              <a:rPr lang="en-US" altLang="ja-JP" sz="1200"/>
+              <a:t>Post</a:t>
+            </a:r>
+            <a:r>
+              <a:rPr lang="ja-JP" altLang="en-US" sz="1200"/>
+              <a:t>構造体のリストへデータ抽出＆変換</a:t>
+            </a:r>
+            <a:endParaRPr lang="en-US" altLang="ja-JP" sz="1200"/>
+          </a:p>
+          <a:p>
+            <a:endParaRPr kumimoji="1" lang="ja-JP" altLang="en-US" sz="1200"/>
+          </a:p>
+        </p:txBody>
+      </p:sp>
+      <p:sp>
+        <p:nvSpPr>
+          <p:cNvPr id="8" name="テキスト ボックス 7">
+            <a:extLst>
+              <a:ext uri="{FF2B5EF4-FFF2-40B4-BE49-F238E27FC236}">
+                <a16:creationId xmlns:a16="http://schemas.microsoft.com/office/drawing/2014/main" id="{DB8BB748-AC57-3B69-2657-FE1E53A7D7B5}"/>
+              </a:ext>
+            </a:extLst>
+          </p:cNvPr>
+          <p:cNvSpPr txBox="1"/>
+          <p:nvPr/>
+        </p:nvSpPr>
+        <p:spPr>
+          <a:xfrm>
+            <a:off x="8081818" y="3962372"/>
+            <a:ext cx="4110182" cy="1015663"/>
+          </a:xfrm>
+          <a:prstGeom prst="rect">
+            <a:avLst/>
+          </a:prstGeom>
+          <a:noFill/>
+        </p:spPr>
+        <p:txBody>
+          <a:bodyPr wrap="square" rtlCol="0">
+            <a:spAutoFit/>
+          </a:bodyPr>
+          <a:lstStyle/>
+          <a:p>
+            <a:r>
+              <a:rPr lang="ja-JP" altLang="en-US" sz="1200"/>
+              <a:t>・</a:t>
+            </a:r>
+            <a:r>
+              <a:rPr lang="en-US" altLang="ja-JP" sz="1200"/>
+              <a:t>public </a:t>
+            </a:r>
+            <a:r>
+              <a:rPr lang="en-US" altLang="ja-JP" sz="1200" err="1"/>
+              <a:t>GetPostsNode</a:t>
+            </a:r>
+            <a:r>
+              <a:rPr lang="en-US" altLang="ja-JP" sz="1200"/>
+              <a:t>(</a:t>
+            </a:r>
+            <a:r>
+              <a:rPr lang="en-US" altLang="ja-JP" sz="1200" err="1"/>
+              <a:t>HtmlDocument</a:t>
+            </a:r>
+            <a:r>
+              <a:rPr lang="en-US" altLang="ja-JP" sz="1200"/>
+              <a:t> doc)</a:t>
+            </a:r>
+          </a:p>
+          <a:p>
+            <a:r>
+              <a:rPr lang="ja-JP" altLang="en-US" sz="1200"/>
+              <a:t>・</a:t>
+            </a:r>
+            <a:r>
+              <a:rPr lang="en-US" altLang="ja-JP" sz="1200"/>
+              <a:t>public </a:t>
+            </a:r>
+            <a:r>
+              <a:rPr lang="en-US" altLang="ja-JP" sz="1200" err="1"/>
+              <a:t>GetPostNode</a:t>
+            </a:r>
+            <a:r>
+              <a:rPr lang="en-US" altLang="ja-JP" sz="1200"/>
+              <a:t>(HtmlNode </a:t>
+            </a:r>
+            <a:r>
+              <a:rPr lang="en-US" altLang="ja-JP" sz="1200" err="1"/>
+              <a:t>postsNode</a:t>
+            </a:r>
+            <a:r>
+              <a:rPr lang="en-US" altLang="ja-JP" sz="1200"/>
+              <a:t>)</a:t>
+            </a:r>
+          </a:p>
+          <a:p>
+            <a:r>
+              <a:rPr lang="ja-JP" altLang="en-US" sz="1200"/>
+              <a:t>・</a:t>
+            </a:r>
+            <a:r>
+              <a:rPr lang="en-US" altLang="ja-JP" sz="1200"/>
+              <a:t>public GetText(HtmlNode </a:t>
+            </a:r>
+            <a:r>
+              <a:rPr lang="en-US" altLang="ja-JP" sz="1200" err="1"/>
+              <a:t>TextNode</a:t>
+            </a:r>
+            <a:r>
+              <a:rPr lang="en-US" altLang="ja-JP" sz="1200"/>
+              <a:t>)</a:t>
+            </a:r>
+          </a:p>
+          <a:p>
+            <a:r>
+              <a:rPr lang="ja-JP" altLang="en-US" sz="1200"/>
+              <a:t>・</a:t>
+            </a:r>
+            <a:r>
+              <a:rPr lang="en-US" altLang="ja-JP" sz="1200"/>
+              <a:t>public </a:t>
+            </a:r>
+            <a:r>
+              <a:rPr lang="en-US" altLang="ja-JP" sz="1200" err="1"/>
+              <a:t>GetDate</a:t>
+            </a:r>
+            <a:r>
+              <a:rPr lang="en-US" altLang="ja-JP" sz="1200"/>
+              <a:t>(HtmlNode </a:t>
+            </a:r>
+            <a:r>
+              <a:rPr lang="en-US" altLang="ja-JP" sz="1200" err="1"/>
+              <a:t>DateNode</a:t>
+            </a:r>
+            <a:r>
+              <a:rPr lang="en-US" altLang="ja-JP" sz="1200"/>
+              <a:t>)</a:t>
+            </a:r>
+          </a:p>
+          <a:p>
+            <a:r>
+              <a:rPr lang="ja-JP" altLang="en-US" sz="1200"/>
+              <a:t>・</a:t>
+            </a:r>
+            <a:r>
+              <a:rPr lang="en-US" altLang="ja-JP" sz="1200"/>
+              <a:t>public </a:t>
+            </a:r>
+            <a:r>
+              <a:rPr lang="en-US" altLang="ja-JP" sz="1200" err="1"/>
+              <a:t>GetUserId</a:t>
+            </a:r>
+            <a:r>
+              <a:rPr lang="en-US" altLang="ja-JP" sz="1200"/>
+              <a:t>(HtmlNode </a:t>
+            </a:r>
+            <a:r>
+              <a:rPr lang="en-US" altLang="ja-JP" sz="1200" err="1"/>
+              <a:t>UserIdNode</a:t>
+            </a:r>
+            <a:r>
+              <a:rPr lang="en-US" altLang="ja-JP" sz="1200"/>
+              <a:t>)</a:t>
+            </a:r>
+          </a:p>
+        </p:txBody>
+      </p:sp>
+      <p:sp>
+        <p:nvSpPr>
+          <p:cNvPr id="10" name="テキスト ボックス 9">
+            <a:extLst>
+              <a:ext uri="{FF2B5EF4-FFF2-40B4-BE49-F238E27FC236}">
+                <a16:creationId xmlns:a16="http://schemas.microsoft.com/office/drawing/2014/main" id="{E0D925A3-218A-2664-4C15-076F39B80C26}"/>
+              </a:ext>
+            </a:extLst>
+          </p:cNvPr>
+          <p:cNvSpPr txBox="1"/>
+          <p:nvPr/>
+        </p:nvSpPr>
+        <p:spPr>
+          <a:xfrm>
+            <a:off x="600363" y="4064779"/>
+            <a:ext cx="6213767" cy="2292935"/>
+          </a:xfrm>
+          <a:prstGeom prst="rect">
+            <a:avLst/>
+          </a:prstGeom>
+          <a:noFill/>
+        </p:spPr>
+        <p:txBody>
+          <a:bodyPr wrap="square" rtlCol="0">
+            <a:spAutoFit/>
+          </a:bodyPr>
+          <a:lstStyle/>
+          <a:p>
+            <a:r>
+              <a:rPr lang="en-US" altLang="ja-JP" sz="1100" err="1"/>
+              <a:t>HtmlDocument</a:t>
+            </a:r>
+            <a:r>
+              <a:rPr lang="ja-JP" altLang="en-US" sz="1100"/>
+              <a:t>から</a:t>
+            </a:r>
+            <a:r>
               <a:rPr lang="en-US" altLang="ja-JP" sz="1100"/>
-              <a:t>AbstractScraperConfig</a:t>
+              <a:t>post</a:t>
+            </a:r>
+            <a:r>
+              <a:rPr lang="ja-JP" altLang="en-US" sz="1100"/>
+              <a:t>データを探索する処理を抽象化し、</a:t>
+            </a:r>
+            <a:r>
+              <a:rPr lang="en-US" altLang="ja-JP" sz="1100" err="1"/>
+              <a:t>scraperOwner</a:t>
+            </a:r>
+            <a:r>
+              <a:rPr lang="ja-JP" altLang="en-US" sz="1100"/>
+              <a:t>へ提供</a:t>
+            </a:r>
+            <a:endParaRPr lang="en-US" altLang="ja-JP" sz="1100"/>
+          </a:p>
+          <a:p>
+            <a:r>
+              <a:rPr lang="en-US" altLang="ja-JP" sz="1100" err="1"/>
+              <a:t>DoCParsePosts</a:t>
+            </a:r>
+            <a:r>
+              <a:rPr lang="ja-JP" altLang="en-US" sz="1100"/>
+              <a:t>の中で、</a:t>
+            </a:r>
+            <a:r>
+              <a:rPr lang="en-US" altLang="ja-JP" sz="1100" err="1"/>
+              <a:t>ScraperLogic</a:t>
+            </a:r>
+            <a:r>
+              <a:rPr lang="ja-JP" altLang="en-US" sz="1100"/>
+              <a:t>クラスの</a:t>
+            </a:r>
+            <a:r>
+              <a:rPr lang="en-US" altLang="ja-JP" sz="1100"/>
+              <a:t>public</a:t>
+            </a:r>
+            <a:r>
+              <a:rPr lang="ja-JP" altLang="en-US" sz="1100"/>
+              <a:t>メソッドを実行し、</a:t>
+            </a:r>
+            <a:r>
+              <a:rPr lang="en-US" altLang="ja-JP" sz="1100"/>
+              <a:t>Post</a:t>
+            </a:r>
+            <a:r>
+              <a:rPr lang="ja-JP" altLang="en-US" sz="1100"/>
+              <a:t>構造体を生成。</a:t>
+            </a:r>
+            <a:endParaRPr lang="en-US" altLang="ja-JP" sz="1100"/>
+          </a:p>
+          <a:p>
+            <a:r>
+              <a:rPr lang="en-US" altLang="ja-JP" sz="1100"/>
+              <a:t>Post</a:t>
+            </a:r>
+            <a:r>
+              <a:rPr lang="ja-JP" altLang="en-US" sz="1100"/>
+              <a:t>がある</a:t>
+            </a:r>
+            <a:r>
+              <a:rPr lang="en-US" altLang="ja-JP" sz="1100"/>
+              <a:t>node</a:t>
+            </a:r>
+            <a:r>
+              <a:rPr lang="ja-JP" altLang="en-US" sz="1100"/>
+              <a:t>を探索 </a:t>
+            </a:r>
+            <a:r>
+              <a:rPr lang="en-US" altLang="ja-JP" sz="1100"/>
+              <a:t>-&gt; Post</a:t>
+            </a:r>
+            <a:r>
+              <a:rPr lang="ja-JP" altLang="en-US" sz="1100"/>
+              <a:t>ひとつひとつの</a:t>
+            </a:r>
+            <a:r>
+              <a:rPr lang="en-US" altLang="ja-JP" sz="1100"/>
+              <a:t>Node</a:t>
+            </a:r>
+            <a:r>
+              <a:rPr lang="ja-JP" altLang="en-US" sz="1100"/>
+              <a:t>をリストで取得</a:t>
+            </a:r>
+            <a:r>
+              <a:rPr lang="en-US" altLang="ja-JP" sz="1100"/>
+              <a:t>-&gt;Post</a:t>
+            </a:r>
+            <a:r>
+              <a:rPr lang="ja-JP" altLang="en-US" sz="1100"/>
+              <a:t>の中のデータを抽出</a:t>
+            </a:r>
+            <a:br>
+              <a:rPr lang="en-US" altLang="ja-JP" sz="1100"/>
+            </a:br>
+            <a:r>
+              <a:rPr lang="ja-JP" altLang="en-US" sz="1100"/>
+              <a:t>各</a:t>
+            </a:r>
+            <a:r>
+              <a:rPr lang="en-US" altLang="ja-JP" sz="1100"/>
+              <a:t>Post</a:t>
+            </a:r>
+            <a:r>
+              <a:rPr lang="ja-JP" altLang="en-US" sz="1100"/>
+              <a:t>の</a:t>
+            </a:r>
+            <a:r>
+              <a:rPr lang="en-US" altLang="ja-JP" sz="1100"/>
+              <a:t>Node</a:t>
+            </a:r>
+            <a:r>
+              <a:rPr lang="ja-JP" altLang="en-US" sz="1100"/>
+              <a:t>から更に</a:t>
+            </a:r>
+            <a:r>
+              <a:rPr lang="en-US" altLang="ja-JP" sz="1100"/>
+              <a:t>Node</a:t>
+            </a:r>
+            <a:r>
+              <a:rPr lang="ja-JP" altLang="en-US" sz="1100"/>
+              <a:t>を深く掘る場合は、</a:t>
+            </a:r>
+            <a:r>
+              <a:rPr lang="en-US" altLang="ja-JP" sz="1100"/>
+              <a:t>Interface</a:t>
+            </a:r>
+            <a:r>
+              <a:rPr lang="ja-JP" altLang="en-US" sz="1100"/>
+              <a:t>とは別にメソッドを定義</a:t>
+            </a:r>
+            <a:r>
+              <a:rPr lang="en-US" altLang="ja-JP" sz="1100"/>
+              <a:t>(</a:t>
+            </a:r>
+            <a:r>
+              <a:rPr lang="en-US" altLang="ja-JP" sz="1100" err="1"/>
+              <a:t>GetTextNode</a:t>
+            </a:r>
+            <a:r>
+              <a:rPr lang="ja-JP" altLang="en-US" sz="1100"/>
+              <a:t>など</a:t>
+            </a:r>
+            <a:r>
+              <a:rPr lang="en-US" altLang="ja-JP" sz="1100"/>
+              <a:t>)</a:t>
+            </a:r>
+          </a:p>
+          <a:p>
+            <a:r>
+              <a:rPr lang="ja-JP" altLang="en-US" sz="1100"/>
+              <a:t>・</a:t>
+            </a:r>
+            <a:r>
+              <a:rPr lang="en-US" altLang="ja-JP" sz="1100"/>
+              <a:t>public </a:t>
+            </a:r>
+            <a:r>
+              <a:rPr lang="en-US" altLang="ja-JP" sz="1100" err="1"/>
+              <a:t>GetPostsNode</a:t>
+            </a:r>
+            <a:r>
+              <a:rPr lang="en-US" altLang="ja-JP" sz="1100"/>
+              <a:t>(</a:t>
+            </a:r>
+            <a:r>
+              <a:rPr lang="en-US" altLang="ja-JP" sz="1100" err="1"/>
+              <a:t>HtmlDocument</a:t>
+            </a:r>
+            <a:r>
+              <a:rPr lang="en-US" altLang="ja-JP" sz="1100"/>
+              <a:t> doc)</a:t>
+            </a:r>
+          </a:p>
+          <a:p>
+            <a:r>
+              <a:rPr lang="ja-JP" altLang="en-US" sz="1100"/>
+              <a:t>・</a:t>
+            </a:r>
+            <a:r>
+              <a:rPr lang="en-US" altLang="ja-JP" sz="1100"/>
+              <a:t>public </a:t>
+            </a:r>
+            <a:r>
+              <a:rPr lang="en-US" altLang="ja-JP" sz="1100" err="1"/>
+              <a:t>GetPostNode</a:t>
+            </a:r>
+            <a:r>
+              <a:rPr lang="en-US" altLang="ja-JP" sz="1100"/>
+              <a:t>(HtmlNode </a:t>
+            </a:r>
+            <a:r>
+              <a:rPr lang="en-US" altLang="ja-JP" sz="1100" err="1"/>
+              <a:t>postsNode</a:t>
+            </a:r>
+            <a:r>
+              <a:rPr lang="en-US" altLang="ja-JP" sz="1100"/>
+              <a:t>)</a:t>
+            </a:r>
+          </a:p>
+          <a:p>
+            <a:r>
+              <a:rPr lang="ja-JP" altLang="en-US" sz="1100"/>
+              <a:t>・</a:t>
+            </a:r>
+            <a:r>
+              <a:rPr lang="en-US" altLang="ja-JP" sz="1100"/>
+              <a:t>public </a:t>
+            </a:r>
+            <a:r>
+              <a:rPr lang="en-US" altLang="ja-JP" sz="1100" err="1"/>
+              <a:t>GetTextNode</a:t>
+            </a:r>
+            <a:r>
+              <a:rPr lang="en-US" altLang="ja-JP" sz="1100"/>
+              <a:t>(HtmlNode postNode)</a:t>
+            </a:r>
+          </a:p>
+          <a:p>
+            <a:r>
+              <a:rPr lang="ja-JP" altLang="en-US" sz="1100"/>
+              <a:t>・</a:t>
+            </a:r>
+            <a:r>
+              <a:rPr lang="en-US" altLang="ja-JP" sz="1100"/>
+              <a:t>public GetText(HtmlNode </a:t>
+            </a:r>
+            <a:r>
+              <a:rPr lang="en-US" altLang="ja-JP" sz="1100" err="1"/>
+              <a:t>TextNode</a:t>
+            </a:r>
+            <a:r>
+              <a:rPr lang="en-US" altLang="ja-JP" sz="1100"/>
+              <a:t>)</a:t>
+            </a:r>
+          </a:p>
+          <a:p>
+            <a:r>
+              <a:rPr lang="ja-JP" altLang="en-US" sz="1100"/>
+              <a:t>・</a:t>
+            </a:r>
+            <a:r>
+              <a:rPr lang="en-US" altLang="ja-JP" sz="1100"/>
+              <a:t>public </a:t>
+            </a:r>
+            <a:r>
+              <a:rPr lang="en-US" altLang="ja-JP" sz="1100" err="1"/>
+              <a:t>GetDateNode</a:t>
+            </a:r>
+            <a:r>
+              <a:rPr lang="en-US" altLang="ja-JP" sz="1100"/>
+              <a:t>(HtmlNode postNode)</a:t>
+            </a:r>
+          </a:p>
+          <a:p>
+            <a:r>
+              <a:rPr lang="ja-JP" altLang="en-US" sz="1100"/>
+              <a:t>・</a:t>
+            </a:r>
+            <a:r>
+              <a:rPr lang="en-US" altLang="ja-JP" sz="1100"/>
+              <a:t>public </a:t>
+            </a:r>
+            <a:r>
+              <a:rPr lang="en-US" altLang="ja-JP" sz="1100" err="1"/>
+              <a:t>GetDate</a:t>
+            </a:r>
+            <a:r>
+              <a:rPr lang="en-US" altLang="ja-JP" sz="1100"/>
+              <a:t>(HtmlNode </a:t>
+            </a:r>
+            <a:r>
+              <a:rPr lang="en-US" altLang="ja-JP" sz="1100" err="1"/>
+              <a:t>DateNode</a:t>
+            </a:r>
+            <a:r>
+              <a:rPr lang="en-US" altLang="ja-JP" sz="1100"/>
+              <a:t>)</a:t>
+            </a:r>
+          </a:p>
+          <a:p>
+            <a:r>
+              <a:rPr lang="ja-JP" altLang="en-US" sz="1100"/>
+              <a:t>・</a:t>
+            </a:r>
+            <a:r>
+              <a:rPr lang="en-US" altLang="ja-JP" sz="1100"/>
+              <a:t>public </a:t>
+            </a:r>
+            <a:r>
+              <a:rPr lang="en-US" altLang="ja-JP" sz="1100" err="1"/>
+              <a:t>GetUserIdNode</a:t>
+            </a:r>
+            <a:r>
+              <a:rPr lang="en-US" altLang="ja-JP" sz="1100"/>
+              <a:t>(HtmlNode postNode)</a:t>
+            </a:r>
+          </a:p>
+          <a:p>
+            <a:r>
+              <a:rPr lang="ja-JP" altLang="en-US" sz="1100"/>
+              <a:t>・</a:t>
+            </a:r>
+            <a:r>
+              <a:rPr lang="en-US" altLang="ja-JP" sz="1100"/>
+              <a:t>public </a:t>
+            </a:r>
+            <a:r>
+              <a:rPr lang="en-US" altLang="ja-JP" sz="1100" err="1"/>
+              <a:t>GetUserId</a:t>
+            </a:r>
+            <a:r>
+              <a:rPr lang="en-US" altLang="ja-JP" sz="1100"/>
+              <a:t>(HtmlNode </a:t>
+            </a:r>
+            <a:r>
+              <a:rPr lang="en-US" altLang="ja-JP" sz="1100" err="1"/>
+              <a:t>UserIdNode</a:t>
+            </a:r>
+            <a:r>
+              <a:rPr lang="en-US" altLang="ja-JP" sz="1100"/>
+              <a:t>)</a:t>
+            </a:r>
+          </a:p>
+        </p:txBody>
+      </p:sp>
+      <p:sp>
+        <p:nvSpPr>
+          <p:cNvPr id="12" name="正方形/長方形 11">
+            <a:extLst>
+              <a:ext uri="{FF2B5EF4-FFF2-40B4-BE49-F238E27FC236}">
+                <a16:creationId xmlns:a16="http://schemas.microsoft.com/office/drawing/2014/main" id="{76C38A58-811E-EBB0-6496-0A416BB3EEAD}"/>
+              </a:ext>
+            </a:extLst>
+          </p:cNvPr>
+          <p:cNvSpPr/>
+          <p:nvPr/>
+        </p:nvSpPr>
+        <p:spPr>
+          <a:xfrm>
+            <a:off x="8603672" y="3444874"/>
+            <a:ext cx="2456873" cy="373497"/>
+          </a:xfrm>
+          <a:prstGeom prst="rect">
+            <a:avLst/>
+          </a:prstGeom>
+        </p:spPr>
+        <p:style>
+          <a:lnRef idx="2">
+            <a:schemeClr val="accent1">
+              <a:shade val="15000"/>
+            </a:schemeClr>
+          </a:lnRef>
+          <a:fillRef idx="1">
+            <a:schemeClr val="accent1"/>
+          </a:fillRef>
+          <a:effectRef idx="0">
+            <a:schemeClr val="accent1"/>
+          </a:effectRef>
+          <a:fontRef idx="minor">
+            <a:schemeClr val="lt1"/>
+          </a:fontRef>
+        </p:style>
+        <p:txBody>
+          <a:bodyPr rtlCol="0" anchor="ctr"/>
+          <a:lstStyle/>
+          <a:p>
+            <a:pPr algn="ctr"/>
+            <a:r>
+              <a:rPr kumimoji="1" lang="en-US" altLang="ja-JP" err="1"/>
+              <a:t>IscraperLogic</a:t>
+            </a:r>
+            <a:endParaRPr kumimoji="1" lang="ja-JP" altLang="en-US"/>
+          </a:p>
+        </p:txBody>
+      </p:sp>
+      <p:sp>
+        <p:nvSpPr>
+          <p:cNvPr id="13" name="テキスト ボックス 12">
+            <a:extLst>
+              <a:ext uri="{FF2B5EF4-FFF2-40B4-BE49-F238E27FC236}">
+                <a16:creationId xmlns:a16="http://schemas.microsoft.com/office/drawing/2014/main" id="{5BCDE297-3115-E0E3-878B-CAF88AFDA553}"/>
+              </a:ext>
+            </a:extLst>
+          </p:cNvPr>
+          <p:cNvSpPr txBox="1"/>
+          <p:nvPr/>
+        </p:nvSpPr>
+        <p:spPr>
+          <a:xfrm>
+            <a:off x="8767621" y="1694896"/>
+            <a:ext cx="3043383" cy="276999"/>
+          </a:xfrm>
+          <a:prstGeom prst="rect">
+            <a:avLst/>
+          </a:prstGeom>
+          <a:noFill/>
+        </p:spPr>
+        <p:txBody>
+          <a:bodyPr wrap="square" rtlCol="0">
+            <a:spAutoFit/>
+          </a:bodyPr>
+          <a:lstStyle/>
+          <a:p>
+            <a:r>
+              <a:rPr lang="ja-JP" altLang="en-US" sz="1200"/>
+              <a:t>・</a:t>
+            </a:r>
+            <a:r>
+              <a:rPr lang="en-US" altLang="ja-JP" sz="1200"/>
+              <a:t>public </a:t>
+            </a:r>
+            <a:r>
+              <a:rPr lang="en-US" altLang="ja-JP" sz="1200" err="1"/>
+              <a:t>GetPosts</a:t>
+            </a:r>
+            <a:r>
+              <a:rPr lang="en-US" altLang="ja-JP" sz="1200"/>
+              <a:t>()</a:t>
+            </a:r>
+            <a:endParaRPr kumimoji="1" lang="ja-JP" altLang="en-US" sz="1200"/>
+          </a:p>
+        </p:txBody>
+      </p:sp>
+      <p:sp>
+        <p:nvSpPr>
+          <p:cNvPr id="14" name="テキスト ボックス 13">
+            <a:extLst>
+              <a:ext uri="{FF2B5EF4-FFF2-40B4-BE49-F238E27FC236}">
+                <a16:creationId xmlns:a16="http://schemas.microsoft.com/office/drawing/2014/main" id="{D6E3DE33-A554-FD11-CC99-3CB841505A77}"/>
+              </a:ext>
+            </a:extLst>
+          </p:cNvPr>
+          <p:cNvSpPr txBox="1"/>
+          <p:nvPr/>
+        </p:nvSpPr>
+        <p:spPr>
+          <a:xfrm>
+            <a:off x="380995" y="576516"/>
+            <a:ext cx="8386625" cy="523220"/>
+          </a:xfrm>
+          <a:prstGeom prst="rect">
+            <a:avLst/>
+          </a:prstGeom>
+          <a:noFill/>
+        </p:spPr>
+        <p:txBody>
+          <a:bodyPr wrap="square" rtlCol="0">
+            <a:spAutoFit/>
+          </a:bodyPr>
+          <a:lstStyle/>
+          <a:p>
+            <a:r>
+              <a:rPr lang="en-US" altLang="ja-JP" sz="1400" b="1" err="1"/>
+              <a:t>ScraperOwner</a:t>
+            </a:r>
+            <a:r>
+              <a:rPr lang="ja-JP" altLang="en-US" sz="1400" b="1"/>
+              <a:t>は</a:t>
+            </a:r>
+            <a:r>
+              <a:rPr lang="en-US" altLang="ja-JP" sz="1400" b="1"/>
+              <a:t>1</a:t>
+            </a:r>
+            <a:r>
+              <a:rPr lang="ja-JP" altLang="en-US" sz="1400" b="1"/>
+              <a:t>つ</a:t>
+            </a:r>
+            <a:endParaRPr lang="en-US" altLang="ja-JP" sz="1400" b="1"/>
+          </a:p>
+          <a:p>
+            <a:r>
+              <a:rPr kumimoji="1" lang="ja-JP" altLang="en-US" sz="1400" b="1"/>
+              <a:t>サイト毎の処理は</a:t>
+            </a:r>
+            <a:r>
+              <a:rPr kumimoji="1" lang="en-US" altLang="ja-JP" sz="1400" b="1" err="1"/>
+              <a:t>ScraperLogic</a:t>
+            </a:r>
+            <a:r>
+              <a:rPr kumimoji="1" lang="ja-JP" altLang="en-US" sz="1400" b="1"/>
+              <a:t>で実装し</a:t>
+            </a:r>
+            <a:r>
+              <a:rPr kumimoji="1" lang="en-US" altLang="ja-JP" sz="1400" b="1"/>
+              <a:t>(</a:t>
+            </a:r>
+            <a:r>
+              <a:rPr kumimoji="1" lang="ja-JP" altLang="en-US" sz="1400" b="1"/>
+              <a:t>サイト</a:t>
+            </a:r>
+            <a:r>
+              <a:rPr kumimoji="1" lang="en-US" altLang="ja-JP" sz="1400" b="1"/>
+              <a:t>1 </a:t>
+            </a:r>
+            <a:r>
+              <a:rPr lang="en-US" altLang="ja-JP" sz="1400" b="1"/>
+              <a:t>: </a:t>
+            </a:r>
+            <a:r>
+              <a:rPr kumimoji="1" lang="en-US" altLang="ja-JP" sz="1400" b="1"/>
+              <a:t>ScraperLogic1)</a:t>
+            </a:r>
+            <a:r>
+              <a:rPr kumimoji="1" lang="ja-JP" altLang="en-US" sz="1400" b="1"/>
+              <a:t>、</a:t>
+            </a:r>
+            <a:r>
+              <a:rPr kumimoji="1" lang="en-US" altLang="ja-JP" sz="1400" b="1" err="1"/>
+              <a:t>ScraperOwner</a:t>
+            </a:r>
+            <a:r>
+              <a:rPr kumimoji="1" lang="ja-JP" altLang="en-US" sz="1400" b="1"/>
+              <a:t>に提供する</a:t>
+            </a:r>
+          </a:p>
+        </p:txBody>
+      </p:sp>
+      <p:sp>
+        <p:nvSpPr>
+          <p:cNvPr id="16" name="テキスト ボックス 15">
+            <a:extLst>
+              <a:ext uri="{FF2B5EF4-FFF2-40B4-BE49-F238E27FC236}">
+                <a16:creationId xmlns:a16="http://schemas.microsoft.com/office/drawing/2014/main" id="{D67DADA6-49BB-714D-F72F-831ACF370ACD}"/>
+              </a:ext>
+            </a:extLst>
+          </p:cNvPr>
+          <p:cNvSpPr txBox="1"/>
+          <p:nvPr/>
+        </p:nvSpPr>
+        <p:spPr>
+          <a:xfrm>
+            <a:off x="2466109" y="138545"/>
+            <a:ext cx="2309091" cy="369332"/>
+          </a:xfrm>
+          <a:prstGeom prst="rect">
+            <a:avLst/>
+          </a:prstGeom>
+          <a:noFill/>
+        </p:spPr>
+        <p:txBody>
+          <a:bodyPr wrap="square" rtlCol="0">
+            <a:spAutoFit/>
+          </a:bodyPr>
+          <a:lstStyle/>
+          <a:p>
+            <a:r>
+              <a:rPr kumimoji="1" lang="en-US" altLang="ja-JP"/>
+              <a:t>Scraper</a:t>
+            </a:r>
+            <a:r>
+              <a:rPr kumimoji="1" lang="ja-JP" altLang="en-US"/>
+              <a:t>設計</a:t>
             </a:r>
           </a:p>
         </p:txBody>
       </p:sp>
       <p:cxnSp>
         <p:nvCxnSpPr>
-          <p:cNvPr id="6" name="直線矢印コネクタ 5">
-            <a:extLst>
-              <a:ext uri="{FF2B5EF4-FFF2-40B4-BE49-F238E27FC236}">
-                <a16:creationId xmlns:a16="http://schemas.microsoft.com/office/drawing/2014/main" id="{29F0BFF2-B6C4-74EC-1F78-BAAC385CF66E}"/>
-              </a:ext>
-            </a:extLst>
-          </p:cNvPr>
-          <p:cNvCxnSpPr>
-            <a:cxnSpLocks/>
-            <a:stCxn id="5" idx="1"/>
-          </p:cNvCxnSpPr>
+          <p:cNvPr id="18" name="直線矢印コネクタ 17">
+            <a:extLst>
+              <a:ext uri="{FF2B5EF4-FFF2-40B4-BE49-F238E27FC236}">
+                <a16:creationId xmlns:a16="http://schemas.microsoft.com/office/drawing/2014/main" id="{30C21D28-345C-CB17-E6CA-567007C00A06}"/>
+              </a:ext>
+            </a:extLst>
+          </p:cNvPr>
+          <p:cNvCxnSpPr/>
           <p:nvPr/>
         </p:nvCxnSpPr>
         <p:spPr>
           <a:xfrm flipH="1">
-            <a:off x="3990814" y="1568368"/>
-            <a:ext cx="3980168" cy="5512"/>
+            <a:off x="4775200" y="1403927"/>
+            <a:ext cx="3445164" cy="0"/>
           </a:xfrm>
           <a:prstGeom prst="straightConnector1">
             <a:avLst/>
@@ -9630,12 +12209,51 @@
           </a:fontRef>
         </p:style>
       </p:cxnSp>
-      <p:sp>
-        <p:nvSpPr>
-          <p:cNvPr id="9" name="テキスト ボックス 8">
-            <a:extLst>
-              <a:ext uri="{FF2B5EF4-FFF2-40B4-BE49-F238E27FC236}">
-                <a16:creationId xmlns:a16="http://schemas.microsoft.com/office/drawing/2014/main" id="{95FD0F78-DC24-DB92-3AD5-784C75DB2D3F}"/>
+      <p:cxnSp>
+        <p:nvCxnSpPr>
+          <p:cNvPr id="19" name="直線矢印コネクタ 18">
+            <a:extLst>
+              <a:ext uri="{FF2B5EF4-FFF2-40B4-BE49-F238E27FC236}">
+                <a16:creationId xmlns:a16="http://schemas.microsoft.com/office/drawing/2014/main" id="{57141325-AFC9-0753-A6E6-9C74DD8F6C04}"/>
+              </a:ext>
+            </a:extLst>
+          </p:cNvPr>
+          <p:cNvCxnSpPr/>
+          <p:nvPr/>
+        </p:nvCxnSpPr>
+        <p:spPr>
+          <a:xfrm flipH="1">
+            <a:off x="4775200" y="3634509"/>
+            <a:ext cx="3445164" cy="0"/>
+          </a:xfrm>
+          <a:prstGeom prst="straightConnector1">
+            <a:avLst/>
+          </a:prstGeom>
+          <a:ln>
+            <a:tailEnd type="triangle"/>
+          </a:ln>
+        </p:spPr>
+        <p:style>
+          <a:lnRef idx="2">
+            <a:schemeClr val="accent1"/>
+          </a:lnRef>
+          <a:fillRef idx="0">
+            <a:schemeClr val="accent1"/>
+          </a:fillRef>
+          <a:effectRef idx="1">
+            <a:schemeClr val="accent1"/>
+          </a:effectRef>
+          <a:fontRef idx="minor">
+            <a:schemeClr val="tx1"/>
+          </a:fontRef>
+        </p:style>
+      </p:cxnSp>
+      <p:sp>
+        <p:nvSpPr>
+          <p:cNvPr id="20" name="テキスト ボックス 19">
+            <a:extLst>
+              <a:ext uri="{FF2B5EF4-FFF2-40B4-BE49-F238E27FC236}">
+                <a16:creationId xmlns:a16="http://schemas.microsoft.com/office/drawing/2014/main" id="{10CDF77C-71BF-C552-BC55-F13D960A138E}"/>
               </a:ext>
             </a:extLst>
           </p:cNvPr>
@@ -9644,8 +12262,8 @@
         </p:nvSpPr>
         <p:spPr>
           <a:xfrm>
-            <a:off x="6724073" y="2096654"/>
-            <a:ext cx="4276435" cy="1569660"/>
+            <a:off x="5063837" y="1403927"/>
+            <a:ext cx="1260763" cy="307777"/>
           </a:xfrm>
           <a:prstGeom prst="rect">
             <a:avLst/>
@@ -9659,114 +12277,18 @@
           <a:lstStyle/>
           <a:p>
             <a:r>
-              <a:rPr lang="en-US" altLang="ja-JP" sz="1200"/>
-              <a:t>LIST_NODE</a:t>
-            </a:r>
-          </a:p>
-          <a:p>
-            <a:r>
-              <a:rPr lang="en-US" altLang="ja-JP" sz="1200"/>
-              <a:t>POST_NODE</a:t>
-            </a:r>
-            <a:r>
-              <a:rPr lang="ja-JP" altLang="en-US" sz="1200"/>
-              <a:t>（複数）</a:t>
-            </a:r>
-          </a:p>
-          <a:p>
-            <a:r>
-              <a:rPr lang="en-US" altLang="ja-JP" sz="1200"/>
-              <a:t>ID_KEY</a:t>
-            </a:r>
-            <a:r>
-              <a:rPr lang="ja-JP" altLang="en-US" sz="1200"/>
-              <a:t>（投稿</a:t>
-            </a:r>
-            <a:r>
-              <a:rPr lang="en-US" altLang="ja-JP" sz="1200"/>
-              <a:t>ID</a:t>
-            </a:r>
-            <a:r>
-              <a:rPr lang="ja-JP" altLang="en-US" sz="1200"/>
-              <a:t>）</a:t>
-            </a:r>
-          </a:p>
-          <a:p>
-            <a:r>
-              <a:rPr lang="en-US" altLang="ja-JP" sz="1200"/>
-              <a:t>USER_ID_KEY</a:t>
-            </a:r>
-            <a:r>
-              <a:rPr lang="ja-JP" altLang="en-US" sz="1200"/>
-              <a:t>（投稿者ユーザー</a:t>
-            </a:r>
-            <a:r>
-              <a:rPr lang="en-US" altLang="ja-JP" sz="1200"/>
-              <a:t>ID</a:t>
-            </a:r>
-            <a:r>
-              <a:rPr lang="ja-JP" altLang="en-US" sz="1200"/>
-              <a:t>）</a:t>
-            </a:r>
-          </a:p>
-          <a:p>
-            <a:r>
-              <a:rPr lang="en-US" altLang="ja-JP" sz="1200"/>
-              <a:t>TEXT_KEY</a:t>
-            </a:r>
-            <a:r>
-              <a:rPr lang="ja-JP" altLang="en-US" sz="1200"/>
-              <a:t>（投稿本文）</a:t>
-            </a:r>
-            <a:endParaRPr lang="en-US" altLang="ja-JP" sz="1200"/>
-          </a:p>
-          <a:p>
-            <a:r>
-              <a:rPr lang="en-US" altLang="ja-JP" sz="1200"/>
-              <a:t>DATE_KEY</a:t>
-            </a:r>
-            <a:r>
-              <a:rPr lang="ja-JP" altLang="en-US" sz="1200"/>
-              <a:t>（投稿日時）</a:t>
-            </a:r>
-          </a:p>
-          <a:p>
-            <a:r>
-              <a:rPr lang="en-US" altLang="ja-JP" sz="1200"/>
-              <a:t>REPLY_KEY</a:t>
-            </a:r>
-            <a:r>
-              <a:rPr lang="ja-JP" altLang="en-US" sz="1200"/>
-              <a:t>（返信情報）</a:t>
-            </a:r>
-          </a:p>
-          <a:p>
-            <a:r>
-              <a:rPr lang="en-US" altLang="ja-JP" sz="1200"/>
-              <a:t>IMAGE_URL_KEY</a:t>
-            </a:r>
-            <a:r>
-              <a:rPr lang="ja-JP" altLang="en-US" sz="1200"/>
-              <a:t>（画像</a:t>
-            </a:r>
-            <a:r>
-              <a:rPr lang="en-US" altLang="ja-JP" sz="1200"/>
-              <a:t>URL</a:t>
-            </a:r>
-            <a:r>
-              <a:rPr lang="ja-JP" altLang="en-US" sz="1200"/>
-              <a:t>）</a:t>
-            </a:r>
-            <a:endParaRPr kumimoji="1" lang="ja-JP" altLang="en-US" sz="1200"/>
-          </a:p>
-        </p:txBody>
-      </p:sp>
-      <p:sp>
-        <p:nvSpPr>
-          <p:cNvPr id="11" name="テキスト ボックス 10">
-            <a:extLst>
-              <a:ext uri="{FF2B5EF4-FFF2-40B4-BE49-F238E27FC236}">
-                <a16:creationId xmlns:a16="http://schemas.microsoft.com/office/drawing/2014/main" id="{1E812395-E1F5-47B4-B8AD-2B5C231E2F6F}"/>
+              <a:rPr kumimoji="1" lang="ja-JP" altLang="en-US" sz="1400"/>
+              <a:t>実装</a:t>
+            </a:r>
+          </a:p>
+        </p:txBody>
+      </p:sp>
+      <p:sp>
+        <p:nvSpPr>
+          <p:cNvPr id="21" name="テキスト ボックス 20">
+            <a:extLst>
+              <a:ext uri="{FF2B5EF4-FFF2-40B4-BE49-F238E27FC236}">
+                <a16:creationId xmlns:a16="http://schemas.microsoft.com/office/drawing/2014/main" id="{6CB25E7C-9360-23B0-F40A-29E246B63AC3}"/>
               </a:ext>
             </a:extLst>
           </p:cNvPr>
@@ -9775,8 +12297,8 @@
         </p:nvSpPr>
         <p:spPr>
           <a:xfrm>
-            <a:off x="1219199" y="2281382"/>
-            <a:ext cx="3482109" cy="830997"/>
+            <a:off x="4920674" y="3627267"/>
+            <a:ext cx="1260763" cy="307777"/>
           </a:xfrm>
           <a:prstGeom prst="rect">
             <a:avLst/>
@@ -9790,57 +12312,16 @@
           <a:lstStyle/>
           <a:p>
             <a:r>
-              <a:rPr kumimoji="1" lang="en-US" altLang="ja-JP" sz="1200"/>
-              <a:t>PostNode</a:t>
-            </a:r>
-            <a:r>
-              <a:rPr kumimoji="1" lang="ja-JP" altLang="en-US" sz="1200"/>
-              <a:t>とテキストなどがある</a:t>
-            </a:r>
-            <a:r>
-              <a:rPr kumimoji="1" lang="en-US" altLang="ja-JP" sz="1200"/>
-              <a:t>node</a:t>
-            </a:r>
-            <a:r>
-              <a:rPr kumimoji="1" lang="ja-JP" altLang="en-US" sz="1200"/>
-              <a:t>が違う</a:t>
-            </a:r>
-            <a:r>
-              <a:rPr kumimoji="1" lang="en-US" altLang="ja-JP" sz="1200"/>
-              <a:t>(PostNode</a:t>
-            </a:r>
-            <a:r>
-              <a:rPr kumimoji="1" lang="ja-JP" altLang="en-US" sz="1200"/>
-              <a:t>のさらに深い階層にあるなど）場合は、それ用の</a:t>
-            </a:r>
-            <a:r>
-              <a:rPr kumimoji="1" lang="en-US" altLang="ja-JP" sz="1200"/>
-              <a:t>Node</a:t>
-            </a:r>
-            <a:r>
-              <a:rPr kumimoji="1" lang="ja-JP" altLang="en-US" sz="1200"/>
-              <a:t>を保持するフィールドを作成</a:t>
-            </a:r>
-            <a:r>
-              <a:rPr lang="en-US" altLang="ja-JP" sz="1200"/>
-              <a:t>(</a:t>
-            </a:r>
-            <a:r>
-              <a:rPr lang="ja-JP" altLang="en-US" sz="1200"/>
-              <a:t>例</a:t>
-            </a:r>
-            <a:r>
-              <a:rPr lang="en-US" altLang="ja-JP" sz="1200"/>
-              <a:t>)TEXT_NODE</a:t>
-            </a:r>
-            <a:endParaRPr kumimoji="1" lang="ja-JP" altLang="en-US" sz="1200"/>
+              <a:rPr kumimoji="1" lang="ja-JP" altLang="en-US" sz="1400"/>
+              <a:t>実装</a:t>
+            </a:r>
           </a:p>
         </p:txBody>
       </p:sp>
     </p:spTree>
     <p:extLst>
       <p:ext uri="{BB962C8B-B14F-4D97-AF65-F5344CB8AC3E}">
-        <p14:creationId xmlns:p14="http://schemas.microsoft.com/office/powerpoint/2010/main" val="3008477458"/>
+        <p14:creationId xmlns:p14="http://schemas.microsoft.com/office/powerpoint/2010/main" val="471335971"/>
       </p:ext>
     </p:extLst>
   </p:cSld>
@@ -9869,1195 +12350,46 @@
       </p:grpSpPr>
       <p:sp>
         <p:nvSpPr>
-          <p:cNvPr id="4" name="正方形/長方形 3">
-            <a:extLst>
-              <a:ext uri="{FF2B5EF4-FFF2-40B4-BE49-F238E27FC236}">
-                <a16:creationId xmlns:a16="http://schemas.microsoft.com/office/drawing/2014/main" id="{CA72657F-F82D-BF03-44DA-3FF4F7DD1D20}"/>
-              </a:ext>
-            </a:extLst>
-          </p:cNvPr>
-          <p:cNvSpPr/>
-          <p:nvPr/>
-        </p:nvSpPr>
-        <p:spPr>
-          <a:xfrm>
-            <a:off x="1796471" y="1297973"/>
-            <a:ext cx="2456873" cy="591127"/>
-          </a:xfrm>
-          <a:prstGeom prst="rect">
-            <a:avLst/>
-          </a:prstGeom>
-        </p:spPr>
-        <p:style>
-          <a:lnRef idx="2">
-            <a:schemeClr val="accent1">
-              <a:shade val="15000"/>
-            </a:schemeClr>
-          </a:lnRef>
-          <a:fillRef idx="1">
-            <a:schemeClr val="accent1"/>
-          </a:fillRef>
-          <a:effectRef idx="0">
-            <a:schemeClr val="accent1"/>
-          </a:effectRef>
-          <a:fontRef idx="minor">
-            <a:schemeClr val="lt1"/>
-          </a:fontRef>
-        </p:style>
-        <p:txBody>
-          <a:bodyPr rtlCol="0" anchor="ctr"/>
-          <a:lstStyle/>
-          <a:p>
-            <a:pPr algn="ctr"/>
-            <a:r>
-              <a:rPr lang="en-US" altLang="ja-JP" err="1"/>
-              <a:t>S</a:t>
-            </a:r>
-            <a:r>
-              <a:rPr kumimoji="1" lang="en-US" altLang="ja-JP" err="1"/>
-              <a:t>craperOwner</a:t>
-            </a:r>
-            <a:endParaRPr kumimoji="1" lang="ja-JP" altLang="en-US"/>
-          </a:p>
-        </p:txBody>
-      </p:sp>
-      <p:sp>
-        <p:nvSpPr>
-          <p:cNvPr id="5" name="正方形/長方形 4">
-            <a:extLst>
-              <a:ext uri="{FF2B5EF4-FFF2-40B4-BE49-F238E27FC236}">
-                <a16:creationId xmlns:a16="http://schemas.microsoft.com/office/drawing/2014/main" id="{FA3687B7-7A03-435A-6B41-C772A0F5BBD0}"/>
-              </a:ext>
-            </a:extLst>
-          </p:cNvPr>
-          <p:cNvSpPr/>
-          <p:nvPr/>
-        </p:nvSpPr>
-        <p:spPr>
-          <a:xfrm>
-            <a:off x="8603673" y="1220039"/>
-            <a:ext cx="2456873" cy="373497"/>
-          </a:xfrm>
-          <a:prstGeom prst="rect">
-            <a:avLst/>
-          </a:prstGeom>
-        </p:spPr>
-        <p:style>
-          <a:lnRef idx="2">
-            <a:schemeClr val="accent1">
-              <a:shade val="15000"/>
-            </a:schemeClr>
-          </a:lnRef>
-          <a:fillRef idx="1">
-            <a:schemeClr val="accent1"/>
-          </a:fillRef>
-          <a:effectRef idx="0">
-            <a:schemeClr val="accent1"/>
-          </a:effectRef>
-          <a:fontRef idx="minor">
-            <a:schemeClr val="lt1"/>
-          </a:fontRef>
-        </p:style>
-        <p:txBody>
-          <a:bodyPr rtlCol="0" anchor="ctr"/>
-          <a:lstStyle/>
-          <a:p>
-            <a:pPr algn="ctr"/>
-            <a:r>
-              <a:rPr kumimoji="1" lang="en-US" altLang="ja-JP" err="1"/>
-              <a:t>IscraperOwner</a:t>
-            </a:r>
-            <a:endParaRPr kumimoji="1" lang="en-US" altLang="ja-JP"/>
-          </a:p>
-        </p:txBody>
-      </p:sp>
-      <p:sp>
-        <p:nvSpPr>
-          <p:cNvPr id="6" name="正方形/長方形 5">
-            <a:extLst>
-              <a:ext uri="{FF2B5EF4-FFF2-40B4-BE49-F238E27FC236}">
-                <a16:creationId xmlns:a16="http://schemas.microsoft.com/office/drawing/2014/main" id="{966F8D80-69C9-36E9-179C-41295E2CE930}"/>
-              </a:ext>
-            </a:extLst>
-          </p:cNvPr>
-          <p:cNvSpPr/>
-          <p:nvPr/>
-        </p:nvSpPr>
-        <p:spPr>
-          <a:xfrm>
-            <a:off x="1796471" y="3373245"/>
-            <a:ext cx="2456873" cy="535709"/>
-          </a:xfrm>
-          <a:prstGeom prst="rect">
-            <a:avLst/>
-          </a:prstGeom>
-        </p:spPr>
-        <p:style>
-          <a:lnRef idx="2">
-            <a:schemeClr val="accent1">
-              <a:shade val="15000"/>
-            </a:schemeClr>
-          </a:lnRef>
-          <a:fillRef idx="1">
-            <a:schemeClr val="accent1"/>
-          </a:fillRef>
-          <a:effectRef idx="0">
-            <a:schemeClr val="accent1"/>
-          </a:effectRef>
-          <a:fontRef idx="minor">
-            <a:schemeClr val="lt1"/>
-          </a:fontRef>
-        </p:style>
-        <p:txBody>
-          <a:bodyPr rtlCol="0" anchor="ctr"/>
-          <a:lstStyle/>
-          <a:p>
-            <a:pPr algn="ctr"/>
-            <a:r>
-              <a:rPr kumimoji="1" lang="en-US" altLang="ja-JP" err="1"/>
-              <a:t>scraperLogic</a:t>
-            </a:r>
-            <a:endParaRPr kumimoji="1" lang="ja-JP" altLang="en-US"/>
-          </a:p>
-        </p:txBody>
-      </p:sp>
-      <p:sp>
-        <p:nvSpPr>
-          <p:cNvPr id="7" name="テキスト ボックス 6">
-            <a:extLst>
-              <a:ext uri="{FF2B5EF4-FFF2-40B4-BE49-F238E27FC236}">
-                <a16:creationId xmlns:a16="http://schemas.microsoft.com/office/drawing/2014/main" id="{A7F3CE06-A9E0-0006-D117-000158C865DA}"/>
-              </a:ext>
-            </a:extLst>
-          </p:cNvPr>
-          <p:cNvSpPr txBox="1"/>
-          <p:nvPr/>
-        </p:nvSpPr>
-        <p:spPr>
-          <a:xfrm>
-            <a:off x="380996" y="1967013"/>
-            <a:ext cx="6213767" cy="1015663"/>
-          </a:xfrm>
-          <a:prstGeom prst="rect">
-            <a:avLst/>
-          </a:prstGeom>
-          <a:noFill/>
-        </p:spPr>
-        <p:txBody>
-          <a:bodyPr wrap="square" rtlCol="0">
-            <a:spAutoFit/>
-          </a:bodyPr>
-          <a:lstStyle/>
-          <a:p>
-            <a:r>
-              <a:rPr lang="ja-JP" altLang="en-US" sz="1200"/>
-              <a:t>スクレイピングの処理が呼ばれたら実行し、</a:t>
-            </a:r>
-            <a:r>
-              <a:rPr lang="en-US" altLang="ja-JP" sz="1200"/>
-              <a:t>post</a:t>
-            </a:r>
-            <a:r>
-              <a:rPr lang="ja-JP" altLang="en-US" sz="1200"/>
-              <a:t>構造体のリストを返す</a:t>
-            </a:r>
-            <a:endParaRPr lang="en-US" altLang="ja-JP" sz="1200"/>
-          </a:p>
-          <a:p>
-            <a:r>
-              <a:rPr lang="ja-JP" altLang="en-US" sz="1200"/>
-              <a:t>・</a:t>
-            </a:r>
-            <a:r>
-              <a:rPr lang="en-US" altLang="ja-JP" sz="1200" b="1"/>
-              <a:t>public </a:t>
-            </a:r>
-            <a:r>
-              <a:rPr lang="en-US" altLang="ja-JP" sz="1200" b="1" err="1"/>
-              <a:t>GetPosts</a:t>
-            </a:r>
-            <a:r>
-              <a:rPr lang="en-US" altLang="ja-JP" sz="1200" b="1"/>
-              <a:t> </a:t>
-            </a:r>
-            <a:r>
-              <a:rPr lang="en-US" altLang="ja-JP" sz="1200"/>
-              <a:t>return post</a:t>
-            </a:r>
-            <a:r>
-              <a:rPr lang="ja-JP" altLang="en-US" sz="1200"/>
-              <a:t>のリスト</a:t>
-            </a:r>
-            <a:endParaRPr lang="en-US" altLang="ja-JP" sz="1200"/>
-          </a:p>
-          <a:p>
-            <a:r>
-              <a:rPr lang="ja-JP" altLang="en-US" sz="1200"/>
-              <a:t>・</a:t>
-            </a:r>
-            <a:r>
-              <a:rPr lang="en-US" altLang="ja-JP" sz="1200" b="1"/>
-              <a:t>private </a:t>
-            </a:r>
-            <a:r>
-              <a:rPr lang="en-US" altLang="ja-JP" sz="1200" b="1" err="1"/>
-              <a:t>GetHtml</a:t>
-            </a:r>
-            <a:r>
-              <a:rPr lang="en-US" altLang="ja-JP" sz="1200" b="1"/>
-              <a:t> </a:t>
-            </a:r>
-            <a:r>
-              <a:rPr lang="en-US" altLang="ja-JP" sz="1200"/>
-              <a:t>html</a:t>
-            </a:r>
-            <a:r>
-              <a:rPr lang="ja-JP" altLang="en-US" sz="1200"/>
-              <a:t>の取得</a:t>
-            </a:r>
-            <a:r>
-              <a:rPr lang="en-US" altLang="ja-JP" sz="1200"/>
-              <a:t>(selenium)</a:t>
-            </a:r>
-          </a:p>
-          <a:p>
-            <a:r>
-              <a:rPr lang="ja-JP" altLang="en-US" sz="1200"/>
-              <a:t>・</a:t>
-            </a:r>
-            <a:r>
-              <a:rPr lang="en-US" altLang="ja-JP" sz="1200" b="1"/>
-              <a:t>private </a:t>
-            </a:r>
-            <a:r>
-              <a:rPr lang="en-US" altLang="ja-JP" sz="1200" b="1" err="1"/>
-              <a:t>DocParsePosts</a:t>
-            </a:r>
-            <a:r>
-              <a:rPr lang="en-US" altLang="ja-JP" sz="1200"/>
-              <a:t> </a:t>
-            </a:r>
-            <a:r>
-              <a:rPr lang="en-US" altLang="ja-JP" sz="1200" err="1"/>
-              <a:t>HtmlDocument</a:t>
-            </a:r>
-            <a:r>
-              <a:rPr lang="ja-JP" altLang="en-US" sz="1200"/>
-              <a:t>から</a:t>
-            </a:r>
-            <a:r>
-              <a:rPr lang="en-US" altLang="ja-JP" sz="1200"/>
-              <a:t>Post</a:t>
-            </a:r>
-            <a:r>
-              <a:rPr lang="ja-JP" altLang="en-US" sz="1200"/>
-              <a:t>構造体のリストへデータ抽出＆変換</a:t>
-            </a:r>
-            <a:endParaRPr lang="en-US" altLang="ja-JP" sz="1200"/>
-          </a:p>
-          <a:p>
-            <a:endParaRPr kumimoji="1" lang="ja-JP" altLang="en-US" sz="1200"/>
-          </a:p>
-        </p:txBody>
-      </p:sp>
-      <p:sp>
-        <p:nvSpPr>
-          <p:cNvPr id="8" name="テキスト ボックス 7">
-            <a:extLst>
-              <a:ext uri="{FF2B5EF4-FFF2-40B4-BE49-F238E27FC236}">
-                <a16:creationId xmlns:a16="http://schemas.microsoft.com/office/drawing/2014/main" id="{DB8BB748-AC57-3B69-2657-FE1E53A7D7B5}"/>
-              </a:ext>
-            </a:extLst>
-          </p:cNvPr>
-          <p:cNvSpPr txBox="1"/>
-          <p:nvPr/>
-        </p:nvSpPr>
-        <p:spPr>
-          <a:xfrm>
-            <a:off x="8081818" y="3962372"/>
-            <a:ext cx="4110182" cy="1015663"/>
-          </a:xfrm>
-          <a:prstGeom prst="rect">
-            <a:avLst/>
-          </a:prstGeom>
-          <a:noFill/>
-        </p:spPr>
-        <p:txBody>
-          <a:bodyPr wrap="square" rtlCol="0">
-            <a:spAutoFit/>
-          </a:bodyPr>
-          <a:lstStyle/>
-          <a:p>
-            <a:r>
-              <a:rPr lang="ja-JP" altLang="en-US" sz="1200"/>
-              <a:t>・</a:t>
-            </a:r>
-            <a:r>
-              <a:rPr lang="en-US" altLang="ja-JP" sz="1200"/>
-              <a:t>public </a:t>
-            </a:r>
-            <a:r>
-              <a:rPr lang="en-US" altLang="ja-JP" sz="1200" err="1"/>
-              <a:t>GetPostsNode</a:t>
-            </a:r>
-            <a:r>
-              <a:rPr lang="en-US" altLang="ja-JP" sz="1200"/>
-              <a:t>(</a:t>
-            </a:r>
-            <a:r>
-              <a:rPr lang="en-US" altLang="ja-JP" sz="1200" err="1"/>
-              <a:t>HtmlDocument</a:t>
-            </a:r>
-            <a:r>
-              <a:rPr lang="en-US" altLang="ja-JP" sz="1200"/>
-              <a:t> doc)</a:t>
-            </a:r>
-          </a:p>
-          <a:p>
-            <a:r>
-              <a:rPr lang="ja-JP" altLang="en-US" sz="1200"/>
-              <a:t>・</a:t>
-            </a:r>
-            <a:r>
-              <a:rPr lang="en-US" altLang="ja-JP" sz="1200"/>
-              <a:t>public </a:t>
-            </a:r>
-            <a:r>
-              <a:rPr lang="en-US" altLang="ja-JP" sz="1200" err="1"/>
-              <a:t>GetPostNode</a:t>
-            </a:r>
-            <a:r>
-              <a:rPr lang="en-US" altLang="ja-JP" sz="1200"/>
-              <a:t>(HtmlNode </a:t>
-            </a:r>
-            <a:r>
-              <a:rPr lang="en-US" altLang="ja-JP" sz="1200" err="1"/>
-              <a:t>postsNode</a:t>
-            </a:r>
-            <a:r>
-              <a:rPr lang="en-US" altLang="ja-JP" sz="1200"/>
-              <a:t>)</a:t>
-            </a:r>
-          </a:p>
-          <a:p>
-            <a:r>
-              <a:rPr lang="ja-JP" altLang="en-US" sz="1200"/>
-              <a:t>・</a:t>
-            </a:r>
-            <a:r>
-              <a:rPr lang="en-US" altLang="ja-JP" sz="1200"/>
-              <a:t>public GetText(HtmlNode </a:t>
-            </a:r>
-            <a:r>
-              <a:rPr lang="en-US" altLang="ja-JP" sz="1200" err="1"/>
-              <a:t>TextNode</a:t>
-            </a:r>
-            <a:r>
-              <a:rPr lang="en-US" altLang="ja-JP" sz="1200"/>
-              <a:t>)</a:t>
-            </a:r>
-          </a:p>
-          <a:p>
-            <a:r>
-              <a:rPr lang="ja-JP" altLang="en-US" sz="1200"/>
-              <a:t>・</a:t>
-            </a:r>
-            <a:r>
-              <a:rPr lang="en-US" altLang="ja-JP" sz="1200"/>
-              <a:t>public </a:t>
-            </a:r>
-            <a:r>
-              <a:rPr lang="en-US" altLang="ja-JP" sz="1200" err="1"/>
-              <a:t>GetDate</a:t>
-            </a:r>
-            <a:r>
-              <a:rPr lang="en-US" altLang="ja-JP" sz="1200"/>
-              <a:t>(HtmlNode </a:t>
-            </a:r>
-            <a:r>
-              <a:rPr lang="en-US" altLang="ja-JP" sz="1200" err="1"/>
-              <a:t>DateNode</a:t>
-            </a:r>
-            <a:r>
-              <a:rPr lang="en-US" altLang="ja-JP" sz="1200"/>
-              <a:t>)</a:t>
-            </a:r>
-          </a:p>
-          <a:p>
-            <a:r>
-              <a:rPr lang="ja-JP" altLang="en-US" sz="1200"/>
-              <a:t>・</a:t>
-            </a:r>
-            <a:r>
-              <a:rPr lang="en-US" altLang="ja-JP" sz="1200"/>
-              <a:t>public </a:t>
-            </a:r>
-            <a:r>
-              <a:rPr lang="en-US" altLang="ja-JP" sz="1200" err="1"/>
-              <a:t>GetUserId</a:t>
-            </a:r>
-            <a:r>
-              <a:rPr lang="en-US" altLang="ja-JP" sz="1200"/>
-              <a:t>(HtmlNode </a:t>
-            </a:r>
-            <a:r>
-              <a:rPr lang="en-US" altLang="ja-JP" sz="1200" err="1"/>
-              <a:t>UserIdNode</a:t>
-            </a:r>
-            <a:r>
-              <a:rPr lang="en-US" altLang="ja-JP" sz="1200"/>
-              <a:t>)</a:t>
-            </a:r>
-          </a:p>
-        </p:txBody>
-      </p:sp>
-      <p:sp>
-        <p:nvSpPr>
-          <p:cNvPr id="10" name="テキスト ボックス 9">
-            <a:extLst>
-              <a:ext uri="{FF2B5EF4-FFF2-40B4-BE49-F238E27FC236}">
-                <a16:creationId xmlns:a16="http://schemas.microsoft.com/office/drawing/2014/main" id="{E0D925A3-218A-2664-4C15-076F39B80C26}"/>
-              </a:ext>
-            </a:extLst>
-          </p:cNvPr>
-          <p:cNvSpPr txBox="1"/>
-          <p:nvPr/>
-        </p:nvSpPr>
-        <p:spPr>
-          <a:xfrm>
-            <a:off x="600363" y="4064779"/>
-            <a:ext cx="6213767" cy="2292935"/>
-          </a:xfrm>
-          <a:prstGeom prst="rect">
-            <a:avLst/>
-          </a:prstGeom>
-          <a:noFill/>
-        </p:spPr>
-        <p:txBody>
-          <a:bodyPr wrap="square" rtlCol="0">
-            <a:spAutoFit/>
-          </a:bodyPr>
-          <a:lstStyle/>
-          <a:p>
-            <a:r>
-              <a:rPr lang="en-US" altLang="ja-JP" sz="1100" err="1"/>
-              <a:t>HtmlDocument</a:t>
-            </a:r>
-            <a:r>
-              <a:rPr lang="ja-JP" altLang="en-US" sz="1100"/>
-              <a:t>から</a:t>
-            </a:r>
-            <a:r>
-              <a:rPr lang="en-US" altLang="ja-JP" sz="1100"/>
-              <a:t>post</a:t>
-            </a:r>
-            <a:r>
-              <a:rPr lang="ja-JP" altLang="en-US" sz="1100"/>
-              <a:t>データを探索する処理を抽象化し、</a:t>
-            </a:r>
-            <a:r>
-              <a:rPr lang="en-US" altLang="ja-JP" sz="1100" err="1"/>
-              <a:t>scraperOwner</a:t>
-            </a:r>
-            <a:r>
-              <a:rPr lang="ja-JP" altLang="en-US" sz="1100"/>
-              <a:t>へ提供</a:t>
-            </a:r>
-            <a:endParaRPr lang="en-US" altLang="ja-JP" sz="1100"/>
-          </a:p>
-          <a:p>
-            <a:r>
-              <a:rPr lang="en-US" altLang="ja-JP" sz="1100" err="1"/>
-              <a:t>DoCParsePosts</a:t>
-            </a:r>
-            <a:r>
-              <a:rPr lang="ja-JP" altLang="en-US" sz="1100"/>
-              <a:t>の中で、</a:t>
-            </a:r>
-            <a:r>
-              <a:rPr lang="en-US" altLang="ja-JP" sz="1100" err="1"/>
-              <a:t>ScraperLogic</a:t>
-            </a:r>
-            <a:r>
-              <a:rPr lang="ja-JP" altLang="en-US" sz="1100"/>
-              <a:t>クラスの</a:t>
-            </a:r>
-            <a:r>
-              <a:rPr lang="en-US" altLang="ja-JP" sz="1100"/>
-              <a:t>public</a:t>
-            </a:r>
-            <a:r>
-              <a:rPr lang="ja-JP" altLang="en-US" sz="1100"/>
-              <a:t>メソッドを実行し、</a:t>
-            </a:r>
-            <a:r>
-              <a:rPr lang="en-US" altLang="ja-JP" sz="1100"/>
-              <a:t>Post</a:t>
-            </a:r>
-            <a:r>
-              <a:rPr lang="ja-JP" altLang="en-US" sz="1100"/>
-              <a:t>構造体を生成。</a:t>
-            </a:r>
-            <a:endParaRPr lang="en-US" altLang="ja-JP" sz="1100"/>
-          </a:p>
-          <a:p>
-            <a:r>
-              <a:rPr lang="en-US" altLang="ja-JP" sz="1100"/>
-              <a:t>Post</a:t>
-            </a:r>
-            <a:r>
-              <a:rPr lang="ja-JP" altLang="en-US" sz="1100"/>
-              <a:t>がある</a:t>
-            </a:r>
-            <a:r>
-              <a:rPr lang="en-US" altLang="ja-JP" sz="1100"/>
-              <a:t>node</a:t>
-            </a:r>
-            <a:r>
-              <a:rPr lang="ja-JP" altLang="en-US" sz="1100"/>
-              <a:t>を探索 </a:t>
-            </a:r>
-            <a:r>
-              <a:rPr lang="en-US" altLang="ja-JP" sz="1100"/>
-              <a:t>-&gt; Post</a:t>
-            </a:r>
-            <a:r>
-              <a:rPr lang="ja-JP" altLang="en-US" sz="1100"/>
-              <a:t>ひとつひとつの</a:t>
-            </a:r>
-            <a:r>
-              <a:rPr lang="en-US" altLang="ja-JP" sz="1100"/>
-              <a:t>Node</a:t>
-            </a:r>
-            <a:r>
-              <a:rPr lang="ja-JP" altLang="en-US" sz="1100"/>
-              <a:t>をリストで取得</a:t>
-            </a:r>
-            <a:r>
-              <a:rPr lang="en-US" altLang="ja-JP" sz="1100"/>
-              <a:t>-&gt;Post</a:t>
-            </a:r>
-            <a:r>
-              <a:rPr lang="ja-JP" altLang="en-US" sz="1100"/>
-              <a:t>の中のデータを抽出</a:t>
-            </a:r>
-            <a:br>
-              <a:rPr lang="en-US" altLang="ja-JP" sz="1100"/>
-            </a:br>
-            <a:r>
-              <a:rPr lang="ja-JP" altLang="en-US" sz="1100"/>
-              <a:t>各</a:t>
-            </a:r>
-            <a:r>
-              <a:rPr lang="en-US" altLang="ja-JP" sz="1100"/>
-              <a:t>Post</a:t>
-            </a:r>
-            <a:r>
-              <a:rPr lang="ja-JP" altLang="en-US" sz="1100"/>
-              <a:t>の</a:t>
-            </a:r>
-            <a:r>
-              <a:rPr lang="en-US" altLang="ja-JP" sz="1100"/>
-              <a:t>Node</a:t>
-            </a:r>
-            <a:r>
-              <a:rPr lang="ja-JP" altLang="en-US" sz="1100"/>
-              <a:t>から更に</a:t>
-            </a:r>
-            <a:r>
-              <a:rPr lang="en-US" altLang="ja-JP" sz="1100"/>
-              <a:t>Node</a:t>
-            </a:r>
-            <a:r>
-              <a:rPr lang="ja-JP" altLang="en-US" sz="1100"/>
-              <a:t>を深く掘る場合は、</a:t>
-            </a:r>
-            <a:r>
-              <a:rPr lang="en-US" altLang="ja-JP" sz="1100"/>
-              <a:t>Interface</a:t>
-            </a:r>
-            <a:r>
-              <a:rPr lang="ja-JP" altLang="en-US" sz="1100"/>
-              <a:t>とは別にメソッドを定義</a:t>
-            </a:r>
-            <a:r>
-              <a:rPr lang="en-US" altLang="ja-JP" sz="1100"/>
-              <a:t>(</a:t>
-            </a:r>
-            <a:r>
-              <a:rPr lang="en-US" altLang="ja-JP" sz="1100" err="1"/>
-              <a:t>GetTextNode</a:t>
-            </a:r>
-            <a:r>
-              <a:rPr lang="ja-JP" altLang="en-US" sz="1100"/>
-              <a:t>など</a:t>
-            </a:r>
-            <a:r>
-              <a:rPr lang="en-US" altLang="ja-JP" sz="1100"/>
-              <a:t>)</a:t>
-            </a:r>
-          </a:p>
-          <a:p>
-            <a:r>
-              <a:rPr lang="ja-JP" altLang="en-US" sz="1100"/>
-              <a:t>・</a:t>
-            </a:r>
-            <a:r>
-              <a:rPr lang="en-US" altLang="ja-JP" sz="1100"/>
-              <a:t>public </a:t>
-            </a:r>
-            <a:r>
-              <a:rPr lang="en-US" altLang="ja-JP" sz="1100" err="1"/>
-              <a:t>GetPostsNode</a:t>
-            </a:r>
-            <a:r>
-              <a:rPr lang="en-US" altLang="ja-JP" sz="1100"/>
-              <a:t>(</a:t>
-            </a:r>
-            <a:r>
-              <a:rPr lang="en-US" altLang="ja-JP" sz="1100" err="1"/>
-              <a:t>HtmlDocument</a:t>
-            </a:r>
-            <a:r>
-              <a:rPr lang="en-US" altLang="ja-JP" sz="1100"/>
-              <a:t> doc)</a:t>
-            </a:r>
-          </a:p>
-          <a:p>
-            <a:r>
-              <a:rPr lang="ja-JP" altLang="en-US" sz="1100"/>
-              <a:t>・</a:t>
-            </a:r>
-            <a:r>
-              <a:rPr lang="en-US" altLang="ja-JP" sz="1100"/>
-              <a:t>public </a:t>
-            </a:r>
-            <a:r>
-              <a:rPr lang="en-US" altLang="ja-JP" sz="1100" err="1"/>
-              <a:t>GetPostNode</a:t>
-            </a:r>
-            <a:r>
-              <a:rPr lang="en-US" altLang="ja-JP" sz="1100"/>
-              <a:t>(HtmlNode </a:t>
-            </a:r>
-            <a:r>
-              <a:rPr lang="en-US" altLang="ja-JP" sz="1100" err="1"/>
-              <a:t>postsNode</a:t>
-            </a:r>
-            <a:r>
-              <a:rPr lang="en-US" altLang="ja-JP" sz="1100"/>
-              <a:t>)</a:t>
-            </a:r>
-          </a:p>
-          <a:p>
-            <a:r>
-              <a:rPr lang="ja-JP" altLang="en-US" sz="1100"/>
-              <a:t>・</a:t>
-            </a:r>
-            <a:r>
-              <a:rPr lang="en-US" altLang="ja-JP" sz="1100"/>
-              <a:t>public </a:t>
-            </a:r>
-            <a:r>
-              <a:rPr lang="en-US" altLang="ja-JP" sz="1100" err="1"/>
-              <a:t>GetTextNode</a:t>
-            </a:r>
-            <a:r>
-              <a:rPr lang="en-US" altLang="ja-JP" sz="1100"/>
-              <a:t>(HtmlNode postNode)</a:t>
-            </a:r>
-          </a:p>
-          <a:p>
-            <a:r>
-              <a:rPr lang="ja-JP" altLang="en-US" sz="1100"/>
-              <a:t>・</a:t>
-            </a:r>
-            <a:r>
-              <a:rPr lang="en-US" altLang="ja-JP" sz="1100"/>
-              <a:t>public GetText(HtmlNode </a:t>
-            </a:r>
-            <a:r>
-              <a:rPr lang="en-US" altLang="ja-JP" sz="1100" err="1"/>
-              <a:t>TextNode</a:t>
-            </a:r>
-            <a:r>
-              <a:rPr lang="en-US" altLang="ja-JP" sz="1100"/>
-              <a:t>)</a:t>
-            </a:r>
-          </a:p>
-          <a:p>
-            <a:r>
-              <a:rPr lang="ja-JP" altLang="en-US" sz="1100"/>
-              <a:t>・</a:t>
-            </a:r>
-            <a:r>
-              <a:rPr lang="en-US" altLang="ja-JP" sz="1100"/>
-              <a:t>public </a:t>
-            </a:r>
-            <a:r>
-              <a:rPr lang="en-US" altLang="ja-JP" sz="1100" err="1"/>
-              <a:t>GetDateNode</a:t>
-            </a:r>
-            <a:r>
-              <a:rPr lang="en-US" altLang="ja-JP" sz="1100"/>
-              <a:t>(HtmlNode postNode)</a:t>
-            </a:r>
-          </a:p>
-          <a:p>
-            <a:r>
-              <a:rPr lang="ja-JP" altLang="en-US" sz="1100"/>
-              <a:t>・</a:t>
-            </a:r>
-            <a:r>
-              <a:rPr lang="en-US" altLang="ja-JP" sz="1100"/>
-              <a:t>public </a:t>
-            </a:r>
-            <a:r>
-              <a:rPr lang="en-US" altLang="ja-JP" sz="1100" err="1"/>
-              <a:t>GetDate</a:t>
-            </a:r>
-            <a:r>
-              <a:rPr lang="en-US" altLang="ja-JP" sz="1100"/>
-              <a:t>(HtmlNode </a:t>
-            </a:r>
-            <a:r>
-              <a:rPr lang="en-US" altLang="ja-JP" sz="1100" err="1"/>
-              <a:t>DateNode</a:t>
-            </a:r>
-            <a:r>
-              <a:rPr lang="en-US" altLang="ja-JP" sz="1100"/>
-              <a:t>)</a:t>
-            </a:r>
-          </a:p>
-          <a:p>
-            <a:r>
-              <a:rPr lang="ja-JP" altLang="en-US" sz="1100"/>
-              <a:t>・</a:t>
-            </a:r>
-            <a:r>
-              <a:rPr lang="en-US" altLang="ja-JP" sz="1100"/>
-              <a:t>public </a:t>
-            </a:r>
-            <a:r>
-              <a:rPr lang="en-US" altLang="ja-JP" sz="1100" err="1"/>
-              <a:t>GetUserIdNode</a:t>
-            </a:r>
-            <a:r>
-              <a:rPr lang="en-US" altLang="ja-JP" sz="1100"/>
-              <a:t>(HtmlNode postNode)</a:t>
-            </a:r>
-          </a:p>
-          <a:p>
-            <a:r>
-              <a:rPr lang="ja-JP" altLang="en-US" sz="1100"/>
-              <a:t>・</a:t>
-            </a:r>
-            <a:r>
-              <a:rPr lang="en-US" altLang="ja-JP" sz="1100"/>
-              <a:t>public </a:t>
-            </a:r>
-            <a:r>
-              <a:rPr lang="en-US" altLang="ja-JP" sz="1100" err="1"/>
-              <a:t>GetUserId</a:t>
-            </a:r>
-            <a:r>
-              <a:rPr lang="en-US" altLang="ja-JP" sz="1100"/>
-              <a:t>(HtmlNode </a:t>
-            </a:r>
-            <a:r>
-              <a:rPr lang="en-US" altLang="ja-JP" sz="1100" err="1"/>
-              <a:t>UserIdNode</a:t>
-            </a:r>
-            <a:r>
-              <a:rPr lang="en-US" altLang="ja-JP" sz="1100"/>
-              <a:t>)</a:t>
-            </a:r>
-          </a:p>
-        </p:txBody>
-      </p:sp>
-      <p:sp>
-        <p:nvSpPr>
-          <p:cNvPr id="12" name="正方形/長方形 11">
-            <a:extLst>
-              <a:ext uri="{FF2B5EF4-FFF2-40B4-BE49-F238E27FC236}">
-                <a16:creationId xmlns:a16="http://schemas.microsoft.com/office/drawing/2014/main" id="{76C38A58-811E-EBB0-6496-0A416BB3EEAD}"/>
-              </a:ext>
-            </a:extLst>
-          </p:cNvPr>
-          <p:cNvSpPr/>
-          <p:nvPr/>
-        </p:nvSpPr>
-        <p:spPr>
-          <a:xfrm>
-            <a:off x="8603672" y="3444874"/>
-            <a:ext cx="2456873" cy="373497"/>
-          </a:xfrm>
-          <a:prstGeom prst="rect">
-            <a:avLst/>
-          </a:prstGeom>
-        </p:spPr>
-        <p:style>
-          <a:lnRef idx="2">
-            <a:schemeClr val="accent1">
-              <a:shade val="15000"/>
-            </a:schemeClr>
-          </a:lnRef>
-          <a:fillRef idx="1">
-            <a:schemeClr val="accent1"/>
-          </a:fillRef>
-          <a:effectRef idx="0">
-            <a:schemeClr val="accent1"/>
-          </a:effectRef>
-          <a:fontRef idx="minor">
-            <a:schemeClr val="lt1"/>
-          </a:fontRef>
-        </p:style>
-        <p:txBody>
-          <a:bodyPr rtlCol="0" anchor="ctr"/>
-          <a:lstStyle/>
-          <a:p>
-            <a:pPr algn="ctr"/>
-            <a:r>
-              <a:rPr kumimoji="1" lang="en-US" altLang="ja-JP" err="1"/>
-              <a:t>IscraperLogic</a:t>
-            </a:r>
-            <a:endParaRPr kumimoji="1" lang="ja-JP" altLang="en-US"/>
-          </a:p>
-        </p:txBody>
-      </p:sp>
-      <p:sp>
-        <p:nvSpPr>
-          <p:cNvPr id="13" name="テキスト ボックス 12">
-            <a:extLst>
-              <a:ext uri="{FF2B5EF4-FFF2-40B4-BE49-F238E27FC236}">
-                <a16:creationId xmlns:a16="http://schemas.microsoft.com/office/drawing/2014/main" id="{5BCDE297-3115-E0E3-878B-CAF88AFDA553}"/>
-              </a:ext>
-            </a:extLst>
-          </p:cNvPr>
-          <p:cNvSpPr txBox="1"/>
-          <p:nvPr/>
-        </p:nvSpPr>
-        <p:spPr>
-          <a:xfrm>
-            <a:off x="8767621" y="1694896"/>
-            <a:ext cx="3043383" cy="276999"/>
-          </a:xfrm>
-          <a:prstGeom prst="rect">
-            <a:avLst/>
-          </a:prstGeom>
-          <a:noFill/>
-        </p:spPr>
-        <p:txBody>
-          <a:bodyPr wrap="square" rtlCol="0">
-            <a:spAutoFit/>
-          </a:bodyPr>
-          <a:lstStyle/>
-          <a:p>
-            <a:r>
-              <a:rPr lang="ja-JP" altLang="en-US" sz="1200"/>
-              <a:t>・</a:t>
-            </a:r>
-            <a:r>
-              <a:rPr lang="en-US" altLang="ja-JP" sz="1200"/>
-              <a:t>public </a:t>
-            </a:r>
-            <a:r>
-              <a:rPr lang="en-US" altLang="ja-JP" sz="1200" err="1"/>
-              <a:t>GetPosts</a:t>
-            </a:r>
-            <a:r>
-              <a:rPr lang="en-US" altLang="ja-JP" sz="1200"/>
-              <a:t>()</a:t>
-            </a:r>
-            <a:endParaRPr kumimoji="1" lang="ja-JP" altLang="en-US" sz="1200"/>
-          </a:p>
-        </p:txBody>
-      </p:sp>
-      <p:sp>
-        <p:nvSpPr>
-          <p:cNvPr id="14" name="テキスト ボックス 13">
-            <a:extLst>
-              <a:ext uri="{FF2B5EF4-FFF2-40B4-BE49-F238E27FC236}">
-                <a16:creationId xmlns:a16="http://schemas.microsoft.com/office/drawing/2014/main" id="{D6E3DE33-A554-FD11-CC99-3CB841505A77}"/>
-              </a:ext>
-            </a:extLst>
-          </p:cNvPr>
-          <p:cNvSpPr txBox="1"/>
-          <p:nvPr/>
-        </p:nvSpPr>
-        <p:spPr>
-          <a:xfrm>
-            <a:off x="380995" y="576516"/>
-            <a:ext cx="8386625" cy="523220"/>
-          </a:xfrm>
-          <a:prstGeom prst="rect">
-            <a:avLst/>
-          </a:prstGeom>
-          <a:noFill/>
-        </p:spPr>
-        <p:txBody>
-          <a:bodyPr wrap="square" rtlCol="0">
-            <a:spAutoFit/>
-          </a:bodyPr>
-          <a:lstStyle/>
-          <a:p>
-            <a:r>
-              <a:rPr lang="en-US" altLang="ja-JP" sz="1400" b="1" err="1"/>
-              <a:t>ScraperOwner</a:t>
-            </a:r>
-            <a:r>
-              <a:rPr lang="ja-JP" altLang="en-US" sz="1400" b="1"/>
-              <a:t>は</a:t>
-            </a:r>
-            <a:r>
-              <a:rPr lang="en-US" altLang="ja-JP" sz="1400" b="1"/>
-              <a:t>1</a:t>
-            </a:r>
-            <a:r>
-              <a:rPr lang="ja-JP" altLang="en-US" sz="1400" b="1"/>
-              <a:t>つ</a:t>
-            </a:r>
-            <a:endParaRPr lang="en-US" altLang="ja-JP" sz="1400" b="1"/>
-          </a:p>
-          <a:p>
-            <a:r>
-              <a:rPr kumimoji="1" lang="ja-JP" altLang="en-US" sz="1400" b="1"/>
-              <a:t>サイト毎の処理は</a:t>
-            </a:r>
-            <a:r>
-              <a:rPr kumimoji="1" lang="en-US" altLang="ja-JP" sz="1400" b="1" err="1"/>
-              <a:t>ScraperLogic</a:t>
-            </a:r>
-            <a:r>
-              <a:rPr kumimoji="1" lang="ja-JP" altLang="en-US" sz="1400" b="1"/>
-              <a:t>で実装し</a:t>
-            </a:r>
-            <a:r>
-              <a:rPr kumimoji="1" lang="en-US" altLang="ja-JP" sz="1400" b="1"/>
-              <a:t>(</a:t>
-            </a:r>
-            <a:r>
-              <a:rPr kumimoji="1" lang="ja-JP" altLang="en-US" sz="1400" b="1"/>
-              <a:t>サイト</a:t>
-            </a:r>
-            <a:r>
-              <a:rPr kumimoji="1" lang="en-US" altLang="ja-JP" sz="1400" b="1"/>
-              <a:t>1 </a:t>
-            </a:r>
-            <a:r>
-              <a:rPr lang="en-US" altLang="ja-JP" sz="1400" b="1"/>
-              <a:t>: </a:t>
-            </a:r>
-            <a:r>
-              <a:rPr kumimoji="1" lang="en-US" altLang="ja-JP" sz="1400" b="1"/>
-              <a:t>ScraperLogic1)</a:t>
-            </a:r>
-            <a:r>
-              <a:rPr kumimoji="1" lang="ja-JP" altLang="en-US" sz="1400" b="1"/>
-              <a:t>、</a:t>
-            </a:r>
-            <a:r>
-              <a:rPr kumimoji="1" lang="en-US" altLang="ja-JP" sz="1400" b="1" err="1"/>
-              <a:t>ScraperOwner</a:t>
-            </a:r>
-            <a:r>
-              <a:rPr kumimoji="1" lang="ja-JP" altLang="en-US" sz="1400" b="1"/>
-              <a:t>に提供する</a:t>
-            </a:r>
-          </a:p>
-        </p:txBody>
-      </p:sp>
-      <p:sp>
-        <p:nvSpPr>
-          <p:cNvPr id="16" name="テキスト ボックス 15">
-            <a:extLst>
-              <a:ext uri="{FF2B5EF4-FFF2-40B4-BE49-F238E27FC236}">
-                <a16:creationId xmlns:a16="http://schemas.microsoft.com/office/drawing/2014/main" id="{D67DADA6-49BB-714D-F72F-831ACF370ACD}"/>
-              </a:ext>
-            </a:extLst>
-          </p:cNvPr>
-          <p:cNvSpPr txBox="1"/>
-          <p:nvPr/>
-        </p:nvSpPr>
-        <p:spPr>
-          <a:xfrm>
-            <a:off x="2466109" y="138545"/>
-            <a:ext cx="2309091" cy="369332"/>
-          </a:xfrm>
-          <a:prstGeom prst="rect">
-            <a:avLst/>
-          </a:prstGeom>
-          <a:noFill/>
-        </p:spPr>
-        <p:txBody>
-          <a:bodyPr wrap="square" rtlCol="0">
-            <a:spAutoFit/>
-          </a:bodyPr>
-          <a:lstStyle/>
-          <a:p>
-            <a:r>
-              <a:rPr kumimoji="1" lang="en-US" altLang="ja-JP"/>
-              <a:t>Scraper</a:t>
-            </a:r>
-            <a:r>
-              <a:rPr kumimoji="1" lang="ja-JP" altLang="en-US"/>
-              <a:t>設計</a:t>
-            </a:r>
-          </a:p>
-        </p:txBody>
-      </p:sp>
-      <p:cxnSp>
-        <p:nvCxnSpPr>
-          <p:cNvPr id="18" name="直線矢印コネクタ 17">
-            <a:extLst>
-              <a:ext uri="{FF2B5EF4-FFF2-40B4-BE49-F238E27FC236}">
-                <a16:creationId xmlns:a16="http://schemas.microsoft.com/office/drawing/2014/main" id="{30C21D28-345C-CB17-E6CA-567007C00A06}"/>
-              </a:ext>
-            </a:extLst>
-          </p:cNvPr>
-          <p:cNvCxnSpPr/>
-          <p:nvPr/>
-        </p:nvCxnSpPr>
-        <p:spPr>
-          <a:xfrm flipH="1">
-            <a:off x="4775200" y="1403927"/>
-            <a:ext cx="3445164" cy="0"/>
-          </a:xfrm>
-          <a:prstGeom prst="straightConnector1">
-            <a:avLst/>
-          </a:prstGeom>
-          <a:ln>
-            <a:tailEnd type="triangle"/>
-          </a:ln>
-        </p:spPr>
-        <p:style>
-          <a:lnRef idx="2">
-            <a:schemeClr val="accent1"/>
-          </a:lnRef>
-          <a:fillRef idx="0">
-            <a:schemeClr val="accent1"/>
-          </a:fillRef>
-          <a:effectRef idx="1">
-            <a:schemeClr val="accent1"/>
-          </a:effectRef>
-          <a:fontRef idx="minor">
-            <a:schemeClr val="tx1"/>
-          </a:fontRef>
-        </p:style>
-      </p:cxnSp>
-      <p:cxnSp>
-        <p:nvCxnSpPr>
-          <p:cNvPr id="19" name="直線矢印コネクタ 18">
-            <a:extLst>
-              <a:ext uri="{FF2B5EF4-FFF2-40B4-BE49-F238E27FC236}">
-                <a16:creationId xmlns:a16="http://schemas.microsoft.com/office/drawing/2014/main" id="{57141325-AFC9-0753-A6E6-9C74DD8F6C04}"/>
-              </a:ext>
-            </a:extLst>
-          </p:cNvPr>
-          <p:cNvCxnSpPr/>
-          <p:nvPr/>
-        </p:nvCxnSpPr>
-        <p:spPr>
-          <a:xfrm flipH="1">
-            <a:off x="4775200" y="3634509"/>
-            <a:ext cx="3445164" cy="0"/>
-          </a:xfrm>
-          <a:prstGeom prst="straightConnector1">
-            <a:avLst/>
-          </a:prstGeom>
-          <a:ln>
-            <a:tailEnd type="triangle"/>
-          </a:ln>
-        </p:spPr>
-        <p:style>
-          <a:lnRef idx="2">
-            <a:schemeClr val="accent1"/>
-          </a:lnRef>
-          <a:fillRef idx="0">
-            <a:schemeClr val="accent1"/>
-          </a:fillRef>
-          <a:effectRef idx="1">
-            <a:schemeClr val="accent1"/>
-          </a:effectRef>
-          <a:fontRef idx="minor">
-            <a:schemeClr val="tx1"/>
-          </a:fontRef>
-        </p:style>
-      </p:cxnSp>
-      <p:sp>
-        <p:nvSpPr>
-          <p:cNvPr id="20" name="テキスト ボックス 19">
-            <a:extLst>
-              <a:ext uri="{FF2B5EF4-FFF2-40B4-BE49-F238E27FC236}">
-                <a16:creationId xmlns:a16="http://schemas.microsoft.com/office/drawing/2014/main" id="{10CDF77C-71BF-C552-BC55-F13D960A138E}"/>
-              </a:ext>
-            </a:extLst>
-          </p:cNvPr>
-          <p:cNvSpPr txBox="1"/>
-          <p:nvPr/>
-        </p:nvSpPr>
-        <p:spPr>
-          <a:xfrm>
-            <a:off x="5063837" y="1403927"/>
-            <a:ext cx="1260763" cy="307777"/>
-          </a:xfrm>
-          <a:prstGeom prst="rect">
-            <a:avLst/>
-          </a:prstGeom>
-          <a:noFill/>
-        </p:spPr>
-        <p:txBody>
-          <a:bodyPr wrap="square" rtlCol="0">
-            <a:spAutoFit/>
-          </a:bodyPr>
-          <a:lstStyle/>
-          <a:p>
-            <a:r>
-              <a:rPr kumimoji="1" lang="ja-JP" altLang="en-US" sz="1400"/>
-              <a:t>実装</a:t>
-            </a:r>
-          </a:p>
-        </p:txBody>
-      </p:sp>
-      <p:sp>
-        <p:nvSpPr>
-          <p:cNvPr id="21" name="テキスト ボックス 20">
-            <a:extLst>
-              <a:ext uri="{FF2B5EF4-FFF2-40B4-BE49-F238E27FC236}">
-                <a16:creationId xmlns:a16="http://schemas.microsoft.com/office/drawing/2014/main" id="{6CB25E7C-9360-23B0-F40A-29E246B63AC3}"/>
-              </a:ext>
-            </a:extLst>
-          </p:cNvPr>
-          <p:cNvSpPr txBox="1"/>
-          <p:nvPr/>
-        </p:nvSpPr>
-        <p:spPr>
-          <a:xfrm>
-            <a:off x="4920674" y="3627267"/>
-            <a:ext cx="1260763" cy="307777"/>
-          </a:xfrm>
-          <a:prstGeom prst="rect">
-            <a:avLst/>
-          </a:prstGeom>
-          <a:noFill/>
-        </p:spPr>
-        <p:txBody>
-          <a:bodyPr wrap="square" rtlCol="0">
-            <a:spAutoFit/>
-          </a:bodyPr>
-          <a:lstStyle/>
-          <a:p>
-            <a:r>
-              <a:rPr kumimoji="1" lang="ja-JP" altLang="en-US" sz="1400"/>
-              <a:t>実装</a:t>
-            </a:r>
+          <p:cNvPr id="2" name="タイトル 1">
+            <a:extLst>
+              <a:ext uri="{FF2B5EF4-FFF2-40B4-BE49-F238E27FC236}">
+                <a16:creationId xmlns:a16="http://schemas.microsoft.com/office/drawing/2014/main" id="{8ABD4CD9-BF1F-A723-037F-30294D7C779D}"/>
+              </a:ext>
+            </a:extLst>
+          </p:cNvPr>
+          <p:cNvSpPr>
+            <a:spLocks noGrp="1"/>
+          </p:cNvSpPr>
+          <p:nvPr>
+            <p:ph type="title"/>
+          </p:nvPr>
+        </p:nvSpPr>
+        <p:spPr>
+          <a:xfrm>
+            <a:off x="1809750" y="2355850"/>
+            <a:ext cx="9105900" cy="1325563"/>
+          </a:xfrm>
+        </p:spPr>
+        <p:txBody>
+          <a:bodyPr/>
+          <a:lstStyle/>
+          <a:p>
+            <a:r>
+              <a:rPr lang="ja-JP" altLang="en-US" sz="9600" b="1"/>
+              <a:t>ここから下</a:t>
+            </a:r>
+            <a:r>
+              <a:rPr lang="en-US" altLang="ja-JP" sz="9600" b="1"/>
+              <a:t>OLD</a:t>
+            </a:r>
+            <a:endParaRPr lang="ja-JP" altLang="en-US" sz="9600" b="1"/>
           </a:p>
         </p:txBody>
       </p:sp>
     </p:spTree>
     <p:extLst>
       <p:ext uri="{BB962C8B-B14F-4D97-AF65-F5344CB8AC3E}">
-        <p14:creationId xmlns:p14="http://schemas.microsoft.com/office/powerpoint/2010/main" val="471335971"/>
+        <p14:creationId xmlns:p14="http://schemas.microsoft.com/office/powerpoint/2010/main" val="3940818514"/>
       </p:ext>
     </p:extLst>
   </p:cSld>
@@ -11084,48 +12416,12 @@
           <a:chExt cx="0" cy="0"/>
         </a:xfrm>
       </p:grpSpPr>
-      <p:pic>
-        <p:nvPicPr>
-          <p:cNvPr id="12" name="グラフィックス 11" descr="ブラウザー ウィンドウ 枠線">
-            <a:extLst>
-              <a:ext uri="{FF2B5EF4-FFF2-40B4-BE49-F238E27FC236}">
-                <a16:creationId xmlns:a16="http://schemas.microsoft.com/office/drawing/2014/main" id="{465DDB9D-67C7-CF66-E2F9-AE85AAF08F90}"/>
-              </a:ext>
-            </a:extLst>
-          </p:cNvPr>
-          <p:cNvPicPr>
-            <a:picLocks noChangeAspect="1"/>
-          </p:cNvPicPr>
-          <p:nvPr/>
-        </p:nvPicPr>
-        <p:blipFill>
-          <a:blip r:embed="rId2">
-            <a:extLst>
-              <a:ext uri="{96DAC541-7B7A-43D3-8B79-37D633B846F1}">
-                <asvg:svgBlip xmlns:asvg="http://schemas.microsoft.com/office/drawing/2016/SVG/main" r:embed="rId3"/>
-              </a:ext>
-            </a:extLst>
-          </a:blip>
-          <a:stretch>
-            <a:fillRect/>
-          </a:stretch>
-        </p:blipFill>
-        <p:spPr>
-          <a:xfrm>
-            <a:off x="315787" y="1693716"/>
-            <a:ext cx="1140691" cy="914400"/>
-          </a:xfrm>
-          <a:prstGeom prst="rect">
-            <a:avLst/>
-          </a:prstGeom>
-        </p:spPr>
-      </p:pic>
-      <p:sp>
-        <p:nvSpPr>
-          <p:cNvPr id="15" name="四角形: 角を丸くする 14">
-            <a:extLst>
-              <a:ext uri="{FF2B5EF4-FFF2-40B4-BE49-F238E27FC236}">
-                <a16:creationId xmlns:a16="http://schemas.microsoft.com/office/drawing/2014/main" id="{73DA935B-B506-38E3-FDEA-4E4F05D6EBB9}"/>
+      <p:sp>
+        <p:nvSpPr>
+          <p:cNvPr id="4" name="四角形: 角を丸くする 3">
+            <a:extLst>
+              <a:ext uri="{FF2B5EF4-FFF2-40B4-BE49-F238E27FC236}">
+                <a16:creationId xmlns:a16="http://schemas.microsoft.com/office/drawing/2014/main" id="{3540B7E7-F392-A62A-5C50-1E2172A17FBF}"/>
               </a:ext>
             </a:extLst>
           </p:cNvPr>
@@ -11134,7 +12430,7 @@
         </p:nvSpPr>
         <p:spPr>
           <a:xfrm>
-            <a:off x="3139423" y="1936278"/>
+            <a:off x="1895148" y="1353730"/>
             <a:ext cx="1319649" cy="429276"/>
           </a:xfrm>
           <a:prstGeom prst="roundRect">
@@ -11163,25 +12459,19 @@
           <a:p>
             <a:pPr algn="ctr"/>
             <a:r>
-              <a:rPr lang="ja-JP" altLang="en-US" sz="1100"/>
-              <a:t>スクレイパー</a:t>
-            </a:r>
-            <a:br>
-              <a:rPr lang="en-US" altLang="ja-JP" sz="1100"/>
-            </a:br>
-            <a:r>
-              <a:rPr lang="en-US" altLang="ja-JP" sz="1100"/>
-              <a:t>Interface</a:t>
-            </a:r>
-          </a:p>
-        </p:txBody>
-      </p:sp>
-      <p:sp>
-        <p:nvSpPr>
-          <p:cNvPr id="16" name="四角形: 角を丸くする 15">
-            <a:extLst>
-              <a:ext uri="{FF2B5EF4-FFF2-40B4-BE49-F238E27FC236}">
-                <a16:creationId xmlns:a16="http://schemas.microsoft.com/office/drawing/2014/main" id="{DDB01894-7608-0F99-D88D-7CA8CF2A629C}"/>
+              <a:rPr lang="en-US" altLang="ja-JP" sz="1100" err="1"/>
+              <a:t>ScraperConfig</a:t>
+            </a:r>
+            <a:endParaRPr lang="en-US" altLang="ja-JP" sz="1100"/>
+          </a:p>
+        </p:txBody>
+      </p:sp>
+      <p:sp>
+        <p:nvSpPr>
+          <p:cNvPr id="5" name="四角形: 角を丸くする 4">
+            <a:extLst>
+              <a:ext uri="{FF2B5EF4-FFF2-40B4-BE49-F238E27FC236}">
+                <a16:creationId xmlns:a16="http://schemas.microsoft.com/office/drawing/2014/main" id="{23F1DC69-E699-650D-B663-CA131535E2AC}"/>
               </a:ext>
             </a:extLst>
           </p:cNvPr>
@@ -11190,12 +12480,18 @@
         </p:nvSpPr>
         <p:spPr>
           <a:xfrm>
-            <a:off x="1564415" y="1998805"/>
-            <a:ext cx="924785" cy="249543"/>
+            <a:off x="7970982" y="1353730"/>
+            <a:ext cx="1930399" cy="429276"/>
           </a:xfrm>
           <a:prstGeom prst="roundRect">
             <a:avLst/>
           </a:prstGeom>
+          <a:solidFill>
+            <a:schemeClr val="accent1">
+              <a:lumMod val="40000"/>
+              <a:lumOff val="60000"/>
+            </a:schemeClr>
+          </a:solidFill>
         </p:spPr>
         <p:style>
           <a:lnRef idx="2">
@@ -11219,128 +12515,31 @@
           <a:p>
             <a:pPr algn="ctr"/>
             <a:r>
-              <a:rPr lang="ja-JP" altLang="en-US" sz="900"/>
-              <a:t>スクレイパー</a:t>
-            </a:r>
-            <a:endParaRPr lang="en-US" altLang="ja-JP" sz="900"/>
-          </a:p>
-        </p:txBody>
-      </p:sp>
-      <p:sp>
-        <p:nvSpPr>
-          <p:cNvPr id="57" name="四角形: 角を丸くする 56">
-            <a:extLst>
-              <a:ext uri="{FF2B5EF4-FFF2-40B4-BE49-F238E27FC236}">
-                <a16:creationId xmlns:a16="http://schemas.microsoft.com/office/drawing/2014/main" id="{D62F9A93-58F9-6E17-CC63-6836F6573395}"/>
-              </a:ext>
-            </a:extLst>
-          </p:cNvPr>
-          <p:cNvSpPr/>
-          <p:nvPr/>
-        </p:nvSpPr>
-        <p:spPr>
-          <a:xfrm>
-            <a:off x="4640634" y="3404298"/>
-            <a:ext cx="1211242" cy="574834"/>
-          </a:xfrm>
-          <a:prstGeom prst="roundRect">
-            <a:avLst/>
-          </a:prstGeom>
-        </p:spPr>
-        <p:style>
-          <a:lnRef idx="2">
-            <a:schemeClr val="accent1">
-              <a:shade val="15000"/>
-            </a:schemeClr>
-          </a:lnRef>
-          <a:fillRef idx="1">
-            <a:schemeClr val="accent1"/>
-          </a:fillRef>
-          <a:effectRef idx="0">
-            <a:schemeClr val="accent1"/>
-          </a:effectRef>
-          <a:fontRef idx="minor">
-            <a:schemeClr val="lt1"/>
-          </a:fontRef>
-        </p:style>
-        <p:txBody>
-          <a:bodyPr rtlCol="0" anchor="ctr"/>
-          <a:lstStyle/>
-          <a:p>
-            <a:pPr algn="ctr"/>
-            <a:r>
-              <a:rPr lang="en-US" altLang="ja-JP"/>
-              <a:t>UI</a:t>
-            </a:r>
-          </a:p>
-        </p:txBody>
-      </p:sp>
-      <p:sp>
-        <p:nvSpPr>
-          <p:cNvPr id="58" name="四角形: 角を丸くする 57">
-            <a:extLst>
-              <a:ext uri="{FF2B5EF4-FFF2-40B4-BE49-F238E27FC236}">
-                <a16:creationId xmlns:a16="http://schemas.microsoft.com/office/drawing/2014/main" id="{8D28EBA5-7EB1-B73B-98C8-05CED8660590}"/>
-              </a:ext>
-            </a:extLst>
-          </p:cNvPr>
-          <p:cNvSpPr/>
-          <p:nvPr/>
-        </p:nvSpPr>
-        <p:spPr>
-          <a:xfrm>
-            <a:off x="4640634" y="4107981"/>
-            <a:ext cx="1223818" cy="362419"/>
-          </a:xfrm>
-          <a:prstGeom prst="roundRect">
-            <a:avLst/>
-          </a:prstGeom>
-        </p:spPr>
-        <p:style>
-          <a:lnRef idx="2">
-            <a:schemeClr val="accent1"/>
-          </a:lnRef>
-          <a:fillRef idx="1">
-            <a:schemeClr val="lt1"/>
-          </a:fillRef>
-          <a:effectRef idx="0">
-            <a:schemeClr val="accent1"/>
-          </a:effectRef>
-          <a:fontRef idx="minor">
-            <a:schemeClr val="dk1"/>
-          </a:fontRef>
-        </p:style>
-        <p:txBody>
-          <a:bodyPr rtlCol="0" anchor="ctr"/>
-          <a:lstStyle/>
-          <a:p>
-            <a:pPr algn="ctr"/>
-            <a:r>
-              <a:rPr kumimoji="1" lang="ja-JP" altLang="en-US" sz="1200"/>
-              <a:t>レスの表示</a:t>
-            </a:r>
-            <a:endParaRPr kumimoji="1" lang="en-US" altLang="ja-JP" sz="1200"/>
+              <a:rPr lang="en-US" altLang="ja-JP" sz="1100"/>
+              <a:t>AbstractScraperConfig</a:t>
+            </a:r>
           </a:p>
         </p:txBody>
       </p:sp>
       <p:cxnSp>
         <p:nvCxnSpPr>
-          <p:cNvPr id="5" name="直線矢印コネクタ 4">
-            <a:extLst>
-              <a:ext uri="{FF2B5EF4-FFF2-40B4-BE49-F238E27FC236}">
-                <a16:creationId xmlns:a16="http://schemas.microsoft.com/office/drawing/2014/main" id="{75DA2B0F-05E9-FB74-49E6-77FC04BD0196}"/>
+          <p:cNvPr id="6" name="直線矢印コネクタ 5">
+            <a:extLst>
+              <a:ext uri="{FF2B5EF4-FFF2-40B4-BE49-F238E27FC236}">
+                <a16:creationId xmlns:a16="http://schemas.microsoft.com/office/drawing/2014/main" id="{29F0BFF2-B6C4-74EC-1F78-BAAC385CF66E}"/>
               </a:ext>
             </a:extLst>
           </p:cNvPr>
           <p:cNvCxnSpPr>
             <a:cxnSpLocks/>
+            <a:stCxn id="5" idx="1"/>
           </p:cNvCxnSpPr>
           <p:nvPr/>
         </p:nvCxnSpPr>
         <p:spPr>
           <a:xfrm flipH="1">
-            <a:off x="2580774" y="2150916"/>
-            <a:ext cx="467075" cy="0"/>
+            <a:off x="3990814" y="1568368"/>
+            <a:ext cx="3980168" cy="5512"/>
           </a:xfrm>
           <a:prstGeom prst="straightConnector1">
             <a:avLst/>
@@ -11369,7 +12568,7 @@
           <p:cNvPr id="9" name="テキスト ボックス 8">
             <a:extLst>
               <a:ext uri="{FF2B5EF4-FFF2-40B4-BE49-F238E27FC236}">
-                <a16:creationId xmlns:a16="http://schemas.microsoft.com/office/drawing/2014/main" id="{FE99CAE1-007C-CE6D-7FA0-600840FBA169}"/>
+                <a16:creationId xmlns:a16="http://schemas.microsoft.com/office/drawing/2014/main" id="{95FD0F78-DC24-DB92-3AD5-784C75DB2D3F}"/>
               </a:ext>
             </a:extLst>
           </p:cNvPr>
@@ -11378,8 +12577,8 @@
         </p:nvSpPr>
         <p:spPr>
           <a:xfrm>
-            <a:off x="364279" y="234493"/>
-            <a:ext cx="1043709" cy="369332"/>
+            <a:off x="6724073" y="2096654"/>
+            <a:ext cx="4276435" cy="1569660"/>
           </a:xfrm>
           <a:prstGeom prst="rect">
             <a:avLst/>
@@ -11393,60 +12592,188 @@
           <a:lstStyle/>
           <a:p>
             <a:r>
-              <a:rPr kumimoji="1" lang="en-US" altLang="ja-JP" b="1"/>
-              <a:t>Phase1</a:t>
-            </a:r>
-            <a:endParaRPr kumimoji="1" lang="ja-JP" altLang="en-US" b="1"/>
-          </a:p>
-        </p:txBody>
-      </p:sp>
-      <p:cxnSp>
-        <p:nvCxnSpPr>
-          <p:cNvPr id="22" name="コネクタ: カギ線 21">
-            <a:extLst>
-              <a:ext uri="{FF2B5EF4-FFF2-40B4-BE49-F238E27FC236}">
-                <a16:creationId xmlns:a16="http://schemas.microsoft.com/office/drawing/2014/main" id="{32C6FF31-58C3-DA59-878B-5F3F29EE85B4}"/>
-              </a:ext>
-            </a:extLst>
-          </p:cNvPr>
-          <p:cNvCxnSpPr>
-            <a:cxnSpLocks/>
-          </p:cNvCxnSpPr>
-          <p:nvPr/>
-        </p:nvCxnSpPr>
-        <p:spPr>
-          <a:xfrm rot="10800000">
-            <a:off x="2026808" y="2365555"/>
-            <a:ext cx="2432265" cy="1326159"/>
-          </a:xfrm>
-          <a:prstGeom prst="bentConnector3">
-            <a:avLst>
-              <a:gd name="adj1" fmla="val 100126"/>
-            </a:avLst>
-          </a:prstGeom>
-          <a:ln>
-            <a:tailEnd type="triangle"/>
-          </a:ln>
-        </p:spPr>
-        <p:style>
-          <a:lnRef idx="2">
-            <a:schemeClr val="accent1"/>
-          </a:lnRef>
-          <a:fillRef idx="0">
-            <a:schemeClr val="accent1"/>
-          </a:fillRef>
-          <a:effectRef idx="1">
-            <a:schemeClr val="accent1"/>
-          </a:effectRef>
-          <a:fontRef idx="minor">
-            <a:schemeClr val="tx1"/>
-          </a:fontRef>
-        </p:style>
-      </p:cxnSp>
+              <a:rPr lang="en-US" altLang="ja-JP" sz="1200"/>
+              <a:t>LIST_NODE</a:t>
+            </a:r>
+          </a:p>
+          <a:p>
+            <a:r>
+              <a:rPr lang="en-US" altLang="ja-JP" sz="1200"/>
+              <a:t>POST_NODE</a:t>
+            </a:r>
+            <a:r>
+              <a:rPr lang="ja-JP" altLang="en-US" sz="1200"/>
+              <a:t>（複数）</a:t>
+            </a:r>
+          </a:p>
+          <a:p>
+            <a:r>
+              <a:rPr lang="en-US" altLang="ja-JP" sz="1200"/>
+              <a:t>ID_KEY</a:t>
+            </a:r>
+            <a:r>
+              <a:rPr lang="ja-JP" altLang="en-US" sz="1200"/>
+              <a:t>（投稿</a:t>
+            </a:r>
+            <a:r>
+              <a:rPr lang="en-US" altLang="ja-JP" sz="1200"/>
+              <a:t>ID</a:t>
+            </a:r>
+            <a:r>
+              <a:rPr lang="ja-JP" altLang="en-US" sz="1200"/>
+              <a:t>）</a:t>
+            </a:r>
+          </a:p>
+          <a:p>
+            <a:r>
+              <a:rPr lang="en-US" altLang="ja-JP" sz="1200"/>
+              <a:t>USER_ID_KEY</a:t>
+            </a:r>
+            <a:r>
+              <a:rPr lang="ja-JP" altLang="en-US" sz="1200"/>
+              <a:t>（投稿者ユーザー</a:t>
+            </a:r>
+            <a:r>
+              <a:rPr lang="en-US" altLang="ja-JP" sz="1200"/>
+              <a:t>ID</a:t>
+            </a:r>
+            <a:r>
+              <a:rPr lang="ja-JP" altLang="en-US" sz="1200"/>
+              <a:t>）</a:t>
+            </a:r>
+          </a:p>
+          <a:p>
+            <a:r>
+              <a:rPr lang="en-US" altLang="ja-JP" sz="1200"/>
+              <a:t>TEXT_KEY</a:t>
+            </a:r>
+            <a:r>
+              <a:rPr lang="ja-JP" altLang="en-US" sz="1200"/>
+              <a:t>（投稿本文）</a:t>
+            </a:r>
+            <a:endParaRPr lang="en-US" altLang="ja-JP" sz="1200"/>
+          </a:p>
+          <a:p>
+            <a:r>
+              <a:rPr lang="en-US" altLang="ja-JP" sz="1200"/>
+              <a:t>DATE_KEY</a:t>
+            </a:r>
+            <a:r>
+              <a:rPr lang="ja-JP" altLang="en-US" sz="1200"/>
+              <a:t>（投稿日時）</a:t>
+            </a:r>
+          </a:p>
+          <a:p>
+            <a:r>
+              <a:rPr lang="en-US" altLang="ja-JP" sz="1200"/>
+              <a:t>REPLY_KEY</a:t>
+            </a:r>
+            <a:r>
+              <a:rPr lang="ja-JP" altLang="en-US" sz="1200"/>
+              <a:t>（返信情報）</a:t>
+            </a:r>
+          </a:p>
+          <a:p>
+            <a:r>
+              <a:rPr lang="en-US" altLang="ja-JP" sz="1200"/>
+              <a:t>IMAGE_URL_KEY</a:t>
+            </a:r>
+            <a:r>
+              <a:rPr lang="ja-JP" altLang="en-US" sz="1200"/>
+              <a:t>（画像</a:t>
+            </a:r>
+            <a:r>
+              <a:rPr lang="en-US" altLang="ja-JP" sz="1200"/>
+              <a:t>URL</a:t>
+            </a:r>
+            <a:r>
+              <a:rPr lang="ja-JP" altLang="en-US" sz="1200"/>
+              <a:t>）</a:t>
+            </a:r>
+            <a:endParaRPr kumimoji="1" lang="ja-JP" altLang="en-US" sz="1200"/>
+          </a:p>
+        </p:txBody>
+      </p:sp>
+      <p:sp>
+        <p:nvSpPr>
+          <p:cNvPr id="11" name="テキスト ボックス 10">
+            <a:extLst>
+              <a:ext uri="{FF2B5EF4-FFF2-40B4-BE49-F238E27FC236}">
+                <a16:creationId xmlns:a16="http://schemas.microsoft.com/office/drawing/2014/main" id="{1E812395-E1F5-47B4-B8AD-2B5C231E2F6F}"/>
+              </a:ext>
+            </a:extLst>
+          </p:cNvPr>
+          <p:cNvSpPr txBox="1"/>
+          <p:nvPr/>
+        </p:nvSpPr>
+        <p:spPr>
+          <a:xfrm>
+            <a:off x="1219199" y="2281382"/>
+            <a:ext cx="3482109" cy="830997"/>
+          </a:xfrm>
+          <a:prstGeom prst="rect">
+            <a:avLst/>
+          </a:prstGeom>
+          <a:noFill/>
+        </p:spPr>
+        <p:txBody>
+          <a:bodyPr wrap="square" rtlCol="0">
+            <a:spAutoFit/>
+          </a:bodyPr>
+          <a:lstStyle/>
+          <a:p>
+            <a:r>
+              <a:rPr kumimoji="1" lang="en-US" altLang="ja-JP" sz="1200"/>
+              <a:t>PostNode</a:t>
+            </a:r>
+            <a:r>
+              <a:rPr kumimoji="1" lang="ja-JP" altLang="en-US" sz="1200"/>
+              <a:t>とテキストなどがある</a:t>
+            </a:r>
+            <a:r>
+              <a:rPr kumimoji="1" lang="en-US" altLang="ja-JP" sz="1200"/>
+              <a:t>node</a:t>
+            </a:r>
+            <a:r>
+              <a:rPr kumimoji="1" lang="ja-JP" altLang="en-US" sz="1200"/>
+              <a:t>が違う</a:t>
+            </a:r>
+            <a:r>
+              <a:rPr kumimoji="1" lang="en-US" altLang="ja-JP" sz="1200"/>
+              <a:t>(PostNode</a:t>
+            </a:r>
+            <a:r>
+              <a:rPr kumimoji="1" lang="ja-JP" altLang="en-US" sz="1200"/>
+              <a:t>のさらに深い階層にあるなど）場合は、それ用の</a:t>
+            </a:r>
+            <a:r>
+              <a:rPr kumimoji="1" lang="en-US" altLang="ja-JP" sz="1200"/>
+              <a:t>Node</a:t>
+            </a:r>
+            <a:r>
+              <a:rPr kumimoji="1" lang="ja-JP" altLang="en-US" sz="1200"/>
+              <a:t>を保持するフィールドを作成</a:t>
+            </a:r>
+            <a:r>
+              <a:rPr lang="en-US" altLang="ja-JP" sz="1200"/>
+              <a:t>(</a:t>
+            </a:r>
+            <a:r>
+              <a:rPr lang="ja-JP" altLang="en-US" sz="1200"/>
+              <a:t>例</a:t>
+            </a:r>
+            <a:r>
+              <a:rPr lang="en-US" altLang="ja-JP" sz="1200"/>
+              <a:t>)TEXT_NODE</a:t>
+            </a:r>
+            <a:endParaRPr kumimoji="1" lang="ja-JP" altLang="en-US" sz="1200"/>
+          </a:p>
+        </p:txBody>
+      </p:sp>
     </p:spTree>
     <p:extLst>
       <p:ext uri="{BB962C8B-B14F-4D97-AF65-F5344CB8AC3E}">
-        <p14:creationId xmlns:p14="http://schemas.microsoft.com/office/powerpoint/2010/main" val="2342794979"/>
+        <p14:creationId xmlns:p14="http://schemas.microsoft.com/office/powerpoint/2010/main" val="3008477458"/>
       </p:ext>
     </p:extLst>
   </p:cSld>
@@ -11461,13 +12788,7 @@
   <p:cSld>
     <p:spTree>
       <p:nvGrpSpPr>
-        <p:cNvPr id="1" name="">
-          <a:extLst>
-            <a:ext uri="{FF2B5EF4-FFF2-40B4-BE49-F238E27FC236}">
-              <a16:creationId xmlns:a16="http://schemas.microsoft.com/office/drawing/2014/main" id="{0E01A0FD-6600-4447-5329-EAC98EF17E1F}"/>
-            </a:ext>
-          </a:extLst>
-        </p:cNvPr>
+        <p:cNvPr id="1" name=""/>
         <p:cNvGrpSpPr/>
         <p:nvPr/>
       </p:nvGrpSpPr>
@@ -11484,7 +12805,7 @@
           <p:cNvPr id="12" name="グラフィックス 11" descr="ブラウザー ウィンドウ 枠線">
             <a:extLst>
               <a:ext uri="{FF2B5EF4-FFF2-40B4-BE49-F238E27FC236}">
-                <a16:creationId xmlns:a16="http://schemas.microsoft.com/office/drawing/2014/main" id="{B1F820D3-3948-F535-EF84-D9719D8B3728}"/>
+                <a16:creationId xmlns:a16="http://schemas.microsoft.com/office/drawing/2014/main" id="{465DDB9D-67C7-CF66-E2F9-AE85AAF08F90}"/>
               </a:ext>
             </a:extLst>
           </p:cNvPr>
@@ -11520,7 +12841,7 @@
           <p:cNvPr id="15" name="四角形: 角を丸くする 14">
             <a:extLst>
               <a:ext uri="{FF2B5EF4-FFF2-40B4-BE49-F238E27FC236}">
-                <a16:creationId xmlns:a16="http://schemas.microsoft.com/office/drawing/2014/main" id="{86870227-20A5-BC17-9651-D4BFE7BB003B}"/>
+                <a16:creationId xmlns:a16="http://schemas.microsoft.com/office/drawing/2014/main" id="{73DA935B-B506-38E3-FDEA-4E4F05D6EBB9}"/>
               </a:ext>
             </a:extLst>
           </p:cNvPr>
@@ -11576,7 +12897,7 @@
           <p:cNvPr id="16" name="四角形: 角を丸くする 15">
             <a:extLst>
               <a:ext uri="{FF2B5EF4-FFF2-40B4-BE49-F238E27FC236}">
-                <a16:creationId xmlns:a16="http://schemas.microsoft.com/office/drawing/2014/main" id="{5A93CFA8-AC36-E4A1-B8C3-7A6A50CFCD44}"/>
+                <a16:creationId xmlns:a16="http://schemas.microsoft.com/office/drawing/2014/main" id="{DDB01894-7608-0F99-D88D-7CA8CF2A629C}"/>
               </a:ext>
             </a:extLst>
           </p:cNvPr>
@@ -11626,7 +12947,7 @@
           <p:cNvPr id="57" name="四角形: 角を丸くする 56">
             <a:extLst>
               <a:ext uri="{FF2B5EF4-FFF2-40B4-BE49-F238E27FC236}">
-                <a16:creationId xmlns:a16="http://schemas.microsoft.com/office/drawing/2014/main" id="{06024BC9-9394-AC5A-31A7-DB78F1729DFF}"/>
+                <a16:creationId xmlns:a16="http://schemas.microsoft.com/office/drawing/2014/main" id="{D62F9A93-58F9-6E17-CC63-6836F6573395}"/>
               </a:ext>
             </a:extLst>
           </p:cNvPr>
@@ -11670,12 +12991,60 @@
           </a:p>
         </p:txBody>
       </p:sp>
+      <p:sp>
+        <p:nvSpPr>
+          <p:cNvPr id="58" name="四角形: 角を丸くする 57">
+            <a:extLst>
+              <a:ext uri="{FF2B5EF4-FFF2-40B4-BE49-F238E27FC236}">
+                <a16:creationId xmlns:a16="http://schemas.microsoft.com/office/drawing/2014/main" id="{8D28EBA5-7EB1-B73B-98C8-05CED8660590}"/>
+              </a:ext>
+            </a:extLst>
+          </p:cNvPr>
+          <p:cNvSpPr/>
+          <p:nvPr/>
+        </p:nvSpPr>
+        <p:spPr>
+          <a:xfrm>
+            <a:off x="4640634" y="4107981"/>
+            <a:ext cx="1223818" cy="362419"/>
+          </a:xfrm>
+          <a:prstGeom prst="roundRect">
+            <a:avLst/>
+          </a:prstGeom>
+        </p:spPr>
+        <p:style>
+          <a:lnRef idx="2">
+            <a:schemeClr val="accent1"/>
+          </a:lnRef>
+          <a:fillRef idx="1">
+            <a:schemeClr val="lt1"/>
+          </a:fillRef>
+          <a:effectRef idx="0">
+            <a:schemeClr val="accent1"/>
+          </a:effectRef>
+          <a:fontRef idx="minor">
+            <a:schemeClr val="dk1"/>
+          </a:fontRef>
+        </p:style>
+        <p:txBody>
+          <a:bodyPr rtlCol="0" anchor="ctr"/>
+          <a:lstStyle/>
+          <a:p>
+            <a:pPr algn="ctr"/>
+            <a:r>
+              <a:rPr kumimoji="1" lang="ja-JP" altLang="en-US" sz="1200"/>
+              <a:t>レスの表示</a:t>
+            </a:r>
+            <a:endParaRPr kumimoji="1" lang="en-US" altLang="ja-JP" sz="1200"/>
+          </a:p>
+        </p:txBody>
+      </p:sp>
       <p:cxnSp>
         <p:nvCxnSpPr>
           <p:cNvPr id="5" name="直線矢印コネクタ 4">
             <a:extLst>
               <a:ext uri="{FF2B5EF4-FFF2-40B4-BE49-F238E27FC236}">
-                <a16:creationId xmlns:a16="http://schemas.microsoft.com/office/drawing/2014/main" id="{AD4D67EC-25B0-8B42-6FEE-EC60BBA6A9D0}"/>
+                <a16:creationId xmlns:a16="http://schemas.microsoft.com/office/drawing/2014/main" id="{75DA2B0F-05E9-FB74-49E6-77FC04BD0196}"/>
               </a:ext>
             </a:extLst>
           </p:cNvPr>
@@ -11716,7 +13085,7 @@
           <p:cNvPr id="9" name="テキスト ボックス 8">
             <a:extLst>
               <a:ext uri="{FF2B5EF4-FFF2-40B4-BE49-F238E27FC236}">
-                <a16:creationId xmlns:a16="http://schemas.microsoft.com/office/drawing/2014/main" id="{FEB5F75A-D509-65A3-78E6-0083D6207EAA}"/>
+                <a16:creationId xmlns:a16="http://schemas.microsoft.com/office/drawing/2014/main" id="{FE99CAE1-007C-CE6D-7FA0-600840FBA169}"/>
               </a:ext>
             </a:extLst>
           </p:cNvPr>
@@ -11741,7 +13110,7 @@
           <a:p>
             <a:r>
               <a:rPr kumimoji="1" lang="en-US" altLang="ja-JP" b="1"/>
-              <a:t>Phase2</a:t>
+              <a:t>Phase1</a:t>
             </a:r>
             <a:endParaRPr kumimoji="1" lang="ja-JP" altLang="en-US" b="1"/>
           </a:p>
@@ -11752,7 +13121,7 @@
           <p:cNvPr id="22" name="コネクタ: カギ線 21">
             <a:extLst>
               <a:ext uri="{FF2B5EF4-FFF2-40B4-BE49-F238E27FC236}">
-                <a16:creationId xmlns:a16="http://schemas.microsoft.com/office/drawing/2014/main" id="{337F688F-1764-399E-4947-49A1B27A386D}"/>
+                <a16:creationId xmlns:a16="http://schemas.microsoft.com/office/drawing/2014/main" id="{32C6FF31-58C3-DA59-878B-5F3F29EE85B4}"/>
               </a:ext>
             </a:extLst>
           </p:cNvPr>
@@ -11790,77 +13159,10 @@
           </a:fontRef>
         </p:style>
       </p:cxnSp>
-      <p:sp>
-        <p:nvSpPr>
-          <p:cNvPr id="2" name="四角形: 角を丸くする 1">
-            <a:extLst>
-              <a:ext uri="{FF2B5EF4-FFF2-40B4-BE49-F238E27FC236}">
-                <a16:creationId xmlns:a16="http://schemas.microsoft.com/office/drawing/2014/main" id="{8EB12361-9661-26F7-5F05-1260253EE602}"/>
-              </a:ext>
-            </a:extLst>
-          </p:cNvPr>
-          <p:cNvSpPr/>
-          <p:nvPr/>
-        </p:nvSpPr>
-        <p:spPr>
-          <a:xfrm>
-            <a:off x="3431309" y="4181872"/>
-            <a:ext cx="3994727" cy="851947"/>
-          </a:xfrm>
-          <a:prstGeom prst="roundRect">
-            <a:avLst/>
-          </a:prstGeom>
-        </p:spPr>
-        <p:style>
-          <a:lnRef idx="2">
-            <a:schemeClr val="accent1"/>
-          </a:lnRef>
-          <a:fillRef idx="1">
-            <a:schemeClr val="lt1"/>
-          </a:fillRef>
-          <a:effectRef idx="0">
-            <a:schemeClr val="accent1"/>
-          </a:effectRef>
-          <a:fontRef idx="minor">
-            <a:schemeClr val="dk1"/>
-          </a:fontRef>
-        </p:style>
-        <p:txBody>
-          <a:bodyPr rtlCol="0" anchor="ctr"/>
-          <a:lstStyle/>
-          <a:p>
-            <a:pPr algn="ctr"/>
-            <a:r>
-              <a:rPr kumimoji="1" lang="ja-JP" altLang="en-US" sz="1200"/>
-              <a:t>スレッド</a:t>
-            </a:r>
-            <a:r>
-              <a:rPr lang="ja-JP" altLang="en-US" sz="1200"/>
-              <a:t>の人気の可視化</a:t>
-            </a:r>
-            <a:endParaRPr lang="en-US" altLang="ja-JP" sz="1200"/>
-          </a:p>
-          <a:p>
-            <a:pPr algn="ctr"/>
-            <a:r>
-              <a:rPr lang="ja-JP" altLang="en-US" sz="1200"/>
-              <a:t>人気レスの可視化</a:t>
-            </a:r>
-            <a:br>
-              <a:rPr lang="en-US" altLang="ja-JP" sz="1200"/>
-            </a:br>
-            <a:r>
-              <a:rPr lang="ja-JP" altLang="en-US" sz="1200"/>
-              <a:t>勢いの時系列の可視化</a:t>
-            </a:r>
-            <a:endParaRPr kumimoji="1" lang="en-US" altLang="ja-JP" sz="1200"/>
-          </a:p>
-        </p:txBody>
-      </p:sp>
     </p:spTree>
     <p:extLst>
       <p:ext uri="{BB962C8B-B14F-4D97-AF65-F5344CB8AC3E}">
-        <p14:creationId xmlns:p14="http://schemas.microsoft.com/office/powerpoint/2010/main" val="3898769509"/>
+        <p14:creationId xmlns:p14="http://schemas.microsoft.com/office/powerpoint/2010/main" val="2342794979"/>
       </p:ext>
     </p:extLst>
   </p:cSld>
@@ -12169,8 +13471,8 @@
       </a:spPr>
       <a:bodyPr rtlCol="0" anchor="ctr"/>
       <a:lstStyle>
-        <a:defPPr algn="ctr">
-          <a:defRPr sz="800" smtClean="0">
+        <a:defPPr algn="l">
+          <a:defRPr kumimoji="1" sz="800">
             <a:solidFill>
               <a:schemeClr val="tx1"/>
             </a:solidFill>
